--- a/Mitch_Hawaii_talk. .pptx
+++ b/Mitch_Hawaii_talk. .pptx
@@ -5,23 +5,22 @@
     <p:sldMasterId id="2147483648" r:id="rId1"/>
   </p:sldMasterIdLst>
   <p:notesMasterIdLst>
-    <p:notesMasterId r:id="rId16"/>
+    <p:notesMasterId r:id="rId15"/>
   </p:notesMasterIdLst>
   <p:sldIdLst>
     <p:sldId id="256" r:id="rId2"/>
-    <p:sldId id="266" r:id="rId3"/>
-    <p:sldId id="263" r:id="rId4"/>
-    <p:sldId id="267" r:id="rId5"/>
-    <p:sldId id="257" r:id="rId6"/>
-    <p:sldId id="264" r:id="rId7"/>
-    <p:sldId id="260" r:id="rId8"/>
-    <p:sldId id="269" r:id="rId9"/>
-    <p:sldId id="259" r:id="rId10"/>
-    <p:sldId id="265" r:id="rId11"/>
-    <p:sldId id="268" r:id="rId12"/>
-    <p:sldId id="258" r:id="rId13"/>
-    <p:sldId id="261" r:id="rId14"/>
-    <p:sldId id="262" r:id="rId15"/>
+    <p:sldId id="263" r:id="rId3"/>
+    <p:sldId id="267" r:id="rId4"/>
+    <p:sldId id="257" r:id="rId5"/>
+    <p:sldId id="264" r:id="rId6"/>
+    <p:sldId id="260" r:id="rId7"/>
+    <p:sldId id="269" r:id="rId8"/>
+    <p:sldId id="259" r:id="rId9"/>
+    <p:sldId id="265" r:id="rId10"/>
+    <p:sldId id="268" r:id="rId11"/>
+    <p:sldId id="258" r:id="rId12"/>
+    <p:sldId id="261" r:id="rId13"/>
+    <p:sldId id="262" r:id="rId14"/>
   </p:sldIdLst>
   <p:sldSz cx="12192000" cy="6858000"/>
   <p:notesSz cx="6858000" cy="9144000"/>
@@ -210,7 +209,7 @@
           <a:p>
             <a:fld id="{A66BF76A-CB69-344A-AA05-A4A0C5F81F1B}" type="datetimeFigureOut">
               <a:rPr lang="en-US" smtClean="0"/>
-              <a:t>10/18/18</a:t>
+              <a:t>10/19/18</a:t>
             </a:fld>
             <a:endParaRPr lang="en-US"/>
           </a:p>
@@ -612,7 +611,7 @@
           <a:p>
             <a:fld id="{C6AEA146-89B5-4A42-BEB6-D6A5BB50F046}" type="slidenum">
               <a:rPr lang="en-US" smtClean="0"/>
-              <a:t>3</a:t>
+              <a:t>2</a:t>
             </a:fld>
             <a:endParaRPr lang="en-US"/>
           </a:p>
@@ -716,7 +715,7 @@
           <a:p>
             <a:fld id="{C6AEA146-89B5-4A42-BEB6-D6A5BB50F046}" type="slidenum">
               <a:rPr lang="en-US" smtClean="0"/>
-              <a:t>4</a:t>
+              <a:t>3</a:t>
             </a:fld>
             <a:endParaRPr lang="en-US"/>
           </a:p>
@@ -811,7 +810,7 @@
           <a:p>
             <a:fld id="{C6AEA146-89B5-4A42-BEB6-D6A5BB50F046}" type="slidenum">
               <a:rPr lang="en-US" smtClean="0"/>
-              <a:t>5</a:t>
+              <a:t>4</a:t>
             </a:fld>
             <a:endParaRPr lang="en-US"/>
           </a:p>
@@ -898,7 +897,7 @@
           <a:p>
             <a:fld id="{C6AEA146-89B5-4A42-BEB6-D6A5BB50F046}" type="slidenum">
               <a:rPr lang="en-US" smtClean="0"/>
-              <a:t>7</a:t>
+              <a:t>6</a:t>
             </a:fld>
             <a:endParaRPr lang="en-US"/>
           </a:p>
@@ -985,7 +984,7 @@
           <a:p>
             <a:fld id="{C6AEA146-89B5-4A42-BEB6-D6A5BB50F046}" type="slidenum">
               <a:rPr lang="en-US" smtClean="0"/>
-              <a:t>8</a:t>
+              <a:t>7</a:t>
             </a:fld>
             <a:endParaRPr lang="en-US"/>
           </a:p>
@@ -1081,7 +1080,7 @@
           <a:p>
             <a:fld id="{C6AEA146-89B5-4A42-BEB6-D6A5BB50F046}" type="slidenum">
               <a:rPr lang="en-US" smtClean="0"/>
-              <a:t>9</a:t>
+              <a:t>8</a:t>
             </a:fld>
             <a:endParaRPr lang="en-US"/>
           </a:p>
@@ -1247,7 +1246,7 @@
           <a:p>
             <a:fld id="{4C4FE5A6-B042-234F-87BB-EE608B65FD71}" type="datetime1">
               <a:rPr lang="en-US" smtClean="0"/>
-              <a:t>10/18/18</a:t>
+              <a:t>10/19/18</a:t>
             </a:fld>
             <a:endParaRPr lang="en-US"/>
           </a:p>
@@ -1445,7 +1444,7 @@
           <a:p>
             <a:fld id="{896964B4-7059-1241-B7F7-CC759A8715E3}" type="datetime1">
               <a:rPr lang="en-US" smtClean="0"/>
-              <a:t>10/18/18</a:t>
+              <a:t>10/19/18</a:t>
             </a:fld>
             <a:endParaRPr lang="en-US"/>
           </a:p>
@@ -1653,7 +1652,7 @@
           <a:p>
             <a:fld id="{2BB15EFC-989A-504F-A26D-C47609D34B5F}" type="datetime1">
               <a:rPr lang="en-US" smtClean="0"/>
-              <a:t>10/18/18</a:t>
+              <a:t>10/19/18</a:t>
             </a:fld>
             <a:endParaRPr lang="en-US"/>
           </a:p>
@@ -1851,7 +1850,7 @@
           <a:p>
             <a:fld id="{878B0B07-2815-5A40-BA13-144E9203A1A1}" type="datetime1">
               <a:rPr lang="en-US" smtClean="0"/>
-              <a:t>10/18/18</a:t>
+              <a:t>10/19/18</a:t>
             </a:fld>
             <a:endParaRPr lang="en-US"/>
           </a:p>
@@ -2126,7 +2125,7 @@
           <a:p>
             <a:fld id="{BEFA5980-D336-5242-9389-BFB74FFD9D7A}" type="datetime1">
               <a:rPr lang="en-US" smtClean="0"/>
-              <a:t>10/18/18</a:t>
+              <a:t>10/19/18</a:t>
             </a:fld>
             <a:endParaRPr lang="en-US"/>
           </a:p>
@@ -2391,7 +2390,7 @@
           <a:p>
             <a:fld id="{9A639845-AF02-6444-8914-745C5B843963}" type="datetime1">
               <a:rPr lang="en-US" smtClean="0"/>
-              <a:t>10/18/18</a:t>
+              <a:t>10/19/18</a:t>
             </a:fld>
             <a:endParaRPr lang="en-US"/>
           </a:p>
@@ -2803,7 +2802,7 @@
           <a:p>
             <a:fld id="{0F2F0F5A-6752-E241-B405-243254C949FE}" type="datetime1">
               <a:rPr lang="en-US" smtClean="0"/>
-              <a:t>10/18/18</a:t>
+              <a:t>10/19/18</a:t>
             </a:fld>
             <a:endParaRPr lang="en-US"/>
           </a:p>
@@ -2944,7 +2943,7 @@
           <a:p>
             <a:fld id="{B83D80F1-84FB-C64D-897C-E07C36349253}" type="datetime1">
               <a:rPr lang="en-US" smtClean="0"/>
-              <a:t>10/18/18</a:t>
+              <a:t>10/19/18</a:t>
             </a:fld>
             <a:endParaRPr lang="en-US"/>
           </a:p>
@@ -3057,7 +3056,7 @@
           <a:p>
             <a:fld id="{31D310E7-727F-F848-8E1F-A84AE0965461}" type="datetime1">
               <a:rPr lang="en-US" smtClean="0"/>
-              <a:t>10/18/18</a:t>
+              <a:t>10/19/18</a:t>
             </a:fld>
             <a:endParaRPr lang="en-US"/>
           </a:p>
@@ -3368,7 +3367,7 @@
           <a:p>
             <a:fld id="{3DEAACE5-D900-B941-9691-B5A70076832D}" type="datetime1">
               <a:rPr lang="en-US" smtClean="0"/>
-              <a:t>10/18/18</a:t>
+              <a:t>10/19/18</a:t>
             </a:fld>
             <a:endParaRPr lang="en-US"/>
           </a:p>
@@ -3656,7 +3655,7 @@
           <a:p>
             <a:fld id="{3B5943A7-FE33-B04F-95DA-1C0FFE2A1D14}" type="datetime1">
               <a:rPr lang="en-US" smtClean="0"/>
-              <a:t>10/18/18</a:t>
+              <a:t>10/19/18</a:t>
             </a:fld>
             <a:endParaRPr lang="en-US"/>
           </a:p>
@@ -3897,7 +3896,7 @@
           <a:p>
             <a:fld id="{DDEB6CB8-30E9-7642-9D44-7B1E342777B2}" type="datetime1">
               <a:rPr lang="en-US" smtClean="0"/>
-              <a:t>10/18/18</a:t>
+              <a:t>10/19/18</a:t>
             </a:fld>
             <a:endParaRPr lang="en-US"/>
           </a:p>
@@ -4455,6 +4454,2187 @@
           <p:cNvPr id="2" name="Title 1">
             <a:extLst>
               <a:ext uri="{FF2B5EF4-FFF2-40B4-BE49-F238E27FC236}">
+                <a16:creationId xmlns:a16="http://schemas.microsoft.com/office/drawing/2014/main" id="{19447540-A80A-E148-9B2F-9EFA205801D4}"/>
+              </a:ext>
+            </a:extLst>
+          </p:cNvPr>
+          <p:cNvSpPr>
+            <a:spLocks noGrp="1"/>
+          </p:cNvSpPr>
+          <p:nvPr>
+            <p:ph type="title"/>
+          </p:nvPr>
+        </p:nvSpPr>
+        <p:spPr/>
+        <p:txBody>
+          <a:bodyPr/>
+          <a:lstStyle/>
+          <a:p>
+            <a:r>
+              <a:rPr lang="en-US" dirty="0"/>
+              <a:t>Ionization Efficiency  (Yield)</a:t>
+            </a:r>
+          </a:p>
+        </p:txBody>
+      </p:sp>
+      <p:sp>
+        <p:nvSpPr>
+          <p:cNvPr id="8" name="Content Placeholder 7">
+            <a:extLst>
+              <a:ext uri="{FF2B5EF4-FFF2-40B4-BE49-F238E27FC236}">
+                <a16:creationId xmlns:a16="http://schemas.microsoft.com/office/drawing/2014/main" id="{1869FB3F-01F0-034B-AA10-572B102AD158}"/>
+              </a:ext>
+            </a:extLst>
+          </p:cNvPr>
+          <p:cNvSpPr>
+            <a:spLocks noGrp="1"/>
+          </p:cNvSpPr>
+          <p:nvPr>
+            <p:ph idx="1"/>
+          </p:nvPr>
+        </p:nvSpPr>
+        <p:spPr>
+          <a:xfrm>
+            <a:off x="838200" y="1825625"/>
+            <a:ext cx="5257800" cy="4351338"/>
+          </a:xfrm>
+        </p:spPr>
+        <p:txBody>
+          <a:bodyPr>
+            <a:normAutofit/>
+          </a:bodyPr>
+          <a:lstStyle/>
+          <a:p>
+            <a:r>
+              <a:rPr lang="en-US" sz="1800" dirty="0"/>
+              <a:t>ratio of energy used to create electron-hole pairs to the energy used to create phonons </a:t>
+            </a:r>
+            <a:br>
+              <a:rPr lang="en-US" sz="1800" dirty="0"/>
+            </a:br>
+            <a:endParaRPr lang="en-US" sz="1800" dirty="0"/>
+          </a:p>
+          <a:p>
+            <a:r>
+              <a:rPr lang="en-US" sz="1800" dirty="0"/>
+              <a:t>For </a:t>
+            </a:r>
+            <a:r>
+              <a:rPr lang="en-US" sz="1800" dirty="0" err="1"/>
+              <a:t>CDMSlite</a:t>
+            </a:r>
+            <a:r>
+              <a:rPr lang="en-US" sz="1800" dirty="0"/>
+              <a:t>, this is not something that can be directly measured and must be modeled using </a:t>
+            </a:r>
+            <a:r>
+              <a:rPr lang="en-US" sz="1800" dirty="0" err="1"/>
+              <a:t>Lindhard</a:t>
+            </a:r>
+            <a:r>
+              <a:rPr lang="en-US" sz="1800" dirty="0"/>
+              <a:t>. </a:t>
+            </a:r>
+          </a:p>
+          <a:p>
+            <a:pPr marL="0" indent="0">
+              <a:buNone/>
+            </a:pPr>
+            <a:endParaRPr lang="en-US" sz="2400" dirty="0"/>
+          </a:p>
+        </p:txBody>
+      </p:sp>
+      <p:grpSp>
+        <p:nvGrpSpPr>
+          <p:cNvPr id="15" name="Group 14">
+            <a:extLst>
+              <a:ext uri="{FF2B5EF4-FFF2-40B4-BE49-F238E27FC236}">
+                <a16:creationId xmlns:a16="http://schemas.microsoft.com/office/drawing/2014/main" id="{3DC40207-8FF5-9743-80FB-E852A1D9C9DD}"/>
+              </a:ext>
+            </a:extLst>
+          </p:cNvPr>
+          <p:cNvGrpSpPr/>
+          <p:nvPr/>
+        </p:nvGrpSpPr>
+        <p:grpSpPr>
+          <a:xfrm>
+            <a:off x="7311423" y="1825625"/>
+            <a:ext cx="3327400" cy="2352674"/>
+            <a:chOff x="4246948" y="3124994"/>
+            <a:chExt cx="3327400" cy="2352674"/>
+          </a:xfrm>
+        </p:grpSpPr>
+        <p:pic>
+          <p:nvPicPr>
+            <p:cNvPr id="10" name="Picture 9">
+              <a:extLst>
+                <a:ext uri="{FF2B5EF4-FFF2-40B4-BE49-F238E27FC236}">
+                  <a16:creationId xmlns:a16="http://schemas.microsoft.com/office/drawing/2014/main" id="{8835645D-B830-E14F-A2C0-4782709D384F}"/>
+                </a:ext>
+              </a:extLst>
+            </p:cNvPr>
+            <p:cNvPicPr>
+              <a:picLocks noChangeAspect="1"/>
+            </p:cNvPicPr>
+            <p:nvPr/>
+          </p:nvPicPr>
+          <p:blipFill>
+            <a:blip r:embed="rId2"/>
+            <a:stretch>
+              <a:fillRect/>
+            </a:stretch>
+          </p:blipFill>
+          <p:spPr>
+            <a:xfrm>
+              <a:off x="4304098" y="3124994"/>
+              <a:ext cx="3213100" cy="876300"/>
+            </a:xfrm>
+            <a:prstGeom prst="rect">
+              <a:avLst/>
+            </a:prstGeom>
+          </p:spPr>
+        </p:pic>
+        <p:pic>
+          <p:nvPicPr>
+            <p:cNvPr id="12" name="Picture 11">
+              <a:extLst>
+                <a:ext uri="{FF2B5EF4-FFF2-40B4-BE49-F238E27FC236}">
+                  <a16:creationId xmlns:a16="http://schemas.microsoft.com/office/drawing/2014/main" id="{E5F940E9-46D5-0847-BBDA-9D8D925D9D03}"/>
+                </a:ext>
+              </a:extLst>
+            </p:cNvPr>
+            <p:cNvPicPr>
+              <a:picLocks noChangeAspect="1"/>
+            </p:cNvPicPr>
+            <p:nvPr/>
+          </p:nvPicPr>
+          <p:blipFill>
+            <a:blip r:embed="rId3"/>
+            <a:stretch>
+              <a:fillRect/>
+            </a:stretch>
+          </p:blipFill>
+          <p:spPr>
+            <a:xfrm>
+              <a:off x="4246948" y="4136231"/>
+              <a:ext cx="3327400" cy="546100"/>
+            </a:xfrm>
+            <a:prstGeom prst="rect">
+              <a:avLst/>
+            </a:prstGeom>
+          </p:spPr>
+        </p:pic>
+        <p:pic>
+          <p:nvPicPr>
+            <p:cNvPr id="14" name="Picture 13">
+              <a:extLst>
+                <a:ext uri="{FF2B5EF4-FFF2-40B4-BE49-F238E27FC236}">
+                  <a16:creationId xmlns:a16="http://schemas.microsoft.com/office/drawing/2014/main" id="{6AEB9DFC-0847-B041-857F-0D6B428E9378}"/>
+                </a:ext>
+              </a:extLst>
+            </p:cNvPr>
+            <p:cNvPicPr>
+              <a:picLocks noChangeAspect="1"/>
+            </p:cNvPicPr>
+            <p:nvPr/>
+          </p:nvPicPr>
+          <p:blipFill>
+            <a:blip r:embed="rId4"/>
+            <a:stretch>
+              <a:fillRect/>
+            </a:stretch>
+          </p:blipFill>
+          <p:spPr>
+            <a:xfrm>
+              <a:off x="5116898" y="4817268"/>
+              <a:ext cx="1587500" cy="660400"/>
+            </a:xfrm>
+            <a:prstGeom prst="rect">
+              <a:avLst/>
+            </a:prstGeom>
+          </p:spPr>
+        </p:pic>
+      </p:grpSp>
+      <p:sp>
+        <p:nvSpPr>
+          <p:cNvPr id="3" name="Slide Number Placeholder 2">
+            <a:extLst>
+              <a:ext uri="{FF2B5EF4-FFF2-40B4-BE49-F238E27FC236}">
+                <a16:creationId xmlns:a16="http://schemas.microsoft.com/office/drawing/2014/main" id="{ECEDB8B7-32B8-2F44-837C-F22A723A9B3A}"/>
+              </a:ext>
+            </a:extLst>
+          </p:cNvPr>
+          <p:cNvSpPr>
+            <a:spLocks noGrp="1"/>
+          </p:cNvSpPr>
+          <p:nvPr>
+            <p:ph type="sldNum" sz="quarter" idx="12"/>
+          </p:nvPr>
+        </p:nvSpPr>
+        <p:spPr/>
+        <p:txBody>
+          <a:bodyPr/>
+          <a:lstStyle/>
+          <a:p>
+            <a:fld id="{035DBD62-E6E0-484E-AB64-E286A6B85B65}" type="slidenum">
+              <a:rPr lang="en-US" smtClean="0"/>
+              <a:t>10</a:t>
+            </a:fld>
+            <a:endParaRPr lang="en-US"/>
+          </a:p>
+        </p:txBody>
+      </p:sp>
+    </p:spTree>
+    <p:extLst>
+      <p:ext uri="{BB962C8B-B14F-4D97-AF65-F5344CB8AC3E}">
+        <p14:creationId xmlns:p14="http://schemas.microsoft.com/office/powerpoint/2010/main" val="2179550913"/>
+      </p:ext>
+    </p:extLst>
+  </p:cSld>
+  <p:clrMapOvr>
+    <a:masterClrMapping/>
+  </p:clrMapOvr>
+</p:sld>
+</file>
+
+<file path=ppt/slides/slide11.xml><?xml version="1.0" encoding="utf-8"?>
+<p:sld xmlns:a="http://schemas.openxmlformats.org/drawingml/2006/main" xmlns:r="http://schemas.openxmlformats.org/officeDocument/2006/relationships" xmlns:p="http://schemas.openxmlformats.org/presentationml/2006/main">
+  <p:cSld>
+    <p:spTree>
+      <p:nvGrpSpPr>
+        <p:cNvPr id="1" name=""/>
+        <p:cNvGrpSpPr/>
+        <p:nvPr/>
+      </p:nvGrpSpPr>
+      <p:grpSpPr>
+        <a:xfrm>
+          <a:off x="0" y="0"/>
+          <a:ext cx="0" cy="0"/>
+          <a:chOff x="0" y="0"/>
+          <a:chExt cx="0" cy="0"/>
+        </a:xfrm>
+      </p:grpSpPr>
+      <p:sp>
+        <p:nvSpPr>
+          <p:cNvPr id="2" name="Title 1">
+            <a:extLst>
+              <a:ext uri="{FF2B5EF4-FFF2-40B4-BE49-F238E27FC236}">
+                <a16:creationId xmlns:a16="http://schemas.microsoft.com/office/drawing/2014/main" id="{0C491264-71E4-1A41-8589-82E02D1795E8}"/>
+              </a:ext>
+            </a:extLst>
+          </p:cNvPr>
+          <p:cNvSpPr>
+            <a:spLocks noGrp="1"/>
+          </p:cNvSpPr>
+          <p:nvPr>
+            <p:ph type="title"/>
+          </p:nvPr>
+        </p:nvSpPr>
+        <p:spPr/>
+        <p:txBody>
+          <a:bodyPr/>
+          <a:lstStyle/>
+          <a:p>
+            <a:r>
+              <a:rPr lang="en-US" dirty="0"/>
+              <a:t>Yield Variance </a:t>
+            </a:r>
+          </a:p>
+        </p:txBody>
+      </p:sp>
+      <p:sp>
+        <p:nvSpPr>
+          <p:cNvPr id="3" name="Content Placeholder 2">
+            <a:extLst>
+              <a:ext uri="{FF2B5EF4-FFF2-40B4-BE49-F238E27FC236}">
+                <a16:creationId xmlns:a16="http://schemas.microsoft.com/office/drawing/2014/main" id="{6BA18B5C-6B9B-6440-AF77-75F081D80E2B}"/>
+              </a:ext>
+            </a:extLst>
+          </p:cNvPr>
+          <p:cNvSpPr>
+            <a:spLocks noGrp="1"/>
+          </p:cNvSpPr>
+          <p:nvPr>
+            <p:ph idx="1"/>
+          </p:nvPr>
+        </p:nvSpPr>
+        <p:spPr>
+          <a:xfrm>
+            <a:off x="838200" y="1825625"/>
+            <a:ext cx="5257800" cy="4351338"/>
+          </a:xfrm>
+        </p:spPr>
+        <p:txBody>
+          <a:bodyPr>
+            <a:normAutofit/>
+          </a:bodyPr>
+          <a:lstStyle/>
+          <a:p>
+            <a:r>
+              <a:rPr lang="en-US" sz="1800" dirty="0"/>
+              <a:t>The yield variance exists due to fact that for a given energy, nuclear recoils don’t produce the same amount of e-h pairs </a:t>
+            </a:r>
+          </a:p>
+          <a:p>
+            <a:r>
+              <a:rPr lang="en-US" sz="1800" dirty="0"/>
+              <a:t>This is not accounted for in current experiments. </a:t>
+            </a:r>
+          </a:p>
+          <a:p>
+            <a:r>
+              <a:rPr lang="en-US" sz="1800" dirty="0"/>
+              <a:t>This variation may be significant with new experiments with resolutions as low as 1 electron hole pair. </a:t>
+            </a:r>
+          </a:p>
+        </p:txBody>
+      </p:sp>
+      <p:pic>
+        <p:nvPicPr>
+          <p:cNvPr id="7" name="Picture 6">
+            <a:extLst>
+              <a:ext uri="{FF2B5EF4-FFF2-40B4-BE49-F238E27FC236}">
+                <a16:creationId xmlns:a16="http://schemas.microsoft.com/office/drawing/2014/main" id="{E8E47E60-1C83-594A-9C13-0FE2C67B3DFF}"/>
+              </a:ext>
+            </a:extLst>
+          </p:cNvPr>
+          <p:cNvPicPr>
+            <a:picLocks noChangeAspect="1"/>
+          </p:cNvPicPr>
+          <p:nvPr/>
+        </p:nvPicPr>
+        <p:blipFill>
+          <a:blip r:embed="rId2"/>
+          <a:stretch>
+            <a:fillRect/>
+          </a:stretch>
+        </p:blipFill>
+        <p:spPr>
+          <a:xfrm>
+            <a:off x="6096000" y="2734834"/>
+            <a:ext cx="5593492" cy="694166"/>
+          </a:xfrm>
+          <a:prstGeom prst="rect">
+            <a:avLst/>
+          </a:prstGeom>
+        </p:spPr>
+      </p:pic>
+      <p:pic>
+        <p:nvPicPr>
+          <p:cNvPr id="11" name="Picture 10">
+            <a:extLst>
+              <a:ext uri="{FF2B5EF4-FFF2-40B4-BE49-F238E27FC236}">
+                <a16:creationId xmlns:a16="http://schemas.microsoft.com/office/drawing/2014/main" id="{40075487-27DF-A140-AD73-0AD4FE1B21ED}"/>
+              </a:ext>
+            </a:extLst>
+          </p:cNvPr>
+          <p:cNvPicPr>
+            <a:picLocks noChangeAspect="1"/>
+          </p:cNvPicPr>
+          <p:nvPr/>
+        </p:nvPicPr>
+        <p:blipFill>
+          <a:blip r:embed="rId3"/>
+          <a:stretch>
+            <a:fillRect/>
+          </a:stretch>
+        </p:blipFill>
+        <p:spPr>
+          <a:xfrm>
+            <a:off x="7343346" y="1882561"/>
+            <a:ext cx="3098800" cy="660400"/>
+          </a:xfrm>
+          <a:prstGeom prst="rect">
+            <a:avLst/>
+          </a:prstGeom>
+        </p:spPr>
+      </p:pic>
+      <p:sp>
+        <p:nvSpPr>
+          <p:cNvPr id="4" name="Slide Number Placeholder 3">
+            <a:extLst>
+              <a:ext uri="{FF2B5EF4-FFF2-40B4-BE49-F238E27FC236}">
+                <a16:creationId xmlns:a16="http://schemas.microsoft.com/office/drawing/2014/main" id="{BC70045F-D308-8343-A3EB-46696F98874B}"/>
+              </a:ext>
+            </a:extLst>
+          </p:cNvPr>
+          <p:cNvSpPr>
+            <a:spLocks noGrp="1"/>
+          </p:cNvSpPr>
+          <p:nvPr>
+            <p:ph type="sldNum" sz="quarter" idx="12"/>
+          </p:nvPr>
+        </p:nvSpPr>
+        <p:spPr/>
+        <p:txBody>
+          <a:bodyPr/>
+          <a:lstStyle/>
+          <a:p>
+            <a:fld id="{035DBD62-E6E0-484E-AB64-E286A6B85B65}" type="slidenum">
+              <a:rPr lang="en-US" smtClean="0"/>
+              <a:t>11</a:t>
+            </a:fld>
+            <a:endParaRPr lang="en-US"/>
+          </a:p>
+        </p:txBody>
+      </p:sp>
+    </p:spTree>
+    <p:extLst>
+      <p:ext uri="{BB962C8B-B14F-4D97-AF65-F5344CB8AC3E}">
+        <p14:creationId xmlns:p14="http://schemas.microsoft.com/office/powerpoint/2010/main" val="2196642784"/>
+      </p:ext>
+    </p:extLst>
+  </p:cSld>
+  <p:clrMapOvr>
+    <a:masterClrMapping/>
+  </p:clrMapOvr>
+</p:sld>
+</file>
+
+<file path=ppt/slides/slide12.xml><?xml version="1.0" encoding="utf-8"?>
+<p:sld xmlns:a="http://schemas.openxmlformats.org/drawingml/2006/main" xmlns:r="http://schemas.openxmlformats.org/officeDocument/2006/relationships" xmlns:p="http://schemas.openxmlformats.org/presentationml/2006/main">
+  <p:cSld>
+    <p:spTree>
+      <p:nvGrpSpPr>
+        <p:cNvPr id="1" name=""/>
+        <p:cNvGrpSpPr/>
+        <p:nvPr/>
+      </p:nvGrpSpPr>
+      <p:grpSpPr>
+        <a:xfrm>
+          <a:off x="0" y="0"/>
+          <a:ext cx="0" cy="0"/>
+          <a:chOff x="0" y="0"/>
+          <a:chExt cx="0" cy="0"/>
+        </a:xfrm>
+      </p:grpSpPr>
+      <p:sp>
+        <p:nvSpPr>
+          <p:cNvPr id="2" name="Title 1">
+            <a:extLst>
+              <a:ext uri="{FF2B5EF4-FFF2-40B4-BE49-F238E27FC236}">
+                <a16:creationId xmlns:a16="http://schemas.microsoft.com/office/drawing/2014/main" id="{5E03494C-AB1C-AC42-8866-CFF471E1A838}"/>
+              </a:ext>
+            </a:extLst>
+          </p:cNvPr>
+          <p:cNvSpPr>
+            <a:spLocks noGrp="1"/>
+          </p:cNvSpPr>
+          <p:nvPr>
+            <p:ph type="title"/>
+          </p:nvPr>
+        </p:nvSpPr>
+        <p:spPr/>
+        <p:txBody>
+          <a:bodyPr/>
+          <a:lstStyle/>
+          <a:p>
+            <a:r>
+              <a:rPr lang="en-US" dirty="0"/>
+              <a:t>Motivation: Single Electron –Hole Resolution </a:t>
+            </a:r>
+          </a:p>
+        </p:txBody>
+      </p:sp>
+      <p:sp>
+        <p:nvSpPr>
+          <p:cNvPr id="3" name="Content Placeholder 2">
+            <a:extLst>
+              <a:ext uri="{FF2B5EF4-FFF2-40B4-BE49-F238E27FC236}">
+                <a16:creationId xmlns:a16="http://schemas.microsoft.com/office/drawing/2014/main" id="{C63F420E-8EB2-ED4F-852C-A1AD316079FE}"/>
+              </a:ext>
+            </a:extLst>
+          </p:cNvPr>
+          <p:cNvSpPr>
+            <a:spLocks noGrp="1"/>
+          </p:cNvSpPr>
+          <p:nvPr>
+            <p:ph idx="1"/>
+          </p:nvPr>
+        </p:nvSpPr>
+        <p:spPr/>
+        <p:txBody>
+          <a:bodyPr/>
+          <a:lstStyle/>
+          <a:p>
+            <a:r>
+              <a:rPr lang="en-US" dirty="0"/>
+              <a:t>PLOT SHOWING PHONON SPECTRUM AND </a:t>
+            </a:r>
+            <a:r>
+              <a:rPr lang="en-US" dirty="0" err="1"/>
+              <a:t>Neh</a:t>
+            </a:r>
+            <a:endParaRPr lang="en-US" dirty="0"/>
+          </a:p>
+        </p:txBody>
+      </p:sp>
+      <p:sp>
+        <p:nvSpPr>
+          <p:cNvPr id="4" name="Slide Number Placeholder 3">
+            <a:extLst>
+              <a:ext uri="{FF2B5EF4-FFF2-40B4-BE49-F238E27FC236}">
+                <a16:creationId xmlns:a16="http://schemas.microsoft.com/office/drawing/2014/main" id="{5FB536DB-DE5A-7E48-A1B9-A06862847DED}"/>
+              </a:ext>
+            </a:extLst>
+          </p:cNvPr>
+          <p:cNvSpPr>
+            <a:spLocks noGrp="1"/>
+          </p:cNvSpPr>
+          <p:nvPr>
+            <p:ph type="sldNum" sz="quarter" idx="12"/>
+          </p:nvPr>
+        </p:nvSpPr>
+        <p:spPr/>
+        <p:txBody>
+          <a:bodyPr/>
+          <a:lstStyle/>
+          <a:p>
+            <a:fld id="{035DBD62-E6E0-484E-AB64-E286A6B85B65}" type="slidenum">
+              <a:rPr lang="en-US" smtClean="0"/>
+              <a:t>12</a:t>
+            </a:fld>
+            <a:endParaRPr lang="en-US"/>
+          </a:p>
+        </p:txBody>
+      </p:sp>
+    </p:spTree>
+    <p:extLst>
+      <p:ext uri="{BB962C8B-B14F-4D97-AF65-F5344CB8AC3E}">
+        <p14:creationId xmlns:p14="http://schemas.microsoft.com/office/powerpoint/2010/main" val="3207931489"/>
+      </p:ext>
+    </p:extLst>
+  </p:cSld>
+  <p:clrMapOvr>
+    <a:masterClrMapping/>
+  </p:clrMapOvr>
+</p:sld>
+</file>
+
+<file path=ppt/slides/slide13.xml><?xml version="1.0" encoding="utf-8"?>
+<p:sld xmlns:a="http://schemas.openxmlformats.org/drawingml/2006/main" xmlns:r="http://schemas.openxmlformats.org/officeDocument/2006/relationships" xmlns:p="http://schemas.openxmlformats.org/presentationml/2006/main">
+  <p:cSld>
+    <p:spTree>
+      <p:nvGrpSpPr>
+        <p:cNvPr id="1" name=""/>
+        <p:cNvGrpSpPr/>
+        <p:nvPr/>
+      </p:nvGrpSpPr>
+      <p:grpSpPr>
+        <a:xfrm>
+          <a:off x="0" y="0"/>
+          <a:ext cx="0" cy="0"/>
+          <a:chOff x="0" y="0"/>
+          <a:chExt cx="0" cy="0"/>
+        </a:xfrm>
+      </p:grpSpPr>
+      <p:sp>
+        <p:nvSpPr>
+          <p:cNvPr id="2" name="Title 1">
+            <a:extLst>
+              <a:ext uri="{FF2B5EF4-FFF2-40B4-BE49-F238E27FC236}">
+                <a16:creationId xmlns:a16="http://schemas.microsoft.com/office/drawing/2014/main" id="{1CAB6AD5-C431-6040-BFB0-BE9BAA9FBFB8}"/>
+              </a:ext>
+            </a:extLst>
+          </p:cNvPr>
+          <p:cNvSpPr>
+            <a:spLocks noGrp="1"/>
+          </p:cNvSpPr>
+          <p:nvPr>
+            <p:ph type="title"/>
+          </p:nvPr>
+        </p:nvSpPr>
+        <p:spPr/>
+        <p:txBody>
+          <a:bodyPr/>
+          <a:lstStyle/>
+          <a:p>
+            <a:r>
+              <a:rPr lang="en-US" dirty="0"/>
+              <a:t>Current Work </a:t>
+            </a:r>
+          </a:p>
+        </p:txBody>
+      </p:sp>
+      <p:sp>
+        <p:nvSpPr>
+          <p:cNvPr id="3" name="Content Placeholder 2">
+            <a:extLst>
+              <a:ext uri="{FF2B5EF4-FFF2-40B4-BE49-F238E27FC236}">
+                <a16:creationId xmlns:a16="http://schemas.microsoft.com/office/drawing/2014/main" id="{25B2A58C-BDE1-F142-8AB1-B8A860A866AC}"/>
+              </a:ext>
+            </a:extLst>
+          </p:cNvPr>
+          <p:cNvSpPr>
+            <a:spLocks noGrp="1"/>
+          </p:cNvSpPr>
+          <p:nvPr>
+            <p:ph idx="1"/>
+          </p:nvPr>
+        </p:nvSpPr>
+        <p:spPr/>
+        <p:txBody>
+          <a:bodyPr/>
+          <a:lstStyle/>
+          <a:p>
+            <a:r>
+              <a:rPr lang="en-US" dirty="0"/>
+              <a:t>Four plots showing difference between simulated bands with and without added variance. .. And data.</a:t>
+            </a:r>
+          </a:p>
+        </p:txBody>
+      </p:sp>
+      <p:sp>
+        <p:nvSpPr>
+          <p:cNvPr id="4" name="Slide Number Placeholder 3">
+            <a:extLst>
+              <a:ext uri="{FF2B5EF4-FFF2-40B4-BE49-F238E27FC236}">
+                <a16:creationId xmlns:a16="http://schemas.microsoft.com/office/drawing/2014/main" id="{4B416502-E80B-3A41-8F85-4BDE5B343F0E}"/>
+              </a:ext>
+            </a:extLst>
+          </p:cNvPr>
+          <p:cNvSpPr>
+            <a:spLocks noGrp="1"/>
+          </p:cNvSpPr>
+          <p:nvPr>
+            <p:ph type="sldNum" sz="quarter" idx="12"/>
+          </p:nvPr>
+        </p:nvSpPr>
+        <p:spPr/>
+        <p:txBody>
+          <a:bodyPr/>
+          <a:lstStyle/>
+          <a:p>
+            <a:fld id="{035DBD62-E6E0-484E-AB64-E286A6B85B65}" type="slidenum">
+              <a:rPr lang="en-US" smtClean="0"/>
+              <a:t>13</a:t>
+            </a:fld>
+            <a:endParaRPr lang="en-US"/>
+          </a:p>
+        </p:txBody>
+      </p:sp>
+    </p:spTree>
+    <p:extLst>
+      <p:ext uri="{BB962C8B-B14F-4D97-AF65-F5344CB8AC3E}">
+        <p14:creationId xmlns:p14="http://schemas.microsoft.com/office/powerpoint/2010/main" val="3889502558"/>
+      </p:ext>
+    </p:extLst>
+  </p:cSld>
+  <p:clrMapOvr>
+    <a:masterClrMapping/>
+  </p:clrMapOvr>
+</p:sld>
+</file>
+
+<file path=ppt/slides/slide2.xml><?xml version="1.0" encoding="utf-8"?>
+<p:sld xmlns:a="http://schemas.openxmlformats.org/drawingml/2006/main" xmlns:r="http://schemas.openxmlformats.org/officeDocument/2006/relationships" xmlns:p="http://schemas.openxmlformats.org/presentationml/2006/main">
+  <p:cSld>
+    <p:spTree>
+      <p:nvGrpSpPr>
+        <p:cNvPr id="1" name=""/>
+        <p:cNvGrpSpPr/>
+        <p:nvPr/>
+      </p:nvGrpSpPr>
+      <p:grpSpPr>
+        <a:xfrm>
+          <a:off x="0" y="0"/>
+          <a:ext cx="0" cy="0"/>
+          <a:chOff x="0" y="0"/>
+          <a:chExt cx="0" cy="0"/>
+        </a:xfrm>
+      </p:grpSpPr>
+      <p:sp>
+        <p:nvSpPr>
+          <p:cNvPr id="2" name="Title 1">
+            <a:extLst>
+              <a:ext uri="{FF2B5EF4-FFF2-40B4-BE49-F238E27FC236}">
+                <a16:creationId xmlns:a16="http://schemas.microsoft.com/office/drawing/2014/main" id="{C5891617-D777-D044-8414-7012C9CF0423}"/>
+              </a:ext>
+            </a:extLst>
+          </p:cNvPr>
+          <p:cNvSpPr>
+            <a:spLocks noGrp="1"/>
+          </p:cNvSpPr>
+          <p:nvPr>
+            <p:ph type="title"/>
+          </p:nvPr>
+        </p:nvSpPr>
+        <p:spPr/>
+        <p:txBody>
+          <a:bodyPr/>
+          <a:lstStyle/>
+          <a:p>
+            <a:r>
+              <a:rPr lang="en-US" dirty="0"/>
+              <a:t>Dark Matter </a:t>
+            </a:r>
+          </a:p>
+        </p:txBody>
+      </p:sp>
+      <p:sp>
+        <p:nvSpPr>
+          <p:cNvPr id="3" name="Content Placeholder 2">
+            <a:extLst>
+              <a:ext uri="{FF2B5EF4-FFF2-40B4-BE49-F238E27FC236}">
+                <a16:creationId xmlns:a16="http://schemas.microsoft.com/office/drawing/2014/main" id="{47FEE99E-61EB-4D42-9E41-AF7C633D7F3E}"/>
+              </a:ext>
+            </a:extLst>
+          </p:cNvPr>
+          <p:cNvSpPr>
+            <a:spLocks noGrp="1"/>
+          </p:cNvSpPr>
+          <p:nvPr>
+            <p:ph idx="1"/>
+          </p:nvPr>
+        </p:nvSpPr>
+        <p:spPr>
+          <a:xfrm>
+            <a:off x="838200" y="1825625"/>
+            <a:ext cx="5809735" cy="4351338"/>
+          </a:xfrm>
+        </p:spPr>
+        <p:txBody>
+          <a:bodyPr>
+            <a:normAutofit/>
+          </a:bodyPr>
+          <a:lstStyle/>
+          <a:p>
+            <a:r>
+              <a:rPr lang="en-US" sz="1800" dirty="0"/>
+              <a:t>Dark matter has been theorized to be Weakly Interact Massive Particles(WIMPs) with masses on the order of a GeV/c</a:t>
+            </a:r>
+            <a:r>
+              <a:rPr lang="en-US" sz="1800" baseline="30000" dirty="0"/>
+              <a:t>2 </a:t>
+            </a:r>
+            <a:r>
+              <a:rPr lang="en-US" sz="1800" dirty="0"/>
+              <a:t> to a few </a:t>
+            </a:r>
+            <a:r>
+              <a:rPr lang="en-US" sz="1800" dirty="0" err="1"/>
+              <a:t>TeV</a:t>
+            </a:r>
+            <a:r>
+              <a:rPr lang="en-US" sz="1800" dirty="0"/>
+              <a:t>/c</a:t>
+            </a:r>
+            <a:r>
+              <a:rPr lang="en-US" sz="1800" baseline="30000" dirty="0"/>
+              <a:t>2.</a:t>
+            </a:r>
+            <a:endParaRPr lang="en-US" sz="1800" dirty="0"/>
+          </a:p>
+          <a:p>
+            <a:endParaRPr lang="en-US" sz="1800" dirty="0"/>
+          </a:p>
+          <a:p>
+            <a:r>
+              <a:rPr lang="en-US" sz="1800" dirty="0"/>
+              <a:t>In the post Minimal Supersymmetric Standard Model era, we are completely in the dark on the dark matter mass. </a:t>
+            </a:r>
+          </a:p>
+          <a:p>
+            <a:endParaRPr lang="en-US" sz="1800" dirty="0"/>
+          </a:p>
+          <a:p>
+            <a:r>
+              <a:rPr lang="en-US" sz="1800" dirty="0"/>
+              <a:t>Dark matter can still be ”WIMP” like in the way it interacts with nuclei, but can have a very low mass. </a:t>
+            </a:r>
+          </a:p>
+          <a:p>
+            <a:pPr marL="0" indent="0">
+              <a:buNone/>
+            </a:pPr>
+            <a:endParaRPr lang="en-US" sz="1800" dirty="0"/>
+          </a:p>
+          <a:p>
+            <a:r>
+              <a:rPr lang="en-US" sz="1800" dirty="0"/>
+              <a:t>Detectors that can measure electron-hole pairs have been moving the DM mass limit plot down. </a:t>
+            </a:r>
+          </a:p>
+        </p:txBody>
+      </p:sp>
+      <p:sp>
+        <p:nvSpPr>
+          <p:cNvPr id="4" name="Slide Number Placeholder 3">
+            <a:extLst>
+              <a:ext uri="{FF2B5EF4-FFF2-40B4-BE49-F238E27FC236}">
+                <a16:creationId xmlns:a16="http://schemas.microsoft.com/office/drawing/2014/main" id="{683A9D09-8254-3A49-B08E-A5004FB7BF7D}"/>
+              </a:ext>
+            </a:extLst>
+          </p:cNvPr>
+          <p:cNvSpPr>
+            <a:spLocks noGrp="1"/>
+          </p:cNvSpPr>
+          <p:nvPr>
+            <p:ph type="sldNum" sz="quarter" idx="12"/>
+          </p:nvPr>
+        </p:nvSpPr>
+        <p:spPr/>
+        <p:txBody>
+          <a:bodyPr/>
+          <a:lstStyle/>
+          <a:p>
+            <a:fld id="{035DBD62-E6E0-484E-AB64-E286A6B85B65}" type="slidenum">
+              <a:rPr lang="en-US" smtClean="0"/>
+              <a:t>2</a:t>
+            </a:fld>
+            <a:endParaRPr lang="en-US"/>
+          </a:p>
+        </p:txBody>
+      </p:sp>
+      <p:pic>
+        <p:nvPicPr>
+          <p:cNvPr id="6" name="Picture 5">
+            <a:extLst>
+              <a:ext uri="{FF2B5EF4-FFF2-40B4-BE49-F238E27FC236}">
+                <a16:creationId xmlns:a16="http://schemas.microsoft.com/office/drawing/2014/main" id="{01C108F2-7BA1-EC4C-A94F-6BEAABBBE8F6}"/>
+              </a:ext>
+            </a:extLst>
+          </p:cNvPr>
+          <p:cNvPicPr>
+            <a:picLocks noChangeAspect="1"/>
+          </p:cNvPicPr>
+          <p:nvPr/>
+        </p:nvPicPr>
+        <p:blipFill>
+          <a:blip r:embed="rId3"/>
+          <a:stretch>
+            <a:fillRect/>
+          </a:stretch>
+        </p:blipFill>
+        <p:spPr>
+          <a:xfrm>
+            <a:off x="6647935" y="1690688"/>
+            <a:ext cx="5066269" cy="3799702"/>
+          </a:xfrm>
+          <a:prstGeom prst="rect">
+            <a:avLst/>
+          </a:prstGeom>
+        </p:spPr>
+      </p:pic>
+    </p:spTree>
+    <p:extLst>
+      <p:ext uri="{BB962C8B-B14F-4D97-AF65-F5344CB8AC3E}">
+        <p14:creationId xmlns:p14="http://schemas.microsoft.com/office/powerpoint/2010/main" val="2650572086"/>
+      </p:ext>
+    </p:extLst>
+  </p:cSld>
+  <p:clrMapOvr>
+    <a:masterClrMapping/>
+  </p:clrMapOvr>
+</p:sld>
+</file>
+
+<file path=ppt/slides/slide3.xml><?xml version="1.0" encoding="utf-8"?>
+<p:sld xmlns:a="http://schemas.openxmlformats.org/drawingml/2006/main" xmlns:r="http://schemas.openxmlformats.org/officeDocument/2006/relationships" xmlns:p="http://schemas.openxmlformats.org/presentationml/2006/main">
+  <p:cSld>
+    <p:spTree>
+      <p:nvGrpSpPr>
+        <p:cNvPr id="1" name=""/>
+        <p:cNvGrpSpPr/>
+        <p:nvPr/>
+      </p:nvGrpSpPr>
+      <p:grpSpPr>
+        <a:xfrm>
+          <a:off x="0" y="0"/>
+          <a:ext cx="0" cy="0"/>
+          <a:chOff x="0" y="0"/>
+          <a:chExt cx="0" cy="0"/>
+        </a:xfrm>
+      </p:grpSpPr>
+      <p:sp>
+        <p:nvSpPr>
+          <p:cNvPr id="2" name="Title 1">
+            <a:extLst>
+              <a:ext uri="{FF2B5EF4-FFF2-40B4-BE49-F238E27FC236}">
+                <a16:creationId xmlns:a16="http://schemas.microsoft.com/office/drawing/2014/main" id="{24B7DF4A-1926-FD4C-94CA-990D4B267C66}"/>
+              </a:ext>
+            </a:extLst>
+          </p:cNvPr>
+          <p:cNvSpPr>
+            <a:spLocks noGrp="1"/>
+          </p:cNvSpPr>
+          <p:nvPr>
+            <p:ph type="title"/>
+          </p:nvPr>
+        </p:nvSpPr>
+        <p:spPr/>
+        <p:txBody>
+          <a:bodyPr/>
+          <a:lstStyle/>
+          <a:p>
+            <a:r>
+              <a:rPr lang="en-US" dirty="0"/>
+              <a:t>Charge Creation in Solids </a:t>
+            </a:r>
+          </a:p>
+        </p:txBody>
+      </p:sp>
+      <p:pic>
+        <p:nvPicPr>
+          <p:cNvPr id="5" name="Content Placeholder 4">
+            <a:extLst>
+              <a:ext uri="{FF2B5EF4-FFF2-40B4-BE49-F238E27FC236}">
+                <a16:creationId xmlns:a16="http://schemas.microsoft.com/office/drawing/2014/main" id="{F18A38AD-7C3D-B848-A538-698A9F7D610A}"/>
+              </a:ext>
+            </a:extLst>
+          </p:cNvPr>
+          <p:cNvPicPr>
+            <a:picLocks noGrp="1" noChangeAspect="1"/>
+          </p:cNvPicPr>
+          <p:nvPr>
+            <p:ph idx="1"/>
+          </p:nvPr>
+        </p:nvPicPr>
+        <p:blipFill>
+          <a:blip r:embed="rId3"/>
+          <a:stretch>
+            <a:fillRect/>
+          </a:stretch>
+        </p:blipFill>
+        <p:spPr>
+          <a:xfrm>
+            <a:off x="6662809" y="1793766"/>
+            <a:ext cx="5529191" cy="3382382"/>
+          </a:xfrm>
+        </p:spPr>
+      </p:pic>
+      <p:sp>
+        <p:nvSpPr>
+          <p:cNvPr id="3" name="Slide Number Placeholder 2">
+            <a:extLst>
+              <a:ext uri="{FF2B5EF4-FFF2-40B4-BE49-F238E27FC236}">
+                <a16:creationId xmlns:a16="http://schemas.microsoft.com/office/drawing/2014/main" id="{3EE1539B-7753-2A46-99F3-9F1D56504805}"/>
+              </a:ext>
+            </a:extLst>
+          </p:cNvPr>
+          <p:cNvSpPr>
+            <a:spLocks noGrp="1"/>
+          </p:cNvSpPr>
+          <p:nvPr>
+            <p:ph type="sldNum" sz="quarter" idx="12"/>
+          </p:nvPr>
+        </p:nvSpPr>
+        <p:spPr/>
+        <p:txBody>
+          <a:bodyPr/>
+          <a:lstStyle/>
+          <a:p>
+            <a:fld id="{035DBD62-E6E0-484E-AB64-E286A6B85B65}" type="slidenum">
+              <a:rPr lang="en-US" smtClean="0"/>
+              <a:t>3</a:t>
+            </a:fld>
+            <a:endParaRPr lang="en-US"/>
+          </a:p>
+        </p:txBody>
+      </p:sp>
+      <p:sp>
+        <p:nvSpPr>
+          <p:cNvPr id="4" name="TextBox 3">
+            <a:extLst>
+              <a:ext uri="{FF2B5EF4-FFF2-40B4-BE49-F238E27FC236}">
+                <a16:creationId xmlns:a16="http://schemas.microsoft.com/office/drawing/2014/main" id="{F7891556-283B-394C-AF9F-1957E51B2D4B}"/>
+              </a:ext>
+            </a:extLst>
+          </p:cNvPr>
+          <p:cNvSpPr txBox="1"/>
+          <p:nvPr/>
+        </p:nvSpPr>
+        <p:spPr>
+          <a:xfrm>
+            <a:off x="2792627" y="2681416"/>
+            <a:ext cx="184731" cy="369332"/>
+          </a:xfrm>
+          <a:prstGeom prst="rect">
+            <a:avLst/>
+          </a:prstGeom>
+          <a:noFill/>
+        </p:spPr>
+        <p:txBody>
+          <a:bodyPr wrap="none" rtlCol="0">
+            <a:spAutoFit/>
+          </a:bodyPr>
+          <a:lstStyle/>
+          <a:p>
+            <a:endParaRPr lang="en-US" dirty="0"/>
+          </a:p>
+        </p:txBody>
+      </p:sp>
+      <p:sp>
+        <p:nvSpPr>
+          <p:cNvPr id="6" name="TextBox 5">
+            <a:extLst>
+              <a:ext uri="{FF2B5EF4-FFF2-40B4-BE49-F238E27FC236}">
+                <a16:creationId xmlns:a16="http://schemas.microsoft.com/office/drawing/2014/main" id="{48197547-3408-3D43-843B-FBD677241214}"/>
+              </a:ext>
+            </a:extLst>
+          </p:cNvPr>
+          <p:cNvSpPr txBox="1"/>
+          <p:nvPr/>
+        </p:nvSpPr>
+        <p:spPr>
+          <a:xfrm>
+            <a:off x="825843" y="1649978"/>
+            <a:ext cx="4930346" cy="6740307"/>
+          </a:xfrm>
+          <a:prstGeom prst="rect">
+            <a:avLst/>
+          </a:prstGeom>
+          <a:noFill/>
+        </p:spPr>
+        <p:txBody>
+          <a:bodyPr wrap="square" rtlCol="0">
+            <a:spAutoFit/>
+          </a:bodyPr>
+          <a:lstStyle/>
+          <a:p>
+            <a:pPr marL="285750" indent="-285750">
+              <a:buFont typeface="Arial" panose="020B0604020202020204" pitchFamily="34" charset="0"/>
+              <a:buChar char="•"/>
+            </a:pPr>
+            <a:r>
+              <a:rPr lang="en-US" dirty="0"/>
+              <a:t>When a WIMP hits nuclei initial phonons are produced and charge is liberated. </a:t>
+            </a:r>
+          </a:p>
+          <a:p>
+            <a:pPr marL="285750" indent="-285750">
+              <a:buFont typeface="Arial" panose="020B0604020202020204" pitchFamily="34" charset="0"/>
+              <a:buChar char="•"/>
+            </a:pPr>
+            <a:endParaRPr lang="en-US" dirty="0"/>
+          </a:p>
+          <a:p>
+            <a:pPr marL="285750" indent="-285750">
+              <a:buFont typeface="Arial" panose="020B0604020202020204" pitchFamily="34" charset="0"/>
+              <a:buChar char="•"/>
+            </a:pPr>
+            <a:r>
+              <a:rPr lang="en-US" dirty="0"/>
+              <a:t>Current generation of low threshold detectors only count number of charge carriers produced. </a:t>
+            </a:r>
+          </a:p>
+          <a:p>
+            <a:pPr marL="285750" indent="-285750">
+              <a:buFont typeface="Arial" panose="020B0604020202020204" pitchFamily="34" charset="0"/>
+              <a:buChar char="•"/>
+            </a:pPr>
+            <a:endParaRPr lang="en-US" dirty="0"/>
+          </a:p>
+          <a:p>
+            <a:pPr marL="285750" indent="-285750">
+              <a:buFont typeface="Arial" panose="020B0604020202020204" pitchFamily="34" charset="0"/>
+              <a:buChar char="•"/>
+            </a:pPr>
+            <a:r>
+              <a:rPr lang="en-US" dirty="0"/>
+              <a:t>There is no good nuclear recoil calibration standard.</a:t>
+            </a:r>
+          </a:p>
+          <a:p>
+            <a:pPr marL="285750" indent="-285750">
+              <a:buFont typeface="Arial" panose="020B0604020202020204" pitchFamily="34" charset="0"/>
+              <a:buChar char="•"/>
+            </a:pPr>
+            <a:endParaRPr lang="en-US" dirty="0"/>
+          </a:p>
+          <a:p>
+            <a:pPr marL="285750" indent="-285750">
+              <a:buFont typeface="Arial" panose="020B0604020202020204" pitchFamily="34" charset="0"/>
+              <a:buChar char="•"/>
+            </a:pPr>
+            <a:r>
+              <a:rPr lang="en-US" dirty="0"/>
+              <a:t>Need to know ratio of energy that goes into the electronic system and its variation.</a:t>
+            </a:r>
+          </a:p>
+          <a:p>
+            <a:pPr marL="285750" indent="-285750">
+              <a:buFont typeface="Arial" panose="020B0604020202020204" pitchFamily="34" charset="0"/>
+              <a:buChar char="•"/>
+            </a:pPr>
+            <a:endParaRPr lang="en-US" dirty="0"/>
+          </a:p>
+          <a:p>
+            <a:pPr marL="285750" indent="-285750">
+              <a:buFont typeface="Arial" panose="020B0604020202020204" pitchFamily="34" charset="0"/>
+              <a:buChar char="•"/>
+            </a:pPr>
+            <a:r>
+              <a:rPr lang="en-US" dirty="0"/>
+              <a:t>Or the best we could hope for is a distribution of the number of electron hole pairs for a given </a:t>
+            </a:r>
+            <a:r>
+              <a:rPr lang="en-US" dirty="0" err="1"/>
+              <a:t>E</a:t>
+            </a:r>
+            <a:r>
+              <a:rPr lang="en-US" baseline="-25000" dirty="0" err="1"/>
+              <a:t>r</a:t>
+            </a:r>
+            <a:endParaRPr lang="en-US" dirty="0"/>
+          </a:p>
+          <a:p>
+            <a:pPr marL="285750" indent="-285750">
+              <a:buFont typeface="Arial" panose="020B0604020202020204" pitchFamily="34" charset="0"/>
+              <a:buChar char="•"/>
+            </a:pPr>
+            <a:endParaRPr lang="en-US" dirty="0"/>
+          </a:p>
+          <a:p>
+            <a:endParaRPr lang="en-US" dirty="0"/>
+          </a:p>
+          <a:p>
+            <a:pPr marL="285750" indent="-285750">
+              <a:buFont typeface="Arial" panose="020B0604020202020204" pitchFamily="34" charset="0"/>
+              <a:buChar char="•"/>
+            </a:pPr>
+            <a:endParaRPr lang="en-US" dirty="0"/>
+          </a:p>
+          <a:p>
+            <a:pPr marL="285750" indent="-285750">
+              <a:buFont typeface="Arial" panose="020B0604020202020204" pitchFamily="34" charset="0"/>
+              <a:buChar char="•"/>
+            </a:pPr>
+            <a:endParaRPr lang="en-US" dirty="0"/>
+          </a:p>
+          <a:p>
+            <a:pPr marL="285750" indent="-285750">
+              <a:buFont typeface="Arial" panose="020B0604020202020204" pitchFamily="34" charset="0"/>
+              <a:buChar char="•"/>
+            </a:pPr>
+            <a:endParaRPr lang="en-US" dirty="0"/>
+          </a:p>
+          <a:p>
+            <a:pPr marL="285750" indent="-285750">
+              <a:buFont typeface="Arial" panose="020B0604020202020204" pitchFamily="34" charset="0"/>
+              <a:buChar char="•"/>
+            </a:pPr>
+            <a:endParaRPr lang="en-US" dirty="0"/>
+          </a:p>
+          <a:p>
+            <a:pPr marL="285750" indent="-285750">
+              <a:buFont typeface="Arial" panose="020B0604020202020204" pitchFamily="34" charset="0"/>
+              <a:buChar char="•"/>
+            </a:pPr>
+            <a:endParaRPr lang="en-US" dirty="0"/>
+          </a:p>
+          <a:p>
+            <a:pPr marL="285750" indent="-285750">
+              <a:buFont typeface="Arial" panose="020B0604020202020204" pitchFamily="34" charset="0"/>
+              <a:buChar char="•"/>
+            </a:pPr>
+            <a:endParaRPr lang="en-US" dirty="0"/>
+          </a:p>
+          <a:p>
+            <a:pPr marL="285750" indent="-285750">
+              <a:buFont typeface="Arial" panose="020B0604020202020204" pitchFamily="34" charset="0"/>
+              <a:buChar char="•"/>
+            </a:pPr>
+            <a:endParaRPr lang="en-US" dirty="0"/>
+          </a:p>
+        </p:txBody>
+      </p:sp>
+    </p:spTree>
+    <p:extLst>
+      <p:ext uri="{BB962C8B-B14F-4D97-AF65-F5344CB8AC3E}">
+        <p14:creationId xmlns:p14="http://schemas.microsoft.com/office/powerpoint/2010/main" val="1339083836"/>
+      </p:ext>
+    </p:extLst>
+  </p:cSld>
+  <p:clrMapOvr>
+    <a:masterClrMapping/>
+  </p:clrMapOvr>
+</p:sld>
+</file>
+
+<file path=ppt/slides/slide4.xml><?xml version="1.0" encoding="utf-8"?>
+<p:sld xmlns:a="http://schemas.openxmlformats.org/drawingml/2006/main" xmlns:r="http://schemas.openxmlformats.org/officeDocument/2006/relationships" xmlns:p="http://schemas.openxmlformats.org/presentationml/2006/main">
+  <p:cSld>
+    <p:spTree>
+      <p:nvGrpSpPr>
+        <p:cNvPr id="1" name=""/>
+        <p:cNvGrpSpPr/>
+        <p:nvPr/>
+      </p:nvGrpSpPr>
+      <p:grpSpPr>
+        <a:xfrm>
+          <a:off x="0" y="0"/>
+          <a:ext cx="0" cy="0"/>
+          <a:chOff x="0" y="0"/>
+          <a:chExt cx="0" cy="0"/>
+        </a:xfrm>
+      </p:grpSpPr>
+      <p:sp>
+        <p:nvSpPr>
+          <p:cNvPr id="2" name="Title 1">
+            <a:extLst>
+              <a:ext uri="{FF2B5EF4-FFF2-40B4-BE49-F238E27FC236}">
+                <a16:creationId xmlns:a16="http://schemas.microsoft.com/office/drawing/2014/main" id="{19447540-A80A-E148-9B2F-9EFA205801D4}"/>
+              </a:ext>
+            </a:extLst>
+          </p:cNvPr>
+          <p:cNvSpPr>
+            <a:spLocks noGrp="1"/>
+          </p:cNvSpPr>
+          <p:nvPr>
+            <p:ph type="title"/>
+          </p:nvPr>
+        </p:nvSpPr>
+        <p:spPr/>
+        <p:txBody>
+          <a:bodyPr/>
+          <a:lstStyle/>
+          <a:p>
+            <a:r>
+              <a:rPr lang="en-US" dirty="0"/>
+              <a:t>Ionization Efficiency  (Yield)</a:t>
+            </a:r>
+          </a:p>
+        </p:txBody>
+      </p:sp>
+      <p:sp>
+        <p:nvSpPr>
+          <p:cNvPr id="8" name="Content Placeholder 7">
+            <a:extLst>
+              <a:ext uri="{FF2B5EF4-FFF2-40B4-BE49-F238E27FC236}">
+                <a16:creationId xmlns:a16="http://schemas.microsoft.com/office/drawing/2014/main" id="{1869FB3F-01F0-034B-AA10-572B102AD158}"/>
+              </a:ext>
+            </a:extLst>
+          </p:cNvPr>
+          <p:cNvSpPr>
+            <a:spLocks noGrp="1"/>
+          </p:cNvSpPr>
+          <p:nvPr>
+            <p:ph idx="1"/>
+          </p:nvPr>
+        </p:nvSpPr>
+        <p:spPr>
+          <a:xfrm>
+            <a:off x="838200" y="1825625"/>
+            <a:ext cx="5257800" cy="4351338"/>
+          </a:xfrm>
+        </p:spPr>
+        <p:txBody>
+          <a:bodyPr>
+            <a:normAutofit/>
+          </a:bodyPr>
+          <a:lstStyle/>
+          <a:p>
+            <a:r>
+              <a:rPr lang="en-US" sz="1800" dirty="0"/>
+              <a:t>ratio of energy used to create electron-hole pairs to the energy used to create phonons </a:t>
+            </a:r>
+            <a:br>
+              <a:rPr lang="en-US" sz="1800" dirty="0"/>
+            </a:br>
+            <a:endParaRPr lang="en-US" sz="1800" dirty="0"/>
+          </a:p>
+          <a:p>
+            <a:r>
+              <a:rPr lang="en-US" sz="1800" dirty="0"/>
+              <a:t>For </a:t>
+            </a:r>
+            <a:r>
+              <a:rPr lang="en-US" sz="1800" dirty="0" err="1"/>
+              <a:t>CDMSlite</a:t>
+            </a:r>
+            <a:r>
+              <a:rPr lang="en-US" sz="1800" dirty="0"/>
+              <a:t>, this is not something that can be directly measured and must be modeled using </a:t>
+            </a:r>
+            <a:r>
+              <a:rPr lang="en-US" sz="1800" dirty="0" err="1"/>
+              <a:t>Lindhard</a:t>
+            </a:r>
+            <a:r>
+              <a:rPr lang="en-US" sz="1800" dirty="0"/>
+              <a:t>. </a:t>
+            </a:r>
+          </a:p>
+          <a:p>
+            <a:pPr marL="0" indent="0">
+              <a:buNone/>
+            </a:pPr>
+            <a:endParaRPr lang="en-US" sz="2400" dirty="0"/>
+          </a:p>
+        </p:txBody>
+      </p:sp>
+      <p:grpSp>
+        <p:nvGrpSpPr>
+          <p:cNvPr id="15" name="Group 14">
+            <a:extLst>
+              <a:ext uri="{FF2B5EF4-FFF2-40B4-BE49-F238E27FC236}">
+                <a16:creationId xmlns:a16="http://schemas.microsoft.com/office/drawing/2014/main" id="{3DC40207-8FF5-9743-80FB-E852A1D9C9DD}"/>
+              </a:ext>
+            </a:extLst>
+          </p:cNvPr>
+          <p:cNvGrpSpPr/>
+          <p:nvPr/>
+        </p:nvGrpSpPr>
+        <p:grpSpPr>
+          <a:xfrm>
+            <a:off x="7311423" y="1825625"/>
+            <a:ext cx="3327400" cy="2352674"/>
+            <a:chOff x="4246948" y="3124994"/>
+            <a:chExt cx="3327400" cy="2352674"/>
+          </a:xfrm>
+        </p:grpSpPr>
+        <p:pic>
+          <p:nvPicPr>
+            <p:cNvPr id="10" name="Picture 9">
+              <a:extLst>
+                <a:ext uri="{FF2B5EF4-FFF2-40B4-BE49-F238E27FC236}">
+                  <a16:creationId xmlns:a16="http://schemas.microsoft.com/office/drawing/2014/main" id="{8835645D-B830-E14F-A2C0-4782709D384F}"/>
+                </a:ext>
+              </a:extLst>
+            </p:cNvPr>
+            <p:cNvPicPr>
+              <a:picLocks noChangeAspect="1"/>
+            </p:cNvPicPr>
+            <p:nvPr/>
+          </p:nvPicPr>
+          <p:blipFill>
+            <a:blip r:embed="rId3"/>
+            <a:stretch>
+              <a:fillRect/>
+            </a:stretch>
+          </p:blipFill>
+          <p:spPr>
+            <a:xfrm>
+              <a:off x="4304098" y="3124994"/>
+              <a:ext cx="3213100" cy="876300"/>
+            </a:xfrm>
+            <a:prstGeom prst="rect">
+              <a:avLst/>
+            </a:prstGeom>
+          </p:spPr>
+        </p:pic>
+        <p:pic>
+          <p:nvPicPr>
+            <p:cNvPr id="12" name="Picture 11">
+              <a:extLst>
+                <a:ext uri="{FF2B5EF4-FFF2-40B4-BE49-F238E27FC236}">
+                  <a16:creationId xmlns:a16="http://schemas.microsoft.com/office/drawing/2014/main" id="{E5F940E9-46D5-0847-BBDA-9D8D925D9D03}"/>
+                </a:ext>
+              </a:extLst>
+            </p:cNvPr>
+            <p:cNvPicPr>
+              <a:picLocks noChangeAspect="1"/>
+            </p:cNvPicPr>
+            <p:nvPr/>
+          </p:nvPicPr>
+          <p:blipFill>
+            <a:blip r:embed="rId4"/>
+            <a:stretch>
+              <a:fillRect/>
+            </a:stretch>
+          </p:blipFill>
+          <p:spPr>
+            <a:xfrm>
+              <a:off x="4246948" y="4136231"/>
+              <a:ext cx="3327400" cy="546100"/>
+            </a:xfrm>
+            <a:prstGeom prst="rect">
+              <a:avLst/>
+            </a:prstGeom>
+          </p:spPr>
+        </p:pic>
+        <p:pic>
+          <p:nvPicPr>
+            <p:cNvPr id="14" name="Picture 13">
+              <a:extLst>
+                <a:ext uri="{FF2B5EF4-FFF2-40B4-BE49-F238E27FC236}">
+                  <a16:creationId xmlns:a16="http://schemas.microsoft.com/office/drawing/2014/main" id="{6AEB9DFC-0847-B041-857F-0D6B428E9378}"/>
+                </a:ext>
+              </a:extLst>
+            </p:cNvPr>
+            <p:cNvPicPr>
+              <a:picLocks noChangeAspect="1"/>
+            </p:cNvPicPr>
+            <p:nvPr/>
+          </p:nvPicPr>
+          <p:blipFill>
+            <a:blip r:embed="rId5"/>
+            <a:stretch>
+              <a:fillRect/>
+            </a:stretch>
+          </p:blipFill>
+          <p:spPr>
+            <a:xfrm>
+              <a:off x="5116898" y="4817268"/>
+              <a:ext cx="1587500" cy="660400"/>
+            </a:xfrm>
+            <a:prstGeom prst="rect">
+              <a:avLst/>
+            </a:prstGeom>
+          </p:spPr>
+        </p:pic>
+      </p:grpSp>
+      <p:sp>
+        <p:nvSpPr>
+          <p:cNvPr id="3" name="Slide Number Placeholder 2">
+            <a:extLst>
+              <a:ext uri="{FF2B5EF4-FFF2-40B4-BE49-F238E27FC236}">
+                <a16:creationId xmlns:a16="http://schemas.microsoft.com/office/drawing/2014/main" id="{ECEDB8B7-32B8-2F44-837C-F22A723A9B3A}"/>
+              </a:ext>
+            </a:extLst>
+          </p:cNvPr>
+          <p:cNvSpPr>
+            <a:spLocks noGrp="1"/>
+          </p:cNvSpPr>
+          <p:nvPr>
+            <p:ph type="sldNum" sz="quarter" idx="12"/>
+          </p:nvPr>
+        </p:nvSpPr>
+        <p:spPr/>
+        <p:txBody>
+          <a:bodyPr/>
+          <a:lstStyle/>
+          <a:p>
+            <a:fld id="{035DBD62-E6E0-484E-AB64-E286A6B85B65}" type="slidenum">
+              <a:rPr lang="en-US" smtClean="0"/>
+              <a:t>4</a:t>
+            </a:fld>
+            <a:endParaRPr lang="en-US"/>
+          </a:p>
+        </p:txBody>
+      </p:sp>
+    </p:spTree>
+    <p:extLst>
+      <p:ext uri="{BB962C8B-B14F-4D97-AF65-F5344CB8AC3E}">
+        <p14:creationId xmlns:p14="http://schemas.microsoft.com/office/powerpoint/2010/main" val="2304572820"/>
+      </p:ext>
+    </p:extLst>
+  </p:cSld>
+  <p:clrMapOvr>
+    <a:masterClrMapping/>
+  </p:clrMapOvr>
+</p:sld>
+</file>
+
+<file path=ppt/slides/slide5.xml><?xml version="1.0" encoding="utf-8"?>
+<p:sld xmlns:a="http://schemas.openxmlformats.org/drawingml/2006/main" xmlns:r="http://schemas.openxmlformats.org/officeDocument/2006/relationships" xmlns:p="http://schemas.openxmlformats.org/presentationml/2006/main">
+  <p:cSld>
+    <p:spTree>
+      <p:nvGrpSpPr>
+        <p:cNvPr id="1" name=""/>
+        <p:cNvGrpSpPr/>
+        <p:nvPr/>
+      </p:nvGrpSpPr>
+      <p:grpSpPr>
+        <a:xfrm>
+          <a:off x="0" y="0"/>
+          <a:ext cx="0" cy="0"/>
+          <a:chOff x="0" y="0"/>
+          <a:chExt cx="0" cy="0"/>
+        </a:xfrm>
+      </p:grpSpPr>
+      <p:sp>
+        <p:nvSpPr>
+          <p:cNvPr id="2" name="Title 1">
+            <a:extLst>
+              <a:ext uri="{FF2B5EF4-FFF2-40B4-BE49-F238E27FC236}">
+                <a16:creationId xmlns:a16="http://schemas.microsoft.com/office/drawing/2014/main" id="{029CC9B3-EA40-584D-92A7-B27B260E40EE}"/>
+              </a:ext>
+            </a:extLst>
+          </p:cNvPr>
+          <p:cNvSpPr>
+            <a:spLocks noGrp="1"/>
+          </p:cNvSpPr>
+          <p:nvPr>
+            <p:ph type="title"/>
+          </p:nvPr>
+        </p:nvSpPr>
+        <p:spPr/>
+        <p:txBody>
+          <a:bodyPr/>
+          <a:lstStyle/>
+          <a:p>
+            <a:r>
+              <a:rPr lang="en-US" dirty="0" err="1"/>
+              <a:t>HVeV</a:t>
+            </a:r>
+            <a:r>
+              <a:rPr lang="en-US" dirty="0"/>
+              <a:t> Detector.  </a:t>
+            </a:r>
+          </a:p>
+        </p:txBody>
+      </p:sp>
+      <p:sp>
+        <p:nvSpPr>
+          <p:cNvPr id="3" name="Content Placeholder 2">
+            <a:extLst>
+              <a:ext uri="{FF2B5EF4-FFF2-40B4-BE49-F238E27FC236}">
+                <a16:creationId xmlns:a16="http://schemas.microsoft.com/office/drawing/2014/main" id="{A77EA2EC-99CB-9B40-8A81-6546C1A4CAF8}"/>
+              </a:ext>
+            </a:extLst>
+          </p:cNvPr>
+          <p:cNvSpPr>
+            <a:spLocks noGrp="1"/>
+          </p:cNvSpPr>
+          <p:nvPr>
+            <p:ph idx="1"/>
+          </p:nvPr>
+        </p:nvSpPr>
+        <p:spPr>
+          <a:xfrm>
+            <a:off x="838200" y="1825625"/>
+            <a:ext cx="5257800" cy="4351338"/>
+          </a:xfrm>
+        </p:spPr>
+        <p:txBody>
+          <a:bodyPr/>
+          <a:lstStyle/>
+          <a:p>
+            <a:endParaRPr lang="en-US" sz="1800" dirty="0"/>
+          </a:p>
+          <a:p>
+            <a:r>
+              <a:rPr lang="en-US" sz="1800" dirty="0"/>
+              <a:t>Biased with ~100 V/cm</a:t>
+            </a:r>
+          </a:p>
+          <a:p>
+            <a:r>
+              <a:rPr lang="en-US" sz="1800" dirty="0"/>
+              <a:t>Phonon signal read out with QETs</a:t>
+            </a:r>
+          </a:p>
+          <a:p>
+            <a:r>
+              <a:rPr lang="en-US" sz="1800" dirty="0"/>
+              <a:t>resolution of ∼0.09 e−h+ Biased </a:t>
+            </a:r>
+          </a:p>
+          <a:p>
+            <a:pPr marL="0" indent="0">
+              <a:buNone/>
+            </a:pPr>
+            <a:r>
+              <a:rPr lang="en-US" dirty="0"/>
+              <a:t> </a:t>
+            </a:r>
+          </a:p>
+        </p:txBody>
+      </p:sp>
+      <p:pic>
+        <p:nvPicPr>
+          <p:cNvPr id="10" name="Picture 9">
+            <a:extLst>
+              <a:ext uri="{FF2B5EF4-FFF2-40B4-BE49-F238E27FC236}">
+                <a16:creationId xmlns:a16="http://schemas.microsoft.com/office/drawing/2014/main" id="{E9CA3B1E-B12E-294E-82D2-6A660AF9553D}"/>
+              </a:ext>
+            </a:extLst>
+          </p:cNvPr>
+          <p:cNvPicPr>
+            <a:picLocks noChangeAspect="1"/>
+          </p:cNvPicPr>
+          <p:nvPr/>
+        </p:nvPicPr>
+        <p:blipFill>
+          <a:blip r:embed="rId2"/>
+          <a:stretch>
+            <a:fillRect/>
+          </a:stretch>
+        </p:blipFill>
+        <p:spPr>
+          <a:xfrm>
+            <a:off x="6649539" y="1690688"/>
+            <a:ext cx="4704261" cy="3331610"/>
+          </a:xfrm>
+          <a:prstGeom prst="rect">
+            <a:avLst/>
+          </a:prstGeom>
+        </p:spPr>
+      </p:pic>
+      <p:sp>
+        <p:nvSpPr>
+          <p:cNvPr id="11" name="Slide Number Placeholder 10">
+            <a:extLst>
+              <a:ext uri="{FF2B5EF4-FFF2-40B4-BE49-F238E27FC236}">
+                <a16:creationId xmlns:a16="http://schemas.microsoft.com/office/drawing/2014/main" id="{3FBA8E98-A6A6-3D4F-B067-37DDB143ACCC}"/>
+              </a:ext>
+            </a:extLst>
+          </p:cNvPr>
+          <p:cNvSpPr>
+            <a:spLocks noGrp="1"/>
+          </p:cNvSpPr>
+          <p:nvPr>
+            <p:ph type="sldNum" sz="quarter" idx="12"/>
+          </p:nvPr>
+        </p:nvSpPr>
+        <p:spPr/>
+        <p:txBody>
+          <a:bodyPr/>
+          <a:lstStyle/>
+          <a:p>
+            <a:fld id="{035DBD62-E6E0-484E-AB64-E286A6B85B65}" type="slidenum">
+              <a:rPr lang="en-US" smtClean="0"/>
+              <a:t>5</a:t>
+            </a:fld>
+            <a:endParaRPr lang="en-US"/>
+          </a:p>
+        </p:txBody>
+      </p:sp>
+    </p:spTree>
+    <p:extLst>
+      <p:ext uri="{BB962C8B-B14F-4D97-AF65-F5344CB8AC3E}">
+        <p14:creationId xmlns:p14="http://schemas.microsoft.com/office/powerpoint/2010/main" val="2422676951"/>
+      </p:ext>
+    </p:extLst>
+  </p:cSld>
+  <p:clrMapOvr>
+    <a:masterClrMapping/>
+  </p:clrMapOvr>
+</p:sld>
+</file>
+
+<file path=ppt/slides/slide6.xml><?xml version="1.0" encoding="utf-8"?>
+<p:sld xmlns:a="http://schemas.openxmlformats.org/drawingml/2006/main" xmlns:r="http://schemas.openxmlformats.org/officeDocument/2006/relationships" xmlns:p="http://schemas.openxmlformats.org/presentationml/2006/main">
+  <p:cSld>
+    <p:spTree>
+      <p:nvGrpSpPr>
+        <p:cNvPr id="1" name=""/>
+        <p:cNvGrpSpPr/>
+        <p:nvPr/>
+      </p:nvGrpSpPr>
+      <p:grpSpPr>
+        <a:xfrm>
+          <a:off x="0" y="0"/>
+          <a:ext cx="0" cy="0"/>
+          <a:chOff x="0" y="0"/>
+          <a:chExt cx="0" cy="0"/>
+        </a:xfrm>
+      </p:grpSpPr>
+      <p:sp>
+        <p:nvSpPr>
+          <p:cNvPr id="4" name="Slide Number Placeholder 3">
+            <a:extLst>
+              <a:ext uri="{FF2B5EF4-FFF2-40B4-BE49-F238E27FC236}">
+                <a16:creationId xmlns:a16="http://schemas.microsoft.com/office/drawing/2014/main" id="{3BB79DFF-2B30-6C4A-B3BC-8451CDEEBBAD}"/>
+              </a:ext>
+            </a:extLst>
+          </p:cNvPr>
+          <p:cNvSpPr>
+            <a:spLocks noGrp="1"/>
+          </p:cNvSpPr>
+          <p:nvPr>
+            <p:ph type="sldNum" sz="quarter" idx="12"/>
+          </p:nvPr>
+        </p:nvSpPr>
+        <p:spPr/>
+        <p:txBody>
+          <a:bodyPr/>
+          <a:lstStyle/>
+          <a:p>
+            <a:fld id="{035DBD62-E6E0-484E-AB64-E286A6B85B65}" type="slidenum">
+              <a:rPr lang="en-US" smtClean="0"/>
+              <a:t>6</a:t>
+            </a:fld>
+            <a:endParaRPr lang="en-US"/>
+          </a:p>
+        </p:txBody>
+      </p:sp>
+      <p:pic>
+        <p:nvPicPr>
+          <p:cNvPr id="13" name="Picture 12">
+            <a:extLst>
+              <a:ext uri="{FF2B5EF4-FFF2-40B4-BE49-F238E27FC236}">
+                <a16:creationId xmlns:a16="http://schemas.microsoft.com/office/drawing/2014/main" id="{C6CC82BA-8986-654D-9749-C1F34B36D70B}"/>
+              </a:ext>
+            </a:extLst>
+          </p:cNvPr>
+          <p:cNvPicPr>
+            <a:picLocks noChangeAspect="1"/>
+          </p:cNvPicPr>
+          <p:nvPr/>
+        </p:nvPicPr>
+        <p:blipFill>
+          <a:blip r:embed="rId3"/>
+          <a:stretch>
+            <a:fillRect/>
+          </a:stretch>
+        </p:blipFill>
+        <p:spPr>
+          <a:xfrm>
+            <a:off x="7280557" y="136525"/>
+            <a:ext cx="3828416" cy="3846306"/>
+          </a:xfrm>
+          <a:prstGeom prst="rect">
+            <a:avLst/>
+          </a:prstGeom>
+        </p:spPr>
+      </p:pic>
+      <p:pic>
+        <p:nvPicPr>
+          <p:cNvPr id="15" name="Picture 14">
+            <a:extLst>
+              <a:ext uri="{FF2B5EF4-FFF2-40B4-BE49-F238E27FC236}">
+                <a16:creationId xmlns:a16="http://schemas.microsoft.com/office/drawing/2014/main" id="{00FB1C81-0166-234B-8E2D-2252A3F75492}"/>
+              </a:ext>
+            </a:extLst>
+          </p:cNvPr>
+          <p:cNvPicPr>
+            <a:picLocks noChangeAspect="1"/>
+          </p:cNvPicPr>
+          <p:nvPr/>
+        </p:nvPicPr>
+        <p:blipFill>
+          <a:blip r:embed="rId4"/>
+          <a:stretch>
+            <a:fillRect/>
+          </a:stretch>
+        </p:blipFill>
+        <p:spPr>
+          <a:xfrm>
+            <a:off x="812628" y="0"/>
+            <a:ext cx="4098817" cy="3456834"/>
+          </a:xfrm>
+          <a:prstGeom prst="rect">
+            <a:avLst/>
+          </a:prstGeom>
+        </p:spPr>
+      </p:pic>
+      <p:pic>
+        <p:nvPicPr>
+          <p:cNvPr id="17" name="Picture 16">
+            <a:extLst>
+              <a:ext uri="{FF2B5EF4-FFF2-40B4-BE49-F238E27FC236}">
+                <a16:creationId xmlns:a16="http://schemas.microsoft.com/office/drawing/2014/main" id="{EFF12F7D-7D56-0C40-BC76-B39AB869BBBF}"/>
+              </a:ext>
+            </a:extLst>
+          </p:cNvPr>
+          <p:cNvPicPr>
+            <a:picLocks noChangeAspect="1"/>
+          </p:cNvPicPr>
+          <p:nvPr/>
+        </p:nvPicPr>
+        <p:blipFill>
+          <a:blip r:embed="rId5"/>
+          <a:stretch>
+            <a:fillRect/>
+          </a:stretch>
+        </p:blipFill>
+        <p:spPr>
+          <a:xfrm>
+            <a:off x="812628" y="3351140"/>
+            <a:ext cx="4043577" cy="3456834"/>
+          </a:xfrm>
+          <a:prstGeom prst="rect">
+            <a:avLst/>
+          </a:prstGeom>
+        </p:spPr>
+      </p:pic>
+    </p:spTree>
+    <p:extLst>
+      <p:ext uri="{BB962C8B-B14F-4D97-AF65-F5344CB8AC3E}">
+        <p14:creationId xmlns:p14="http://schemas.microsoft.com/office/powerpoint/2010/main" val="2282746327"/>
+      </p:ext>
+    </p:extLst>
+  </p:cSld>
+  <p:clrMapOvr>
+    <a:masterClrMapping/>
+  </p:clrMapOvr>
+</p:sld>
+</file>
+
+<file path=ppt/slides/slide7.xml><?xml version="1.0" encoding="utf-8"?>
+<p:sld xmlns:a="http://schemas.openxmlformats.org/drawingml/2006/main" xmlns:r="http://schemas.openxmlformats.org/officeDocument/2006/relationships" xmlns:p="http://schemas.openxmlformats.org/presentationml/2006/main">
+  <p:cSld>
+    <p:spTree>
+      <p:nvGrpSpPr>
+        <p:cNvPr id="1" name=""/>
+        <p:cNvGrpSpPr/>
+        <p:nvPr/>
+      </p:nvGrpSpPr>
+      <p:grpSpPr>
+        <a:xfrm>
+          <a:off x="0" y="0"/>
+          <a:ext cx="0" cy="0"/>
+          <a:chOff x="0" y="0"/>
+          <a:chExt cx="0" cy="0"/>
+        </a:xfrm>
+      </p:grpSpPr>
+      <p:sp>
+        <p:nvSpPr>
+          <p:cNvPr id="2" name="Title 1">
+            <a:extLst>
+              <a:ext uri="{FF2B5EF4-FFF2-40B4-BE49-F238E27FC236}">
+                <a16:creationId xmlns:a16="http://schemas.microsoft.com/office/drawing/2014/main" id="{691D70F6-8CC5-D441-8515-215889708639}"/>
+              </a:ext>
+            </a:extLst>
+          </p:cNvPr>
+          <p:cNvSpPr>
+            <a:spLocks noGrp="1"/>
+          </p:cNvSpPr>
+          <p:nvPr>
+            <p:ph type="title"/>
+          </p:nvPr>
+        </p:nvSpPr>
+        <p:spPr/>
+        <p:txBody>
+          <a:bodyPr/>
+          <a:lstStyle/>
+          <a:p>
+            <a:r>
+              <a:rPr lang="en-US" dirty="0"/>
+              <a:t>END </a:t>
+            </a:r>
+          </a:p>
+        </p:txBody>
+      </p:sp>
+      <p:sp>
+        <p:nvSpPr>
+          <p:cNvPr id="3" name="Content Placeholder 2">
+            <a:extLst>
+              <a:ext uri="{FF2B5EF4-FFF2-40B4-BE49-F238E27FC236}">
+                <a16:creationId xmlns:a16="http://schemas.microsoft.com/office/drawing/2014/main" id="{693482F4-1371-4943-A40A-8DCA9BDB3707}"/>
+              </a:ext>
+            </a:extLst>
+          </p:cNvPr>
+          <p:cNvSpPr>
+            <a:spLocks noGrp="1"/>
+          </p:cNvSpPr>
+          <p:nvPr>
+            <p:ph idx="1"/>
+          </p:nvPr>
+        </p:nvSpPr>
+        <p:spPr>
+          <a:xfrm>
+            <a:off x="838200" y="1825625"/>
+            <a:ext cx="5257800" cy="4351338"/>
+          </a:xfrm>
+        </p:spPr>
+        <p:txBody>
+          <a:bodyPr>
+            <a:normAutofit/>
+          </a:bodyPr>
+          <a:lstStyle/>
+          <a:p>
+            <a:endParaRPr lang="en-US" sz="1800" dirty="0"/>
+          </a:p>
+        </p:txBody>
+      </p:sp>
+      <p:sp>
+        <p:nvSpPr>
+          <p:cNvPr id="4" name="Slide Number Placeholder 3">
+            <a:extLst>
+              <a:ext uri="{FF2B5EF4-FFF2-40B4-BE49-F238E27FC236}">
+                <a16:creationId xmlns:a16="http://schemas.microsoft.com/office/drawing/2014/main" id="{3BB79DFF-2B30-6C4A-B3BC-8451CDEEBBAD}"/>
+              </a:ext>
+            </a:extLst>
+          </p:cNvPr>
+          <p:cNvSpPr>
+            <a:spLocks noGrp="1"/>
+          </p:cNvSpPr>
+          <p:nvPr>
+            <p:ph type="sldNum" sz="quarter" idx="12"/>
+          </p:nvPr>
+        </p:nvSpPr>
+        <p:spPr/>
+        <p:txBody>
+          <a:bodyPr/>
+          <a:lstStyle/>
+          <a:p>
+            <a:fld id="{035DBD62-E6E0-484E-AB64-E286A6B85B65}" type="slidenum">
+              <a:rPr lang="en-US" smtClean="0"/>
+              <a:t>7</a:t>
+            </a:fld>
+            <a:endParaRPr lang="en-US"/>
+          </a:p>
+        </p:txBody>
+      </p:sp>
+    </p:spTree>
+    <p:extLst>
+      <p:ext uri="{BB962C8B-B14F-4D97-AF65-F5344CB8AC3E}">
+        <p14:creationId xmlns:p14="http://schemas.microsoft.com/office/powerpoint/2010/main" val="1769617012"/>
+      </p:ext>
+    </p:extLst>
+  </p:cSld>
+  <p:clrMapOvr>
+    <a:masterClrMapping/>
+  </p:clrMapOvr>
+</p:sld>
+</file>
+
+<file path=ppt/slides/slide8.xml><?xml version="1.0" encoding="utf-8"?>
+<p:sld xmlns:a="http://schemas.openxmlformats.org/drawingml/2006/main" xmlns:r="http://schemas.openxmlformats.org/officeDocument/2006/relationships" xmlns:p="http://schemas.openxmlformats.org/presentationml/2006/main">
+  <p:cSld>
+    <p:spTree>
+      <p:nvGrpSpPr>
+        <p:cNvPr id="1" name=""/>
+        <p:cNvGrpSpPr/>
+        <p:nvPr/>
+      </p:nvGrpSpPr>
+      <p:grpSpPr>
+        <a:xfrm>
+          <a:off x="0" y="0"/>
+          <a:ext cx="0" cy="0"/>
+          <a:chOff x="0" y="0"/>
+          <a:chExt cx="0" cy="0"/>
+        </a:xfrm>
+      </p:grpSpPr>
+      <p:sp>
+        <p:nvSpPr>
+          <p:cNvPr id="2" name="Title 1">
+            <a:extLst>
+              <a:ext uri="{FF2B5EF4-FFF2-40B4-BE49-F238E27FC236}">
+                <a16:creationId xmlns:a16="http://schemas.microsoft.com/office/drawing/2014/main" id="{24B7DF4A-1926-FD4C-94CA-990D4B267C66}"/>
+              </a:ext>
+            </a:extLst>
+          </p:cNvPr>
+          <p:cNvSpPr>
+            <a:spLocks noGrp="1"/>
+          </p:cNvSpPr>
+          <p:nvPr>
+            <p:ph type="title"/>
+          </p:nvPr>
+        </p:nvSpPr>
+        <p:spPr/>
+        <p:txBody>
+          <a:bodyPr/>
+          <a:lstStyle/>
+          <a:p>
+            <a:r>
+              <a:rPr lang="en-US" dirty="0" err="1"/>
+              <a:t>CDMSlite</a:t>
+            </a:r>
+            <a:r>
+              <a:rPr lang="en-US" dirty="0"/>
+              <a:t> Detector </a:t>
+            </a:r>
+          </a:p>
+        </p:txBody>
+      </p:sp>
+      <p:pic>
+        <p:nvPicPr>
+          <p:cNvPr id="5" name="Content Placeholder 4">
+            <a:extLst>
+              <a:ext uri="{FF2B5EF4-FFF2-40B4-BE49-F238E27FC236}">
+                <a16:creationId xmlns:a16="http://schemas.microsoft.com/office/drawing/2014/main" id="{F18A38AD-7C3D-B848-A538-698A9F7D610A}"/>
+              </a:ext>
+            </a:extLst>
+          </p:cNvPr>
+          <p:cNvPicPr>
+            <a:picLocks noGrp="1" noChangeAspect="1"/>
+          </p:cNvPicPr>
+          <p:nvPr>
+            <p:ph idx="1"/>
+          </p:nvPr>
+        </p:nvPicPr>
+        <p:blipFill>
+          <a:blip r:embed="rId3"/>
+          <a:stretch>
+            <a:fillRect/>
+          </a:stretch>
+        </p:blipFill>
+        <p:spPr>
+          <a:xfrm>
+            <a:off x="6662809" y="1793766"/>
+            <a:ext cx="5529191" cy="3382382"/>
+          </a:xfrm>
+        </p:spPr>
+      </p:pic>
+      <p:sp>
+        <p:nvSpPr>
+          <p:cNvPr id="7" name="TextBox 6">
+            <a:extLst>
+              <a:ext uri="{FF2B5EF4-FFF2-40B4-BE49-F238E27FC236}">
+                <a16:creationId xmlns:a16="http://schemas.microsoft.com/office/drawing/2014/main" id="{F18FCBF2-57F0-F643-8469-7DAD13900BC9}"/>
+              </a:ext>
+            </a:extLst>
+          </p:cNvPr>
+          <p:cNvSpPr txBox="1"/>
+          <p:nvPr/>
+        </p:nvSpPr>
+        <p:spPr>
+          <a:xfrm>
+            <a:off x="1062681" y="1915297"/>
+            <a:ext cx="5033319" cy="3139321"/>
+          </a:xfrm>
+          <a:prstGeom prst="rect">
+            <a:avLst/>
+          </a:prstGeom>
+          <a:noFill/>
+        </p:spPr>
+        <p:txBody>
+          <a:bodyPr wrap="square" rtlCol="0">
+            <a:spAutoFit/>
+          </a:bodyPr>
+          <a:lstStyle/>
+          <a:p>
+            <a:pPr marL="285750" indent="-285750">
+              <a:buFont typeface="Arial" panose="020B0604020202020204" pitchFamily="34" charset="0"/>
+              <a:buChar char="•"/>
+            </a:pPr>
+            <a:r>
+              <a:rPr lang="en-US" dirty="0"/>
+              <a:t>Low threshold ionization experiment </a:t>
+            </a:r>
+          </a:p>
+          <a:p>
+            <a:pPr marL="285750" indent="-285750">
+              <a:buFont typeface="Arial" panose="020B0604020202020204" pitchFamily="34" charset="0"/>
+              <a:buChar char="•"/>
+            </a:pPr>
+            <a:endParaRPr lang="en-US" dirty="0"/>
+          </a:p>
+          <a:p>
+            <a:pPr marL="285750" indent="-285750">
+              <a:buFont typeface="Arial" panose="020B0604020202020204" pitchFamily="34" charset="0"/>
+              <a:buChar char="•"/>
+            </a:pPr>
+            <a:r>
+              <a:rPr lang="en-US" dirty="0"/>
+              <a:t>Applied Voltage ~50-80 V/cm </a:t>
+            </a:r>
+          </a:p>
+          <a:p>
+            <a:pPr marL="285750" indent="-285750">
+              <a:buFont typeface="Arial" panose="020B0604020202020204" pitchFamily="34" charset="0"/>
+              <a:buChar char="•"/>
+            </a:pPr>
+            <a:endParaRPr lang="en-US" dirty="0"/>
+          </a:p>
+          <a:p>
+            <a:pPr marL="285750" indent="-285750">
+              <a:buFont typeface="Arial" panose="020B0604020202020204" pitchFamily="34" charset="0"/>
+              <a:buChar char="•"/>
+            </a:pPr>
+            <a:r>
+              <a:rPr lang="en-US" dirty="0"/>
+              <a:t>Ionization energy resolution of 170 </a:t>
+            </a:r>
+            <a:r>
+              <a:rPr lang="en-US" dirty="0" err="1"/>
+              <a:t>eVee</a:t>
+            </a:r>
+            <a:r>
+              <a:rPr lang="en-US" dirty="0"/>
+              <a:t> </a:t>
+            </a:r>
+          </a:p>
+          <a:p>
+            <a:endParaRPr lang="en-US" dirty="0"/>
+          </a:p>
+          <a:p>
+            <a:pPr marL="285750" indent="-285750">
+              <a:buFont typeface="Arial" panose="020B0604020202020204" pitchFamily="34" charset="0"/>
+              <a:buChar char="•"/>
+            </a:pPr>
+            <a:r>
+              <a:rPr lang="en-US" dirty="0"/>
+              <a:t>Detects phonons only. </a:t>
+            </a:r>
+          </a:p>
+          <a:p>
+            <a:endParaRPr lang="en-US" dirty="0"/>
+          </a:p>
+          <a:p>
+            <a:pPr marL="285750" indent="-285750">
+              <a:buFont typeface="Arial" panose="020B0604020202020204" pitchFamily="34" charset="0"/>
+              <a:buChar char="•"/>
+            </a:pPr>
+            <a:r>
+              <a:rPr lang="en-US" dirty="0"/>
+              <a:t>Phonon amplification via </a:t>
+            </a:r>
+            <a:r>
+              <a:rPr lang="en-US" dirty="0" err="1"/>
+              <a:t>Neganov</a:t>
+            </a:r>
+            <a:r>
+              <a:rPr lang="en-US" dirty="0"/>
+              <a:t>-</a:t>
+            </a:r>
+            <a:r>
+              <a:rPr lang="en-US" dirty="0" err="1"/>
+              <a:t>Trofimov</a:t>
+            </a:r>
+            <a:r>
+              <a:rPr lang="en-US" dirty="0"/>
+              <a:t>-Luke (NTL) effect </a:t>
+            </a:r>
+          </a:p>
+          <a:p>
+            <a:pPr marL="285750" indent="-285750">
+              <a:buFont typeface="Arial" panose="020B0604020202020204" pitchFamily="34" charset="0"/>
+              <a:buChar char="•"/>
+            </a:pPr>
+            <a:endParaRPr lang="en-US" dirty="0"/>
+          </a:p>
+        </p:txBody>
+      </p:sp>
+      <p:sp>
+        <p:nvSpPr>
+          <p:cNvPr id="3" name="Slide Number Placeholder 2">
+            <a:extLst>
+              <a:ext uri="{FF2B5EF4-FFF2-40B4-BE49-F238E27FC236}">
+                <a16:creationId xmlns:a16="http://schemas.microsoft.com/office/drawing/2014/main" id="{3EE1539B-7753-2A46-99F3-9F1D56504805}"/>
+              </a:ext>
+            </a:extLst>
+          </p:cNvPr>
+          <p:cNvSpPr>
+            <a:spLocks noGrp="1"/>
+          </p:cNvSpPr>
+          <p:nvPr>
+            <p:ph type="sldNum" sz="quarter" idx="12"/>
+          </p:nvPr>
+        </p:nvSpPr>
+        <p:spPr/>
+        <p:txBody>
+          <a:bodyPr/>
+          <a:lstStyle/>
+          <a:p>
+            <a:fld id="{035DBD62-E6E0-484E-AB64-E286A6B85B65}" type="slidenum">
+              <a:rPr lang="en-US" smtClean="0"/>
+              <a:t>8</a:t>
+            </a:fld>
+            <a:endParaRPr lang="en-US"/>
+          </a:p>
+        </p:txBody>
+      </p:sp>
+    </p:spTree>
+    <p:extLst>
+      <p:ext uri="{BB962C8B-B14F-4D97-AF65-F5344CB8AC3E}">
+        <p14:creationId xmlns:p14="http://schemas.microsoft.com/office/powerpoint/2010/main" val="3174342802"/>
+      </p:ext>
+    </p:extLst>
+  </p:cSld>
+  <p:clrMapOvr>
+    <a:masterClrMapping/>
+  </p:clrMapOvr>
+</p:sld>
+</file>
+
+<file path=ppt/slides/slide9.xml><?xml version="1.0" encoding="utf-8"?>
+<p:sld xmlns:a="http://schemas.openxmlformats.org/drawingml/2006/main" xmlns:r="http://schemas.openxmlformats.org/officeDocument/2006/relationships" xmlns:p="http://schemas.openxmlformats.org/presentationml/2006/main">
+  <p:cSld>
+    <p:spTree>
+      <p:nvGrpSpPr>
+        <p:cNvPr id="1" name=""/>
+        <p:cNvGrpSpPr/>
+        <p:nvPr/>
+      </p:nvGrpSpPr>
+      <p:grpSpPr>
+        <a:xfrm>
+          <a:off x="0" y="0"/>
+          <a:ext cx="0" cy="0"/>
+          <a:chOff x="0" y="0"/>
+          <a:chExt cx="0" cy="0"/>
+        </a:xfrm>
+      </p:grpSpPr>
+      <p:sp>
+        <p:nvSpPr>
+          <p:cNvPr id="2" name="Title 1">
+            <a:extLst>
+              <a:ext uri="{FF2B5EF4-FFF2-40B4-BE49-F238E27FC236}">
                 <a16:creationId xmlns:a16="http://schemas.microsoft.com/office/drawing/2014/main" id="{25002E58-A0DA-C849-8270-0C01E431B72E}"/>
               </a:ext>
             </a:extLst>
@@ -4772,7 +6952,7 @@
           <a:p>
             <a:fld id="{035DBD62-E6E0-484E-AB64-E286A6B85B65}" type="slidenum">
               <a:rPr lang="en-US" smtClean="0"/>
-              <a:t>10</a:t>
+              <a:t>9</a:t>
             </a:fld>
             <a:endParaRPr lang="en-US"/>
           </a:p>
@@ -4812,2333 +6992,6 @@
     <p:extLst>
       <p:ext uri="{BB962C8B-B14F-4D97-AF65-F5344CB8AC3E}">
         <p14:creationId xmlns:p14="http://schemas.microsoft.com/office/powerpoint/2010/main" val="770711044"/>
-      </p:ext>
-    </p:extLst>
-  </p:cSld>
-  <p:clrMapOvr>
-    <a:masterClrMapping/>
-  </p:clrMapOvr>
-</p:sld>
-</file>
-
-<file path=ppt/slides/slide11.xml><?xml version="1.0" encoding="utf-8"?>
-<p:sld xmlns:a="http://schemas.openxmlformats.org/drawingml/2006/main" xmlns:r="http://schemas.openxmlformats.org/officeDocument/2006/relationships" xmlns:p="http://schemas.openxmlformats.org/presentationml/2006/main">
-  <p:cSld>
-    <p:spTree>
-      <p:nvGrpSpPr>
-        <p:cNvPr id="1" name=""/>
-        <p:cNvGrpSpPr/>
-        <p:nvPr/>
-      </p:nvGrpSpPr>
-      <p:grpSpPr>
-        <a:xfrm>
-          <a:off x="0" y="0"/>
-          <a:ext cx="0" cy="0"/>
-          <a:chOff x="0" y="0"/>
-          <a:chExt cx="0" cy="0"/>
-        </a:xfrm>
-      </p:grpSpPr>
-      <p:sp>
-        <p:nvSpPr>
-          <p:cNvPr id="2" name="Title 1">
-            <a:extLst>
-              <a:ext uri="{FF2B5EF4-FFF2-40B4-BE49-F238E27FC236}">
-                <a16:creationId xmlns:a16="http://schemas.microsoft.com/office/drawing/2014/main" id="{19447540-A80A-E148-9B2F-9EFA205801D4}"/>
-              </a:ext>
-            </a:extLst>
-          </p:cNvPr>
-          <p:cNvSpPr>
-            <a:spLocks noGrp="1"/>
-          </p:cNvSpPr>
-          <p:nvPr>
-            <p:ph type="title"/>
-          </p:nvPr>
-        </p:nvSpPr>
-        <p:spPr/>
-        <p:txBody>
-          <a:bodyPr/>
-          <a:lstStyle/>
-          <a:p>
-            <a:r>
-              <a:rPr lang="en-US" dirty="0"/>
-              <a:t>Ionization Efficiency  (Yield)</a:t>
-            </a:r>
-          </a:p>
-        </p:txBody>
-      </p:sp>
-      <p:sp>
-        <p:nvSpPr>
-          <p:cNvPr id="8" name="Content Placeholder 7">
-            <a:extLst>
-              <a:ext uri="{FF2B5EF4-FFF2-40B4-BE49-F238E27FC236}">
-                <a16:creationId xmlns:a16="http://schemas.microsoft.com/office/drawing/2014/main" id="{1869FB3F-01F0-034B-AA10-572B102AD158}"/>
-              </a:ext>
-            </a:extLst>
-          </p:cNvPr>
-          <p:cNvSpPr>
-            <a:spLocks noGrp="1"/>
-          </p:cNvSpPr>
-          <p:nvPr>
-            <p:ph idx="1"/>
-          </p:nvPr>
-        </p:nvSpPr>
-        <p:spPr>
-          <a:xfrm>
-            <a:off x="838200" y="1825625"/>
-            <a:ext cx="5257800" cy="4351338"/>
-          </a:xfrm>
-        </p:spPr>
-        <p:txBody>
-          <a:bodyPr>
-            <a:normAutofit/>
-          </a:bodyPr>
-          <a:lstStyle/>
-          <a:p>
-            <a:r>
-              <a:rPr lang="en-US" sz="1800" dirty="0"/>
-              <a:t>ratio of energy used to create electron-hole pairs to the energy used to create phonons </a:t>
-            </a:r>
-            <a:br>
-              <a:rPr lang="en-US" sz="1800" dirty="0"/>
-            </a:br>
-            <a:endParaRPr lang="en-US" sz="1800" dirty="0"/>
-          </a:p>
-          <a:p>
-            <a:r>
-              <a:rPr lang="en-US" sz="1800" dirty="0"/>
-              <a:t>For </a:t>
-            </a:r>
-            <a:r>
-              <a:rPr lang="en-US" sz="1800" dirty="0" err="1"/>
-              <a:t>CDMSlite</a:t>
-            </a:r>
-            <a:r>
-              <a:rPr lang="en-US" sz="1800" dirty="0"/>
-              <a:t>, this is not something that can be directly measured and must be modeled using </a:t>
-            </a:r>
-            <a:r>
-              <a:rPr lang="en-US" sz="1800" dirty="0" err="1"/>
-              <a:t>Lindhard</a:t>
-            </a:r>
-            <a:r>
-              <a:rPr lang="en-US" sz="1800" dirty="0"/>
-              <a:t>. </a:t>
-            </a:r>
-          </a:p>
-          <a:p>
-            <a:pPr marL="0" indent="0">
-              <a:buNone/>
-            </a:pPr>
-            <a:endParaRPr lang="en-US" sz="2400" dirty="0"/>
-          </a:p>
-        </p:txBody>
-      </p:sp>
-      <p:grpSp>
-        <p:nvGrpSpPr>
-          <p:cNvPr id="15" name="Group 14">
-            <a:extLst>
-              <a:ext uri="{FF2B5EF4-FFF2-40B4-BE49-F238E27FC236}">
-                <a16:creationId xmlns:a16="http://schemas.microsoft.com/office/drawing/2014/main" id="{3DC40207-8FF5-9743-80FB-E852A1D9C9DD}"/>
-              </a:ext>
-            </a:extLst>
-          </p:cNvPr>
-          <p:cNvGrpSpPr/>
-          <p:nvPr/>
-        </p:nvGrpSpPr>
-        <p:grpSpPr>
-          <a:xfrm>
-            <a:off x="7311423" y="1825625"/>
-            <a:ext cx="3327400" cy="2352674"/>
-            <a:chOff x="4246948" y="3124994"/>
-            <a:chExt cx="3327400" cy="2352674"/>
-          </a:xfrm>
-        </p:grpSpPr>
-        <p:pic>
-          <p:nvPicPr>
-            <p:cNvPr id="10" name="Picture 9">
-              <a:extLst>
-                <a:ext uri="{FF2B5EF4-FFF2-40B4-BE49-F238E27FC236}">
-                  <a16:creationId xmlns:a16="http://schemas.microsoft.com/office/drawing/2014/main" id="{8835645D-B830-E14F-A2C0-4782709D384F}"/>
-                </a:ext>
-              </a:extLst>
-            </p:cNvPr>
-            <p:cNvPicPr>
-              <a:picLocks noChangeAspect="1"/>
-            </p:cNvPicPr>
-            <p:nvPr/>
-          </p:nvPicPr>
-          <p:blipFill>
-            <a:blip r:embed="rId2"/>
-            <a:stretch>
-              <a:fillRect/>
-            </a:stretch>
-          </p:blipFill>
-          <p:spPr>
-            <a:xfrm>
-              <a:off x="4304098" y="3124994"/>
-              <a:ext cx="3213100" cy="876300"/>
-            </a:xfrm>
-            <a:prstGeom prst="rect">
-              <a:avLst/>
-            </a:prstGeom>
-          </p:spPr>
-        </p:pic>
-        <p:pic>
-          <p:nvPicPr>
-            <p:cNvPr id="12" name="Picture 11">
-              <a:extLst>
-                <a:ext uri="{FF2B5EF4-FFF2-40B4-BE49-F238E27FC236}">
-                  <a16:creationId xmlns:a16="http://schemas.microsoft.com/office/drawing/2014/main" id="{E5F940E9-46D5-0847-BBDA-9D8D925D9D03}"/>
-                </a:ext>
-              </a:extLst>
-            </p:cNvPr>
-            <p:cNvPicPr>
-              <a:picLocks noChangeAspect="1"/>
-            </p:cNvPicPr>
-            <p:nvPr/>
-          </p:nvPicPr>
-          <p:blipFill>
-            <a:blip r:embed="rId3"/>
-            <a:stretch>
-              <a:fillRect/>
-            </a:stretch>
-          </p:blipFill>
-          <p:spPr>
-            <a:xfrm>
-              <a:off x="4246948" y="4136231"/>
-              <a:ext cx="3327400" cy="546100"/>
-            </a:xfrm>
-            <a:prstGeom prst="rect">
-              <a:avLst/>
-            </a:prstGeom>
-          </p:spPr>
-        </p:pic>
-        <p:pic>
-          <p:nvPicPr>
-            <p:cNvPr id="14" name="Picture 13">
-              <a:extLst>
-                <a:ext uri="{FF2B5EF4-FFF2-40B4-BE49-F238E27FC236}">
-                  <a16:creationId xmlns:a16="http://schemas.microsoft.com/office/drawing/2014/main" id="{6AEB9DFC-0847-B041-857F-0D6B428E9378}"/>
-                </a:ext>
-              </a:extLst>
-            </p:cNvPr>
-            <p:cNvPicPr>
-              <a:picLocks noChangeAspect="1"/>
-            </p:cNvPicPr>
-            <p:nvPr/>
-          </p:nvPicPr>
-          <p:blipFill>
-            <a:blip r:embed="rId4"/>
-            <a:stretch>
-              <a:fillRect/>
-            </a:stretch>
-          </p:blipFill>
-          <p:spPr>
-            <a:xfrm>
-              <a:off x="5116898" y="4817268"/>
-              <a:ext cx="1587500" cy="660400"/>
-            </a:xfrm>
-            <a:prstGeom prst="rect">
-              <a:avLst/>
-            </a:prstGeom>
-          </p:spPr>
-        </p:pic>
-      </p:grpSp>
-      <p:sp>
-        <p:nvSpPr>
-          <p:cNvPr id="3" name="Slide Number Placeholder 2">
-            <a:extLst>
-              <a:ext uri="{FF2B5EF4-FFF2-40B4-BE49-F238E27FC236}">
-                <a16:creationId xmlns:a16="http://schemas.microsoft.com/office/drawing/2014/main" id="{ECEDB8B7-32B8-2F44-837C-F22A723A9B3A}"/>
-              </a:ext>
-            </a:extLst>
-          </p:cNvPr>
-          <p:cNvSpPr>
-            <a:spLocks noGrp="1"/>
-          </p:cNvSpPr>
-          <p:nvPr>
-            <p:ph type="sldNum" sz="quarter" idx="12"/>
-          </p:nvPr>
-        </p:nvSpPr>
-        <p:spPr/>
-        <p:txBody>
-          <a:bodyPr/>
-          <a:lstStyle/>
-          <a:p>
-            <a:fld id="{035DBD62-E6E0-484E-AB64-E286A6B85B65}" type="slidenum">
-              <a:rPr lang="en-US" smtClean="0"/>
-              <a:t>11</a:t>
-            </a:fld>
-            <a:endParaRPr lang="en-US"/>
-          </a:p>
-        </p:txBody>
-      </p:sp>
-    </p:spTree>
-    <p:extLst>
-      <p:ext uri="{BB962C8B-B14F-4D97-AF65-F5344CB8AC3E}">
-        <p14:creationId xmlns:p14="http://schemas.microsoft.com/office/powerpoint/2010/main" val="2179550913"/>
-      </p:ext>
-    </p:extLst>
-  </p:cSld>
-  <p:clrMapOvr>
-    <a:masterClrMapping/>
-  </p:clrMapOvr>
-</p:sld>
-</file>
-
-<file path=ppt/slides/slide12.xml><?xml version="1.0" encoding="utf-8"?>
-<p:sld xmlns:a="http://schemas.openxmlformats.org/drawingml/2006/main" xmlns:r="http://schemas.openxmlformats.org/officeDocument/2006/relationships" xmlns:p="http://schemas.openxmlformats.org/presentationml/2006/main">
-  <p:cSld>
-    <p:spTree>
-      <p:nvGrpSpPr>
-        <p:cNvPr id="1" name=""/>
-        <p:cNvGrpSpPr/>
-        <p:nvPr/>
-      </p:nvGrpSpPr>
-      <p:grpSpPr>
-        <a:xfrm>
-          <a:off x="0" y="0"/>
-          <a:ext cx="0" cy="0"/>
-          <a:chOff x="0" y="0"/>
-          <a:chExt cx="0" cy="0"/>
-        </a:xfrm>
-      </p:grpSpPr>
-      <p:sp>
-        <p:nvSpPr>
-          <p:cNvPr id="2" name="Title 1">
-            <a:extLst>
-              <a:ext uri="{FF2B5EF4-FFF2-40B4-BE49-F238E27FC236}">
-                <a16:creationId xmlns:a16="http://schemas.microsoft.com/office/drawing/2014/main" id="{0C491264-71E4-1A41-8589-82E02D1795E8}"/>
-              </a:ext>
-            </a:extLst>
-          </p:cNvPr>
-          <p:cNvSpPr>
-            <a:spLocks noGrp="1"/>
-          </p:cNvSpPr>
-          <p:nvPr>
-            <p:ph type="title"/>
-          </p:nvPr>
-        </p:nvSpPr>
-        <p:spPr/>
-        <p:txBody>
-          <a:bodyPr/>
-          <a:lstStyle/>
-          <a:p>
-            <a:r>
-              <a:rPr lang="en-US" dirty="0"/>
-              <a:t>Yield Variance </a:t>
-            </a:r>
-          </a:p>
-        </p:txBody>
-      </p:sp>
-      <p:sp>
-        <p:nvSpPr>
-          <p:cNvPr id="3" name="Content Placeholder 2">
-            <a:extLst>
-              <a:ext uri="{FF2B5EF4-FFF2-40B4-BE49-F238E27FC236}">
-                <a16:creationId xmlns:a16="http://schemas.microsoft.com/office/drawing/2014/main" id="{6BA18B5C-6B9B-6440-AF77-75F081D80E2B}"/>
-              </a:ext>
-            </a:extLst>
-          </p:cNvPr>
-          <p:cNvSpPr>
-            <a:spLocks noGrp="1"/>
-          </p:cNvSpPr>
-          <p:nvPr>
-            <p:ph idx="1"/>
-          </p:nvPr>
-        </p:nvSpPr>
-        <p:spPr>
-          <a:xfrm>
-            <a:off x="838200" y="1825625"/>
-            <a:ext cx="5257800" cy="4351338"/>
-          </a:xfrm>
-        </p:spPr>
-        <p:txBody>
-          <a:bodyPr>
-            <a:normAutofit/>
-          </a:bodyPr>
-          <a:lstStyle/>
-          <a:p>
-            <a:r>
-              <a:rPr lang="en-US" sz="1800" dirty="0"/>
-              <a:t>The yield variance exists due to fact that for a given energy, nuclear recoils don’t produce the same amount of e-h pairs </a:t>
-            </a:r>
-          </a:p>
-          <a:p>
-            <a:r>
-              <a:rPr lang="en-US" sz="1800" dirty="0"/>
-              <a:t>This is not accounted for in current experiments. </a:t>
-            </a:r>
-          </a:p>
-          <a:p>
-            <a:r>
-              <a:rPr lang="en-US" sz="1800" dirty="0"/>
-              <a:t>This variation may be significant with new experiments with resolutions as low as 1 electron hole pair. </a:t>
-            </a:r>
-          </a:p>
-        </p:txBody>
-      </p:sp>
-      <p:pic>
-        <p:nvPicPr>
-          <p:cNvPr id="7" name="Picture 6">
-            <a:extLst>
-              <a:ext uri="{FF2B5EF4-FFF2-40B4-BE49-F238E27FC236}">
-                <a16:creationId xmlns:a16="http://schemas.microsoft.com/office/drawing/2014/main" id="{E8E47E60-1C83-594A-9C13-0FE2C67B3DFF}"/>
-              </a:ext>
-            </a:extLst>
-          </p:cNvPr>
-          <p:cNvPicPr>
-            <a:picLocks noChangeAspect="1"/>
-          </p:cNvPicPr>
-          <p:nvPr/>
-        </p:nvPicPr>
-        <p:blipFill>
-          <a:blip r:embed="rId2"/>
-          <a:stretch>
-            <a:fillRect/>
-          </a:stretch>
-        </p:blipFill>
-        <p:spPr>
-          <a:xfrm>
-            <a:off x="6096000" y="2734834"/>
-            <a:ext cx="5593492" cy="694166"/>
-          </a:xfrm>
-          <a:prstGeom prst="rect">
-            <a:avLst/>
-          </a:prstGeom>
-        </p:spPr>
-      </p:pic>
-      <p:pic>
-        <p:nvPicPr>
-          <p:cNvPr id="11" name="Picture 10">
-            <a:extLst>
-              <a:ext uri="{FF2B5EF4-FFF2-40B4-BE49-F238E27FC236}">
-                <a16:creationId xmlns:a16="http://schemas.microsoft.com/office/drawing/2014/main" id="{40075487-27DF-A140-AD73-0AD4FE1B21ED}"/>
-              </a:ext>
-            </a:extLst>
-          </p:cNvPr>
-          <p:cNvPicPr>
-            <a:picLocks noChangeAspect="1"/>
-          </p:cNvPicPr>
-          <p:nvPr/>
-        </p:nvPicPr>
-        <p:blipFill>
-          <a:blip r:embed="rId3"/>
-          <a:stretch>
-            <a:fillRect/>
-          </a:stretch>
-        </p:blipFill>
-        <p:spPr>
-          <a:xfrm>
-            <a:off x="7343346" y="1882561"/>
-            <a:ext cx="3098800" cy="660400"/>
-          </a:xfrm>
-          <a:prstGeom prst="rect">
-            <a:avLst/>
-          </a:prstGeom>
-        </p:spPr>
-      </p:pic>
-      <p:sp>
-        <p:nvSpPr>
-          <p:cNvPr id="4" name="Slide Number Placeholder 3">
-            <a:extLst>
-              <a:ext uri="{FF2B5EF4-FFF2-40B4-BE49-F238E27FC236}">
-                <a16:creationId xmlns:a16="http://schemas.microsoft.com/office/drawing/2014/main" id="{BC70045F-D308-8343-A3EB-46696F98874B}"/>
-              </a:ext>
-            </a:extLst>
-          </p:cNvPr>
-          <p:cNvSpPr>
-            <a:spLocks noGrp="1"/>
-          </p:cNvSpPr>
-          <p:nvPr>
-            <p:ph type="sldNum" sz="quarter" idx="12"/>
-          </p:nvPr>
-        </p:nvSpPr>
-        <p:spPr/>
-        <p:txBody>
-          <a:bodyPr/>
-          <a:lstStyle/>
-          <a:p>
-            <a:fld id="{035DBD62-E6E0-484E-AB64-E286A6B85B65}" type="slidenum">
-              <a:rPr lang="en-US" smtClean="0"/>
-              <a:t>12</a:t>
-            </a:fld>
-            <a:endParaRPr lang="en-US"/>
-          </a:p>
-        </p:txBody>
-      </p:sp>
-    </p:spTree>
-    <p:extLst>
-      <p:ext uri="{BB962C8B-B14F-4D97-AF65-F5344CB8AC3E}">
-        <p14:creationId xmlns:p14="http://schemas.microsoft.com/office/powerpoint/2010/main" val="2196642784"/>
-      </p:ext>
-    </p:extLst>
-  </p:cSld>
-  <p:clrMapOvr>
-    <a:masterClrMapping/>
-  </p:clrMapOvr>
-</p:sld>
-</file>
-
-<file path=ppt/slides/slide13.xml><?xml version="1.0" encoding="utf-8"?>
-<p:sld xmlns:a="http://schemas.openxmlformats.org/drawingml/2006/main" xmlns:r="http://schemas.openxmlformats.org/officeDocument/2006/relationships" xmlns:p="http://schemas.openxmlformats.org/presentationml/2006/main">
-  <p:cSld>
-    <p:spTree>
-      <p:nvGrpSpPr>
-        <p:cNvPr id="1" name=""/>
-        <p:cNvGrpSpPr/>
-        <p:nvPr/>
-      </p:nvGrpSpPr>
-      <p:grpSpPr>
-        <a:xfrm>
-          <a:off x="0" y="0"/>
-          <a:ext cx="0" cy="0"/>
-          <a:chOff x="0" y="0"/>
-          <a:chExt cx="0" cy="0"/>
-        </a:xfrm>
-      </p:grpSpPr>
-      <p:sp>
-        <p:nvSpPr>
-          <p:cNvPr id="2" name="Title 1">
-            <a:extLst>
-              <a:ext uri="{FF2B5EF4-FFF2-40B4-BE49-F238E27FC236}">
-                <a16:creationId xmlns:a16="http://schemas.microsoft.com/office/drawing/2014/main" id="{5E03494C-AB1C-AC42-8866-CFF471E1A838}"/>
-              </a:ext>
-            </a:extLst>
-          </p:cNvPr>
-          <p:cNvSpPr>
-            <a:spLocks noGrp="1"/>
-          </p:cNvSpPr>
-          <p:nvPr>
-            <p:ph type="title"/>
-          </p:nvPr>
-        </p:nvSpPr>
-        <p:spPr/>
-        <p:txBody>
-          <a:bodyPr/>
-          <a:lstStyle/>
-          <a:p>
-            <a:r>
-              <a:rPr lang="en-US" dirty="0"/>
-              <a:t>Motivation: Single Electron –Hole Resolution </a:t>
-            </a:r>
-          </a:p>
-        </p:txBody>
-      </p:sp>
-      <p:sp>
-        <p:nvSpPr>
-          <p:cNvPr id="3" name="Content Placeholder 2">
-            <a:extLst>
-              <a:ext uri="{FF2B5EF4-FFF2-40B4-BE49-F238E27FC236}">
-                <a16:creationId xmlns:a16="http://schemas.microsoft.com/office/drawing/2014/main" id="{C63F420E-8EB2-ED4F-852C-A1AD316079FE}"/>
-              </a:ext>
-            </a:extLst>
-          </p:cNvPr>
-          <p:cNvSpPr>
-            <a:spLocks noGrp="1"/>
-          </p:cNvSpPr>
-          <p:nvPr>
-            <p:ph idx="1"/>
-          </p:nvPr>
-        </p:nvSpPr>
-        <p:spPr/>
-        <p:txBody>
-          <a:bodyPr/>
-          <a:lstStyle/>
-          <a:p>
-            <a:r>
-              <a:rPr lang="en-US" dirty="0"/>
-              <a:t>PLOT SHOWING PHONON SPECTRUM AND </a:t>
-            </a:r>
-            <a:r>
-              <a:rPr lang="en-US" dirty="0" err="1"/>
-              <a:t>Neh</a:t>
-            </a:r>
-            <a:endParaRPr lang="en-US" dirty="0"/>
-          </a:p>
-        </p:txBody>
-      </p:sp>
-      <p:sp>
-        <p:nvSpPr>
-          <p:cNvPr id="4" name="Slide Number Placeholder 3">
-            <a:extLst>
-              <a:ext uri="{FF2B5EF4-FFF2-40B4-BE49-F238E27FC236}">
-                <a16:creationId xmlns:a16="http://schemas.microsoft.com/office/drawing/2014/main" id="{5FB536DB-DE5A-7E48-A1B9-A06862847DED}"/>
-              </a:ext>
-            </a:extLst>
-          </p:cNvPr>
-          <p:cNvSpPr>
-            <a:spLocks noGrp="1"/>
-          </p:cNvSpPr>
-          <p:nvPr>
-            <p:ph type="sldNum" sz="quarter" idx="12"/>
-          </p:nvPr>
-        </p:nvSpPr>
-        <p:spPr/>
-        <p:txBody>
-          <a:bodyPr/>
-          <a:lstStyle/>
-          <a:p>
-            <a:fld id="{035DBD62-E6E0-484E-AB64-E286A6B85B65}" type="slidenum">
-              <a:rPr lang="en-US" smtClean="0"/>
-              <a:t>13</a:t>
-            </a:fld>
-            <a:endParaRPr lang="en-US"/>
-          </a:p>
-        </p:txBody>
-      </p:sp>
-    </p:spTree>
-    <p:extLst>
-      <p:ext uri="{BB962C8B-B14F-4D97-AF65-F5344CB8AC3E}">
-        <p14:creationId xmlns:p14="http://schemas.microsoft.com/office/powerpoint/2010/main" val="3207931489"/>
-      </p:ext>
-    </p:extLst>
-  </p:cSld>
-  <p:clrMapOvr>
-    <a:masterClrMapping/>
-  </p:clrMapOvr>
-</p:sld>
-</file>
-
-<file path=ppt/slides/slide14.xml><?xml version="1.0" encoding="utf-8"?>
-<p:sld xmlns:a="http://schemas.openxmlformats.org/drawingml/2006/main" xmlns:r="http://schemas.openxmlformats.org/officeDocument/2006/relationships" xmlns:p="http://schemas.openxmlformats.org/presentationml/2006/main">
-  <p:cSld>
-    <p:spTree>
-      <p:nvGrpSpPr>
-        <p:cNvPr id="1" name=""/>
-        <p:cNvGrpSpPr/>
-        <p:nvPr/>
-      </p:nvGrpSpPr>
-      <p:grpSpPr>
-        <a:xfrm>
-          <a:off x="0" y="0"/>
-          <a:ext cx="0" cy="0"/>
-          <a:chOff x="0" y="0"/>
-          <a:chExt cx="0" cy="0"/>
-        </a:xfrm>
-      </p:grpSpPr>
-      <p:sp>
-        <p:nvSpPr>
-          <p:cNvPr id="2" name="Title 1">
-            <a:extLst>
-              <a:ext uri="{FF2B5EF4-FFF2-40B4-BE49-F238E27FC236}">
-                <a16:creationId xmlns:a16="http://schemas.microsoft.com/office/drawing/2014/main" id="{1CAB6AD5-C431-6040-BFB0-BE9BAA9FBFB8}"/>
-              </a:ext>
-            </a:extLst>
-          </p:cNvPr>
-          <p:cNvSpPr>
-            <a:spLocks noGrp="1"/>
-          </p:cNvSpPr>
-          <p:nvPr>
-            <p:ph type="title"/>
-          </p:nvPr>
-        </p:nvSpPr>
-        <p:spPr/>
-        <p:txBody>
-          <a:bodyPr/>
-          <a:lstStyle/>
-          <a:p>
-            <a:r>
-              <a:rPr lang="en-US" dirty="0"/>
-              <a:t>Current Work </a:t>
-            </a:r>
-          </a:p>
-        </p:txBody>
-      </p:sp>
-      <p:sp>
-        <p:nvSpPr>
-          <p:cNvPr id="3" name="Content Placeholder 2">
-            <a:extLst>
-              <a:ext uri="{FF2B5EF4-FFF2-40B4-BE49-F238E27FC236}">
-                <a16:creationId xmlns:a16="http://schemas.microsoft.com/office/drawing/2014/main" id="{25B2A58C-BDE1-F142-8AB1-B8A860A866AC}"/>
-              </a:ext>
-            </a:extLst>
-          </p:cNvPr>
-          <p:cNvSpPr>
-            <a:spLocks noGrp="1"/>
-          </p:cNvSpPr>
-          <p:nvPr>
-            <p:ph idx="1"/>
-          </p:nvPr>
-        </p:nvSpPr>
-        <p:spPr/>
-        <p:txBody>
-          <a:bodyPr/>
-          <a:lstStyle/>
-          <a:p>
-            <a:r>
-              <a:rPr lang="en-US" dirty="0"/>
-              <a:t>Four plots showing difference between simulated bands with and without added variance. .. And data.</a:t>
-            </a:r>
-          </a:p>
-        </p:txBody>
-      </p:sp>
-      <p:sp>
-        <p:nvSpPr>
-          <p:cNvPr id="4" name="Slide Number Placeholder 3">
-            <a:extLst>
-              <a:ext uri="{FF2B5EF4-FFF2-40B4-BE49-F238E27FC236}">
-                <a16:creationId xmlns:a16="http://schemas.microsoft.com/office/drawing/2014/main" id="{4B416502-E80B-3A41-8F85-4BDE5B343F0E}"/>
-              </a:ext>
-            </a:extLst>
-          </p:cNvPr>
-          <p:cNvSpPr>
-            <a:spLocks noGrp="1"/>
-          </p:cNvSpPr>
-          <p:nvPr>
-            <p:ph type="sldNum" sz="quarter" idx="12"/>
-          </p:nvPr>
-        </p:nvSpPr>
-        <p:spPr/>
-        <p:txBody>
-          <a:bodyPr/>
-          <a:lstStyle/>
-          <a:p>
-            <a:fld id="{035DBD62-E6E0-484E-AB64-E286A6B85B65}" type="slidenum">
-              <a:rPr lang="en-US" smtClean="0"/>
-              <a:t>14</a:t>
-            </a:fld>
-            <a:endParaRPr lang="en-US"/>
-          </a:p>
-        </p:txBody>
-      </p:sp>
-    </p:spTree>
-    <p:extLst>
-      <p:ext uri="{BB962C8B-B14F-4D97-AF65-F5344CB8AC3E}">
-        <p14:creationId xmlns:p14="http://schemas.microsoft.com/office/powerpoint/2010/main" val="3889502558"/>
-      </p:ext>
-    </p:extLst>
-  </p:cSld>
-  <p:clrMapOvr>
-    <a:masterClrMapping/>
-  </p:clrMapOvr>
-</p:sld>
-</file>
-
-<file path=ppt/slides/slide2.xml><?xml version="1.0" encoding="utf-8"?>
-<p:sld xmlns:a="http://schemas.openxmlformats.org/drawingml/2006/main" xmlns:r="http://schemas.openxmlformats.org/officeDocument/2006/relationships" xmlns:p="http://schemas.openxmlformats.org/presentationml/2006/main">
-  <p:cSld>
-    <p:spTree>
-      <p:nvGrpSpPr>
-        <p:cNvPr id="1" name=""/>
-        <p:cNvGrpSpPr/>
-        <p:nvPr/>
-      </p:nvGrpSpPr>
-      <p:grpSpPr>
-        <a:xfrm>
-          <a:off x="0" y="0"/>
-          <a:ext cx="0" cy="0"/>
-          <a:chOff x="0" y="0"/>
-          <a:chExt cx="0" cy="0"/>
-        </a:xfrm>
-      </p:grpSpPr>
-      <p:sp>
-        <p:nvSpPr>
-          <p:cNvPr id="2" name="Title 1">
-            <a:extLst>
-              <a:ext uri="{FF2B5EF4-FFF2-40B4-BE49-F238E27FC236}">
-                <a16:creationId xmlns:a16="http://schemas.microsoft.com/office/drawing/2014/main" id="{C73517A5-C8B5-6C41-A9A9-830AAD9D2BB3}"/>
-              </a:ext>
-            </a:extLst>
-          </p:cNvPr>
-          <p:cNvSpPr>
-            <a:spLocks noGrp="1"/>
-          </p:cNvSpPr>
-          <p:nvPr>
-            <p:ph type="title"/>
-          </p:nvPr>
-        </p:nvSpPr>
-        <p:spPr/>
-        <p:txBody>
-          <a:bodyPr/>
-          <a:lstStyle/>
-          <a:p>
-            <a:r>
-              <a:rPr lang="en-US" dirty="0"/>
-              <a:t>Logic </a:t>
-            </a:r>
-          </a:p>
-        </p:txBody>
-      </p:sp>
-      <p:sp>
-        <p:nvSpPr>
-          <p:cNvPr id="3" name="Content Placeholder 2">
-            <a:extLst>
-              <a:ext uri="{FF2B5EF4-FFF2-40B4-BE49-F238E27FC236}">
-                <a16:creationId xmlns:a16="http://schemas.microsoft.com/office/drawing/2014/main" id="{9DF00F81-C71D-A149-8921-70FCD1BF73FA}"/>
-              </a:ext>
-            </a:extLst>
-          </p:cNvPr>
-          <p:cNvSpPr>
-            <a:spLocks noGrp="1"/>
-          </p:cNvSpPr>
-          <p:nvPr>
-            <p:ph idx="1"/>
-          </p:nvPr>
-        </p:nvSpPr>
-        <p:spPr/>
-        <p:txBody>
-          <a:bodyPr>
-            <a:normAutofit/>
-          </a:bodyPr>
-          <a:lstStyle/>
-          <a:p>
-            <a:r>
-              <a:rPr lang="en-US" sz="1800" dirty="0"/>
-              <a:t>In the post </a:t>
-            </a:r>
-            <a:r>
-              <a:rPr lang="en-US" sz="1800" dirty="0" err="1"/>
-              <a:t>mssm</a:t>
-            </a:r>
-            <a:r>
-              <a:rPr lang="en-US" sz="1800" dirty="0"/>
-              <a:t> era were completely in the dark on DM mass</a:t>
-            </a:r>
-          </a:p>
-          <a:p>
-            <a:r>
-              <a:rPr lang="en-US" sz="1800" dirty="0"/>
-              <a:t>The DM can still be ”WIMP” like in that it interacts with nuclei but that mass can be very low. </a:t>
-            </a:r>
-          </a:p>
-          <a:p>
-            <a:r>
-              <a:rPr lang="en-US" sz="1800" dirty="0"/>
-              <a:t>Detectors that measure e/h pairs in solids have been moving the limit plot down. </a:t>
-            </a:r>
-          </a:p>
-          <a:p>
-            <a:r>
-              <a:rPr lang="en-US" sz="1800" dirty="0"/>
-              <a:t>A WIMP comes in a hits the nuclei, initial phonons are produced and charge is liberated in some ratio. Current generation of lowest threshold detectors only count the number of produced electron hole pairs. We do not have a good nuclear recoil calibration standard. Therefore to extract the nuclear recoil energy we have to know the ratio of recoil energy that goes into the electronic system.  </a:t>
-            </a:r>
-          </a:p>
-          <a:p>
-            <a:endParaRPr lang="en-US" dirty="0"/>
-          </a:p>
-        </p:txBody>
-      </p:sp>
-      <p:sp>
-        <p:nvSpPr>
-          <p:cNvPr id="4" name="Slide Number Placeholder 3">
-            <a:extLst>
-              <a:ext uri="{FF2B5EF4-FFF2-40B4-BE49-F238E27FC236}">
-                <a16:creationId xmlns:a16="http://schemas.microsoft.com/office/drawing/2014/main" id="{0AA9B097-20EA-8148-BED8-96C7FF40834F}"/>
-              </a:ext>
-            </a:extLst>
-          </p:cNvPr>
-          <p:cNvSpPr>
-            <a:spLocks noGrp="1"/>
-          </p:cNvSpPr>
-          <p:nvPr>
-            <p:ph type="sldNum" sz="quarter" idx="12"/>
-          </p:nvPr>
-        </p:nvSpPr>
-        <p:spPr/>
-        <p:txBody>
-          <a:bodyPr/>
-          <a:lstStyle/>
-          <a:p>
-            <a:fld id="{035DBD62-E6E0-484E-AB64-E286A6B85B65}" type="slidenum">
-              <a:rPr lang="en-US" smtClean="0"/>
-              <a:t>2</a:t>
-            </a:fld>
-            <a:endParaRPr lang="en-US"/>
-          </a:p>
-        </p:txBody>
-      </p:sp>
-    </p:spTree>
-    <p:extLst>
-      <p:ext uri="{BB962C8B-B14F-4D97-AF65-F5344CB8AC3E}">
-        <p14:creationId xmlns:p14="http://schemas.microsoft.com/office/powerpoint/2010/main" val="692783973"/>
-      </p:ext>
-    </p:extLst>
-  </p:cSld>
-  <p:clrMapOvr>
-    <a:masterClrMapping/>
-  </p:clrMapOvr>
-</p:sld>
-</file>
-
-<file path=ppt/slides/slide3.xml><?xml version="1.0" encoding="utf-8"?>
-<p:sld xmlns:a="http://schemas.openxmlformats.org/drawingml/2006/main" xmlns:r="http://schemas.openxmlformats.org/officeDocument/2006/relationships" xmlns:p="http://schemas.openxmlformats.org/presentationml/2006/main">
-  <p:cSld>
-    <p:spTree>
-      <p:nvGrpSpPr>
-        <p:cNvPr id="1" name=""/>
-        <p:cNvGrpSpPr/>
-        <p:nvPr/>
-      </p:nvGrpSpPr>
-      <p:grpSpPr>
-        <a:xfrm>
-          <a:off x="0" y="0"/>
-          <a:ext cx="0" cy="0"/>
-          <a:chOff x="0" y="0"/>
-          <a:chExt cx="0" cy="0"/>
-        </a:xfrm>
-      </p:grpSpPr>
-      <p:sp>
-        <p:nvSpPr>
-          <p:cNvPr id="2" name="Title 1">
-            <a:extLst>
-              <a:ext uri="{FF2B5EF4-FFF2-40B4-BE49-F238E27FC236}">
-                <a16:creationId xmlns:a16="http://schemas.microsoft.com/office/drawing/2014/main" id="{C5891617-D777-D044-8414-7012C9CF0423}"/>
-              </a:ext>
-            </a:extLst>
-          </p:cNvPr>
-          <p:cNvSpPr>
-            <a:spLocks noGrp="1"/>
-          </p:cNvSpPr>
-          <p:nvPr>
-            <p:ph type="title"/>
-          </p:nvPr>
-        </p:nvSpPr>
-        <p:spPr/>
-        <p:txBody>
-          <a:bodyPr/>
-          <a:lstStyle/>
-          <a:p>
-            <a:r>
-              <a:rPr lang="en-US" dirty="0"/>
-              <a:t>Dark Matter </a:t>
-            </a:r>
-          </a:p>
-        </p:txBody>
-      </p:sp>
-      <p:sp>
-        <p:nvSpPr>
-          <p:cNvPr id="3" name="Content Placeholder 2">
-            <a:extLst>
-              <a:ext uri="{FF2B5EF4-FFF2-40B4-BE49-F238E27FC236}">
-                <a16:creationId xmlns:a16="http://schemas.microsoft.com/office/drawing/2014/main" id="{47FEE99E-61EB-4D42-9E41-AF7C633D7F3E}"/>
-              </a:ext>
-            </a:extLst>
-          </p:cNvPr>
-          <p:cNvSpPr>
-            <a:spLocks noGrp="1"/>
-          </p:cNvSpPr>
-          <p:nvPr>
-            <p:ph idx="1"/>
-          </p:nvPr>
-        </p:nvSpPr>
-        <p:spPr>
-          <a:xfrm>
-            <a:off x="838200" y="1825625"/>
-            <a:ext cx="5809735" cy="4351338"/>
-          </a:xfrm>
-        </p:spPr>
-        <p:txBody>
-          <a:bodyPr>
-            <a:normAutofit/>
-          </a:bodyPr>
-          <a:lstStyle/>
-          <a:p>
-            <a:r>
-              <a:rPr lang="en-US" sz="1800" dirty="0"/>
-              <a:t>Dark matter has been theorized to be Weakly Interact Massive Particles(WIMPs) with masses on the order of a GeV/c</a:t>
-            </a:r>
-            <a:r>
-              <a:rPr lang="en-US" sz="1800" baseline="30000" dirty="0"/>
-              <a:t>2 </a:t>
-            </a:r>
-            <a:r>
-              <a:rPr lang="en-US" sz="1800" dirty="0"/>
-              <a:t> to a few </a:t>
-            </a:r>
-            <a:r>
-              <a:rPr lang="en-US" sz="1800" dirty="0" err="1"/>
-              <a:t>TeV</a:t>
-            </a:r>
-            <a:r>
-              <a:rPr lang="en-US" sz="1800" dirty="0"/>
-              <a:t>/c</a:t>
-            </a:r>
-            <a:r>
-              <a:rPr lang="en-US" sz="1800" baseline="30000" dirty="0"/>
-              <a:t>2.</a:t>
-            </a:r>
-            <a:endParaRPr lang="en-US" sz="1800" dirty="0"/>
-          </a:p>
-          <a:p>
-            <a:endParaRPr lang="en-US" sz="1800" dirty="0"/>
-          </a:p>
-          <a:p>
-            <a:r>
-              <a:rPr lang="en-US" sz="1800" dirty="0"/>
-              <a:t>In the post Minimal Supersymmetric Standard Model era, we are completely in the dark on the dark matter mass. </a:t>
-            </a:r>
-          </a:p>
-          <a:p>
-            <a:endParaRPr lang="en-US" sz="1800" dirty="0"/>
-          </a:p>
-          <a:p>
-            <a:r>
-              <a:rPr lang="en-US" sz="1800" dirty="0"/>
-              <a:t>Dark matter can still be ”WIMP” like in the way it interacts with nuclei, but can have a very low mass. </a:t>
-            </a:r>
-          </a:p>
-          <a:p>
-            <a:pPr marL="0" indent="0">
-              <a:buNone/>
-            </a:pPr>
-            <a:endParaRPr lang="en-US" sz="1800" dirty="0"/>
-          </a:p>
-          <a:p>
-            <a:r>
-              <a:rPr lang="en-US" sz="1800" dirty="0"/>
-              <a:t>Detectors that can measure electron-hole pairs have been moving the DM mass limit plot down. </a:t>
-            </a:r>
-          </a:p>
-        </p:txBody>
-      </p:sp>
-      <p:sp>
-        <p:nvSpPr>
-          <p:cNvPr id="4" name="Slide Number Placeholder 3">
-            <a:extLst>
-              <a:ext uri="{FF2B5EF4-FFF2-40B4-BE49-F238E27FC236}">
-                <a16:creationId xmlns:a16="http://schemas.microsoft.com/office/drawing/2014/main" id="{683A9D09-8254-3A49-B08E-A5004FB7BF7D}"/>
-              </a:ext>
-            </a:extLst>
-          </p:cNvPr>
-          <p:cNvSpPr>
-            <a:spLocks noGrp="1"/>
-          </p:cNvSpPr>
-          <p:nvPr>
-            <p:ph type="sldNum" sz="quarter" idx="12"/>
-          </p:nvPr>
-        </p:nvSpPr>
-        <p:spPr/>
-        <p:txBody>
-          <a:bodyPr/>
-          <a:lstStyle/>
-          <a:p>
-            <a:fld id="{035DBD62-E6E0-484E-AB64-E286A6B85B65}" type="slidenum">
-              <a:rPr lang="en-US" smtClean="0"/>
-              <a:t>3</a:t>
-            </a:fld>
-            <a:endParaRPr lang="en-US"/>
-          </a:p>
-        </p:txBody>
-      </p:sp>
-      <p:pic>
-        <p:nvPicPr>
-          <p:cNvPr id="6" name="Picture 5">
-            <a:extLst>
-              <a:ext uri="{FF2B5EF4-FFF2-40B4-BE49-F238E27FC236}">
-                <a16:creationId xmlns:a16="http://schemas.microsoft.com/office/drawing/2014/main" id="{01C108F2-7BA1-EC4C-A94F-6BEAABBBE8F6}"/>
-              </a:ext>
-            </a:extLst>
-          </p:cNvPr>
-          <p:cNvPicPr>
-            <a:picLocks noChangeAspect="1"/>
-          </p:cNvPicPr>
-          <p:nvPr/>
-        </p:nvPicPr>
-        <p:blipFill>
-          <a:blip r:embed="rId3"/>
-          <a:stretch>
-            <a:fillRect/>
-          </a:stretch>
-        </p:blipFill>
-        <p:spPr>
-          <a:xfrm>
-            <a:off x="6647935" y="1690688"/>
-            <a:ext cx="5066269" cy="3799702"/>
-          </a:xfrm>
-          <a:prstGeom prst="rect">
-            <a:avLst/>
-          </a:prstGeom>
-        </p:spPr>
-      </p:pic>
-    </p:spTree>
-    <p:extLst>
-      <p:ext uri="{BB962C8B-B14F-4D97-AF65-F5344CB8AC3E}">
-        <p14:creationId xmlns:p14="http://schemas.microsoft.com/office/powerpoint/2010/main" val="2650572086"/>
-      </p:ext>
-    </p:extLst>
-  </p:cSld>
-  <p:clrMapOvr>
-    <a:masterClrMapping/>
-  </p:clrMapOvr>
-</p:sld>
-</file>
-
-<file path=ppt/slides/slide4.xml><?xml version="1.0" encoding="utf-8"?>
-<p:sld xmlns:a="http://schemas.openxmlformats.org/drawingml/2006/main" xmlns:r="http://schemas.openxmlformats.org/officeDocument/2006/relationships" xmlns:p="http://schemas.openxmlformats.org/presentationml/2006/main">
-  <p:cSld>
-    <p:spTree>
-      <p:nvGrpSpPr>
-        <p:cNvPr id="1" name=""/>
-        <p:cNvGrpSpPr/>
-        <p:nvPr/>
-      </p:nvGrpSpPr>
-      <p:grpSpPr>
-        <a:xfrm>
-          <a:off x="0" y="0"/>
-          <a:ext cx="0" cy="0"/>
-          <a:chOff x="0" y="0"/>
-          <a:chExt cx="0" cy="0"/>
-        </a:xfrm>
-      </p:grpSpPr>
-      <p:sp>
-        <p:nvSpPr>
-          <p:cNvPr id="2" name="Title 1">
-            <a:extLst>
-              <a:ext uri="{FF2B5EF4-FFF2-40B4-BE49-F238E27FC236}">
-                <a16:creationId xmlns:a16="http://schemas.microsoft.com/office/drawing/2014/main" id="{24B7DF4A-1926-FD4C-94CA-990D4B267C66}"/>
-              </a:ext>
-            </a:extLst>
-          </p:cNvPr>
-          <p:cNvSpPr>
-            <a:spLocks noGrp="1"/>
-          </p:cNvSpPr>
-          <p:nvPr>
-            <p:ph type="title"/>
-          </p:nvPr>
-        </p:nvSpPr>
-        <p:spPr/>
-        <p:txBody>
-          <a:bodyPr/>
-          <a:lstStyle/>
-          <a:p>
-            <a:r>
-              <a:rPr lang="en-US" dirty="0"/>
-              <a:t>Charge Creation in Solids </a:t>
-            </a:r>
-          </a:p>
-        </p:txBody>
-      </p:sp>
-      <p:pic>
-        <p:nvPicPr>
-          <p:cNvPr id="5" name="Content Placeholder 4">
-            <a:extLst>
-              <a:ext uri="{FF2B5EF4-FFF2-40B4-BE49-F238E27FC236}">
-                <a16:creationId xmlns:a16="http://schemas.microsoft.com/office/drawing/2014/main" id="{F18A38AD-7C3D-B848-A538-698A9F7D610A}"/>
-              </a:ext>
-            </a:extLst>
-          </p:cNvPr>
-          <p:cNvPicPr>
-            <a:picLocks noGrp="1" noChangeAspect="1"/>
-          </p:cNvPicPr>
-          <p:nvPr>
-            <p:ph idx="1"/>
-          </p:nvPr>
-        </p:nvPicPr>
-        <p:blipFill>
-          <a:blip r:embed="rId3"/>
-          <a:stretch>
-            <a:fillRect/>
-          </a:stretch>
-        </p:blipFill>
-        <p:spPr>
-          <a:xfrm>
-            <a:off x="6662809" y="1793766"/>
-            <a:ext cx="5529191" cy="3382382"/>
-          </a:xfrm>
-        </p:spPr>
-      </p:pic>
-      <p:sp>
-        <p:nvSpPr>
-          <p:cNvPr id="3" name="Slide Number Placeholder 2">
-            <a:extLst>
-              <a:ext uri="{FF2B5EF4-FFF2-40B4-BE49-F238E27FC236}">
-                <a16:creationId xmlns:a16="http://schemas.microsoft.com/office/drawing/2014/main" id="{3EE1539B-7753-2A46-99F3-9F1D56504805}"/>
-              </a:ext>
-            </a:extLst>
-          </p:cNvPr>
-          <p:cNvSpPr>
-            <a:spLocks noGrp="1"/>
-          </p:cNvSpPr>
-          <p:nvPr>
-            <p:ph type="sldNum" sz="quarter" idx="12"/>
-          </p:nvPr>
-        </p:nvSpPr>
-        <p:spPr/>
-        <p:txBody>
-          <a:bodyPr/>
-          <a:lstStyle/>
-          <a:p>
-            <a:fld id="{035DBD62-E6E0-484E-AB64-E286A6B85B65}" type="slidenum">
-              <a:rPr lang="en-US" smtClean="0"/>
-              <a:t>4</a:t>
-            </a:fld>
-            <a:endParaRPr lang="en-US"/>
-          </a:p>
-        </p:txBody>
-      </p:sp>
-      <p:sp>
-        <p:nvSpPr>
-          <p:cNvPr id="4" name="TextBox 3">
-            <a:extLst>
-              <a:ext uri="{FF2B5EF4-FFF2-40B4-BE49-F238E27FC236}">
-                <a16:creationId xmlns:a16="http://schemas.microsoft.com/office/drawing/2014/main" id="{F7891556-283B-394C-AF9F-1957E51B2D4B}"/>
-              </a:ext>
-            </a:extLst>
-          </p:cNvPr>
-          <p:cNvSpPr txBox="1"/>
-          <p:nvPr/>
-        </p:nvSpPr>
-        <p:spPr>
-          <a:xfrm>
-            <a:off x="2792627" y="2681416"/>
-            <a:ext cx="184731" cy="369332"/>
-          </a:xfrm>
-          <a:prstGeom prst="rect">
-            <a:avLst/>
-          </a:prstGeom>
-          <a:noFill/>
-        </p:spPr>
-        <p:txBody>
-          <a:bodyPr wrap="none" rtlCol="0">
-            <a:spAutoFit/>
-          </a:bodyPr>
-          <a:lstStyle/>
-          <a:p>
-            <a:endParaRPr lang="en-US" dirty="0"/>
-          </a:p>
-        </p:txBody>
-      </p:sp>
-      <p:sp>
-        <p:nvSpPr>
-          <p:cNvPr id="6" name="TextBox 5">
-            <a:extLst>
-              <a:ext uri="{FF2B5EF4-FFF2-40B4-BE49-F238E27FC236}">
-                <a16:creationId xmlns:a16="http://schemas.microsoft.com/office/drawing/2014/main" id="{48197547-3408-3D43-843B-FBD677241214}"/>
-              </a:ext>
-            </a:extLst>
-          </p:cNvPr>
-          <p:cNvSpPr txBox="1"/>
-          <p:nvPr/>
-        </p:nvSpPr>
-        <p:spPr>
-          <a:xfrm>
-            <a:off x="825843" y="1649978"/>
-            <a:ext cx="4930346" cy="6740307"/>
-          </a:xfrm>
-          <a:prstGeom prst="rect">
-            <a:avLst/>
-          </a:prstGeom>
-          <a:noFill/>
-        </p:spPr>
-        <p:txBody>
-          <a:bodyPr wrap="square" rtlCol="0">
-            <a:spAutoFit/>
-          </a:bodyPr>
-          <a:lstStyle/>
-          <a:p>
-            <a:pPr marL="285750" indent="-285750">
-              <a:buFont typeface="Arial" panose="020B0604020202020204" pitchFamily="34" charset="0"/>
-              <a:buChar char="•"/>
-            </a:pPr>
-            <a:r>
-              <a:rPr lang="en-US" dirty="0"/>
-              <a:t>When a WIMP hits nuclei initial phonons are produced and charge is liberated. </a:t>
-            </a:r>
-          </a:p>
-          <a:p>
-            <a:pPr marL="285750" indent="-285750">
-              <a:buFont typeface="Arial" panose="020B0604020202020204" pitchFamily="34" charset="0"/>
-              <a:buChar char="•"/>
-            </a:pPr>
-            <a:endParaRPr lang="en-US" dirty="0"/>
-          </a:p>
-          <a:p>
-            <a:pPr marL="285750" indent="-285750">
-              <a:buFont typeface="Arial" panose="020B0604020202020204" pitchFamily="34" charset="0"/>
-              <a:buChar char="•"/>
-            </a:pPr>
-            <a:r>
-              <a:rPr lang="en-US" dirty="0"/>
-              <a:t>Current generation of low threshold detectors only count number of charge carriers produced. </a:t>
-            </a:r>
-          </a:p>
-          <a:p>
-            <a:pPr marL="285750" indent="-285750">
-              <a:buFont typeface="Arial" panose="020B0604020202020204" pitchFamily="34" charset="0"/>
-              <a:buChar char="•"/>
-            </a:pPr>
-            <a:endParaRPr lang="en-US" dirty="0"/>
-          </a:p>
-          <a:p>
-            <a:pPr marL="285750" indent="-285750">
-              <a:buFont typeface="Arial" panose="020B0604020202020204" pitchFamily="34" charset="0"/>
-              <a:buChar char="•"/>
-            </a:pPr>
-            <a:r>
-              <a:rPr lang="en-US" dirty="0"/>
-              <a:t>There is no good nuclear recoil calibration standard.</a:t>
-            </a:r>
-          </a:p>
-          <a:p>
-            <a:pPr marL="285750" indent="-285750">
-              <a:buFont typeface="Arial" panose="020B0604020202020204" pitchFamily="34" charset="0"/>
-              <a:buChar char="•"/>
-            </a:pPr>
-            <a:endParaRPr lang="en-US" dirty="0"/>
-          </a:p>
-          <a:p>
-            <a:pPr marL="285750" indent="-285750">
-              <a:buFont typeface="Arial" panose="020B0604020202020204" pitchFamily="34" charset="0"/>
-              <a:buChar char="•"/>
-            </a:pPr>
-            <a:r>
-              <a:rPr lang="en-US" dirty="0"/>
-              <a:t>Need to know ratio of energy that goes into the electronic system and its variation.</a:t>
-            </a:r>
-          </a:p>
-          <a:p>
-            <a:pPr marL="285750" indent="-285750">
-              <a:buFont typeface="Arial" panose="020B0604020202020204" pitchFamily="34" charset="0"/>
-              <a:buChar char="•"/>
-            </a:pPr>
-            <a:endParaRPr lang="en-US" dirty="0"/>
-          </a:p>
-          <a:p>
-            <a:pPr marL="285750" indent="-285750">
-              <a:buFont typeface="Arial" panose="020B0604020202020204" pitchFamily="34" charset="0"/>
-              <a:buChar char="•"/>
-            </a:pPr>
-            <a:r>
-              <a:rPr lang="en-US" dirty="0"/>
-              <a:t>Or the best we could hope for is a distribution of the number of electron hole pairs for a given </a:t>
-            </a:r>
-            <a:r>
-              <a:rPr lang="en-US" dirty="0" err="1"/>
-              <a:t>E</a:t>
-            </a:r>
-            <a:r>
-              <a:rPr lang="en-US" baseline="-25000" dirty="0" err="1"/>
-              <a:t>r</a:t>
-            </a:r>
-            <a:endParaRPr lang="en-US" dirty="0"/>
-          </a:p>
-          <a:p>
-            <a:pPr marL="285750" indent="-285750">
-              <a:buFont typeface="Arial" panose="020B0604020202020204" pitchFamily="34" charset="0"/>
-              <a:buChar char="•"/>
-            </a:pPr>
-            <a:endParaRPr lang="en-US" dirty="0"/>
-          </a:p>
-          <a:p>
-            <a:endParaRPr lang="en-US" dirty="0"/>
-          </a:p>
-          <a:p>
-            <a:pPr marL="285750" indent="-285750">
-              <a:buFont typeface="Arial" panose="020B0604020202020204" pitchFamily="34" charset="0"/>
-              <a:buChar char="•"/>
-            </a:pPr>
-            <a:endParaRPr lang="en-US" dirty="0"/>
-          </a:p>
-          <a:p>
-            <a:pPr marL="285750" indent="-285750">
-              <a:buFont typeface="Arial" panose="020B0604020202020204" pitchFamily="34" charset="0"/>
-              <a:buChar char="•"/>
-            </a:pPr>
-            <a:endParaRPr lang="en-US" dirty="0"/>
-          </a:p>
-          <a:p>
-            <a:pPr marL="285750" indent="-285750">
-              <a:buFont typeface="Arial" panose="020B0604020202020204" pitchFamily="34" charset="0"/>
-              <a:buChar char="•"/>
-            </a:pPr>
-            <a:endParaRPr lang="en-US" dirty="0"/>
-          </a:p>
-          <a:p>
-            <a:pPr marL="285750" indent="-285750">
-              <a:buFont typeface="Arial" panose="020B0604020202020204" pitchFamily="34" charset="0"/>
-              <a:buChar char="•"/>
-            </a:pPr>
-            <a:endParaRPr lang="en-US" dirty="0"/>
-          </a:p>
-          <a:p>
-            <a:pPr marL="285750" indent="-285750">
-              <a:buFont typeface="Arial" panose="020B0604020202020204" pitchFamily="34" charset="0"/>
-              <a:buChar char="•"/>
-            </a:pPr>
-            <a:endParaRPr lang="en-US" dirty="0"/>
-          </a:p>
-          <a:p>
-            <a:pPr marL="285750" indent="-285750">
-              <a:buFont typeface="Arial" panose="020B0604020202020204" pitchFamily="34" charset="0"/>
-              <a:buChar char="•"/>
-            </a:pPr>
-            <a:endParaRPr lang="en-US" dirty="0"/>
-          </a:p>
-          <a:p>
-            <a:pPr marL="285750" indent="-285750">
-              <a:buFont typeface="Arial" panose="020B0604020202020204" pitchFamily="34" charset="0"/>
-              <a:buChar char="•"/>
-            </a:pPr>
-            <a:endParaRPr lang="en-US" dirty="0"/>
-          </a:p>
-        </p:txBody>
-      </p:sp>
-    </p:spTree>
-    <p:extLst>
-      <p:ext uri="{BB962C8B-B14F-4D97-AF65-F5344CB8AC3E}">
-        <p14:creationId xmlns:p14="http://schemas.microsoft.com/office/powerpoint/2010/main" val="1339083836"/>
-      </p:ext>
-    </p:extLst>
-  </p:cSld>
-  <p:clrMapOvr>
-    <a:masterClrMapping/>
-  </p:clrMapOvr>
-</p:sld>
-</file>
-
-<file path=ppt/slides/slide5.xml><?xml version="1.0" encoding="utf-8"?>
-<p:sld xmlns:a="http://schemas.openxmlformats.org/drawingml/2006/main" xmlns:r="http://schemas.openxmlformats.org/officeDocument/2006/relationships" xmlns:p="http://schemas.openxmlformats.org/presentationml/2006/main">
-  <p:cSld>
-    <p:spTree>
-      <p:nvGrpSpPr>
-        <p:cNvPr id="1" name=""/>
-        <p:cNvGrpSpPr/>
-        <p:nvPr/>
-      </p:nvGrpSpPr>
-      <p:grpSpPr>
-        <a:xfrm>
-          <a:off x="0" y="0"/>
-          <a:ext cx="0" cy="0"/>
-          <a:chOff x="0" y="0"/>
-          <a:chExt cx="0" cy="0"/>
-        </a:xfrm>
-      </p:grpSpPr>
-      <p:sp>
-        <p:nvSpPr>
-          <p:cNvPr id="2" name="Title 1">
-            <a:extLst>
-              <a:ext uri="{FF2B5EF4-FFF2-40B4-BE49-F238E27FC236}">
-                <a16:creationId xmlns:a16="http://schemas.microsoft.com/office/drawing/2014/main" id="{19447540-A80A-E148-9B2F-9EFA205801D4}"/>
-              </a:ext>
-            </a:extLst>
-          </p:cNvPr>
-          <p:cNvSpPr>
-            <a:spLocks noGrp="1"/>
-          </p:cNvSpPr>
-          <p:nvPr>
-            <p:ph type="title"/>
-          </p:nvPr>
-        </p:nvSpPr>
-        <p:spPr/>
-        <p:txBody>
-          <a:bodyPr/>
-          <a:lstStyle/>
-          <a:p>
-            <a:r>
-              <a:rPr lang="en-US" dirty="0"/>
-              <a:t>Ionization Efficiency  (Yield)</a:t>
-            </a:r>
-          </a:p>
-        </p:txBody>
-      </p:sp>
-      <p:sp>
-        <p:nvSpPr>
-          <p:cNvPr id="8" name="Content Placeholder 7">
-            <a:extLst>
-              <a:ext uri="{FF2B5EF4-FFF2-40B4-BE49-F238E27FC236}">
-                <a16:creationId xmlns:a16="http://schemas.microsoft.com/office/drawing/2014/main" id="{1869FB3F-01F0-034B-AA10-572B102AD158}"/>
-              </a:ext>
-            </a:extLst>
-          </p:cNvPr>
-          <p:cNvSpPr>
-            <a:spLocks noGrp="1"/>
-          </p:cNvSpPr>
-          <p:nvPr>
-            <p:ph idx="1"/>
-          </p:nvPr>
-        </p:nvSpPr>
-        <p:spPr>
-          <a:xfrm>
-            <a:off x="838200" y="1825625"/>
-            <a:ext cx="5257800" cy="4351338"/>
-          </a:xfrm>
-        </p:spPr>
-        <p:txBody>
-          <a:bodyPr>
-            <a:normAutofit/>
-          </a:bodyPr>
-          <a:lstStyle/>
-          <a:p>
-            <a:r>
-              <a:rPr lang="en-US" sz="1800" dirty="0"/>
-              <a:t>ratio of energy used to create electron-hole pairs to the energy used to create phonons </a:t>
-            </a:r>
-            <a:br>
-              <a:rPr lang="en-US" sz="1800" dirty="0"/>
-            </a:br>
-            <a:endParaRPr lang="en-US" sz="1800" dirty="0"/>
-          </a:p>
-          <a:p>
-            <a:r>
-              <a:rPr lang="en-US" sz="1800" dirty="0"/>
-              <a:t>For </a:t>
-            </a:r>
-            <a:r>
-              <a:rPr lang="en-US" sz="1800" dirty="0" err="1"/>
-              <a:t>CDMSlite</a:t>
-            </a:r>
-            <a:r>
-              <a:rPr lang="en-US" sz="1800" dirty="0"/>
-              <a:t>, this is not something that can be directly measured and must be modeled using </a:t>
-            </a:r>
-            <a:r>
-              <a:rPr lang="en-US" sz="1800" dirty="0" err="1"/>
-              <a:t>Lindhard</a:t>
-            </a:r>
-            <a:r>
-              <a:rPr lang="en-US" sz="1800" dirty="0"/>
-              <a:t>. </a:t>
-            </a:r>
-          </a:p>
-          <a:p>
-            <a:pPr marL="0" indent="0">
-              <a:buNone/>
-            </a:pPr>
-            <a:endParaRPr lang="en-US" sz="2400" dirty="0"/>
-          </a:p>
-        </p:txBody>
-      </p:sp>
-      <p:grpSp>
-        <p:nvGrpSpPr>
-          <p:cNvPr id="15" name="Group 14">
-            <a:extLst>
-              <a:ext uri="{FF2B5EF4-FFF2-40B4-BE49-F238E27FC236}">
-                <a16:creationId xmlns:a16="http://schemas.microsoft.com/office/drawing/2014/main" id="{3DC40207-8FF5-9743-80FB-E852A1D9C9DD}"/>
-              </a:ext>
-            </a:extLst>
-          </p:cNvPr>
-          <p:cNvGrpSpPr/>
-          <p:nvPr/>
-        </p:nvGrpSpPr>
-        <p:grpSpPr>
-          <a:xfrm>
-            <a:off x="7311423" y="1825625"/>
-            <a:ext cx="3327400" cy="2352674"/>
-            <a:chOff x="4246948" y="3124994"/>
-            <a:chExt cx="3327400" cy="2352674"/>
-          </a:xfrm>
-        </p:grpSpPr>
-        <p:pic>
-          <p:nvPicPr>
-            <p:cNvPr id="10" name="Picture 9">
-              <a:extLst>
-                <a:ext uri="{FF2B5EF4-FFF2-40B4-BE49-F238E27FC236}">
-                  <a16:creationId xmlns:a16="http://schemas.microsoft.com/office/drawing/2014/main" id="{8835645D-B830-E14F-A2C0-4782709D384F}"/>
-                </a:ext>
-              </a:extLst>
-            </p:cNvPr>
-            <p:cNvPicPr>
-              <a:picLocks noChangeAspect="1"/>
-            </p:cNvPicPr>
-            <p:nvPr/>
-          </p:nvPicPr>
-          <p:blipFill>
-            <a:blip r:embed="rId3"/>
-            <a:stretch>
-              <a:fillRect/>
-            </a:stretch>
-          </p:blipFill>
-          <p:spPr>
-            <a:xfrm>
-              <a:off x="4304098" y="3124994"/>
-              <a:ext cx="3213100" cy="876300"/>
-            </a:xfrm>
-            <a:prstGeom prst="rect">
-              <a:avLst/>
-            </a:prstGeom>
-          </p:spPr>
-        </p:pic>
-        <p:pic>
-          <p:nvPicPr>
-            <p:cNvPr id="12" name="Picture 11">
-              <a:extLst>
-                <a:ext uri="{FF2B5EF4-FFF2-40B4-BE49-F238E27FC236}">
-                  <a16:creationId xmlns:a16="http://schemas.microsoft.com/office/drawing/2014/main" id="{E5F940E9-46D5-0847-BBDA-9D8D925D9D03}"/>
-                </a:ext>
-              </a:extLst>
-            </p:cNvPr>
-            <p:cNvPicPr>
-              <a:picLocks noChangeAspect="1"/>
-            </p:cNvPicPr>
-            <p:nvPr/>
-          </p:nvPicPr>
-          <p:blipFill>
-            <a:blip r:embed="rId4"/>
-            <a:stretch>
-              <a:fillRect/>
-            </a:stretch>
-          </p:blipFill>
-          <p:spPr>
-            <a:xfrm>
-              <a:off x="4246948" y="4136231"/>
-              <a:ext cx="3327400" cy="546100"/>
-            </a:xfrm>
-            <a:prstGeom prst="rect">
-              <a:avLst/>
-            </a:prstGeom>
-          </p:spPr>
-        </p:pic>
-        <p:pic>
-          <p:nvPicPr>
-            <p:cNvPr id="14" name="Picture 13">
-              <a:extLst>
-                <a:ext uri="{FF2B5EF4-FFF2-40B4-BE49-F238E27FC236}">
-                  <a16:creationId xmlns:a16="http://schemas.microsoft.com/office/drawing/2014/main" id="{6AEB9DFC-0847-B041-857F-0D6B428E9378}"/>
-                </a:ext>
-              </a:extLst>
-            </p:cNvPr>
-            <p:cNvPicPr>
-              <a:picLocks noChangeAspect="1"/>
-            </p:cNvPicPr>
-            <p:nvPr/>
-          </p:nvPicPr>
-          <p:blipFill>
-            <a:blip r:embed="rId5"/>
-            <a:stretch>
-              <a:fillRect/>
-            </a:stretch>
-          </p:blipFill>
-          <p:spPr>
-            <a:xfrm>
-              <a:off x="5116898" y="4817268"/>
-              <a:ext cx="1587500" cy="660400"/>
-            </a:xfrm>
-            <a:prstGeom prst="rect">
-              <a:avLst/>
-            </a:prstGeom>
-          </p:spPr>
-        </p:pic>
-      </p:grpSp>
-      <p:sp>
-        <p:nvSpPr>
-          <p:cNvPr id="3" name="Slide Number Placeholder 2">
-            <a:extLst>
-              <a:ext uri="{FF2B5EF4-FFF2-40B4-BE49-F238E27FC236}">
-                <a16:creationId xmlns:a16="http://schemas.microsoft.com/office/drawing/2014/main" id="{ECEDB8B7-32B8-2F44-837C-F22A723A9B3A}"/>
-              </a:ext>
-            </a:extLst>
-          </p:cNvPr>
-          <p:cNvSpPr>
-            <a:spLocks noGrp="1"/>
-          </p:cNvSpPr>
-          <p:nvPr>
-            <p:ph type="sldNum" sz="quarter" idx="12"/>
-          </p:nvPr>
-        </p:nvSpPr>
-        <p:spPr/>
-        <p:txBody>
-          <a:bodyPr/>
-          <a:lstStyle/>
-          <a:p>
-            <a:fld id="{035DBD62-E6E0-484E-AB64-E286A6B85B65}" type="slidenum">
-              <a:rPr lang="en-US" smtClean="0"/>
-              <a:t>5</a:t>
-            </a:fld>
-            <a:endParaRPr lang="en-US"/>
-          </a:p>
-        </p:txBody>
-      </p:sp>
-    </p:spTree>
-    <p:extLst>
-      <p:ext uri="{BB962C8B-B14F-4D97-AF65-F5344CB8AC3E}">
-        <p14:creationId xmlns:p14="http://schemas.microsoft.com/office/powerpoint/2010/main" val="2304572820"/>
-      </p:ext>
-    </p:extLst>
-  </p:cSld>
-  <p:clrMapOvr>
-    <a:masterClrMapping/>
-  </p:clrMapOvr>
-</p:sld>
-</file>
-
-<file path=ppt/slides/slide6.xml><?xml version="1.0" encoding="utf-8"?>
-<p:sld xmlns:a="http://schemas.openxmlformats.org/drawingml/2006/main" xmlns:r="http://schemas.openxmlformats.org/officeDocument/2006/relationships" xmlns:p="http://schemas.openxmlformats.org/presentationml/2006/main">
-  <p:cSld>
-    <p:spTree>
-      <p:nvGrpSpPr>
-        <p:cNvPr id="1" name=""/>
-        <p:cNvGrpSpPr/>
-        <p:nvPr/>
-      </p:nvGrpSpPr>
-      <p:grpSpPr>
-        <a:xfrm>
-          <a:off x="0" y="0"/>
-          <a:ext cx="0" cy="0"/>
-          <a:chOff x="0" y="0"/>
-          <a:chExt cx="0" cy="0"/>
-        </a:xfrm>
-      </p:grpSpPr>
-      <p:sp>
-        <p:nvSpPr>
-          <p:cNvPr id="2" name="Title 1">
-            <a:extLst>
-              <a:ext uri="{FF2B5EF4-FFF2-40B4-BE49-F238E27FC236}">
-                <a16:creationId xmlns:a16="http://schemas.microsoft.com/office/drawing/2014/main" id="{029CC9B3-EA40-584D-92A7-B27B260E40EE}"/>
-              </a:ext>
-            </a:extLst>
-          </p:cNvPr>
-          <p:cNvSpPr>
-            <a:spLocks noGrp="1"/>
-          </p:cNvSpPr>
-          <p:nvPr>
-            <p:ph type="title"/>
-          </p:nvPr>
-        </p:nvSpPr>
-        <p:spPr/>
-        <p:txBody>
-          <a:bodyPr/>
-          <a:lstStyle/>
-          <a:p>
-            <a:r>
-              <a:rPr lang="en-US" dirty="0" err="1"/>
-              <a:t>HVeV</a:t>
-            </a:r>
-            <a:r>
-              <a:rPr lang="en-US" dirty="0"/>
-              <a:t> Detector.  </a:t>
-            </a:r>
-          </a:p>
-        </p:txBody>
-      </p:sp>
-      <p:sp>
-        <p:nvSpPr>
-          <p:cNvPr id="3" name="Content Placeholder 2">
-            <a:extLst>
-              <a:ext uri="{FF2B5EF4-FFF2-40B4-BE49-F238E27FC236}">
-                <a16:creationId xmlns:a16="http://schemas.microsoft.com/office/drawing/2014/main" id="{A77EA2EC-99CB-9B40-8A81-6546C1A4CAF8}"/>
-              </a:ext>
-            </a:extLst>
-          </p:cNvPr>
-          <p:cNvSpPr>
-            <a:spLocks noGrp="1"/>
-          </p:cNvSpPr>
-          <p:nvPr>
-            <p:ph idx="1"/>
-          </p:nvPr>
-        </p:nvSpPr>
-        <p:spPr>
-          <a:xfrm>
-            <a:off x="838200" y="1825625"/>
-            <a:ext cx="5257800" cy="4351338"/>
-          </a:xfrm>
-        </p:spPr>
-        <p:txBody>
-          <a:bodyPr/>
-          <a:lstStyle/>
-          <a:p>
-            <a:endParaRPr lang="en-US" sz="1800" dirty="0"/>
-          </a:p>
-          <a:p>
-            <a:r>
-              <a:rPr lang="en-US" sz="1800" dirty="0"/>
-              <a:t>Biased with ~100 V/cm</a:t>
-            </a:r>
-          </a:p>
-          <a:p>
-            <a:r>
-              <a:rPr lang="en-US" sz="1800" dirty="0"/>
-              <a:t>Phonon signal read out with QETs</a:t>
-            </a:r>
-          </a:p>
-          <a:p>
-            <a:r>
-              <a:rPr lang="en-US" sz="1800" dirty="0"/>
-              <a:t>resolution of ∼0.09 e−h+ Biased </a:t>
-            </a:r>
-          </a:p>
-          <a:p>
-            <a:pPr marL="0" indent="0">
-              <a:buNone/>
-            </a:pPr>
-            <a:r>
-              <a:rPr lang="en-US" dirty="0"/>
-              <a:t> </a:t>
-            </a:r>
-          </a:p>
-        </p:txBody>
-      </p:sp>
-      <p:pic>
-        <p:nvPicPr>
-          <p:cNvPr id="10" name="Picture 9">
-            <a:extLst>
-              <a:ext uri="{FF2B5EF4-FFF2-40B4-BE49-F238E27FC236}">
-                <a16:creationId xmlns:a16="http://schemas.microsoft.com/office/drawing/2014/main" id="{E9CA3B1E-B12E-294E-82D2-6A660AF9553D}"/>
-              </a:ext>
-            </a:extLst>
-          </p:cNvPr>
-          <p:cNvPicPr>
-            <a:picLocks noChangeAspect="1"/>
-          </p:cNvPicPr>
-          <p:nvPr/>
-        </p:nvPicPr>
-        <p:blipFill>
-          <a:blip r:embed="rId2"/>
-          <a:stretch>
-            <a:fillRect/>
-          </a:stretch>
-        </p:blipFill>
-        <p:spPr>
-          <a:xfrm>
-            <a:off x="6649539" y="1690688"/>
-            <a:ext cx="4704261" cy="3331610"/>
-          </a:xfrm>
-          <a:prstGeom prst="rect">
-            <a:avLst/>
-          </a:prstGeom>
-        </p:spPr>
-      </p:pic>
-      <p:sp>
-        <p:nvSpPr>
-          <p:cNvPr id="11" name="Slide Number Placeholder 10">
-            <a:extLst>
-              <a:ext uri="{FF2B5EF4-FFF2-40B4-BE49-F238E27FC236}">
-                <a16:creationId xmlns:a16="http://schemas.microsoft.com/office/drawing/2014/main" id="{3FBA8E98-A6A6-3D4F-B067-37DDB143ACCC}"/>
-              </a:ext>
-            </a:extLst>
-          </p:cNvPr>
-          <p:cNvSpPr>
-            <a:spLocks noGrp="1"/>
-          </p:cNvSpPr>
-          <p:nvPr>
-            <p:ph type="sldNum" sz="quarter" idx="12"/>
-          </p:nvPr>
-        </p:nvSpPr>
-        <p:spPr/>
-        <p:txBody>
-          <a:bodyPr/>
-          <a:lstStyle/>
-          <a:p>
-            <a:fld id="{035DBD62-E6E0-484E-AB64-E286A6B85B65}" type="slidenum">
-              <a:rPr lang="en-US" smtClean="0"/>
-              <a:t>6</a:t>
-            </a:fld>
-            <a:endParaRPr lang="en-US"/>
-          </a:p>
-        </p:txBody>
-      </p:sp>
-    </p:spTree>
-    <p:extLst>
-      <p:ext uri="{BB962C8B-B14F-4D97-AF65-F5344CB8AC3E}">
-        <p14:creationId xmlns:p14="http://schemas.microsoft.com/office/powerpoint/2010/main" val="2422676951"/>
-      </p:ext>
-    </p:extLst>
-  </p:cSld>
-  <p:clrMapOvr>
-    <a:masterClrMapping/>
-  </p:clrMapOvr>
-</p:sld>
-</file>
-
-<file path=ppt/slides/slide7.xml><?xml version="1.0" encoding="utf-8"?>
-<p:sld xmlns:a="http://schemas.openxmlformats.org/drawingml/2006/main" xmlns:r="http://schemas.openxmlformats.org/officeDocument/2006/relationships" xmlns:p="http://schemas.openxmlformats.org/presentationml/2006/main">
-  <p:cSld>
-    <p:spTree>
-      <p:nvGrpSpPr>
-        <p:cNvPr id="1" name=""/>
-        <p:cNvGrpSpPr/>
-        <p:nvPr/>
-      </p:nvGrpSpPr>
-      <p:grpSpPr>
-        <a:xfrm>
-          <a:off x="0" y="0"/>
-          <a:ext cx="0" cy="0"/>
-          <a:chOff x="0" y="0"/>
-          <a:chExt cx="0" cy="0"/>
-        </a:xfrm>
-      </p:grpSpPr>
-      <p:sp>
-        <p:nvSpPr>
-          <p:cNvPr id="2" name="Title 1">
-            <a:extLst>
-              <a:ext uri="{FF2B5EF4-FFF2-40B4-BE49-F238E27FC236}">
-                <a16:creationId xmlns:a16="http://schemas.microsoft.com/office/drawing/2014/main" id="{691D70F6-8CC5-D441-8515-215889708639}"/>
-              </a:ext>
-            </a:extLst>
-          </p:cNvPr>
-          <p:cNvSpPr>
-            <a:spLocks noGrp="1"/>
-          </p:cNvSpPr>
-          <p:nvPr>
-            <p:ph type="title"/>
-          </p:nvPr>
-        </p:nvSpPr>
-        <p:spPr/>
-        <p:txBody>
-          <a:bodyPr/>
-          <a:lstStyle/>
-          <a:p>
-            <a:r>
-              <a:rPr lang="en-US" dirty="0"/>
-              <a:t>Bands </a:t>
-            </a:r>
-          </a:p>
-        </p:txBody>
-      </p:sp>
-      <p:sp>
-        <p:nvSpPr>
-          <p:cNvPr id="3" name="Content Placeholder 2">
-            <a:extLst>
-              <a:ext uri="{FF2B5EF4-FFF2-40B4-BE49-F238E27FC236}">
-                <a16:creationId xmlns:a16="http://schemas.microsoft.com/office/drawing/2014/main" id="{693482F4-1371-4943-A40A-8DCA9BDB3707}"/>
-              </a:ext>
-            </a:extLst>
-          </p:cNvPr>
-          <p:cNvSpPr>
-            <a:spLocks noGrp="1"/>
-          </p:cNvSpPr>
-          <p:nvPr>
-            <p:ph idx="1"/>
-          </p:nvPr>
-        </p:nvSpPr>
-        <p:spPr>
-          <a:xfrm>
-            <a:off x="838200" y="1825625"/>
-            <a:ext cx="5257800" cy="4351338"/>
-          </a:xfrm>
-        </p:spPr>
-        <p:txBody>
-          <a:bodyPr>
-            <a:normAutofit/>
-          </a:bodyPr>
-          <a:lstStyle/>
-          <a:p>
-            <a:endParaRPr lang="en-US" sz="1800" dirty="0"/>
-          </a:p>
-        </p:txBody>
-      </p:sp>
-      <p:pic>
-        <p:nvPicPr>
-          <p:cNvPr id="5" name="Picture 4">
-            <a:extLst>
-              <a:ext uri="{FF2B5EF4-FFF2-40B4-BE49-F238E27FC236}">
-                <a16:creationId xmlns:a16="http://schemas.microsoft.com/office/drawing/2014/main" id="{2847FEF2-5A11-DA43-8181-F5BA6062496B}"/>
-              </a:ext>
-            </a:extLst>
-          </p:cNvPr>
-          <p:cNvPicPr>
-            <a:picLocks noChangeAspect="1"/>
-          </p:cNvPicPr>
-          <p:nvPr/>
-        </p:nvPicPr>
-        <p:blipFill>
-          <a:blip r:embed="rId3"/>
-          <a:stretch>
-            <a:fillRect/>
-          </a:stretch>
-        </p:blipFill>
-        <p:spPr>
-          <a:xfrm>
-            <a:off x="6625835" y="1825625"/>
-            <a:ext cx="4727965" cy="3749246"/>
-          </a:xfrm>
-          <a:prstGeom prst="rect">
-            <a:avLst/>
-          </a:prstGeom>
-        </p:spPr>
-      </p:pic>
-      <p:sp>
-        <p:nvSpPr>
-          <p:cNvPr id="4" name="Slide Number Placeholder 3">
-            <a:extLst>
-              <a:ext uri="{FF2B5EF4-FFF2-40B4-BE49-F238E27FC236}">
-                <a16:creationId xmlns:a16="http://schemas.microsoft.com/office/drawing/2014/main" id="{3BB79DFF-2B30-6C4A-B3BC-8451CDEEBBAD}"/>
-              </a:ext>
-            </a:extLst>
-          </p:cNvPr>
-          <p:cNvSpPr>
-            <a:spLocks noGrp="1"/>
-          </p:cNvSpPr>
-          <p:nvPr>
-            <p:ph type="sldNum" sz="quarter" idx="12"/>
-          </p:nvPr>
-        </p:nvSpPr>
-        <p:spPr/>
-        <p:txBody>
-          <a:bodyPr/>
-          <a:lstStyle/>
-          <a:p>
-            <a:fld id="{035DBD62-E6E0-484E-AB64-E286A6B85B65}" type="slidenum">
-              <a:rPr lang="en-US" smtClean="0"/>
-              <a:t>7</a:t>
-            </a:fld>
-            <a:endParaRPr lang="en-US"/>
-          </a:p>
-        </p:txBody>
-      </p:sp>
-    </p:spTree>
-    <p:extLst>
-      <p:ext uri="{BB962C8B-B14F-4D97-AF65-F5344CB8AC3E}">
-        <p14:creationId xmlns:p14="http://schemas.microsoft.com/office/powerpoint/2010/main" val="2282746327"/>
-      </p:ext>
-    </p:extLst>
-  </p:cSld>
-  <p:clrMapOvr>
-    <a:masterClrMapping/>
-  </p:clrMapOvr>
-</p:sld>
-</file>
-
-<file path=ppt/slides/slide8.xml><?xml version="1.0" encoding="utf-8"?>
-<p:sld xmlns:a="http://schemas.openxmlformats.org/drawingml/2006/main" xmlns:r="http://schemas.openxmlformats.org/officeDocument/2006/relationships" xmlns:p="http://schemas.openxmlformats.org/presentationml/2006/main">
-  <p:cSld>
-    <p:spTree>
-      <p:nvGrpSpPr>
-        <p:cNvPr id="1" name=""/>
-        <p:cNvGrpSpPr/>
-        <p:nvPr/>
-      </p:nvGrpSpPr>
-      <p:grpSpPr>
-        <a:xfrm>
-          <a:off x="0" y="0"/>
-          <a:ext cx="0" cy="0"/>
-          <a:chOff x="0" y="0"/>
-          <a:chExt cx="0" cy="0"/>
-        </a:xfrm>
-      </p:grpSpPr>
-      <p:sp>
-        <p:nvSpPr>
-          <p:cNvPr id="2" name="Title 1">
-            <a:extLst>
-              <a:ext uri="{FF2B5EF4-FFF2-40B4-BE49-F238E27FC236}">
-                <a16:creationId xmlns:a16="http://schemas.microsoft.com/office/drawing/2014/main" id="{691D70F6-8CC5-D441-8515-215889708639}"/>
-              </a:ext>
-            </a:extLst>
-          </p:cNvPr>
-          <p:cNvSpPr>
-            <a:spLocks noGrp="1"/>
-          </p:cNvSpPr>
-          <p:nvPr>
-            <p:ph type="title"/>
-          </p:nvPr>
-        </p:nvSpPr>
-        <p:spPr/>
-        <p:txBody>
-          <a:bodyPr/>
-          <a:lstStyle/>
-          <a:p>
-            <a:r>
-              <a:rPr lang="en-US" dirty="0"/>
-              <a:t>END </a:t>
-            </a:r>
-          </a:p>
-        </p:txBody>
-      </p:sp>
-      <p:sp>
-        <p:nvSpPr>
-          <p:cNvPr id="3" name="Content Placeholder 2">
-            <a:extLst>
-              <a:ext uri="{FF2B5EF4-FFF2-40B4-BE49-F238E27FC236}">
-                <a16:creationId xmlns:a16="http://schemas.microsoft.com/office/drawing/2014/main" id="{693482F4-1371-4943-A40A-8DCA9BDB3707}"/>
-              </a:ext>
-            </a:extLst>
-          </p:cNvPr>
-          <p:cNvSpPr>
-            <a:spLocks noGrp="1"/>
-          </p:cNvSpPr>
-          <p:nvPr>
-            <p:ph idx="1"/>
-          </p:nvPr>
-        </p:nvSpPr>
-        <p:spPr>
-          <a:xfrm>
-            <a:off x="838200" y="1825625"/>
-            <a:ext cx="5257800" cy="4351338"/>
-          </a:xfrm>
-        </p:spPr>
-        <p:txBody>
-          <a:bodyPr>
-            <a:normAutofit/>
-          </a:bodyPr>
-          <a:lstStyle/>
-          <a:p>
-            <a:endParaRPr lang="en-US" sz="1800" dirty="0"/>
-          </a:p>
-        </p:txBody>
-      </p:sp>
-      <p:sp>
-        <p:nvSpPr>
-          <p:cNvPr id="4" name="Slide Number Placeholder 3">
-            <a:extLst>
-              <a:ext uri="{FF2B5EF4-FFF2-40B4-BE49-F238E27FC236}">
-                <a16:creationId xmlns:a16="http://schemas.microsoft.com/office/drawing/2014/main" id="{3BB79DFF-2B30-6C4A-B3BC-8451CDEEBBAD}"/>
-              </a:ext>
-            </a:extLst>
-          </p:cNvPr>
-          <p:cNvSpPr>
-            <a:spLocks noGrp="1"/>
-          </p:cNvSpPr>
-          <p:nvPr>
-            <p:ph type="sldNum" sz="quarter" idx="12"/>
-          </p:nvPr>
-        </p:nvSpPr>
-        <p:spPr/>
-        <p:txBody>
-          <a:bodyPr/>
-          <a:lstStyle/>
-          <a:p>
-            <a:fld id="{035DBD62-E6E0-484E-AB64-E286A6B85B65}" type="slidenum">
-              <a:rPr lang="en-US" smtClean="0"/>
-              <a:t>8</a:t>
-            </a:fld>
-            <a:endParaRPr lang="en-US"/>
-          </a:p>
-        </p:txBody>
-      </p:sp>
-    </p:spTree>
-    <p:extLst>
-      <p:ext uri="{BB962C8B-B14F-4D97-AF65-F5344CB8AC3E}">
-        <p14:creationId xmlns:p14="http://schemas.microsoft.com/office/powerpoint/2010/main" val="1769617012"/>
-      </p:ext>
-    </p:extLst>
-  </p:cSld>
-  <p:clrMapOvr>
-    <a:masterClrMapping/>
-  </p:clrMapOvr>
-</p:sld>
-</file>
-
-<file path=ppt/slides/slide9.xml><?xml version="1.0" encoding="utf-8"?>
-<p:sld xmlns:a="http://schemas.openxmlformats.org/drawingml/2006/main" xmlns:r="http://schemas.openxmlformats.org/officeDocument/2006/relationships" xmlns:p="http://schemas.openxmlformats.org/presentationml/2006/main">
-  <p:cSld>
-    <p:spTree>
-      <p:nvGrpSpPr>
-        <p:cNvPr id="1" name=""/>
-        <p:cNvGrpSpPr/>
-        <p:nvPr/>
-      </p:nvGrpSpPr>
-      <p:grpSpPr>
-        <a:xfrm>
-          <a:off x="0" y="0"/>
-          <a:ext cx="0" cy="0"/>
-          <a:chOff x="0" y="0"/>
-          <a:chExt cx="0" cy="0"/>
-        </a:xfrm>
-      </p:grpSpPr>
-      <p:sp>
-        <p:nvSpPr>
-          <p:cNvPr id="2" name="Title 1">
-            <a:extLst>
-              <a:ext uri="{FF2B5EF4-FFF2-40B4-BE49-F238E27FC236}">
-                <a16:creationId xmlns:a16="http://schemas.microsoft.com/office/drawing/2014/main" id="{24B7DF4A-1926-FD4C-94CA-990D4B267C66}"/>
-              </a:ext>
-            </a:extLst>
-          </p:cNvPr>
-          <p:cNvSpPr>
-            <a:spLocks noGrp="1"/>
-          </p:cNvSpPr>
-          <p:nvPr>
-            <p:ph type="title"/>
-          </p:nvPr>
-        </p:nvSpPr>
-        <p:spPr/>
-        <p:txBody>
-          <a:bodyPr/>
-          <a:lstStyle/>
-          <a:p>
-            <a:r>
-              <a:rPr lang="en-US" dirty="0" err="1"/>
-              <a:t>CDMSlite</a:t>
-            </a:r>
-            <a:r>
-              <a:rPr lang="en-US" dirty="0"/>
-              <a:t> Detector </a:t>
-            </a:r>
-          </a:p>
-        </p:txBody>
-      </p:sp>
-      <p:pic>
-        <p:nvPicPr>
-          <p:cNvPr id="5" name="Content Placeholder 4">
-            <a:extLst>
-              <a:ext uri="{FF2B5EF4-FFF2-40B4-BE49-F238E27FC236}">
-                <a16:creationId xmlns:a16="http://schemas.microsoft.com/office/drawing/2014/main" id="{F18A38AD-7C3D-B848-A538-698A9F7D610A}"/>
-              </a:ext>
-            </a:extLst>
-          </p:cNvPr>
-          <p:cNvPicPr>
-            <a:picLocks noGrp="1" noChangeAspect="1"/>
-          </p:cNvPicPr>
-          <p:nvPr>
-            <p:ph idx="1"/>
-          </p:nvPr>
-        </p:nvPicPr>
-        <p:blipFill>
-          <a:blip r:embed="rId3"/>
-          <a:stretch>
-            <a:fillRect/>
-          </a:stretch>
-        </p:blipFill>
-        <p:spPr>
-          <a:xfrm>
-            <a:off x="6662809" y="1793766"/>
-            <a:ext cx="5529191" cy="3382382"/>
-          </a:xfrm>
-        </p:spPr>
-      </p:pic>
-      <p:sp>
-        <p:nvSpPr>
-          <p:cNvPr id="7" name="TextBox 6">
-            <a:extLst>
-              <a:ext uri="{FF2B5EF4-FFF2-40B4-BE49-F238E27FC236}">
-                <a16:creationId xmlns:a16="http://schemas.microsoft.com/office/drawing/2014/main" id="{F18FCBF2-57F0-F643-8469-7DAD13900BC9}"/>
-              </a:ext>
-            </a:extLst>
-          </p:cNvPr>
-          <p:cNvSpPr txBox="1"/>
-          <p:nvPr/>
-        </p:nvSpPr>
-        <p:spPr>
-          <a:xfrm>
-            <a:off x="1062681" y="1915297"/>
-            <a:ext cx="5033319" cy="3139321"/>
-          </a:xfrm>
-          <a:prstGeom prst="rect">
-            <a:avLst/>
-          </a:prstGeom>
-          <a:noFill/>
-        </p:spPr>
-        <p:txBody>
-          <a:bodyPr wrap="square" rtlCol="0">
-            <a:spAutoFit/>
-          </a:bodyPr>
-          <a:lstStyle/>
-          <a:p>
-            <a:pPr marL="285750" indent="-285750">
-              <a:buFont typeface="Arial" panose="020B0604020202020204" pitchFamily="34" charset="0"/>
-              <a:buChar char="•"/>
-            </a:pPr>
-            <a:r>
-              <a:rPr lang="en-US" dirty="0"/>
-              <a:t>Low threshold ionization experiment </a:t>
-            </a:r>
-          </a:p>
-          <a:p>
-            <a:pPr marL="285750" indent="-285750">
-              <a:buFont typeface="Arial" panose="020B0604020202020204" pitchFamily="34" charset="0"/>
-              <a:buChar char="•"/>
-            </a:pPr>
-            <a:endParaRPr lang="en-US" dirty="0"/>
-          </a:p>
-          <a:p>
-            <a:pPr marL="285750" indent="-285750">
-              <a:buFont typeface="Arial" panose="020B0604020202020204" pitchFamily="34" charset="0"/>
-              <a:buChar char="•"/>
-            </a:pPr>
-            <a:r>
-              <a:rPr lang="en-US" dirty="0"/>
-              <a:t>Applied Voltage ~50-80 V/cm </a:t>
-            </a:r>
-          </a:p>
-          <a:p>
-            <a:pPr marL="285750" indent="-285750">
-              <a:buFont typeface="Arial" panose="020B0604020202020204" pitchFamily="34" charset="0"/>
-              <a:buChar char="•"/>
-            </a:pPr>
-            <a:endParaRPr lang="en-US" dirty="0"/>
-          </a:p>
-          <a:p>
-            <a:pPr marL="285750" indent="-285750">
-              <a:buFont typeface="Arial" panose="020B0604020202020204" pitchFamily="34" charset="0"/>
-              <a:buChar char="•"/>
-            </a:pPr>
-            <a:r>
-              <a:rPr lang="en-US" dirty="0"/>
-              <a:t>Ionization energy resolution of 170 </a:t>
-            </a:r>
-            <a:r>
-              <a:rPr lang="en-US" dirty="0" err="1"/>
-              <a:t>eVee</a:t>
-            </a:r>
-            <a:r>
-              <a:rPr lang="en-US" dirty="0"/>
-              <a:t> </a:t>
-            </a:r>
-          </a:p>
-          <a:p>
-            <a:endParaRPr lang="en-US" dirty="0"/>
-          </a:p>
-          <a:p>
-            <a:pPr marL="285750" indent="-285750">
-              <a:buFont typeface="Arial" panose="020B0604020202020204" pitchFamily="34" charset="0"/>
-              <a:buChar char="•"/>
-            </a:pPr>
-            <a:r>
-              <a:rPr lang="en-US" dirty="0"/>
-              <a:t>Detects phonons only. </a:t>
-            </a:r>
-          </a:p>
-          <a:p>
-            <a:endParaRPr lang="en-US" dirty="0"/>
-          </a:p>
-          <a:p>
-            <a:pPr marL="285750" indent="-285750">
-              <a:buFont typeface="Arial" panose="020B0604020202020204" pitchFamily="34" charset="0"/>
-              <a:buChar char="•"/>
-            </a:pPr>
-            <a:r>
-              <a:rPr lang="en-US" dirty="0"/>
-              <a:t>Phonon amplification via </a:t>
-            </a:r>
-            <a:r>
-              <a:rPr lang="en-US" dirty="0" err="1"/>
-              <a:t>Neganov</a:t>
-            </a:r>
-            <a:r>
-              <a:rPr lang="en-US" dirty="0"/>
-              <a:t>-</a:t>
-            </a:r>
-            <a:r>
-              <a:rPr lang="en-US" dirty="0" err="1"/>
-              <a:t>Trofimov</a:t>
-            </a:r>
-            <a:r>
-              <a:rPr lang="en-US" dirty="0"/>
-              <a:t>-Luke (NTL) effect </a:t>
-            </a:r>
-          </a:p>
-          <a:p>
-            <a:pPr marL="285750" indent="-285750">
-              <a:buFont typeface="Arial" panose="020B0604020202020204" pitchFamily="34" charset="0"/>
-              <a:buChar char="•"/>
-            </a:pPr>
-            <a:endParaRPr lang="en-US" dirty="0"/>
-          </a:p>
-        </p:txBody>
-      </p:sp>
-      <p:sp>
-        <p:nvSpPr>
-          <p:cNvPr id="3" name="Slide Number Placeholder 2">
-            <a:extLst>
-              <a:ext uri="{FF2B5EF4-FFF2-40B4-BE49-F238E27FC236}">
-                <a16:creationId xmlns:a16="http://schemas.microsoft.com/office/drawing/2014/main" id="{3EE1539B-7753-2A46-99F3-9F1D56504805}"/>
-              </a:ext>
-            </a:extLst>
-          </p:cNvPr>
-          <p:cNvSpPr>
-            <a:spLocks noGrp="1"/>
-          </p:cNvSpPr>
-          <p:nvPr>
-            <p:ph type="sldNum" sz="quarter" idx="12"/>
-          </p:nvPr>
-        </p:nvSpPr>
-        <p:spPr/>
-        <p:txBody>
-          <a:bodyPr/>
-          <a:lstStyle/>
-          <a:p>
-            <a:fld id="{035DBD62-E6E0-484E-AB64-E286A6B85B65}" type="slidenum">
-              <a:rPr lang="en-US" smtClean="0"/>
-              <a:t>9</a:t>
-            </a:fld>
-            <a:endParaRPr lang="en-US"/>
-          </a:p>
-        </p:txBody>
-      </p:sp>
-    </p:spTree>
-    <p:extLst>
-      <p:ext uri="{BB962C8B-B14F-4D97-AF65-F5344CB8AC3E}">
-        <p14:creationId xmlns:p14="http://schemas.microsoft.com/office/powerpoint/2010/main" val="3174342802"/>
       </p:ext>
     </p:extLst>
   </p:cSld>

--- a/Mitch_Hawaii_talk. .pptx
+++ b/Mitch_Hawaii_talk. .pptx
@@ -5,22 +5,25 @@
     <p:sldMasterId id="2147483648" r:id="rId1"/>
   </p:sldMasterIdLst>
   <p:notesMasterIdLst>
-    <p:notesMasterId r:id="rId15"/>
+    <p:notesMasterId r:id="rId18"/>
   </p:notesMasterIdLst>
   <p:sldIdLst>
     <p:sldId id="256" r:id="rId2"/>
     <p:sldId id="263" r:id="rId3"/>
     <p:sldId id="267" r:id="rId4"/>
-    <p:sldId id="257" r:id="rId5"/>
-    <p:sldId id="264" r:id="rId6"/>
-    <p:sldId id="260" r:id="rId7"/>
-    <p:sldId id="269" r:id="rId8"/>
-    <p:sldId id="259" r:id="rId9"/>
-    <p:sldId id="265" r:id="rId10"/>
-    <p:sldId id="268" r:id="rId11"/>
-    <p:sldId id="258" r:id="rId12"/>
-    <p:sldId id="261" r:id="rId13"/>
-    <p:sldId id="262" r:id="rId14"/>
+    <p:sldId id="264" r:id="rId5"/>
+    <p:sldId id="270" r:id="rId6"/>
+    <p:sldId id="257" r:id="rId7"/>
+    <p:sldId id="271" r:id="rId8"/>
+    <p:sldId id="272" r:id="rId9"/>
+    <p:sldId id="273" r:id="rId10"/>
+    <p:sldId id="260" r:id="rId11"/>
+    <p:sldId id="269" r:id="rId12"/>
+    <p:sldId id="259" r:id="rId13"/>
+    <p:sldId id="265" r:id="rId14"/>
+    <p:sldId id="258" r:id="rId15"/>
+    <p:sldId id="261" r:id="rId16"/>
+    <p:sldId id="262" r:id="rId17"/>
   </p:sldIdLst>
   <p:sldSz cx="12192000" cy="6858000"/>
   <p:notesSz cx="6858000" cy="9144000"/>
@@ -209,7 +212,7 @@
           <a:p>
             <a:fld id="{A66BF76A-CB69-344A-AA05-A4A0C5F81F1B}" type="datetimeFigureOut">
               <a:rPr lang="en-US" smtClean="0"/>
-              <a:t>10/19/18</a:t>
+              <a:t>10/20/18</a:t>
             </a:fld>
             <a:endParaRPr lang="en-US"/>
           </a:p>
@@ -696,6 +699,15 @@
               <a:t> can create a spectrum of a possible number of  electron hole pairs </a:t>
             </a:r>
           </a:p>
+          <a:p>
+            <a:endParaRPr lang="en-US" dirty="0"/>
+          </a:p>
+          <a:p>
+            <a:r>
+              <a:rPr lang="en-US" dirty="0"/>
+              <a:t>Solid State detector with a voltage across it. For the purpose of this talk. </a:t>
+            </a:r>
+          </a:p>
         </p:txBody>
       </p:sp>
       <p:sp>
@@ -780,15 +792,24 @@
           <a:p>
             <a:r>
               <a:rPr lang="en-US" dirty="0"/>
-              <a:t>There is a variant number of electron hole pairs exists for a given </a:t>
+              <a:t>A WIMP comes in a hits the nuclei, initial phonons are produced and charge is liberated in some ratio. Current generation of lowest threshold detectors only count the number of produced electron hole pairs. We do not have a good nuclear recoil calibration standard. Therefore to extract the nuclear recoil energy we have to know the ratio of recoil energy that goes into the electronic system.  </a:t>
+            </a:r>
+          </a:p>
+          <a:p>
+            <a:endParaRPr lang="en-US" dirty="0"/>
+          </a:p>
+          <a:p>
+            <a:r>
+              <a:rPr lang="en-US" dirty="0"/>
+              <a:t>Variation in energy given to the electronic system exists because a single </a:t>
             </a:r>
             <a:r>
               <a:rPr lang="en-US" dirty="0" err="1"/>
-              <a:t>Er</a:t>
+              <a:t>E_r</a:t>
             </a:r>
             <a:r>
               <a:rPr lang="en-US" dirty="0"/>
-              <a:t> for both electron recoils and nuclear recoils. </a:t>
+              <a:t> can create a spectrum of a possible number of  electron hole pairs </a:t>
             </a:r>
           </a:p>
         </p:txBody>
@@ -810,7 +831,7 @@
           <a:p>
             <a:fld id="{C6AEA146-89B5-4A42-BEB6-D6A5BB50F046}" type="slidenum">
               <a:rPr lang="en-US" smtClean="0"/>
-              <a:t>4</a:t>
+              <a:t>5</a:t>
             </a:fld>
             <a:endParaRPr lang="en-US"/>
           </a:p>
@@ -819,7 +840,7 @@
     </p:spTree>
     <p:extLst>
       <p:ext uri="{BB962C8B-B14F-4D97-AF65-F5344CB8AC3E}">
-        <p14:creationId xmlns:p14="http://schemas.microsoft.com/office/powerpoint/2010/main" val="2674662709"/>
+        <p14:creationId xmlns:p14="http://schemas.microsoft.com/office/powerpoint/2010/main" val="2290391898"/>
       </p:ext>
     </p:extLst>
   </p:cSld>
@@ -875,7 +896,15 @@
           <a:p>
             <a:r>
               <a:rPr lang="en-US" dirty="0"/>
-              <a:t>Bands from data -&gt; simulated bands. Side by side. </a:t>
+              <a:t>There is a variant number of electron hole pairs exists for a given </a:t>
+            </a:r>
+            <a:r>
+              <a:rPr lang="en-US" dirty="0" err="1"/>
+              <a:t>Er</a:t>
+            </a:r>
+            <a:r>
+              <a:rPr lang="en-US" dirty="0"/>
+              <a:t> for both electron recoils and nuclear recoils. </a:t>
             </a:r>
           </a:p>
         </p:txBody>
@@ -906,7 +935,7 @@
     </p:spTree>
     <p:extLst>
       <p:ext uri="{BB962C8B-B14F-4D97-AF65-F5344CB8AC3E}">
-        <p14:creationId xmlns:p14="http://schemas.microsoft.com/office/powerpoint/2010/main" val="501190566"/>
+        <p14:creationId xmlns:p14="http://schemas.microsoft.com/office/powerpoint/2010/main" val="2674662709"/>
       </p:ext>
     </p:extLst>
   </p:cSld>
@@ -962,8 +991,14 @@
           <a:p>
             <a:r>
               <a:rPr lang="en-US" dirty="0"/>
-              <a:t>Bands from data -&gt; simulated bands. Side by side. </a:t>
-            </a:r>
+              <a:t>They can measure charge and phonons separately, this gives them a direct measure of the yield. </a:t>
+            </a:r>
+          </a:p>
+          <a:p>
+            <a:endParaRPr lang="en-US" dirty="0"/>
+          </a:p>
+          <a:p>
+            <a:endParaRPr lang="en-US" dirty="0"/>
           </a:p>
         </p:txBody>
       </p:sp>
@@ -984,7 +1019,7 @@
           <a:p>
             <a:fld id="{C6AEA146-89B5-4A42-BEB6-D6A5BB50F046}" type="slidenum">
               <a:rPr lang="en-US" smtClean="0"/>
-              <a:t>7</a:t>
+              <a:t>8</a:t>
             </a:fld>
             <a:endParaRPr lang="en-US"/>
           </a:p>
@@ -993,7 +1028,7 @@
     </p:spTree>
     <p:extLst>
       <p:ext uri="{BB962C8B-B14F-4D97-AF65-F5344CB8AC3E}">
-        <p14:creationId xmlns:p14="http://schemas.microsoft.com/office/powerpoint/2010/main" val="2868716704"/>
+        <p14:creationId xmlns:p14="http://schemas.microsoft.com/office/powerpoint/2010/main" val="4050759554"/>
       </p:ext>
     </p:extLst>
   </p:cSld>
@@ -1049,6 +1084,267 @@
           <a:p>
             <a:r>
               <a:rPr lang="en-US" dirty="0"/>
+              <a:t>Simulating the bands Just using the charge and phono resolution gives us an under estimate. </a:t>
+            </a:r>
+          </a:p>
+        </p:txBody>
+      </p:sp>
+      <p:sp>
+        <p:nvSpPr>
+          <p:cNvPr id="4" name="Slide Number Placeholder 3"/>
+          <p:cNvSpPr>
+            <a:spLocks noGrp="1"/>
+          </p:cNvSpPr>
+          <p:nvPr>
+            <p:ph type="sldNum" sz="quarter" idx="5"/>
+          </p:nvPr>
+        </p:nvSpPr>
+        <p:spPr/>
+        <p:txBody>
+          <a:bodyPr/>
+          <a:lstStyle/>
+          <a:p>
+            <a:fld id="{C6AEA146-89B5-4A42-BEB6-D6A5BB50F046}" type="slidenum">
+              <a:rPr lang="en-US" smtClean="0"/>
+              <a:t>9</a:t>
+            </a:fld>
+            <a:endParaRPr lang="en-US"/>
+          </a:p>
+        </p:txBody>
+      </p:sp>
+    </p:spTree>
+    <p:extLst>
+      <p:ext uri="{BB962C8B-B14F-4D97-AF65-F5344CB8AC3E}">
+        <p14:creationId xmlns:p14="http://schemas.microsoft.com/office/powerpoint/2010/main" val="718684980"/>
+      </p:ext>
+    </p:extLst>
+  </p:cSld>
+  <p:clrMapOvr>
+    <a:masterClrMapping/>
+  </p:clrMapOvr>
+</p:notes>
+</file>
+
+<file path=ppt/notesSlides/notesSlide7.xml><?xml version="1.0" encoding="utf-8"?>
+<p:notes xmlns:a="http://schemas.openxmlformats.org/drawingml/2006/main" xmlns:r="http://schemas.openxmlformats.org/officeDocument/2006/relationships" xmlns:p="http://schemas.openxmlformats.org/presentationml/2006/main">
+  <p:cSld>
+    <p:spTree>
+      <p:nvGrpSpPr>
+        <p:cNvPr id="1" name=""/>
+        <p:cNvGrpSpPr/>
+        <p:nvPr/>
+      </p:nvGrpSpPr>
+      <p:grpSpPr>
+        <a:xfrm>
+          <a:off x="0" y="0"/>
+          <a:ext cx="0" cy="0"/>
+          <a:chOff x="0" y="0"/>
+          <a:chExt cx="0" cy="0"/>
+        </a:xfrm>
+      </p:grpSpPr>
+      <p:sp>
+        <p:nvSpPr>
+          <p:cNvPr id="2" name="Slide Image Placeholder 1"/>
+          <p:cNvSpPr>
+            <a:spLocks noGrp="1" noRot="1" noChangeAspect="1"/>
+          </p:cNvSpPr>
+          <p:nvPr>
+            <p:ph type="sldImg"/>
+          </p:nvPr>
+        </p:nvSpPr>
+        <p:spPr/>
+      </p:sp>
+      <p:sp>
+        <p:nvSpPr>
+          <p:cNvPr id="3" name="Notes Placeholder 2"/>
+          <p:cNvSpPr>
+            <a:spLocks noGrp="1"/>
+          </p:cNvSpPr>
+          <p:nvPr>
+            <p:ph type="body" idx="1"/>
+          </p:nvPr>
+        </p:nvSpPr>
+        <p:spPr/>
+        <p:txBody>
+          <a:bodyPr/>
+          <a:lstStyle/>
+          <a:p>
+            <a:r>
+              <a:rPr lang="en-US" dirty="0"/>
+              <a:t>Bands from data -&gt; simulated bands. Side by side. </a:t>
+            </a:r>
+          </a:p>
+        </p:txBody>
+      </p:sp>
+      <p:sp>
+        <p:nvSpPr>
+          <p:cNvPr id="4" name="Slide Number Placeholder 3"/>
+          <p:cNvSpPr>
+            <a:spLocks noGrp="1"/>
+          </p:cNvSpPr>
+          <p:nvPr>
+            <p:ph type="sldNum" sz="quarter" idx="5"/>
+          </p:nvPr>
+        </p:nvSpPr>
+        <p:spPr/>
+        <p:txBody>
+          <a:bodyPr/>
+          <a:lstStyle/>
+          <a:p>
+            <a:fld id="{C6AEA146-89B5-4A42-BEB6-D6A5BB50F046}" type="slidenum">
+              <a:rPr lang="en-US" smtClean="0"/>
+              <a:t>10</a:t>
+            </a:fld>
+            <a:endParaRPr lang="en-US"/>
+          </a:p>
+        </p:txBody>
+      </p:sp>
+    </p:spTree>
+    <p:extLst>
+      <p:ext uri="{BB962C8B-B14F-4D97-AF65-F5344CB8AC3E}">
+        <p14:creationId xmlns:p14="http://schemas.microsoft.com/office/powerpoint/2010/main" val="501190566"/>
+      </p:ext>
+    </p:extLst>
+  </p:cSld>
+  <p:clrMapOvr>
+    <a:masterClrMapping/>
+  </p:clrMapOvr>
+</p:notes>
+</file>
+
+<file path=ppt/notesSlides/notesSlide8.xml><?xml version="1.0" encoding="utf-8"?>
+<p:notes xmlns:a="http://schemas.openxmlformats.org/drawingml/2006/main" xmlns:r="http://schemas.openxmlformats.org/officeDocument/2006/relationships" xmlns:p="http://schemas.openxmlformats.org/presentationml/2006/main">
+  <p:cSld>
+    <p:spTree>
+      <p:nvGrpSpPr>
+        <p:cNvPr id="1" name=""/>
+        <p:cNvGrpSpPr/>
+        <p:nvPr/>
+      </p:nvGrpSpPr>
+      <p:grpSpPr>
+        <a:xfrm>
+          <a:off x="0" y="0"/>
+          <a:ext cx="0" cy="0"/>
+          <a:chOff x="0" y="0"/>
+          <a:chExt cx="0" cy="0"/>
+        </a:xfrm>
+      </p:grpSpPr>
+      <p:sp>
+        <p:nvSpPr>
+          <p:cNvPr id="2" name="Slide Image Placeholder 1"/>
+          <p:cNvSpPr>
+            <a:spLocks noGrp="1" noRot="1" noChangeAspect="1"/>
+          </p:cNvSpPr>
+          <p:nvPr>
+            <p:ph type="sldImg"/>
+          </p:nvPr>
+        </p:nvSpPr>
+        <p:spPr/>
+      </p:sp>
+      <p:sp>
+        <p:nvSpPr>
+          <p:cNvPr id="3" name="Notes Placeholder 2"/>
+          <p:cNvSpPr>
+            <a:spLocks noGrp="1"/>
+          </p:cNvSpPr>
+          <p:nvPr>
+            <p:ph type="body" idx="1"/>
+          </p:nvPr>
+        </p:nvSpPr>
+        <p:spPr/>
+        <p:txBody>
+          <a:bodyPr/>
+          <a:lstStyle/>
+          <a:p>
+            <a:r>
+              <a:rPr lang="en-US" dirty="0"/>
+              <a:t>Bands from data -&gt; simulated bands. Side by side. </a:t>
+            </a:r>
+          </a:p>
+        </p:txBody>
+      </p:sp>
+      <p:sp>
+        <p:nvSpPr>
+          <p:cNvPr id="4" name="Slide Number Placeholder 3"/>
+          <p:cNvSpPr>
+            <a:spLocks noGrp="1"/>
+          </p:cNvSpPr>
+          <p:nvPr>
+            <p:ph type="sldNum" sz="quarter" idx="5"/>
+          </p:nvPr>
+        </p:nvSpPr>
+        <p:spPr/>
+        <p:txBody>
+          <a:bodyPr/>
+          <a:lstStyle/>
+          <a:p>
+            <a:fld id="{C6AEA146-89B5-4A42-BEB6-D6A5BB50F046}" type="slidenum">
+              <a:rPr lang="en-US" smtClean="0"/>
+              <a:t>11</a:t>
+            </a:fld>
+            <a:endParaRPr lang="en-US"/>
+          </a:p>
+        </p:txBody>
+      </p:sp>
+    </p:spTree>
+    <p:extLst>
+      <p:ext uri="{BB962C8B-B14F-4D97-AF65-F5344CB8AC3E}">
+        <p14:creationId xmlns:p14="http://schemas.microsoft.com/office/powerpoint/2010/main" val="2868716704"/>
+      </p:ext>
+    </p:extLst>
+  </p:cSld>
+  <p:clrMapOvr>
+    <a:masterClrMapping/>
+  </p:clrMapOvr>
+</p:notes>
+</file>
+
+<file path=ppt/notesSlides/notesSlide9.xml><?xml version="1.0" encoding="utf-8"?>
+<p:notes xmlns:a="http://schemas.openxmlformats.org/drawingml/2006/main" xmlns:r="http://schemas.openxmlformats.org/officeDocument/2006/relationships" xmlns:p="http://schemas.openxmlformats.org/presentationml/2006/main">
+  <p:cSld>
+    <p:spTree>
+      <p:nvGrpSpPr>
+        <p:cNvPr id="1" name=""/>
+        <p:cNvGrpSpPr/>
+        <p:nvPr/>
+      </p:nvGrpSpPr>
+      <p:grpSpPr>
+        <a:xfrm>
+          <a:off x="0" y="0"/>
+          <a:ext cx="0" cy="0"/>
+          <a:chOff x="0" y="0"/>
+          <a:chExt cx="0" cy="0"/>
+        </a:xfrm>
+      </p:grpSpPr>
+      <p:sp>
+        <p:nvSpPr>
+          <p:cNvPr id="2" name="Slide Image Placeholder 1"/>
+          <p:cNvSpPr>
+            <a:spLocks noGrp="1" noRot="1" noChangeAspect="1"/>
+          </p:cNvSpPr>
+          <p:nvPr>
+            <p:ph type="sldImg"/>
+          </p:nvPr>
+        </p:nvSpPr>
+        <p:spPr/>
+      </p:sp>
+      <p:sp>
+        <p:nvSpPr>
+          <p:cNvPr id="3" name="Notes Placeholder 2"/>
+          <p:cNvSpPr>
+            <a:spLocks noGrp="1"/>
+          </p:cNvSpPr>
+          <p:nvPr>
+            <p:ph type="body" idx="1"/>
+          </p:nvPr>
+        </p:nvSpPr>
+        <p:spPr/>
+        <p:txBody>
+          <a:bodyPr/>
+          <a:lstStyle/>
+          <a:p>
+            <a:r>
+              <a:rPr lang="en-US" dirty="0"/>
               <a:t>A WIMP comes in a hits the nuclei, initial phonons are produced and charge is liberated in some ratio. Current generation of lowest threshold detectors only count the number of produced electron hole pairs. We do not have a good nuclear recoil calibration standard. Therefore to extract the nuclear recoil energy we have to know the ratio of recoil energy that goes into the electronic system.  </a:t>
             </a:r>
           </a:p>
@@ -1080,7 +1376,7 @@
           <a:p>
             <a:fld id="{C6AEA146-89B5-4A42-BEB6-D6A5BB50F046}" type="slidenum">
               <a:rPr lang="en-US" smtClean="0"/>
-              <a:t>8</a:t>
+              <a:t>12</a:t>
             </a:fld>
             <a:endParaRPr lang="en-US"/>
           </a:p>
@@ -1246,7 +1542,7 @@
           <a:p>
             <a:fld id="{4C4FE5A6-B042-234F-87BB-EE608B65FD71}" type="datetime1">
               <a:rPr lang="en-US" smtClean="0"/>
-              <a:t>10/19/18</a:t>
+              <a:t>10/20/18</a:t>
             </a:fld>
             <a:endParaRPr lang="en-US"/>
           </a:p>
@@ -1444,7 +1740,7 @@
           <a:p>
             <a:fld id="{896964B4-7059-1241-B7F7-CC759A8715E3}" type="datetime1">
               <a:rPr lang="en-US" smtClean="0"/>
-              <a:t>10/19/18</a:t>
+              <a:t>10/20/18</a:t>
             </a:fld>
             <a:endParaRPr lang="en-US"/>
           </a:p>
@@ -1652,7 +1948,7 @@
           <a:p>
             <a:fld id="{2BB15EFC-989A-504F-A26D-C47609D34B5F}" type="datetime1">
               <a:rPr lang="en-US" smtClean="0"/>
-              <a:t>10/19/18</a:t>
+              <a:t>10/20/18</a:t>
             </a:fld>
             <a:endParaRPr lang="en-US"/>
           </a:p>
@@ -1850,7 +2146,7 @@
           <a:p>
             <a:fld id="{878B0B07-2815-5A40-BA13-144E9203A1A1}" type="datetime1">
               <a:rPr lang="en-US" smtClean="0"/>
-              <a:t>10/19/18</a:t>
+              <a:t>10/20/18</a:t>
             </a:fld>
             <a:endParaRPr lang="en-US"/>
           </a:p>
@@ -2125,7 +2421,7 @@
           <a:p>
             <a:fld id="{BEFA5980-D336-5242-9389-BFB74FFD9D7A}" type="datetime1">
               <a:rPr lang="en-US" smtClean="0"/>
-              <a:t>10/19/18</a:t>
+              <a:t>10/20/18</a:t>
             </a:fld>
             <a:endParaRPr lang="en-US"/>
           </a:p>
@@ -2390,7 +2686,7 @@
           <a:p>
             <a:fld id="{9A639845-AF02-6444-8914-745C5B843963}" type="datetime1">
               <a:rPr lang="en-US" smtClean="0"/>
-              <a:t>10/19/18</a:t>
+              <a:t>10/20/18</a:t>
             </a:fld>
             <a:endParaRPr lang="en-US"/>
           </a:p>
@@ -2802,7 +3098,7 @@
           <a:p>
             <a:fld id="{0F2F0F5A-6752-E241-B405-243254C949FE}" type="datetime1">
               <a:rPr lang="en-US" smtClean="0"/>
-              <a:t>10/19/18</a:t>
+              <a:t>10/20/18</a:t>
             </a:fld>
             <a:endParaRPr lang="en-US"/>
           </a:p>
@@ -2943,7 +3239,7 @@
           <a:p>
             <a:fld id="{B83D80F1-84FB-C64D-897C-E07C36349253}" type="datetime1">
               <a:rPr lang="en-US" smtClean="0"/>
-              <a:t>10/19/18</a:t>
+              <a:t>10/20/18</a:t>
             </a:fld>
             <a:endParaRPr lang="en-US"/>
           </a:p>
@@ -3056,7 +3352,7 @@
           <a:p>
             <a:fld id="{31D310E7-727F-F848-8E1F-A84AE0965461}" type="datetime1">
               <a:rPr lang="en-US" smtClean="0"/>
-              <a:t>10/19/18</a:t>
+              <a:t>10/20/18</a:t>
             </a:fld>
             <a:endParaRPr lang="en-US"/>
           </a:p>
@@ -3367,7 +3663,7 @@
           <a:p>
             <a:fld id="{3DEAACE5-D900-B941-9691-B5A70076832D}" type="datetime1">
               <a:rPr lang="en-US" smtClean="0"/>
-              <a:t>10/19/18</a:t>
+              <a:t>10/20/18</a:t>
             </a:fld>
             <a:endParaRPr lang="en-US"/>
           </a:p>
@@ -3655,7 +3951,7 @@
           <a:p>
             <a:fld id="{3B5943A7-FE33-B04F-95DA-1C0FFE2A1D14}" type="datetime1">
               <a:rPr lang="en-US" smtClean="0"/>
-              <a:t>10/19/18</a:t>
+              <a:t>10/20/18</a:t>
             </a:fld>
             <a:endParaRPr lang="en-US"/>
           </a:p>
@@ -3896,7 +4192,7 @@
           <a:p>
             <a:fld id="{DDEB6CB8-30E9-7642-9D44-7B1E342777B2}" type="datetime1">
               <a:rPr lang="en-US" smtClean="0"/>
-              <a:t>10/19/18</a:t>
+              <a:t>10/20/18</a:t>
             </a:fld>
             <a:endParaRPr lang="en-US"/>
           </a:p>
@@ -4451,216 +4747,10 @@
       </p:grpSpPr>
       <p:sp>
         <p:nvSpPr>
-          <p:cNvPr id="2" name="Title 1">
-            <a:extLst>
-              <a:ext uri="{FF2B5EF4-FFF2-40B4-BE49-F238E27FC236}">
-                <a16:creationId xmlns:a16="http://schemas.microsoft.com/office/drawing/2014/main" id="{19447540-A80A-E148-9B2F-9EFA205801D4}"/>
-              </a:ext>
-            </a:extLst>
-          </p:cNvPr>
-          <p:cNvSpPr>
-            <a:spLocks noGrp="1"/>
-          </p:cNvSpPr>
-          <p:nvPr>
-            <p:ph type="title"/>
-          </p:nvPr>
-        </p:nvSpPr>
-        <p:spPr/>
-        <p:txBody>
-          <a:bodyPr/>
-          <a:lstStyle/>
-          <a:p>
-            <a:r>
-              <a:rPr lang="en-US" dirty="0"/>
-              <a:t>Ionization Efficiency  (Yield)</a:t>
-            </a:r>
-          </a:p>
-        </p:txBody>
-      </p:sp>
-      <p:sp>
-        <p:nvSpPr>
-          <p:cNvPr id="8" name="Content Placeholder 7">
-            <a:extLst>
-              <a:ext uri="{FF2B5EF4-FFF2-40B4-BE49-F238E27FC236}">
-                <a16:creationId xmlns:a16="http://schemas.microsoft.com/office/drawing/2014/main" id="{1869FB3F-01F0-034B-AA10-572B102AD158}"/>
-              </a:ext>
-            </a:extLst>
-          </p:cNvPr>
-          <p:cNvSpPr>
-            <a:spLocks noGrp="1"/>
-          </p:cNvSpPr>
-          <p:nvPr>
-            <p:ph idx="1"/>
-          </p:nvPr>
-        </p:nvSpPr>
-        <p:spPr>
-          <a:xfrm>
-            <a:off x="838200" y="1825625"/>
-            <a:ext cx="5257800" cy="4351338"/>
-          </a:xfrm>
-        </p:spPr>
-        <p:txBody>
-          <a:bodyPr>
-            <a:normAutofit/>
-          </a:bodyPr>
-          <a:lstStyle/>
-          <a:p>
-            <a:r>
-              <a:rPr lang="en-US" sz="1800" dirty="0"/>
-              <a:t>ratio of energy used to create electron-hole pairs to the energy used to create phonons </a:t>
-            </a:r>
-            <a:br>
-              <a:rPr lang="en-US" sz="1800" dirty="0"/>
-            </a:br>
-            <a:endParaRPr lang="en-US" sz="1800" dirty="0"/>
-          </a:p>
-          <a:p>
-            <a:r>
-              <a:rPr lang="en-US" sz="1800" dirty="0"/>
-              <a:t>For </a:t>
-            </a:r>
-            <a:r>
-              <a:rPr lang="en-US" sz="1800" dirty="0" err="1"/>
-              <a:t>CDMSlite</a:t>
-            </a:r>
-            <a:r>
-              <a:rPr lang="en-US" sz="1800" dirty="0"/>
-              <a:t>, this is not something that can be directly measured and must be modeled using </a:t>
-            </a:r>
-            <a:r>
-              <a:rPr lang="en-US" sz="1800" dirty="0" err="1"/>
-              <a:t>Lindhard</a:t>
-            </a:r>
-            <a:r>
-              <a:rPr lang="en-US" sz="1800" dirty="0"/>
-              <a:t>. </a:t>
-            </a:r>
-          </a:p>
-          <a:p>
-            <a:pPr marL="0" indent="0">
-              <a:buNone/>
-            </a:pPr>
-            <a:endParaRPr lang="en-US" sz="2400" dirty="0"/>
-          </a:p>
-        </p:txBody>
-      </p:sp>
-      <p:grpSp>
-        <p:nvGrpSpPr>
-          <p:cNvPr id="15" name="Group 14">
-            <a:extLst>
-              <a:ext uri="{FF2B5EF4-FFF2-40B4-BE49-F238E27FC236}">
-                <a16:creationId xmlns:a16="http://schemas.microsoft.com/office/drawing/2014/main" id="{3DC40207-8FF5-9743-80FB-E852A1D9C9DD}"/>
-              </a:ext>
-            </a:extLst>
-          </p:cNvPr>
-          <p:cNvGrpSpPr/>
-          <p:nvPr/>
-        </p:nvGrpSpPr>
-        <p:grpSpPr>
-          <a:xfrm>
-            <a:off x="7311423" y="1825625"/>
-            <a:ext cx="3327400" cy="2352674"/>
-            <a:chOff x="4246948" y="3124994"/>
-            <a:chExt cx="3327400" cy="2352674"/>
-          </a:xfrm>
-        </p:grpSpPr>
-        <p:pic>
-          <p:nvPicPr>
-            <p:cNvPr id="10" name="Picture 9">
-              <a:extLst>
-                <a:ext uri="{FF2B5EF4-FFF2-40B4-BE49-F238E27FC236}">
-                  <a16:creationId xmlns:a16="http://schemas.microsoft.com/office/drawing/2014/main" id="{8835645D-B830-E14F-A2C0-4782709D384F}"/>
-                </a:ext>
-              </a:extLst>
-            </p:cNvPr>
-            <p:cNvPicPr>
-              <a:picLocks noChangeAspect="1"/>
-            </p:cNvPicPr>
-            <p:nvPr/>
-          </p:nvPicPr>
-          <p:blipFill>
-            <a:blip r:embed="rId2"/>
-            <a:stretch>
-              <a:fillRect/>
-            </a:stretch>
-          </p:blipFill>
-          <p:spPr>
-            <a:xfrm>
-              <a:off x="4304098" y="3124994"/>
-              <a:ext cx="3213100" cy="876300"/>
-            </a:xfrm>
-            <a:prstGeom prst="rect">
-              <a:avLst/>
-            </a:prstGeom>
-          </p:spPr>
-        </p:pic>
-        <p:pic>
-          <p:nvPicPr>
-            <p:cNvPr id="12" name="Picture 11">
-              <a:extLst>
-                <a:ext uri="{FF2B5EF4-FFF2-40B4-BE49-F238E27FC236}">
-                  <a16:creationId xmlns:a16="http://schemas.microsoft.com/office/drawing/2014/main" id="{E5F940E9-46D5-0847-BBDA-9D8D925D9D03}"/>
-                </a:ext>
-              </a:extLst>
-            </p:cNvPr>
-            <p:cNvPicPr>
-              <a:picLocks noChangeAspect="1"/>
-            </p:cNvPicPr>
-            <p:nvPr/>
-          </p:nvPicPr>
-          <p:blipFill>
-            <a:blip r:embed="rId3"/>
-            <a:stretch>
-              <a:fillRect/>
-            </a:stretch>
-          </p:blipFill>
-          <p:spPr>
-            <a:xfrm>
-              <a:off x="4246948" y="4136231"/>
-              <a:ext cx="3327400" cy="546100"/>
-            </a:xfrm>
-            <a:prstGeom prst="rect">
-              <a:avLst/>
-            </a:prstGeom>
-          </p:spPr>
-        </p:pic>
-        <p:pic>
-          <p:nvPicPr>
-            <p:cNvPr id="14" name="Picture 13">
-              <a:extLst>
-                <a:ext uri="{FF2B5EF4-FFF2-40B4-BE49-F238E27FC236}">
-                  <a16:creationId xmlns:a16="http://schemas.microsoft.com/office/drawing/2014/main" id="{6AEB9DFC-0847-B041-857F-0D6B428E9378}"/>
-                </a:ext>
-              </a:extLst>
-            </p:cNvPr>
-            <p:cNvPicPr>
-              <a:picLocks noChangeAspect="1"/>
-            </p:cNvPicPr>
-            <p:nvPr/>
-          </p:nvPicPr>
-          <p:blipFill>
-            <a:blip r:embed="rId4"/>
-            <a:stretch>
-              <a:fillRect/>
-            </a:stretch>
-          </p:blipFill>
-          <p:spPr>
-            <a:xfrm>
-              <a:off x="5116898" y="4817268"/>
-              <a:ext cx="1587500" cy="660400"/>
-            </a:xfrm>
-            <a:prstGeom prst="rect">
-              <a:avLst/>
-            </a:prstGeom>
-          </p:spPr>
-        </p:pic>
-      </p:grpSp>
-      <p:sp>
-        <p:nvSpPr>
-          <p:cNvPr id="3" name="Slide Number Placeholder 2">
-            <a:extLst>
-              <a:ext uri="{FF2B5EF4-FFF2-40B4-BE49-F238E27FC236}">
-                <a16:creationId xmlns:a16="http://schemas.microsoft.com/office/drawing/2014/main" id="{ECEDB8B7-32B8-2F44-837C-F22A723A9B3A}"/>
+          <p:cNvPr id="4" name="Slide Number Placeholder 3">
+            <a:extLst>
+              <a:ext uri="{FF2B5EF4-FFF2-40B4-BE49-F238E27FC236}">
+                <a16:creationId xmlns:a16="http://schemas.microsoft.com/office/drawing/2014/main" id="{3BB79DFF-2B30-6C4A-B3BC-8451CDEEBBAD}"/>
               </a:ext>
             </a:extLst>
           </p:cNvPr>
@@ -4684,10 +4774,70 @@
           </a:p>
         </p:txBody>
       </p:sp>
+      <p:pic>
+        <p:nvPicPr>
+          <p:cNvPr id="3" name="Picture 2">
+            <a:extLst>
+              <a:ext uri="{FF2B5EF4-FFF2-40B4-BE49-F238E27FC236}">
+                <a16:creationId xmlns:a16="http://schemas.microsoft.com/office/drawing/2014/main" id="{D992F9DE-262E-4D4E-B134-9081EC967D62}"/>
+              </a:ext>
+            </a:extLst>
+          </p:cNvPr>
+          <p:cNvPicPr>
+            <a:picLocks noChangeAspect="1"/>
+          </p:cNvPicPr>
+          <p:nvPr/>
+        </p:nvPicPr>
+        <p:blipFill>
+          <a:blip r:embed="rId3"/>
+          <a:stretch>
+            <a:fillRect/>
+          </a:stretch>
+        </p:blipFill>
+        <p:spPr>
+          <a:xfrm>
+            <a:off x="439618" y="1026746"/>
+            <a:ext cx="5751118" cy="4936761"/>
+          </a:xfrm>
+          <a:prstGeom prst="rect">
+            <a:avLst/>
+          </a:prstGeom>
+        </p:spPr>
+      </p:pic>
+      <p:pic>
+        <p:nvPicPr>
+          <p:cNvPr id="10" name="Picture 9">
+            <a:extLst>
+              <a:ext uri="{FF2B5EF4-FFF2-40B4-BE49-F238E27FC236}">
+                <a16:creationId xmlns:a16="http://schemas.microsoft.com/office/drawing/2014/main" id="{F45815B0-B8A5-754E-9B9B-6FDE8E333571}"/>
+              </a:ext>
+            </a:extLst>
+          </p:cNvPr>
+          <p:cNvPicPr>
+            <a:picLocks noChangeAspect="1"/>
+          </p:cNvPicPr>
+          <p:nvPr/>
+        </p:nvPicPr>
+        <p:blipFill>
+          <a:blip r:embed="rId4"/>
+          <a:stretch>
+            <a:fillRect/>
+          </a:stretch>
+        </p:blipFill>
+        <p:spPr>
+          <a:xfrm>
+            <a:off x="6585316" y="1058943"/>
+            <a:ext cx="4881754" cy="4904566"/>
+          </a:xfrm>
+          <a:prstGeom prst="rect">
+            <a:avLst/>
+          </a:prstGeom>
+        </p:spPr>
+      </p:pic>
     </p:spTree>
     <p:extLst>
       <p:ext uri="{BB962C8B-B14F-4D97-AF65-F5344CB8AC3E}">
-        <p14:creationId xmlns:p14="http://schemas.microsoft.com/office/powerpoint/2010/main" val="2179550913"/>
+        <p14:creationId xmlns:p14="http://schemas.microsoft.com/office/powerpoint/2010/main" val="2282746327"/>
       </p:ext>
     </p:extLst>
   </p:cSld>
@@ -4719,7 +4869,7 @@
           <p:cNvPr id="2" name="Title 1">
             <a:extLst>
               <a:ext uri="{FF2B5EF4-FFF2-40B4-BE49-F238E27FC236}">
-                <a16:creationId xmlns:a16="http://schemas.microsoft.com/office/drawing/2014/main" id="{0C491264-71E4-1A41-8589-82E02D1795E8}"/>
+                <a16:creationId xmlns:a16="http://schemas.microsoft.com/office/drawing/2014/main" id="{691D70F6-8CC5-D441-8515-215889708639}"/>
               </a:ext>
             </a:extLst>
           </p:cNvPr>
@@ -4737,7 +4887,7 @@
           <a:p>
             <a:r>
               <a:rPr lang="en-US" dirty="0"/>
-              <a:t>Yield Variance </a:t>
+              <a:t>END </a:t>
             </a:r>
           </a:p>
         </p:txBody>
@@ -4747,7 +4897,7 @@
           <p:cNvPr id="3" name="Content Placeholder 2">
             <a:extLst>
               <a:ext uri="{FF2B5EF4-FFF2-40B4-BE49-F238E27FC236}">
-                <a16:creationId xmlns:a16="http://schemas.microsoft.com/office/drawing/2014/main" id="{6BA18B5C-6B9B-6440-AF77-75F081D80E2B}"/>
+                <a16:creationId xmlns:a16="http://schemas.microsoft.com/office/drawing/2014/main" id="{693482F4-1371-4943-A40A-8DCA9BDB3707}"/>
               </a:ext>
             </a:extLst>
           </p:cNvPr>
@@ -4770,91 +4920,16 @@
           </a:bodyPr>
           <a:lstStyle/>
           <a:p>
-            <a:r>
-              <a:rPr lang="en-US" sz="1800" dirty="0"/>
-              <a:t>The yield variance exists due to fact that for a given energy, nuclear recoils don’t produce the same amount of e-h pairs </a:t>
-            </a:r>
-          </a:p>
-          <a:p>
-            <a:r>
-              <a:rPr lang="en-US" sz="1800" dirty="0"/>
-              <a:t>This is not accounted for in current experiments. </a:t>
-            </a:r>
-          </a:p>
-          <a:p>
-            <a:r>
-              <a:rPr lang="en-US" sz="1800" dirty="0"/>
-              <a:t>This variation may be significant with new experiments with resolutions as low as 1 electron hole pair. </a:t>
-            </a:r>
-          </a:p>
-        </p:txBody>
-      </p:sp>
-      <p:pic>
-        <p:nvPicPr>
-          <p:cNvPr id="7" name="Picture 6">
-            <a:extLst>
-              <a:ext uri="{FF2B5EF4-FFF2-40B4-BE49-F238E27FC236}">
-                <a16:creationId xmlns:a16="http://schemas.microsoft.com/office/drawing/2014/main" id="{E8E47E60-1C83-594A-9C13-0FE2C67B3DFF}"/>
-              </a:ext>
-            </a:extLst>
-          </p:cNvPr>
-          <p:cNvPicPr>
-            <a:picLocks noChangeAspect="1"/>
-          </p:cNvPicPr>
-          <p:nvPr/>
-        </p:nvPicPr>
-        <p:blipFill>
-          <a:blip r:embed="rId2"/>
-          <a:stretch>
-            <a:fillRect/>
-          </a:stretch>
-        </p:blipFill>
-        <p:spPr>
-          <a:xfrm>
-            <a:off x="6096000" y="2734834"/>
-            <a:ext cx="5593492" cy="694166"/>
-          </a:xfrm>
-          <a:prstGeom prst="rect">
-            <a:avLst/>
-          </a:prstGeom>
-        </p:spPr>
-      </p:pic>
-      <p:pic>
-        <p:nvPicPr>
-          <p:cNvPr id="11" name="Picture 10">
-            <a:extLst>
-              <a:ext uri="{FF2B5EF4-FFF2-40B4-BE49-F238E27FC236}">
-                <a16:creationId xmlns:a16="http://schemas.microsoft.com/office/drawing/2014/main" id="{40075487-27DF-A140-AD73-0AD4FE1B21ED}"/>
-              </a:ext>
-            </a:extLst>
-          </p:cNvPr>
-          <p:cNvPicPr>
-            <a:picLocks noChangeAspect="1"/>
-          </p:cNvPicPr>
-          <p:nvPr/>
-        </p:nvPicPr>
-        <p:blipFill>
-          <a:blip r:embed="rId3"/>
-          <a:stretch>
-            <a:fillRect/>
-          </a:stretch>
-        </p:blipFill>
-        <p:spPr>
-          <a:xfrm>
-            <a:off x="7343346" y="1882561"/>
-            <a:ext cx="3098800" cy="660400"/>
-          </a:xfrm>
-          <a:prstGeom prst="rect">
-            <a:avLst/>
-          </a:prstGeom>
-        </p:spPr>
-      </p:pic>
+            <a:endParaRPr lang="en-US" sz="1800" dirty="0"/>
+          </a:p>
+        </p:txBody>
+      </p:sp>
       <p:sp>
         <p:nvSpPr>
           <p:cNvPr id="4" name="Slide Number Placeholder 3">
             <a:extLst>
               <a:ext uri="{FF2B5EF4-FFF2-40B4-BE49-F238E27FC236}">
-                <a16:creationId xmlns:a16="http://schemas.microsoft.com/office/drawing/2014/main" id="{BC70045F-D308-8343-A3EB-46696F98874B}"/>
+                <a16:creationId xmlns:a16="http://schemas.microsoft.com/office/drawing/2014/main" id="{3BB79DFF-2B30-6C4A-B3BC-8451CDEEBBAD}"/>
               </a:ext>
             </a:extLst>
           </p:cNvPr>
@@ -4881,7 +4956,7 @@
     </p:spTree>
     <p:extLst>
       <p:ext uri="{BB962C8B-B14F-4D97-AF65-F5344CB8AC3E}">
-        <p14:creationId xmlns:p14="http://schemas.microsoft.com/office/powerpoint/2010/main" val="2196642784"/>
+        <p14:creationId xmlns:p14="http://schemas.microsoft.com/office/powerpoint/2010/main" val="1769617012"/>
       </p:ext>
     </p:extLst>
   </p:cSld>
@@ -4913,7 +4988,7 @@
           <p:cNvPr id="2" name="Title 1">
             <a:extLst>
               <a:ext uri="{FF2B5EF4-FFF2-40B4-BE49-F238E27FC236}">
-                <a16:creationId xmlns:a16="http://schemas.microsoft.com/office/drawing/2014/main" id="{5E03494C-AB1C-AC42-8866-CFF471E1A838}"/>
+                <a16:creationId xmlns:a16="http://schemas.microsoft.com/office/drawing/2014/main" id="{24B7DF4A-1926-FD4C-94CA-990D4B267C66}"/>
               </a:ext>
             </a:extLst>
           </p:cNvPr>
@@ -4930,446 +5005,12 @@
           <a:lstStyle/>
           <a:p>
             <a:r>
+              <a:rPr lang="en-US" dirty="0" err="1"/>
+              <a:t>CDMSlite</a:t>
+            </a:r>
+            <a:r>
               <a:rPr lang="en-US" dirty="0"/>
-              <a:t>Motivation: Single Electron –Hole Resolution </a:t>
-            </a:r>
-          </a:p>
-        </p:txBody>
-      </p:sp>
-      <p:sp>
-        <p:nvSpPr>
-          <p:cNvPr id="3" name="Content Placeholder 2">
-            <a:extLst>
-              <a:ext uri="{FF2B5EF4-FFF2-40B4-BE49-F238E27FC236}">
-                <a16:creationId xmlns:a16="http://schemas.microsoft.com/office/drawing/2014/main" id="{C63F420E-8EB2-ED4F-852C-A1AD316079FE}"/>
-              </a:ext>
-            </a:extLst>
-          </p:cNvPr>
-          <p:cNvSpPr>
-            <a:spLocks noGrp="1"/>
-          </p:cNvSpPr>
-          <p:nvPr>
-            <p:ph idx="1"/>
-          </p:nvPr>
-        </p:nvSpPr>
-        <p:spPr/>
-        <p:txBody>
-          <a:bodyPr/>
-          <a:lstStyle/>
-          <a:p>
-            <a:r>
-              <a:rPr lang="en-US" dirty="0"/>
-              <a:t>PLOT SHOWING PHONON SPECTRUM AND </a:t>
-            </a:r>
-            <a:r>
-              <a:rPr lang="en-US" dirty="0" err="1"/>
-              <a:t>Neh</a:t>
-            </a:r>
-            <a:endParaRPr lang="en-US" dirty="0"/>
-          </a:p>
-        </p:txBody>
-      </p:sp>
-      <p:sp>
-        <p:nvSpPr>
-          <p:cNvPr id="4" name="Slide Number Placeholder 3">
-            <a:extLst>
-              <a:ext uri="{FF2B5EF4-FFF2-40B4-BE49-F238E27FC236}">
-                <a16:creationId xmlns:a16="http://schemas.microsoft.com/office/drawing/2014/main" id="{5FB536DB-DE5A-7E48-A1B9-A06862847DED}"/>
-              </a:ext>
-            </a:extLst>
-          </p:cNvPr>
-          <p:cNvSpPr>
-            <a:spLocks noGrp="1"/>
-          </p:cNvSpPr>
-          <p:nvPr>
-            <p:ph type="sldNum" sz="quarter" idx="12"/>
-          </p:nvPr>
-        </p:nvSpPr>
-        <p:spPr/>
-        <p:txBody>
-          <a:bodyPr/>
-          <a:lstStyle/>
-          <a:p>
-            <a:fld id="{035DBD62-E6E0-484E-AB64-E286A6B85B65}" type="slidenum">
-              <a:rPr lang="en-US" smtClean="0"/>
-              <a:t>12</a:t>
-            </a:fld>
-            <a:endParaRPr lang="en-US"/>
-          </a:p>
-        </p:txBody>
-      </p:sp>
-    </p:spTree>
-    <p:extLst>
-      <p:ext uri="{BB962C8B-B14F-4D97-AF65-F5344CB8AC3E}">
-        <p14:creationId xmlns:p14="http://schemas.microsoft.com/office/powerpoint/2010/main" val="3207931489"/>
-      </p:ext>
-    </p:extLst>
-  </p:cSld>
-  <p:clrMapOvr>
-    <a:masterClrMapping/>
-  </p:clrMapOvr>
-</p:sld>
-</file>
-
-<file path=ppt/slides/slide13.xml><?xml version="1.0" encoding="utf-8"?>
-<p:sld xmlns:a="http://schemas.openxmlformats.org/drawingml/2006/main" xmlns:r="http://schemas.openxmlformats.org/officeDocument/2006/relationships" xmlns:p="http://schemas.openxmlformats.org/presentationml/2006/main">
-  <p:cSld>
-    <p:spTree>
-      <p:nvGrpSpPr>
-        <p:cNvPr id="1" name=""/>
-        <p:cNvGrpSpPr/>
-        <p:nvPr/>
-      </p:nvGrpSpPr>
-      <p:grpSpPr>
-        <a:xfrm>
-          <a:off x="0" y="0"/>
-          <a:ext cx="0" cy="0"/>
-          <a:chOff x="0" y="0"/>
-          <a:chExt cx="0" cy="0"/>
-        </a:xfrm>
-      </p:grpSpPr>
-      <p:sp>
-        <p:nvSpPr>
-          <p:cNvPr id="2" name="Title 1">
-            <a:extLst>
-              <a:ext uri="{FF2B5EF4-FFF2-40B4-BE49-F238E27FC236}">
-                <a16:creationId xmlns:a16="http://schemas.microsoft.com/office/drawing/2014/main" id="{1CAB6AD5-C431-6040-BFB0-BE9BAA9FBFB8}"/>
-              </a:ext>
-            </a:extLst>
-          </p:cNvPr>
-          <p:cNvSpPr>
-            <a:spLocks noGrp="1"/>
-          </p:cNvSpPr>
-          <p:nvPr>
-            <p:ph type="title"/>
-          </p:nvPr>
-        </p:nvSpPr>
-        <p:spPr/>
-        <p:txBody>
-          <a:bodyPr/>
-          <a:lstStyle/>
-          <a:p>
-            <a:r>
-              <a:rPr lang="en-US" dirty="0"/>
-              <a:t>Current Work </a:t>
-            </a:r>
-          </a:p>
-        </p:txBody>
-      </p:sp>
-      <p:sp>
-        <p:nvSpPr>
-          <p:cNvPr id="3" name="Content Placeholder 2">
-            <a:extLst>
-              <a:ext uri="{FF2B5EF4-FFF2-40B4-BE49-F238E27FC236}">
-                <a16:creationId xmlns:a16="http://schemas.microsoft.com/office/drawing/2014/main" id="{25B2A58C-BDE1-F142-8AB1-B8A860A866AC}"/>
-              </a:ext>
-            </a:extLst>
-          </p:cNvPr>
-          <p:cNvSpPr>
-            <a:spLocks noGrp="1"/>
-          </p:cNvSpPr>
-          <p:nvPr>
-            <p:ph idx="1"/>
-          </p:nvPr>
-        </p:nvSpPr>
-        <p:spPr/>
-        <p:txBody>
-          <a:bodyPr/>
-          <a:lstStyle/>
-          <a:p>
-            <a:r>
-              <a:rPr lang="en-US" dirty="0"/>
-              <a:t>Four plots showing difference between simulated bands with and without added variance. .. And data.</a:t>
-            </a:r>
-          </a:p>
-        </p:txBody>
-      </p:sp>
-      <p:sp>
-        <p:nvSpPr>
-          <p:cNvPr id="4" name="Slide Number Placeholder 3">
-            <a:extLst>
-              <a:ext uri="{FF2B5EF4-FFF2-40B4-BE49-F238E27FC236}">
-                <a16:creationId xmlns:a16="http://schemas.microsoft.com/office/drawing/2014/main" id="{4B416502-E80B-3A41-8F85-4BDE5B343F0E}"/>
-              </a:ext>
-            </a:extLst>
-          </p:cNvPr>
-          <p:cNvSpPr>
-            <a:spLocks noGrp="1"/>
-          </p:cNvSpPr>
-          <p:nvPr>
-            <p:ph type="sldNum" sz="quarter" idx="12"/>
-          </p:nvPr>
-        </p:nvSpPr>
-        <p:spPr/>
-        <p:txBody>
-          <a:bodyPr/>
-          <a:lstStyle/>
-          <a:p>
-            <a:fld id="{035DBD62-E6E0-484E-AB64-E286A6B85B65}" type="slidenum">
-              <a:rPr lang="en-US" smtClean="0"/>
-              <a:t>13</a:t>
-            </a:fld>
-            <a:endParaRPr lang="en-US"/>
-          </a:p>
-        </p:txBody>
-      </p:sp>
-    </p:spTree>
-    <p:extLst>
-      <p:ext uri="{BB962C8B-B14F-4D97-AF65-F5344CB8AC3E}">
-        <p14:creationId xmlns:p14="http://schemas.microsoft.com/office/powerpoint/2010/main" val="3889502558"/>
-      </p:ext>
-    </p:extLst>
-  </p:cSld>
-  <p:clrMapOvr>
-    <a:masterClrMapping/>
-  </p:clrMapOvr>
-</p:sld>
-</file>
-
-<file path=ppt/slides/slide2.xml><?xml version="1.0" encoding="utf-8"?>
-<p:sld xmlns:a="http://schemas.openxmlformats.org/drawingml/2006/main" xmlns:r="http://schemas.openxmlformats.org/officeDocument/2006/relationships" xmlns:p="http://schemas.openxmlformats.org/presentationml/2006/main">
-  <p:cSld>
-    <p:spTree>
-      <p:nvGrpSpPr>
-        <p:cNvPr id="1" name=""/>
-        <p:cNvGrpSpPr/>
-        <p:nvPr/>
-      </p:nvGrpSpPr>
-      <p:grpSpPr>
-        <a:xfrm>
-          <a:off x="0" y="0"/>
-          <a:ext cx="0" cy="0"/>
-          <a:chOff x="0" y="0"/>
-          <a:chExt cx="0" cy="0"/>
-        </a:xfrm>
-      </p:grpSpPr>
-      <p:sp>
-        <p:nvSpPr>
-          <p:cNvPr id="2" name="Title 1">
-            <a:extLst>
-              <a:ext uri="{FF2B5EF4-FFF2-40B4-BE49-F238E27FC236}">
-                <a16:creationId xmlns:a16="http://schemas.microsoft.com/office/drawing/2014/main" id="{C5891617-D777-D044-8414-7012C9CF0423}"/>
-              </a:ext>
-            </a:extLst>
-          </p:cNvPr>
-          <p:cNvSpPr>
-            <a:spLocks noGrp="1"/>
-          </p:cNvSpPr>
-          <p:nvPr>
-            <p:ph type="title"/>
-          </p:nvPr>
-        </p:nvSpPr>
-        <p:spPr/>
-        <p:txBody>
-          <a:bodyPr/>
-          <a:lstStyle/>
-          <a:p>
-            <a:r>
-              <a:rPr lang="en-US" dirty="0"/>
-              <a:t>Dark Matter </a:t>
-            </a:r>
-          </a:p>
-        </p:txBody>
-      </p:sp>
-      <p:sp>
-        <p:nvSpPr>
-          <p:cNvPr id="3" name="Content Placeholder 2">
-            <a:extLst>
-              <a:ext uri="{FF2B5EF4-FFF2-40B4-BE49-F238E27FC236}">
-                <a16:creationId xmlns:a16="http://schemas.microsoft.com/office/drawing/2014/main" id="{47FEE99E-61EB-4D42-9E41-AF7C633D7F3E}"/>
-              </a:ext>
-            </a:extLst>
-          </p:cNvPr>
-          <p:cNvSpPr>
-            <a:spLocks noGrp="1"/>
-          </p:cNvSpPr>
-          <p:nvPr>
-            <p:ph idx="1"/>
-          </p:nvPr>
-        </p:nvSpPr>
-        <p:spPr>
-          <a:xfrm>
-            <a:off x="838200" y="1825625"/>
-            <a:ext cx="5809735" cy="4351338"/>
-          </a:xfrm>
-        </p:spPr>
-        <p:txBody>
-          <a:bodyPr>
-            <a:normAutofit/>
-          </a:bodyPr>
-          <a:lstStyle/>
-          <a:p>
-            <a:r>
-              <a:rPr lang="en-US" sz="1800" dirty="0"/>
-              <a:t>Dark matter has been theorized to be Weakly Interact Massive Particles(WIMPs) with masses on the order of a GeV/c</a:t>
-            </a:r>
-            <a:r>
-              <a:rPr lang="en-US" sz="1800" baseline="30000" dirty="0"/>
-              <a:t>2 </a:t>
-            </a:r>
-            <a:r>
-              <a:rPr lang="en-US" sz="1800" dirty="0"/>
-              <a:t> to a few </a:t>
-            </a:r>
-            <a:r>
-              <a:rPr lang="en-US" sz="1800" dirty="0" err="1"/>
-              <a:t>TeV</a:t>
-            </a:r>
-            <a:r>
-              <a:rPr lang="en-US" sz="1800" dirty="0"/>
-              <a:t>/c</a:t>
-            </a:r>
-            <a:r>
-              <a:rPr lang="en-US" sz="1800" baseline="30000" dirty="0"/>
-              <a:t>2.</a:t>
-            </a:r>
-            <a:endParaRPr lang="en-US" sz="1800" dirty="0"/>
-          </a:p>
-          <a:p>
-            <a:endParaRPr lang="en-US" sz="1800" dirty="0"/>
-          </a:p>
-          <a:p>
-            <a:r>
-              <a:rPr lang="en-US" sz="1800" dirty="0"/>
-              <a:t>In the post Minimal Supersymmetric Standard Model era, we are completely in the dark on the dark matter mass. </a:t>
-            </a:r>
-          </a:p>
-          <a:p>
-            <a:endParaRPr lang="en-US" sz="1800" dirty="0"/>
-          </a:p>
-          <a:p>
-            <a:r>
-              <a:rPr lang="en-US" sz="1800" dirty="0"/>
-              <a:t>Dark matter can still be ”WIMP” like in the way it interacts with nuclei, but can have a very low mass. </a:t>
-            </a:r>
-          </a:p>
-          <a:p>
-            <a:pPr marL="0" indent="0">
-              <a:buNone/>
-            </a:pPr>
-            <a:endParaRPr lang="en-US" sz="1800" dirty="0"/>
-          </a:p>
-          <a:p>
-            <a:r>
-              <a:rPr lang="en-US" sz="1800" dirty="0"/>
-              <a:t>Detectors that can measure electron-hole pairs have been moving the DM mass limit plot down. </a:t>
-            </a:r>
-          </a:p>
-        </p:txBody>
-      </p:sp>
-      <p:sp>
-        <p:nvSpPr>
-          <p:cNvPr id="4" name="Slide Number Placeholder 3">
-            <a:extLst>
-              <a:ext uri="{FF2B5EF4-FFF2-40B4-BE49-F238E27FC236}">
-                <a16:creationId xmlns:a16="http://schemas.microsoft.com/office/drawing/2014/main" id="{683A9D09-8254-3A49-B08E-A5004FB7BF7D}"/>
-              </a:ext>
-            </a:extLst>
-          </p:cNvPr>
-          <p:cNvSpPr>
-            <a:spLocks noGrp="1"/>
-          </p:cNvSpPr>
-          <p:nvPr>
-            <p:ph type="sldNum" sz="quarter" idx="12"/>
-          </p:nvPr>
-        </p:nvSpPr>
-        <p:spPr/>
-        <p:txBody>
-          <a:bodyPr/>
-          <a:lstStyle/>
-          <a:p>
-            <a:fld id="{035DBD62-E6E0-484E-AB64-E286A6B85B65}" type="slidenum">
-              <a:rPr lang="en-US" smtClean="0"/>
-              <a:t>2</a:t>
-            </a:fld>
-            <a:endParaRPr lang="en-US"/>
-          </a:p>
-        </p:txBody>
-      </p:sp>
-      <p:pic>
-        <p:nvPicPr>
-          <p:cNvPr id="6" name="Picture 5">
-            <a:extLst>
-              <a:ext uri="{FF2B5EF4-FFF2-40B4-BE49-F238E27FC236}">
-                <a16:creationId xmlns:a16="http://schemas.microsoft.com/office/drawing/2014/main" id="{01C108F2-7BA1-EC4C-A94F-6BEAABBBE8F6}"/>
-              </a:ext>
-            </a:extLst>
-          </p:cNvPr>
-          <p:cNvPicPr>
-            <a:picLocks noChangeAspect="1"/>
-          </p:cNvPicPr>
-          <p:nvPr/>
-        </p:nvPicPr>
-        <p:blipFill>
-          <a:blip r:embed="rId3"/>
-          <a:stretch>
-            <a:fillRect/>
-          </a:stretch>
-        </p:blipFill>
-        <p:spPr>
-          <a:xfrm>
-            <a:off x="6647935" y="1690688"/>
-            <a:ext cx="5066269" cy="3799702"/>
-          </a:xfrm>
-          <a:prstGeom prst="rect">
-            <a:avLst/>
-          </a:prstGeom>
-        </p:spPr>
-      </p:pic>
-    </p:spTree>
-    <p:extLst>
-      <p:ext uri="{BB962C8B-B14F-4D97-AF65-F5344CB8AC3E}">
-        <p14:creationId xmlns:p14="http://schemas.microsoft.com/office/powerpoint/2010/main" val="2650572086"/>
-      </p:ext>
-    </p:extLst>
-  </p:cSld>
-  <p:clrMapOvr>
-    <a:masterClrMapping/>
-  </p:clrMapOvr>
-</p:sld>
-</file>
-
-<file path=ppt/slides/slide3.xml><?xml version="1.0" encoding="utf-8"?>
-<p:sld xmlns:a="http://schemas.openxmlformats.org/drawingml/2006/main" xmlns:r="http://schemas.openxmlformats.org/officeDocument/2006/relationships" xmlns:p="http://schemas.openxmlformats.org/presentationml/2006/main">
-  <p:cSld>
-    <p:spTree>
-      <p:nvGrpSpPr>
-        <p:cNvPr id="1" name=""/>
-        <p:cNvGrpSpPr/>
-        <p:nvPr/>
-      </p:nvGrpSpPr>
-      <p:grpSpPr>
-        <a:xfrm>
-          <a:off x="0" y="0"/>
-          <a:ext cx="0" cy="0"/>
-          <a:chOff x="0" y="0"/>
-          <a:chExt cx="0" cy="0"/>
-        </a:xfrm>
-      </p:grpSpPr>
-      <p:sp>
-        <p:nvSpPr>
-          <p:cNvPr id="2" name="Title 1">
-            <a:extLst>
-              <a:ext uri="{FF2B5EF4-FFF2-40B4-BE49-F238E27FC236}">
-                <a16:creationId xmlns:a16="http://schemas.microsoft.com/office/drawing/2014/main" id="{24B7DF4A-1926-FD4C-94CA-990D4B267C66}"/>
-              </a:ext>
-            </a:extLst>
-          </p:cNvPr>
-          <p:cNvSpPr>
-            <a:spLocks noGrp="1"/>
-          </p:cNvSpPr>
-          <p:nvPr>
-            <p:ph type="title"/>
-          </p:nvPr>
-        </p:nvSpPr>
-        <p:spPr/>
-        <p:txBody>
-          <a:bodyPr/>
-          <a:lstStyle/>
-          <a:p>
-            <a:r>
-              <a:rPr lang="en-US" dirty="0"/>
-              <a:t>Charge Creation in Solids </a:t>
+              <a:t> Detector </a:t>
             </a:r>
           </a:p>
         </p:txBody>
@@ -5405,1044 +5046,6 @@
       </p:pic>
       <p:sp>
         <p:nvSpPr>
-          <p:cNvPr id="3" name="Slide Number Placeholder 2">
-            <a:extLst>
-              <a:ext uri="{FF2B5EF4-FFF2-40B4-BE49-F238E27FC236}">
-                <a16:creationId xmlns:a16="http://schemas.microsoft.com/office/drawing/2014/main" id="{3EE1539B-7753-2A46-99F3-9F1D56504805}"/>
-              </a:ext>
-            </a:extLst>
-          </p:cNvPr>
-          <p:cNvSpPr>
-            <a:spLocks noGrp="1"/>
-          </p:cNvSpPr>
-          <p:nvPr>
-            <p:ph type="sldNum" sz="quarter" idx="12"/>
-          </p:nvPr>
-        </p:nvSpPr>
-        <p:spPr/>
-        <p:txBody>
-          <a:bodyPr/>
-          <a:lstStyle/>
-          <a:p>
-            <a:fld id="{035DBD62-E6E0-484E-AB64-E286A6B85B65}" type="slidenum">
-              <a:rPr lang="en-US" smtClean="0"/>
-              <a:t>3</a:t>
-            </a:fld>
-            <a:endParaRPr lang="en-US"/>
-          </a:p>
-        </p:txBody>
-      </p:sp>
-      <p:sp>
-        <p:nvSpPr>
-          <p:cNvPr id="4" name="TextBox 3">
-            <a:extLst>
-              <a:ext uri="{FF2B5EF4-FFF2-40B4-BE49-F238E27FC236}">
-                <a16:creationId xmlns:a16="http://schemas.microsoft.com/office/drawing/2014/main" id="{F7891556-283B-394C-AF9F-1957E51B2D4B}"/>
-              </a:ext>
-            </a:extLst>
-          </p:cNvPr>
-          <p:cNvSpPr txBox="1"/>
-          <p:nvPr/>
-        </p:nvSpPr>
-        <p:spPr>
-          <a:xfrm>
-            <a:off x="2792627" y="2681416"/>
-            <a:ext cx="184731" cy="369332"/>
-          </a:xfrm>
-          <a:prstGeom prst="rect">
-            <a:avLst/>
-          </a:prstGeom>
-          <a:noFill/>
-        </p:spPr>
-        <p:txBody>
-          <a:bodyPr wrap="none" rtlCol="0">
-            <a:spAutoFit/>
-          </a:bodyPr>
-          <a:lstStyle/>
-          <a:p>
-            <a:endParaRPr lang="en-US" dirty="0"/>
-          </a:p>
-        </p:txBody>
-      </p:sp>
-      <p:sp>
-        <p:nvSpPr>
-          <p:cNvPr id="6" name="TextBox 5">
-            <a:extLst>
-              <a:ext uri="{FF2B5EF4-FFF2-40B4-BE49-F238E27FC236}">
-                <a16:creationId xmlns:a16="http://schemas.microsoft.com/office/drawing/2014/main" id="{48197547-3408-3D43-843B-FBD677241214}"/>
-              </a:ext>
-            </a:extLst>
-          </p:cNvPr>
-          <p:cNvSpPr txBox="1"/>
-          <p:nvPr/>
-        </p:nvSpPr>
-        <p:spPr>
-          <a:xfrm>
-            <a:off x="825843" y="1649978"/>
-            <a:ext cx="4930346" cy="6740307"/>
-          </a:xfrm>
-          <a:prstGeom prst="rect">
-            <a:avLst/>
-          </a:prstGeom>
-          <a:noFill/>
-        </p:spPr>
-        <p:txBody>
-          <a:bodyPr wrap="square" rtlCol="0">
-            <a:spAutoFit/>
-          </a:bodyPr>
-          <a:lstStyle/>
-          <a:p>
-            <a:pPr marL="285750" indent="-285750">
-              <a:buFont typeface="Arial" panose="020B0604020202020204" pitchFamily="34" charset="0"/>
-              <a:buChar char="•"/>
-            </a:pPr>
-            <a:r>
-              <a:rPr lang="en-US" dirty="0"/>
-              <a:t>When a WIMP hits nuclei initial phonons are produced and charge is liberated. </a:t>
-            </a:r>
-          </a:p>
-          <a:p>
-            <a:pPr marL="285750" indent="-285750">
-              <a:buFont typeface="Arial" panose="020B0604020202020204" pitchFamily="34" charset="0"/>
-              <a:buChar char="•"/>
-            </a:pPr>
-            <a:endParaRPr lang="en-US" dirty="0"/>
-          </a:p>
-          <a:p>
-            <a:pPr marL="285750" indent="-285750">
-              <a:buFont typeface="Arial" panose="020B0604020202020204" pitchFamily="34" charset="0"/>
-              <a:buChar char="•"/>
-            </a:pPr>
-            <a:r>
-              <a:rPr lang="en-US" dirty="0"/>
-              <a:t>Current generation of low threshold detectors only count number of charge carriers produced. </a:t>
-            </a:r>
-          </a:p>
-          <a:p>
-            <a:pPr marL="285750" indent="-285750">
-              <a:buFont typeface="Arial" panose="020B0604020202020204" pitchFamily="34" charset="0"/>
-              <a:buChar char="•"/>
-            </a:pPr>
-            <a:endParaRPr lang="en-US" dirty="0"/>
-          </a:p>
-          <a:p>
-            <a:pPr marL="285750" indent="-285750">
-              <a:buFont typeface="Arial" panose="020B0604020202020204" pitchFamily="34" charset="0"/>
-              <a:buChar char="•"/>
-            </a:pPr>
-            <a:r>
-              <a:rPr lang="en-US" dirty="0"/>
-              <a:t>There is no good nuclear recoil calibration standard.</a:t>
-            </a:r>
-          </a:p>
-          <a:p>
-            <a:pPr marL="285750" indent="-285750">
-              <a:buFont typeface="Arial" panose="020B0604020202020204" pitchFamily="34" charset="0"/>
-              <a:buChar char="•"/>
-            </a:pPr>
-            <a:endParaRPr lang="en-US" dirty="0"/>
-          </a:p>
-          <a:p>
-            <a:pPr marL="285750" indent="-285750">
-              <a:buFont typeface="Arial" panose="020B0604020202020204" pitchFamily="34" charset="0"/>
-              <a:buChar char="•"/>
-            </a:pPr>
-            <a:r>
-              <a:rPr lang="en-US" dirty="0"/>
-              <a:t>Need to know ratio of energy that goes into the electronic system and its variation.</a:t>
-            </a:r>
-          </a:p>
-          <a:p>
-            <a:pPr marL="285750" indent="-285750">
-              <a:buFont typeface="Arial" panose="020B0604020202020204" pitchFamily="34" charset="0"/>
-              <a:buChar char="•"/>
-            </a:pPr>
-            <a:endParaRPr lang="en-US" dirty="0"/>
-          </a:p>
-          <a:p>
-            <a:pPr marL="285750" indent="-285750">
-              <a:buFont typeface="Arial" panose="020B0604020202020204" pitchFamily="34" charset="0"/>
-              <a:buChar char="•"/>
-            </a:pPr>
-            <a:r>
-              <a:rPr lang="en-US" dirty="0"/>
-              <a:t>Or the best we could hope for is a distribution of the number of electron hole pairs for a given </a:t>
-            </a:r>
-            <a:r>
-              <a:rPr lang="en-US" dirty="0" err="1"/>
-              <a:t>E</a:t>
-            </a:r>
-            <a:r>
-              <a:rPr lang="en-US" baseline="-25000" dirty="0" err="1"/>
-              <a:t>r</a:t>
-            </a:r>
-            <a:endParaRPr lang="en-US" dirty="0"/>
-          </a:p>
-          <a:p>
-            <a:pPr marL="285750" indent="-285750">
-              <a:buFont typeface="Arial" panose="020B0604020202020204" pitchFamily="34" charset="0"/>
-              <a:buChar char="•"/>
-            </a:pPr>
-            <a:endParaRPr lang="en-US" dirty="0"/>
-          </a:p>
-          <a:p>
-            <a:endParaRPr lang="en-US" dirty="0"/>
-          </a:p>
-          <a:p>
-            <a:pPr marL="285750" indent="-285750">
-              <a:buFont typeface="Arial" panose="020B0604020202020204" pitchFamily="34" charset="0"/>
-              <a:buChar char="•"/>
-            </a:pPr>
-            <a:endParaRPr lang="en-US" dirty="0"/>
-          </a:p>
-          <a:p>
-            <a:pPr marL="285750" indent="-285750">
-              <a:buFont typeface="Arial" panose="020B0604020202020204" pitchFamily="34" charset="0"/>
-              <a:buChar char="•"/>
-            </a:pPr>
-            <a:endParaRPr lang="en-US" dirty="0"/>
-          </a:p>
-          <a:p>
-            <a:pPr marL="285750" indent="-285750">
-              <a:buFont typeface="Arial" panose="020B0604020202020204" pitchFamily="34" charset="0"/>
-              <a:buChar char="•"/>
-            </a:pPr>
-            <a:endParaRPr lang="en-US" dirty="0"/>
-          </a:p>
-          <a:p>
-            <a:pPr marL="285750" indent="-285750">
-              <a:buFont typeface="Arial" panose="020B0604020202020204" pitchFamily="34" charset="0"/>
-              <a:buChar char="•"/>
-            </a:pPr>
-            <a:endParaRPr lang="en-US" dirty="0"/>
-          </a:p>
-          <a:p>
-            <a:pPr marL="285750" indent="-285750">
-              <a:buFont typeface="Arial" panose="020B0604020202020204" pitchFamily="34" charset="0"/>
-              <a:buChar char="•"/>
-            </a:pPr>
-            <a:endParaRPr lang="en-US" dirty="0"/>
-          </a:p>
-          <a:p>
-            <a:pPr marL="285750" indent="-285750">
-              <a:buFont typeface="Arial" panose="020B0604020202020204" pitchFamily="34" charset="0"/>
-              <a:buChar char="•"/>
-            </a:pPr>
-            <a:endParaRPr lang="en-US" dirty="0"/>
-          </a:p>
-          <a:p>
-            <a:pPr marL="285750" indent="-285750">
-              <a:buFont typeface="Arial" panose="020B0604020202020204" pitchFamily="34" charset="0"/>
-              <a:buChar char="•"/>
-            </a:pPr>
-            <a:endParaRPr lang="en-US" dirty="0"/>
-          </a:p>
-        </p:txBody>
-      </p:sp>
-    </p:spTree>
-    <p:extLst>
-      <p:ext uri="{BB962C8B-B14F-4D97-AF65-F5344CB8AC3E}">
-        <p14:creationId xmlns:p14="http://schemas.microsoft.com/office/powerpoint/2010/main" val="1339083836"/>
-      </p:ext>
-    </p:extLst>
-  </p:cSld>
-  <p:clrMapOvr>
-    <a:masterClrMapping/>
-  </p:clrMapOvr>
-</p:sld>
-</file>
-
-<file path=ppt/slides/slide4.xml><?xml version="1.0" encoding="utf-8"?>
-<p:sld xmlns:a="http://schemas.openxmlformats.org/drawingml/2006/main" xmlns:r="http://schemas.openxmlformats.org/officeDocument/2006/relationships" xmlns:p="http://schemas.openxmlformats.org/presentationml/2006/main">
-  <p:cSld>
-    <p:spTree>
-      <p:nvGrpSpPr>
-        <p:cNvPr id="1" name=""/>
-        <p:cNvGrpSpPr/>
-        <p:nvPr/>
-      </p:nvGrpSpPr>
-      <p:grpSpPr>
-        <a:xfrm>
-          <a:off x="0" y="0"/>
-          <a:ext cx="0" cy="0"/>
-          <a:chOff x="0" y="0"/>
-          <a:chExt cx="0" cy="0"/>
-        </a:xfrm>
-      </p:grpSpPr>
-      <p:sp>
-        <p:nvSpPr>
-          <p:cNvPr id="2" name="Title 1">
-            <a:extLst>
-              <a:ext uri="{FF2B5EF4-FFF2-40B4-BE49-F238E27FC236}">
-                <a16:creationId xmlns:a16="http://schemas.microsoft.com/office/drawing/2014/main" id="{19447540-A80A-E148-9B2F-9EFA205801D4}"/>
-              </a:ext>
-            </a:extLst>
-          </p:cNvPr>
-          <p:cNvSpPr>
-            <a:spLocks noGrp="1"/>
-          </p:cNvSpPr>
-          <p:nvPr>
-            <p:ph type="title"/>
-          </p:nvPr>
-        </p:nvSpPr>
-        <p:spPr/>
-        <p:txBody>
-          <a:bodyPr/>
-          <a:lstStyle/>
-          <a:p>
-            <a:r>
-              <a:rPr lang="en-US" dirty="0"/>
-              <a:t>Ionization Efficiency  (Yield)</a:t>
-            </a:r>
-          </a:p>
-        </p:txBody>
-      </p:sp>
-      <p:sp>
-        <p:nvSpPr>
-          <p:cNvPr id="8" name="Content Placeholder 7">
-            <a:extLst>
-              <a:ext uri="{FF2B5EF4-FFF2-40B4-BE49-F238E27FC236}">
-                <a16:creationId xmlns:a16="http://schemas.microsoft.com/office/drawing/2014/main" id="{1869FB3F-01F0-034B-AA10-572B102AD158}"/>
-              </a:ext>
-            </a:extLst>
-          </p:cNvPr>
-          <p:cNvSpPr>
-            <a:spLocks noGrp="1"/>
-          </p:cNvSpPr>
-          <p:nvPr>
-            <p:ph idx="1"/>
-          </p:nvPr>
-        </p:nvSpPr>
-        <p:spPr>
-          <a:xfrm>
-            <a:off x="838200" y="1825625"/>
-            <a:ext cx="5257800" cy="4351338"/>
-          </a:xfrm>
-        </p:spPr>
-        <p:txBody>
-          <a:bodyPr>
-            <a:normAutofit/>
-          </a:bodyPr>
-          <a:lstStyle/>
-          <a:p>
-            <a:r>
-              <a:rPr lang="en-US" sz="1800" dirty="0"/>
-              <a:t>ratio of energy used to create electron-hole pairs to the energy used to create phonons </a:t>
-            </a:r>
-            <a:br>
-              <a:rPr lang="en-US" sz="1800" dirty="0"/>
-            </a:br>
-            <a:endParaRPr lang="en-US" sz="1800" dirty="0"/>
-          </a:p>
-          <a:p>
-            <a:r>
-              <a:rPr lang="en-US" sz="1800" dirty="0"/>
-              <a:t>For </a:t>
-            </a:r>
-            <a:r>
-              <a:rPr lang="en-US" sz="1800" dirty="0" err="1"/>
-              <a:t>CDMSlite</a:t>
-            </a:r>
-            <a:r>
-              <a:rPr lang="en-US" sz="1800" dirty="0"/>
-              <a:t>, this is not something that can be directly measured and must be modeled using </a:t>
-            </a:r>
-            <a:r>
-              <a:rPr lang="en-US" sz="1800" dirty="0" err="1"/>
-              <a:t>Lindhard</a:t>
-            </a:r>
-            <a:r>
-              <a:rPr lang="en-US" sz="1800" dirty="0"/>
-              <a:t>. </a:t>
-            </a:r>
-          </a:p>
-          <a:p>
-            <a:pPr marL="0" indent="0">
-              <a:buNone/>
-            </a:pPr>
-            <a:endParaRPr lang="en-US" sz="2400" dirty="0"/>
-          </a:p>
-        </p:txBody>
-      </p:sp>
-      <p:grpSp>
-        <p:nvGrpSpPr>
-          <p:cNvPr id="15" name="Group 14">
-            <a:extLst>
-              <a:ext uri="{FF2B5EF4-FFF2-40B4-BE49-F238E27FC236}">
-                <a16:creationId xmlns:a16="http://schemas.microsoft.com/office/drawing/2014/main" id="{3DC40207-8FF5-9743-80FB-E852A1D9C9DD}"/>
-              </a:ext>
-            </a:extLst>
-          </p:cNvPr>
-          <p:cNvGrpSpPr/>
-          <p:nvPr/>
-        </p:nvGrpSpPr>
-        <p:grpSpPr>
-          <a:xfrm>
-            <a:off x="7311423" y="1825625"/>
-            <a:ext cx="3327400" cy="2352674"/>
-            <a:chOff x="4246948" y="3124994"/>
-            <a:chExt cx="3327400" cy="2352674"/>
-          </a:xfrm>
-        </p:grpSpPr>
-        <p:pic>
-          <p:nvPicPr>
-            <p:cNvPr id="10" name="Picture 9">
-              <a:extLst>
-                <a:ext uri="{FF2B5EF4-FFF2-40B4-BE49-F238E27FC236}">
-                  <a16:creationId xmlns:a16="http://schemas.microsoft.com/office/drawing/2014/main" id="{8835645D-B830-E14F-A2C0-4782709D384F}"/>
-                </a:ext>
-              </a:extLst>
-            </p:cNvPr>
-            <p:cNvPicPr>
-              <a:picLocks noChangeAspect="1"/>
-            </p:cNvPicPr>
-            <p:nvPr/>
-          </p:nvPicPr>
-          <p:blipFill>
-            <a:blip r:embed="rId3"/>
-            <a:stretch>
-              <a:fillRect/>
-            </a:stretch>
-          </p:blipFill>
-          <p:spPr>
-            <a:xfrm>
-              <a:off x="4304098" y="3124994"/>
-              <a:ext cx="3213100" cy="876300"/>
-            </a:xfrm>
-            <a:prstGeom prst="rect">
-              <a:avLst/>
-            </a:prstGeom>
-          </p:spPr>
-        </p:pic>
-        <p:pic>
-          <p:nvPicPr>
-            <p:cNvPr id="12" name="Picture 11">
-              <a:extLst>
-                <a:ext uri="{FF2B5EF4-FFF2-40B4-BE49-F238E27FC236}">
-                  <a16:creationId xmlns:a16="http://schemas.microsoft.com/office/drawing/2014/main" id="{E5F940E9-46D5-0847-BBDA-9D8D925D9D03}"/>
-                </a:ext>
-              </a:extLst>
-            </p:cNvPr>
-            <p:cNvPicPr>
-              <a:picLocks noChangeAspect="1"/>
-            </p:cNvPicPr>
-            <p:nvPr/>
-          </p:nvPicPr>
-          <p:blipFill>
-            <a:blip r:embed="rId4"/>
-            <a:stretch>
-              <a:fillRect/>
-            </a:stretch>
-          </p:blipFill>
-          <p:spPr>
-            <a:xfrm>
-              <a:off x="4246948" y="4136231"/>
-              <a:ext cx="3327400" cy="546100"/>
-            </a:xfrm>
-            <a:prstGeom prst="rect">
-              <a:avLst/>
-            </a:prstGeom>
-          </p:spPr>
-        </p:pic>
-        <p:pic>
-          <p:nvPicPr>
-            <p:cNvPr id="14" name="Picture 13">
-              <a:extLst>
-                <a:ext uri="{FF2B5EF4-FFF2-40B4-BE49-F238E27FC236}">
-                  <a16:creationId xmlns:a16="http://schemas.microsoft.com/office/drawing/2014/main" id="{6AEB9DFC-0847-B041-857F-0D6B428E9378}"/>
-                </a:ext>
-              </a:extLst>
-            </p:cNvPr>
-            <p:cNvPicPr>
-              <a:picLocks noChangeAspect="1"/>
-            </p:cNvPicPr>
-            <p:nvPr/>
-          </p:nvPicPr>
-          <p:blipFill>
-            <a:blip r:embed="rId5"/>
-            <a:stretch>
-              <a:fillRect/>
-            </a:stretch>
-          </p:blipFill>
-          <p:spPr>
-            <a:xfrm>
-              <a:off x="5116898" y="4817268"/>
-              <a:ext cx="1587500" cy="660400"/>
-            </a:xfrm>
-            <a:prstGeom prst="rect">
-              <a:avLst/>
-            </a:prstGeom>
-          </p:spPr>
-        </p:pic>
-      </p:grpSp>
-      <p:sp>
-        <p:nvSpPr>
-          <p:cNvPr id="3" name="Slide Number Placeholder 2">
-            <a:extLst>
-              <a:ext uri="{FF2B5EF4-FFF2-40B4-BE49-F238E27FC236}">
-                <a16:creationId xmlns:a16="http://schemas.microsoft.com/office/drawing/2014/main" id="{ECEDB8B7-32B8-2F44-837C-F22A723A9B3A}"/>
-              </a:ext>
-            </a:extLst>
-          </p:cNvPr>
-          <p:cNvSpPr>
-            <a:spLocks noGrp="1"/>
-          </p:cNvSpPr>
-          <p:nvPr>
-            <p:ph type="sldNum" sz="quarter" idx="12"/>
-          </p:nvPr>
-        </p:nvSpPr>
-        <p:spPr/>
-        <p:txBody>
-          <a:bodyPr/>
-          <a:lstStyle/>
-          <a:p>
-            <a:fld id="{035DBD62-E6E0-484E-AB64-E286A6B85B65}" type="slidenum">
-              <a:rPr lang="en-US" smtClean="0"/>
-              <a:t>4</a:t>
-            </a:fld>
-            <a:endParaRPr lang="en-US"/>
-          </a:p>
-        </p:txBody>
-      </p:sp>
-    </p:spTree>
-    <p:extLst>
-      <p:ext uri="{BB962C8B-B14F-4D97-AF65-F5344CB8AC3E}">
-        <p14:creationId xmlns:p14="http://schemas.microsoft.com/office/powerpoint/2010/main" val="2304572820"/>
-      </p:ext>
-    </p:extLst>
-  </p:cSld>
-  <p:clrMapOvr>
-    <a:masterClrMapping/>
-  </p:clrMapOvr>
-</p:sld>
-</file>
-
-<file path=ppt/slides/slide5.xml><?xml version="1.0" encoding="utf-8"?>
-<p:sld xmlns:a="http://schemas.openxmlformats.org/drawingml/2006/main" xmlns:r="http://schemas.openxmlformats.org/officeDocument/2006/relationships" xmlns:p="http://schemas.openxmlformats.org/presentationml/2006/main">
-  <p:cSld>
-    <p:spTree>
-      <p:nvGrpSpPr>
-        <p:cNvPr id="1" name=""/>
-        <p:cNvGrpSpPr/>
-        <p:nvPr/>
-      </p:nvGrpSpPr>
-      <p:grpSpPr>
-        <a:xfrm>
-          <a:off x="0" y="0"/>
-          <a:ext cx="0" cy="0"/>
-          <a:chOff x="0" y="0"/>
-          <a:chExt cx="0" cy="0"/>
-        </a:xfrm>
-      </p:grpSpPr>
-      <p:sp>
-        <p:nvSpPr>
-          <p:cNvPr id="2" name="Title 1">
-            <a:extLst>
-              <a:ext uri="{FF2B5EF4-FFF2-40B4-BE49-F238E27FC236}">
-                <a16:creationId xmlns:a16="http://schemas.microsoft.com/office/drawing/2014/main" id="{029CC9B3-EA40-584D-92A7-B27B260E40EE}"/>
-              </a:ext>
-            </a:extLst>
-          </p:cNvPr>
-          <p:cNvSpPr>
-            <a:spLocks noGrp="1"/>
-          </p:cNvSpPr>
-          <p:nvPr>
-            <p:ph type="title"/>
-          </p:nvPr>
-        </p:nvSpPr>
-        <p:spPr/>
-        <p:txBody>
-          <a:bodyPr/>
-          <a:lstStyle/>
-          <a:p>
-            <a:r>
-              <a:rPr lang="en-US" dirty="0" err="1"/>
-              <a:t>HVeV</a:t>
-            </a:r>
-            <a:r>
-              <a:rPr lang="en-US" dirty="0"/>
-              <a:t> Detector.  </a:t>
-            </a:r>
-          </a:p>
-        </p:txBody>
-      </p:sp>
-      <p:sp>
-        <p:nvSpPr>
-          <p:cNvPr id="3" name="Content Placeholder 2">
-            <a:extLst>
-              <a:ext uri="{FF2B5EF4-FFF2-40B4-BE49-F238E27FC236}">
-                <a16:creationId xmlns:a16="http://schemas.microsoft.com/office/drawing/2014/main" id="{A77EA2EC-99CB-9B40-8A81-6546C1A4CAF8}"/>
-              </a:ext>
-            </a:extLst>
-          </p:cNvPr>
-          <p:cNvSpPr>
-            <a:spLocks noGrp="1"/>
-          </p:cNvSpPr>
-          <p:nvPr>
-            <p:ph idx="1"/>
-          </p:nvPr>
-        </p:nvSpPr>
-        <p:spPr>
-          <a:xfrm>
-            <a:off x="838200" y="1825625"/>
-            <a:ext cx="5257800" cy="4351338"/>
-          </a:xfrm>
-        </p:spPr>
-        <p:txBody>
-          <a:bodyPr/>
-          <a:lstStyle/>
-          <a:p>
-            <a:endParaRPr lang="en-US" sz="1800" dirty="0"/>
-          </a:p>
-          <a:p>
-            <a:r>
-              <a:rPr lang="en-US" sz="1800" dirty="0"/>
-              <a:t>Biased with ~100 V/cm</a:t>
-            </a:r>
-          </a:p>
-          <a:p>
-            <a:r>
-              <a:rPr lang="en-US" sz="1800" dirty="0"/>
-              <a:t>Phonon signal read out with QETs</a:t>
-            </a:r>
-          </a:p>
-          <a:p>
-            <a:r>
-              <a:rPr lang="en-US" sz="1800" dirty="0"/>
-              <a:t>resolution of ∼0.09 e−h+ Biased </a:t>
-            </a:r>
-          </a:p>
-          <a:p>
-            <a:pPr marL="0" indent="0">
-              <a:buNone/>
-            </a:pPr>
-            <a:r>
-              <a:rPr lang="en-US" dirty="0"/>
-              <a:t> </a:t>
-            </a:r>
-          </a:p>
-        </p:txBody>
-      </p:sp>
-      <p:pic>
-        <p:nvPicPr>
-          <p:cNvPr id="10" name="Picture 9">
-            <a:extLst>
-              <a:ext uri="{FF2B5EF4-FFF2-40B4-BE49-F238E27FC236}">
-                <a16:creationId xmlns:a16="http://schemas.microsoft.com/office/drawing/2014/main" id="{E9CA3B1E-B12E-294E-82D2-6A660AF9553D}"/>
-              </a:ext>
-            </a:extLst>
-          </p:cNvPr>
-          <p:cNvPicPr>
-            <a:picLocks noChangeAspect="1"/>
-          </p:cNvPicPr>
-          <p:nvPr/>
-        </p:nvPicPr>
-        <p:blipFill>
-          <a:blip r:embed="rId2"/>
-          <a:stretch>
-            <a:fillRect/>
-          </a:stretch>
-        </p:blipFill>
-        <p:spPr>
-          <a:xfrm>
-            <a:off x="6649539" y="1690688"/>
-            <a:ext cx="4704261" cy="3331610"/>
-          </a:xfrm>
-          <a:prstGeom prst="rect">
-            <a:avLst/>
-          </a:prstGeom>
-        </p:spPr>
-      </p:pic>
-      <p:sp>
-        <p:nvSpPr>
-          <p:cNvPr id="11" name="Slide Number Placeholder 10">
-            <a:extLst>
-              <a:ext uri="{FF2B5EF4-FFF2-40B4-BE49-F238E27FC236}">
-                <a16:creationId xmlns:a16="http://schemas.microsoft.com/office/drawing/2014/main" id="{3FBA8E98-A6A6-3D4F-B067-37DDB143ACCC}"/>
-              </a:ext>
-            </a:extLst>
-          </p:cNvPr>
-          <p:cNvSpPr>
-            <a:spLocks noGrp="1"/>
-          </p:cNvSpPr>
-          <p:nvPr>
-            <p:ph type="sldNum" sz="quarter" idx="12"/>
-          </p:nvPr>
-        </p:nvSpPr>
-        <p:spPr/>
-        <p:txBody>
-          <a:bodyPr/>
-          <a:lstStyle/>
-          <a:p>
-            <a:fld id="{035DBD62-E6E0-484E-AB64-E286A6B85B65}" type="slidenum">
-              <a:rPr lang="en-US" smtClean="0"/>
-              <a:t>5</a:t>
-            </a:fld>
-            <a:endParaRPr lang="en-US"/>
-          </a:p>
-        </p:txBody>
-      </p:sp>
-    </p:spTree>
-    <p:extLst>
-      <p:ext uri="{BB962C8B-B14F-4D97-AF65-F5344CB8AC3E}">
-        <p14:creationId xmlns:p14="http://schemas.microsoft.com/office/powerpoint/2010/main" val="2422676951"/>
-      </p:ext>
-    </p:extLst>
-  </p:cSld>
-  <p:clrMapOvr>
-    <a:masterClrMapping/>
-  </p:clrMapOvr>
-</p:sld>
-</file>
-
-<file path=ppt/slides/slide6.xml><?xml version="1.0" encoding="utf-8"?>
-<p:sld xmlns:a="http://schemas.openxmlformats.org/drawingml/2006/main" xmlns:r="http://schemas.openxmlformats.org/officeDocument/2006/relationships" xmlns:p="http://schemas.openxmlformats.org/presentationml/2006/main">
-  <p:cSld>
-    <p:spTree>
-      <p:nvGrpSpPr>
-        <p:cNvPr id="1" name=""/>
-        <p:cNvGrpSpPr/>
-        <p:nvPr/>
-      </p:nvGrpSpPr>
-      <p:grpSpPr>
-        <a:xfrm>
-          <a:off x="0" y="0"/>
-          <a:ext cx="0" cy="0"/>
-          <a:chOff x="0" y="0"/>
-          <a:chExt cx="0" cy="0"/>
-        </a:xfrm>
-      </p:grpSpPr>
-      <p:sp>
-        <p:nvSpPr>
-          <p:cNvPr id="4" name="Slide Number Placeholder 3">
-            <a:extLst>
-              <a:ext uri="{FF2B5EF4-FFF2-40B4-BE49-F238E27FC236}">
-                <a16:creationId xmlns:a16="http://schemas.microsoft.com/office/drawing/2014/main" id="{3BB79DFF-2B30-6C4A-B3BC-8451CDEEBBAD}"/>
-              </a:ext>
-            </a:extLst>
-          </p:cNvPr>
-          <p:cNvSpPr>
-            <a:spLocks noGrp="1"/>
-          </p:cNvSpPr>
-          <p:nvPr>
-            <p:ph type="sldNum" sz="quarter" idx="12"/>
-          </p:nvPr>
-        </p:nvSpPr>
-        <p:spPr/>
-        <p:txBody>
-          <a:bodyPr/>
-          <a:lstStyle/>
-          <a:p>
-            <a:fld id="{035DBD62-E6E0-484E-AB64-E286A6B85B65}" type="slidenum">
-              <a:rPr lang="en-US" smtClean="0"/>
-              <a:t>6</a:t>
-            </a:fld>
-            <a:endParaRPr lang="en-US"/>
-          </a:p>
-        </p:txBody>
-      </p:sp>
-      <p:pic>
-        <p:nvPicPr>
-          <p:cNvPr id="13" name="Picture 12">
-            <a:extLst>
-              <a:ext uri="{FF2B5EF4-FFF2-40B4-BE49-F238E27FC236}">
-                <a16:creationId xmlns:a16="http://schemas.microsoft.com/office/drawing/2014/main" id="{C6CC82BA-8986-654D-9749-C1F34B36D70B}"/>
-              </a:ext>
-            </a:extLst>
-          </p:cNvPr>
-          <p:cNvPicPr>
-            <a:picLocks noChangeAspect="1"/>
-          </p:cNvPicPr>
-          <p:nvPr/>
-        </p:nvPicPr>
-        <p:blipFill>
-          <a:blip r:embed="rId3"/>
-          <a:stretch>
-            <a:fillRect/>
-          </a:stretch>
-        </p:blipFill>
-        <p:spPr>
-          <a:xfrm>
-            <a:off x="7280557" y="136525"/>
-            <a:ext cx="3828416" cy="3846306"/>
-          </a:xfrm>
-          <a:prstGeom prst="rect">
-            <a:avLst/>
-          </a:prstGeom>
-        </p:spPr>
-      </p:pic>
-      <p:pic>
-        <p:nvPicPr>
-          <p:cNvPr id="15" name="Picture 14">
-            <a:extLst>
-              <a:ext uri="{FF2B5EF4-FFF2-40B4-BE49-F238E27FC236}">
-                <a16:creationId xmlns:a16="http://schemas.microsoft.com/office/drawing/2014/main" id="{00FB1C81-0166-234B-8E2D-2252A3F75492}"/>
-              </a:ext>
-            </a:extLst>
-          </p:cNvPr>
-          <p:cNvPicPr>
-            <a:picLocks noChangeAspect="1"/>
-          </p:cNvPicPr>
-          <p:nvPr/>
-        </p:nvPicPr>
-        <p:blipFill>
-          <a:blip r:embed="rId4"/>
-          <a:stretch>
-            <a:fillRect/>
-          </a:stretch>
-        </p:blipFill>
-        <p:spPr>
-          <a:xfrm>
-            <a:off x="812628" y="0"/>
-            <a:ext cx="4098817" cy="3456834"/>
-          </a:xfrm>
-          <a:prstGeom prst="rect">
-            <a:avLst/>
-          </a:prstGeom>
-        </p:spPr>
-      </p:pic>
-      <p:pic>
-        <p:nvPicPr>
-          <p:cNvPr id="17" name="Picture 16">
-            <a:extLst>
-              <a:ext uri="{FF2B5EF4-FFF2-40B4-BE49-F238E27FC236}">
-                <a16:creationId xmlns:a16="http://schemas.microsoft.com/office/drawing/2014/main" id="{EFF12F7D-7D56-0C40-BC76-B39AB869BBBF}"/>
-              </a:ext>
-            </a:extLst>
-          </p:cNvPr>
-          <p:cNvPicPr>
-            <a:picLocks noChangeAspect="1"/>
-          </p:cNvPicPr>
-          <p:nvPr/>
-        </p:nvPicPr>
-        <p:blipFill>
-          <a:blip r:embed="rId5"/>
-          <a:stretch>
-            <a:fillRect/>
-          </a:stretch>
-        </p:blipFill>
-        <p:spPr>
-          <a:xfrm>
-            <a:off x="812628" y="3351140"/>
-            <a:ext cx="4043577" cy="3456834"/>
-          </a:xfrm>
-          <a:prstGeom prst="rect">
-            <a:avLst/>
-          </a:prstGeom>
-        </p:spPr>
-      </p:pic>
-    </p:spTree>
-    <p:extLst>
-      <p:ext uri="{BB962C8B-B14F-4D97-AF65-F5344CB8AC3E}">
-        <p14:creationId xmlns:p14="http://schemas.microsoft.com/office/powerpoint/2010/main" val="2282746327"/>
-      </p:ext>
-    </p:extLst>
-  </p:cSld>
-  <p:clrMapOvr>
-    <a:masterClrMapping/>
-  </p:clrMapOvr>
-</p:sld>
-</file>
-
-<file path=ppt/slides/slide7.xml><?xml version="1.0" encoding="utf-8"?>
-<p:sld xmlns:a="http://schemas.openxmlformats.org/drawingml/2006/main" xmlns:r="http://schemas.openxmlformats.org/officeDocument/2006/relationships" xmlns:p="http://schemas.openxmlformats.org/presentationml/2006/main">
-  <p:cSld>
-    <p:spTree>
-      <p:nvGrpSpPr>
-        <p:cNvPr id="1" name=""/>
-        <p:cNvGrpSpPr/>
-        <p:nvPr/>
-      </p:nvGrpSpPr>
-      <p:grpSpPr>
-        <a:xfrm>
-          <a:off x="0" y="0"/>
-          <a:ext cx="0" cy="0"/>
-          <a:chOff x="0" y="0"/>
-          <a:chExt cx="0" cy="0"/>
-        </a:xfrm>
-      </p:grpSpPr>
-      <p:sp>
-        <p:nvSpPr>
-          <p:cNvPr id="2" name="Title 1">
-            <a:extLst>
-              <a:ext uri="{FF2B5EF4-FFF2-40B4-BE49-F238E27FC236}">
-                <a16:creationId xmlns:a16="http://schemas.microsoft.com/office/drawing/2014/main" id="{691D70F6-8CC5-D441-8515-215889708639}"/>
-              </a:ext>
-            </a:extLst>
-          </p:cNvPr>
-          <p:cNvSpPr>
-            <a:spLocks noGrp="1"/>
-          </p:cNvSpPr>
-          <p:nvPr>
-            <p:ph type="title"/>
-          </p:nvPr>
-        </p:nvSpPr>
-        <p:spPr/>
-        <p:txBody>
-          <a:bodyPr/>
-          <a:lstStyle/>
-          <a:p>
-            <a:r>
-              <a:rPr lang="en-US" dirty="0"/>
-              <a:t>END </a:t>
-            </a:r>
-          </a:p>
-        </p:txBody>
-      </p:sp>
-      <p:sp>
-        <p:nvSpPr>
-          <p:cNvPr id="3" name="Content Placeholder 2">
-            <a:extLst>
-              <a:ext uri="{FF2B5EF4-FFF2-40B4-BE49-F238E27FC236}">
-                <a16:creationId xmlns:a16="http://schemas.microsoft.com/office/drawing/2014/main" id="{693482F4-1371-4943-A40A-8DCA9BDB3707}"/>
-              </a:ext>
-            </a:extLst>
-          </p:cNvPr>
-          <p:cNvSpPr>
-            <a:spLocks noGrp="1"/>
-          </p:cNvSpPr>
-          <p:nvPr>
-            <p:ph idx="1"/>
-          </p:nvPr>
-        </p:nvSpPr>
-        <p:spPr>
-          <a:xfrm>
-            <a:off x="838200" y="1825625"/>
-            <a:ext cx="5257800" cy="4351338"/>
-          </a:xfrm>
-        </p:spPr>
-        <p:txBody>
-          <a:bodyPr>
-            <a:normAutofit/>
-          </a:bodyPr>
-          <a:lstStyle/>
-          <a:p>
-            <a:endParaRPr lang="en-US" sz="1800" dirty="0"/>
-          </a:p>
-        </p:txBody>
-      </p:sp>
-      <p:sp>
-        <p:nvSpPr>
-          <p:cNvPr id="4" name="Slide Number Placeholder 3">
-            <a:extLst>
-              <a:ext uri="{FF2B5EF4-FFF2-40B4-BE49-F238E27FC236}">
-                <a16:creationId xmlns:a16="http://schemas.microsoft.com/office/drawing/2014/main" id="{3BB79DFF-2B30-6C4A-B3BC-8451CDEEBBAD}"/>
-              </a:ext>
-            </a:extLst>
-          </p:cNvPr>
-          <p:cNvSpPr>
-            <a:spLocks noGrp="1"/>
-          </p:cNvSpPr>
-          <p:nvPr>
-            <p:ph type="sldNum" sz="quarter" idx="12"/>
-          </p:nvPr>
-        </p:nvSpPr>
-        <p:spPr/>
-        <p:txBody>
-          <a:bodyPr/>
-          <a:lstStyle/>
-          <a:p>
-            <a:fld id="{035DBD62-E6E0-484E-AB64-E286A6B85B65}" type="slidenum">
-              <a:rPr lang="en-US" smtClean="0"/>
-              <a:t>7</a:t>
-            </a:fld>
-            <a:endParaRPr lang="en-US"/>
-          </a:p>
-        </p:txBody>
-      </p:sp>
-    </p:spTree>
-    <p:extLst>
-      <p:ext uri="{BB962C8B-B14F-4D97-AF65-F5344CB8AC3E}">
-        <p14:creationId xmlns:p14="http://schemas.microsoft.com/office/powerpoint/2010/main" val="1769617012"/>
-      </p:ext>
-    </p:extLst>
-  </p:cSld>
-  <p:clrMapOvr>
-    <a:masterClrMapping/>
-  </p:clrMapOvr>
-</p:sld>
-</file>
-
-<file path=ppt/slides/slide8.xml><?xml version="1.0" encoding="utf-8"?>
-<p:sld xmlns:a="http://schemas.openxmlformats.org/drawingml/2006/main" xmlns:r="http://schemas.openxmlformats.org/officeDocument/2006/relationships" xmlns:p="http://schemas.openxmlformats.org/presentationml/2006/main">
-  <p:cSld>
-    <p:spTree>
-      <p:nvGrpSpPr>
-        <p:cNvPr id="1" name=""/>
-        <p:cNvGrpSpPr/>
-        <p:nvPr/>
-      </p:nvGrpSpPr>
-      <p:grpSpPr>
-        <a:xfrm>
-          <a:off x="0" y="0"/>
-          <a:ext cx="0" cy="0"/>
-          <a:chOff x="0" y="0"/>
-          <a:chExt cx="0" cy="0"/>
-        </a:xfrm>
-      </p:grpSpPr>
-      <p:sp>
-        <p:nvSpPr>
-          <p:cNvPr id="2" name="Title 1">
-            <a:extLst>
-              <a:ext uri="{FF2B5EF4-FFF2-40B4-BE49-F238E27FC236}">
-                <a16:creationId xmlns:a16="http://schemas.microsoft.com/office/drawing/2014/main" id="{24B7DF4A-1926-FD4C-94CA-990D4B267C66}"/>
-              </a:ext>
-            </a:extLst>
-          </p:cNvPr>
-          <p:cNvSpPr>
-            <a:spLocks noGrp="1"/>
-          </p:cNvSpPr>
-          <p:nvPr>
-            <p:ph type="title"/>
-          </p:nvPr>
-        </p:nvSpPr>
-        <p:spPr/>
-        <p:txBody>
-          <a:bodyPr/>
-          <a:lstStyle/>
-          <a:p>
-            <a:r>
-              <a:rPr lang="en-US" dirty="0" err="1"/>
-              <a:t>CDMSlite</a:t>
-            </a:r>
-            <a:r>
-              <a:rPr lang="en-US" dirty="0"/>
-              <a:t> Detector </a:t>
-            </a:r>
-          </a:p>
-        </p:txBody>
-      </p:sp>
-      <p:pic>
-        <p:nvPicPr>
-          <p:cNvPr id="5" name="Content Placeholder 4">
-            <a:extLst>
-              <a:ext uri="{FF2B5EF4-FFF2-40B4-BE49-F238E27FC236}">
-                <a16:creationId xmlns:a16="http://schemas.microsoft.com/office/drawing/2014/main" id="{F18A38AD-7C3D-B848-A538-698A9F7D610A}"/>
-              </a:ext>
-            </a:extLst>
-          </p:cNvPr>
-          <p:cNvPicPr>
-            <a:picLocks noGrp="1" noChangeAspect="1"/>
-          </p:cNvPicPr>
-          <p:nvPr>
-            <p:ph idx="1"/>
-          </p:nvPr>
-        </p:nvPicPr>
-        <p:blipFill>
-          <a:blip r:embed="rId3"/>
-          <a:stretch>
-            <a:fillRect/>
-          </a:stretch>
-        </p:blipFill>
-        <p:spPr>
-          <a:xfrm>
-            <a:off x="6662809" y="1793766"/>
-            <a:ext cx="5529191" cy="3382382"/>
-          </a:xfrm>
-        </p:spPr>
-      </p:pic>
-      <p:sp>
-        <p:nvSpPr>
           <p:cNvPr id="7" name="TextBox 6">
             <a:extLst>
               <a:ext uri="{FF2B5EF4-FFF2-40B4-BE49-F238E27FC236}">
@@ -6594,7 +5197,7 @@
           <a:p>
             <a:fld id="{035DBD62-E6E0-484E-AB64-E286A6B85B65}" type="slidenum">
               <a:rPr lang="en-US" smtClean="0"/>
-              <a:t>8</a:t>
+              <a:t>12</a:t>
             </a:fld>
             <a:endParaRPr lang="en-US"/>
           </a:p>
@@ -6613,7 +5216,7 @@
 </p:sld>
 </file>
 
-<file path=ppt/slides/slide9.xml><?xml version="1.0" encoding="utf-8"?>
+<file path=ppt/slides/slide13.xml><?xml version="1.0" encoding="utf-8"?>
 <p:sld xmlns:a="http://schemas.openxmlformats.org/drawingml/2006/main" xmlns:r="http://schemas.openxmlformats.org/officeDocument/2006/relationships" xmlns:p="http://schemas.openxmlformats.org/presentationml/2006/main">
   <p:cSld>
     <p:spTree>
@@ -6952,7 +5555,7 @@
           <a:p>
             <a:fld id="{035DBD62-E6E0-484E-AB64-E286A6B85B65}" type="slidenum">
               <a:rPr lang="en-US" smtClean="0"/>
-              <a:t>9</a:t>
+              <a:t>13</a:t>
             </a:fld>
             <a:endParaRPr lang="en-US"/>
           </a:p>
@@ -6992,6 +5595,2178 @@
     <p:extLst>
       <p:ext uri="{BB962C8B-B14F-4D97-AF65-F5344CB8AC3E}">
         <p14:creationId xmlns:p14="http://schemas.microsoft.com/office/powerpoint/2010/main" val="770711044"/>
+      </p:ext>
+    </p:extLst>
+  </p:cSld>
+  <p:clrMapOvr>
+    <a:masterClrMapping/>
+  </p:clrMapOvr>
+</p:sld>
+</file>
+
+<file path=ppt/slides/slide14.xml><?xml version="1.0" encoding="utf-8"?>
+<p:sld xmlns:a="http://schemas.openxmlformats.org/drawingml/2006/main" xmlns:r="http://schemas.openxmlformats.org/officeDocument/2006/relationships" xmlns:p="http://schemas.openxmlformats.org/presentationml/2006/main">
+  <p:cSld>
+    <p:spTree>
+      <p:nvGrpSpPr>
+        <p:cNvPr id="1" name=""/>
+        <p:cNvGrpSpPr/>
+        <p:nvPr/>
+      </p:nvGrpSpPr>
+      <p:grpSpPr>
+        <a:xfrm>
+          <a:off x="0" y="0"/>
+          <a:ext cx="0" cy="0"/>
+          <a:chOff x="0" y="0"/>
+          <a:chExt cx="0" cy="0"/>
+        </a:xfrm>
+      </p:grpSpPr>
+      <p:sp>
+        <p:nvSpPr>
+          <p:cNvPr id="2" name="Title 1">
+            <a:extLst>
+              <a:ext uri="{FF2B5EF4-FFF2-40B4-BE49-F238E27FC236}">
+                <a16:creationId xmlns:a16="http://schemas.microsoft.com/office/drawing/2014/main" id="{0C491264-71E4-1A41-8589-82E02D1795E8}"/>
+              </a:ext>
+            </a:extLst>
+          </p:cNvPr>
+          <p:cNvSpPr>
+            <a:spLocks noGrp="1"/>
+          </p:cNvSpPr>
+          <p:nvPr>
+            <p:ph type="title"/>
+          </p:nvPr>
+        </p:nvSpPr>
+        <p:spPr/>
+        <p:txBody>
+          <a:bodyPr/>
+          <a:lstStyle/>
+          <a:p>
+            <a:r>
+              <a:rPr lang="en-US" dirty="0"/>
+              <a:t>Yield Variance </a:t>
+            </a:r>
+          </a:p>
+        </p:txBody>
+      </p:sp>
+      <p:sp>
+        <p:nvSpPr>
+          <p:cNvPr id="3" name="Content Placeholder 2">
+            <a:extLst>
+              <a:ext uri="{FF2B5EF4-FFF2-40B4-BE49-F238E27FC236}">
+                <a16:creationId xmlns:a16="http://schemas.microsoft.com/office/drawing/2014/main" id="{6BA18B5C-6B9B-6440-AF77-75F081D80E2B}"/>
+              </a:ext>
+            </a:extLst>
+          </p:cNvPr>
+          <p:cNvSpPr>
+            <a:spLocks noGrp="1"/>
+          </p:cNvSpPr>
+          <p:nvPr>
+            <p:ph idx="1"/>
+          </p:nvPr>
+        </p:nvSpPr>
+        <p:spPr>
+          <a:xfrm>
+            <a:off x="838200" y="1825625"/>
+            <a:ext cx="5257800" cy="4351338"/>
+          </a:xfrm>
+        </p:spPr>
+        <p:txBody>
+          <a:bodyPr>
+            <a:normAutofit/>
+          </a:bodyPr>
+          <a:lstStyle/>
+          <a:p>
+            <a:r>
+              <a:rPr lang="en-US" sz="1800" dirty="0"/>
+              <a:t>The yield variance exists due to fact that for a given energy, nuclear recoils don’t produce the same amount of e-h pairs </a:t>
+            </a:r>
+          </a:p>
+          <a:p>
+            <a:r>
+              <a:rPr lang="en-US" sz="1800" dirty="0"/>
+              <a:t>This is not accounted for in current experiments. </a:t>
+            </a:r>
+          </a:p>
+          <a:p>
+            <a:r>
+              <a:rPr lang="en-US" sz="1800" dirty="0"/>
+              <a:t>This variation may be significant with new experiments with resolutions as low as 1 electron hole pair. </a:t>
+            </a:r>
+          </a:p>
+        </p:txBody>
+      </p:sp>
+      <p:pic>
+        <p:nvPicPr>
+          <p:cNvPr id="7" name="Picture 6">
+            <a:extLst>
+              <a:ext uri="{FF2B5EF4-FFF2-40B4-BE49-F238E27FC236}">
+                <a16:creationId xmlns:a16="http://schemas.microsoft.com/office/drawing/2014/main" id="{E8E47E60-1C83-594A-9C13-0FE2C67B3DFF}"/>
+              </a:ext>
+            </a:extLst>
+          </p:cNvPr>
+          <p:cNvPicPr>
+            <a:picLocks noChangeAspect="1"/>
+          </p:cNvPicPr>
+          <p:nvPr/>
+        </p:nvPicPr>
+        <p:blipFill>
+          <a:blip r:embed="rId2"/>
+          <a:stretch>
+            <a:fillRect/>
+          </a:stretch>
+        </p:blipFill>
+        <p:spPr>
+          <a:xfrm>
+            <a:off x="6096000" y="2734834"/>
+            <a:ext cx="5593492" cy="694166"/>
+          </a:xfrm>
+          <a:prstGeom prst="rect">
+            <a:avLst/>
+          </a:prstGeom>
+        </p:spPr>
+      </p:pic>
+      <p:pic>
+        <p:nvPicPr>
+          <p:cNvPr id="11" name="Picture 10">
+            <a:extLst>
+              <a:ext uri="{FF2B5EF4-FFF2-40B4-BE49-F238E27FC236}">
+                <a16:creationId xmlns:a16="http://schemas.microsoft.com/office/drawing/2014/main" id="{40075487-27DF-A140-AD73-0AD4FE1B21ED}"/>
+              </a:ext>
+            </a:extLst>
+          </p:cNvPr>
+          <p:cNvPicPr>
+            <a:picLocks noChangeAspect="1"/>
+          </p:cNvPicPr>
+          <p:nvPr/>
+        </p:nvPicPr>
+        <p:blipFill>
+          <a:blip r:embed="rId3"/>
+          <a:stretch>
+            <a:fillRect/>
+          </a:stretch>
+        </p:blipFill>
+        <p:spPr>
+          <a:xfrm>
+            <a:off x="7343346" y="1882561"/>
+            <a:ext cx="3098800" cy="660400"/>
+          </a:xfrm>
+          <a:prstGeom prst="rect">
+            <a:avLst/>
+          </a:prstGeom>
+        </p:spPr>
+      </p:pic>
+      <p:sp>
+        <p:nvSpPr>
+          <p:cNvPr id="4" name="Slide Number Placeholder 3">
+            <a:extLst>
+              <a:ext uri="{FF2B5EF4-FFF2-40B4-BE49-F238E27FC236}">
+                <a16:creationId xmlns:a16="http://schemas.microsoft.com/office/drawing/2014/main" id="{BC70045F-D308-8343-A3EB-46696F98874B}"/>
+              </a:ext>
+            </a:extLst>
+          </p:cNvPr>
+          <p:cNvSpPr>
+            <a:spLocks noGrp="1"/>
+          </p:cNvSpPr>
+          <p:nvPr>
+            <p:ph type="sldNum" sz="quarter" idx="12"/>
+          </p:nvPr>
+        </p:nvSpPr>
+        <p:spPr/>
+        <p:txBody>
+          <a:bodyPr/>
+          <a:lstStyle/>
+          <a:p>
+            <a:fld id="{035DBD62-E6E0-484E-AB64-E286A6B85B65}" type="slidenum">
+              <a:rPr lang="en-US" smtClean="0"/>
+              <a:t>14</a:t>
+            </a:fld>
+            <a:endParaRPr lang="en-US"/>
+          </a:p>
+        </p:txBody>
+      </p:sp>
+    </p:spTree>
+    <p:extLst>
+      <p:ext uri="{BB962C8B-B14F-4D97-AF65-F5344CB8AC3E}">
+        <p14:creationId xmlns:p14="http://schemas.microsoft.com/office/powerpoint/2010/main" val="2196642784"/>
+      </p:ext>
+    </p:extLst>
+  </p:cSld>
+  <p:clrMapOvr>
+    <a:masterClrMapping/>
+  </p:clrMapOvr>
+</p:sld>
+</file>
+
+<file path=ppt/slides/slide15.xml><?xml version="1.0" encoding="utf-8"?>
+<p:sld xmlns:a="http://schemas.openxmlformats.org/drawingml/2006/main" xmlns:r="http://schemas.openxmlformats.org/officeDocument/2006/relationships" xmlns:p="http://schemas.openxmlformats.org/presentationml/2006/main">
+  <p:cSld>
+    <p:spTree>
+      <p:nvGrpSpPr>
+        <p:cNvPr id="1" name=""/>
+        <p:cNvGrpSpPr/>
+        <p:nvPr/>
+      </p:nvGrpSpPr>
+      <p:grpSpPr>
+        <a:xfrm>
+          <a:off x="0" y="0"/>
+          <a:ext cx="0" cy="0"/>
+          <a:chOff x="0" y="0"/>
+          <a:chExt cx="0" cy="0"/>
+        </a:xfrm>
+      </p:grpSpPr>
+      <p:sp>
+        <p:nvSpPr>
+          <p:cNvPr id="2" name="Title 1">
+            <a:extLst>
+              <a:ext uri="{FF2B5EF4-FFF2-40B4-BE49-F238E27FC236}">
+                <a16:creationId xmlns:a16="http://schemas.microsoft.com/office/drawing/2014/main" id="{5E03494C-AB1C-AC42-8866-CFF471E1A838}"/>
+              </a:ext>
+            </a:extLst>
+          </p:cNvPr>
+          <p:cNvSpPr>
+            <a:spLocks noGrp="1"/>
+          </p:cNvSpPr>
+          <p:nvPr>
+            <p:ph type="title"/>
+          </p:nvPr>
+        </p:nvSpPr>
+        <p:spPr/>
+        <p:txBody>
+          <a:bodyPr/>
+          <a:lstStyle/>
+          <a:p>
+            <a:r>
+              <a:rPr lang="en-US" dirty="0"/>
+              <a:t>Motivation: Single Electron –Hole Resolution </a:t>
+            </a:r>
+          </a:p>
+        </p:txBody>
+      </p:sp>
+      <p:sp>
+        <p:nvSpPr>
+          <p:cNvPr id="3" name="Content Placeholder 2">
+            <a:extLst>
+              <a:ext uri="{FF2B5EF4-FFF2-40B4-BE49-F238E27FC236}">
+                <a16:creationId xmlns:a16="http://schemas.microsoft.com/office/drawing/2014/main" id="{C63F420E-8EB2-ED4F-852C-A1AD316079FE}"/>
+              </a:ext>
+            </a:extLst>
+          </p:cNvPr>
+          <p:cNvSpPr>
+            <a:spLocks noGrp="1"/>
+          </p:cNvSpPr>
+          <p:nvPr>
+            <p:ph idx="1"/>
+          </p:nvPr>
+        </p:nvSpPr>
+        <p:spPr/>
+        <p:txBody>
+          <a:bodyPr/>
+          <a:lstStyle/>
+          <a:p>
+            <a:r>
+              <a:rPr lang="en-US" dirty="0"/>
+              <a:t>PLOT SHOWING PHONON SPECTRUM AND </a:t>
+            </a:r>
+            <a:r>
+              <a:rPr lang="en-US" dirty="0" err="1"/>
+              <a:t>Neh</a:t>
+            </a:r>
+            <a:endParaRPr lang="en-US" dirty="0"/>
+          </a:p>
+        </p:txBody>
+      </p:sp>
+      <p:sp>
+        <p:nvSpPr>
+          <p:cNvPr id="4" name="Slide Number Placeholder 3">
+            <a:extLst>
+              <a:ext uri="{FF2B5EF4-FFF2-40B4-BE49-F238E27FC236}">
+                <a16:creationId xmlns:a16="http://schemas.microsoft.com/office/drawing/2014/main" id="{5FB536DB-DE5A-7E48-A1B9-A06862847DED}"/>
+              </a:ext>
+            </a:extLst>
+          </p:cNvPr>
+          <p:cNvSpPr>
+            <a:spLocks noGrp="1"/>
+          </p:cNvSpPr>
+          <p:nvPr>
+            <p:ph type="sldNum" sz="quarter" idx="12"/>
+          </p:nvPr>
+        </p:nvSpPr>
+        <p:spPr/>
+        <p:txBody>
+          <a:bodyPr/>
+          <a:lstStyle/>
+          <a:p>
+            <a:fld id="{035DBD62-E6E0-484E-AB64-E286A6B85B65}" type="slidenum">
+              <a:rPr lang="en-US" smtClean="0"/>
+              <a:t>15</a:t>
+            </a:fld>
+            <a:endParaRPr lang="en-US"/>
+          </a:p>
+        </p:txBody>
+      </p:sp>
+    </p:spTree>
+    <p:extLst>
+      <p:ext uri="{BB962C8B-B14F-4D97-AF65-F5344CB8AC3E}">
+        <p14:creationId xmlns:p14="http://schemas.microsoft.com/office/powerpoint/2010/main" val="3207931489"/>
+      </p:ext>
+    </p:extLst>
+  </p:cSld>
+  <p:clrMapOvr>
+    <a:masterClrMapping/>
+  </p:clrMapOvr>
+</p:sld>
+</file>
+
+<file path=ppt/slides/slide16.xml><?xml version="1.0" encoding="utf-8"?>
+<p:sld xmlns:a="http://schemas.openxmlformats.org/drawingml/2006/main" xmlns:r="http://schemas.openxmlformats.org/officeDocument/2006/relationships" xmlns:p="http://schemas.openxmlformats.org/presentationml/2006/main">
+  <p:cSld>
+    <p:spTree>
+      <p:nvGrpSpPr>
+        <p:cNvPr id="1" name=""/>
+        <p:cNvGrpSpPr/>
+        <p:nvPr/>
+      </p:nvGrpSpPr>
+      <p:grpSpPr>
+        <a:xfrm>
+          <a:off x="0" y="0"/>
+          <a:ext cx="0" cy="0"/>
+          <a:chOff x="0" y="0"/>
+          <a:chExt cx="0" cy="0"/>
+        </a:xfrm>
+      </p:grpSpPr>
+      <p:sp>
+        <p:nvSpPr>
+          <p:cNvPr id="2" name="Title 1">
+            <a:extLst>
+              <a:ext uri="{FF2B5EF4-FFF2-40B4-BE49-F238E27FC236}">
+                <a16:creationId xmlns:a16="http://schemas.microsoft.com/office/drawing/2014/main" id="{1CAB6AD5-C431-6040-BFB0-BE9BAA9FBFB8}"/>
+              </a:ext>
+            </a:extLst>
+          </p:cNvPr>
+          <p:cNvSpPr>
+            <a:spLocks noGrp="1"/>
+          </p:cNvSpPr>
+          <p:nvPr>
+            <p:ph type="title"/>
+          </p:nvPr>
+        </p:nvSpPr>
+        <p:spPr/>
+        <p:txBody>
+          <a:bodyPr/>
+          <a:lstStyle/>
+          <a:p>
+            <a:r>
+              <a:rPr lang="en-US" dirty="0"/>
+              <a:t>Current Work </a:t>
+            </a:r>
+          </a:p>
+        </p:txBody>
+      </p:sp>
+      <p:sp>
+        <p:nvSpPr>
+          <p:cNvPr id="3" name="Content Placeholder 2">
+            <a:extLst>
+              <a:ext uri="{FF2B5EF4-FFF2-40B4-BE49-F238E27FC236}">
+                <a16:creationId xmlns:a16="http://schemas.microsoft.com/office/drawing/2014/main" id="{25B2A58C-BDE1-F142-8AB1-B8A860A866AC}"/>
+              </a:ext>
+            </a:extLst>
+          </p:cNvPr>
+          <p:cNvSpPr>
+            <a:spLocks noGrp="1"/>
+          </p:cNvSpPr>
+          <p:nvPr>
+            <p:ph idx="1"/>
+          </p:nvPr>
+        </p:nvSpPr>
+        <p:spPr/>
+        <p:txBody>
+          <a:bodyPr/>
+          <a:lstStyle/>
+          <a:p>
+            <a:r>
+              <a:rPr lang="en-US" dirty="0"/>
+              <a:t>Four plots showing difference between simulated bands with and without added variance. .. And data.</a:t>
+            </a:r>
+          </a:p>
+        </p:txBody>
+      </p:sp>
+      <p:sp>
+        <p:nvSpPr>
+          <p:cNvPr id="4" name="Slide Number Placeholder 3">
+            <a:extLst>
+              <a:ext uri="{FF2B5EF4-FFF2-40B4-BE49-F238E27FC236}">
+                <a16:creationId xmlns:a16="http://schemas.microsoft.com/office/drawing/2014/main" id="{4B416502-E80B-3A41-8F85-4BDE5B343F0E}"/>
+              </a:ext>
+            </a:extLst>
+          </p:cNvPr>
+          <p:cNvSpPr>
+            <a:spLocks noGrp="1"/>
+          </p:cNvSpPr>
+          <p:nvPr>
+            <p:ph type="sldNum" sz="quarter" idx="12"/>
+          </p:nvPr>
+        </p:nvSpPr>
+        <p:spPr/>
+        <p:txBody>
+          <a:bodyPr/>
+          <a:lstStyle/>
+          <a:p>
+            <a:fld id="{035DBD62-E6E0-484E-AB64-E286A6B85B65}" type="slidenum">
+              <a:rPr lang="en-US" smtClean="0"/>
+              <a:t>16</a:t>
+            </a:fld>
+            <a:endParaRPr lang="en-US"/>
+          </a:p>
+        </p:txBody>
+      </p:sp>
+    </p:spTree>
+    <p:extLst>
+      <p:ext uri="{BB962C8B-B14F-4D97-AF65-F5344CB8AC3E}">
+        <p14:creationId xmlns:p14="http://schemas.microsoft.com/office/powerpoint/2010/main" val="3889502558"/>
+      </p:ext>
+    </p:extLst>
+  </p:cSld>
+  <p:clrMapOvr>
+    <a:masterClrMapping/>
+  </p:clrMapOvr>
+</p:sld>
+</file>
+
+<file path=ppt/slides/slide2.xml><?xml version="1.0" encoding="utf-8"?>
+<p:sld xmlns:a="http://schemas.openxmlformats.org/drawingml/2006/main" xmlns:r="http://schemas.openxmlformats.org/officeDocument/2006/relationships" xmlns:p="http://schemas.openxmlformats.org/presentationml/2006/main">
+  <p:cSld>
+    <p:spTree>
+      <p:nvGrpSpPr>
+        <p:cNvPr id="1" name=""/>
+        <p:cNvGrpSpPr/>
+        <p:nvPr/>
+      </p:nvGrpSpPr>
+      <p:grpSpPr>
+        <a:xfrm>
+          <a:off x="0" y="0"/>
+          <a:ext cx="0" cy="0"/>
+          <a:chOff x="0" y="0"/>
+          <a:chExt cx="0" cy="0"/>
+        </a:xfrm>
+      </p:grpSpPr>
+      <p:sp>
+        <p:nvSpPr>
+          <p:cNvPr id="2" name="Title 1">
+            <a:extLst>
+              <a:ext uri="{FF2B5EF4-FFF2-40B4-BE49-F238E27FC236}">
+                <a16:creationId xmlns:a16="http://schemas.microsoft.com/office/drawing/2014/main" id="{C5891617-D777-D044-8414-7012C9CF0423}"/>
+              </a:ext>
+            </a:extLst>
+          </p:cNvPr>
+          <p:cNvSpPr>
+            <a:spLocks noGrp="1"/>
+          </p:cNvSpPr>
+          <p:nvPr>
+            <p:ph type="title"/>
+          </p:nvPr>
+        </p:nvSpPr>
+        <p:spPr/>
+        <p:txBody>
+          <a:bodyPr/>
+          <a:lstStyle/>
+          <a:p>
+            <a:r>
+              <a:rPr lang="en-US" dirty="0"/>
+              <a:t>Dark Matter </a:t>
+            </a:r>
+          </a:p>
+        </p:txBody>
+      </p:sp>
+      <p:sp>
+        <p:nvSpPr>
+          <p:cNvPr id="3" name="Content Placeholder 2">
+            <a:extLst>
+              <a:ext uri="{FF2B5EF4-FFF2-40B4-BE49-F238E27FC236}">
+                <a16:creationId xmlns:a16="http://schemas.microsoft.com/office/drawing/2014/main" id="{47FEE99E-61EB-4D42-9E41-AF7C633D7F3E}"/>
+              </a:ext>
+            </a:extLst>
+          </p:cNvPr>
+          <p:cNvSpPr>
+            <a:spLocks noGrp="1"/>
+          </p:cNvSpPr>
+          <p:nvPr>
+            <p:ph idx="1"/>
+          </p:nvPr>
+        </p:nvSpPr>
+        <p:spPr>
+          <a:xfrm>
+            <a:off x="838200" y="1825625"/>
+            <a:ext cx="5809735" cy="4351338"/>
+          </a:xfrm>
+        </p:spPr>
+        <p:txBody>
+          <a:bodyPr>
+            <a:normAutofit/>
+          </a:bodyPr>
+          <a:lstStyle/>
+          <a:p>
+            <a:r>
+              <a:rPr lang="en-US" sz="1800" dirty="0"/>
+              <a:t>Dark matter has been theorized to be Weakly Interact Massive Particles(WIMPs) with masses on the order of a GeV/c</a:t>
+            </a:r>
+            <a:r>
+              <a:rPr lang="en-US" sz="1800" baseline="30000" dirty="0"/>
+              <a:t>2 </a:t>
+            </a:r>
+            <a:r>
+              <a:rPr lang="en-US" sz="1800" dirty="0"/>
+              <a:t> to a few </a:t>
+            </a:r>
+            <a:r>
+              <a:rPr lang="en-US" sz="1800" dirty="0" err="1"/>
+              <a:t>TeV</a:t>
+            </a:r>
+            <a:r>
+              <a:rPr lang="en-US" sz="1800" dirty="0"/>
+              <a:t>/c</a:t>
+            </a:r>
+            <a:r>
+              <a:rPr lang="en-US" sz="1800" baseline="30000" dirty="0"/>
+              <a:t>2.</a:t>
+            </a:r>
+            <a:endParaRPr lang="en-US" sz="1800" dirty="0"/>
+          </a:p>
+          <a:p>
+            <a:endParaRPr lang="en-US" sz="1800" dirty="0"/>
+          </a:p>
+          <a:p>
+            <a:r>
+              <a:rPr lang="en-US" sz="1800" dirty="0"/>
+              <a:t>In the post Minimal Supersymmetric Standard Model era, we are completely in the dark on the dark matter mass. </a:t>
+            </a:r>
+          </a:p>
+          <a:p>
+            <a:endParaRPr lang="en-US" sz="1800" dirty="0"/>
+          </a:p>
+          <a:p>
+            <a:r>
+              <a:rPr lang="en-US" sz="1800" dirty="0"/>
+              <a:t>Dark matter can still be ”WIMP” like in the way it interacts with nuclei, but can have a very low mass. </a:t>
+            </a:r>
+          </a:p>
+          <a:p>
+            <a:pPr marL="0" indent="0">
+              <a:buNone/>
+            </a:pPr>
+            <a:endParaRPr lang="en-US" sz="1800" dirty="0"/>
+          </a:p>
+          <a:p>
+            <a:r>
+              <a:rPr lang="en-US" sz="1800" dirty="0"/>
+              <a:t>Detectors that can measure electron-hole pairs have been moving the DM mass limit plot down. </a:t>
+            </a:r>
+          </a:p>
+        </p:txBody>
+      </p:sp>
+      <p:sp>
+        <p:nvSpPr>
+          <p:cNvPr id="4" name="Slide Number Placeholder 3">
+            <a:extLst>
+              <a:ext uri="{FF2B5EF4-FFF2-40B4-BE49-F238E27FC236}">
+                <a16:creationId xmlns:a16="http://schemas.microsoft.com/office/drawing/2014/main" id="{683A9D09-8254-3A49-B08E-A5004FB7BF7D}"/>
+              </a:ext>
+            </a:extLst>
+          </p:cNvPr>
+          <p:cNvSpPr>
+            <a:spLocks noGrp="1"/>
+          </p:cNvSpPr>
+          <p:nvPr>
+            <p:ph type="sldNum" sz="quarter" idx="12"/>
+          </p:nvPr>
+        </p:nvSpPr>
+        <p:spPr/>
+        <p:txBody>
+          <a:bodyPr/>
+          <a:lstStyle/>
+          <a:p>
+            <a:fld id="{035DBD62-E6E0-484E-AB64-E286A6B85B65}" type="slidenum">
+              <a:rPr lang="en-US" smtClean="0"/>
+              <a:t>2</a:t>
+            </a:fld>
+            <a:endParaRPr lang="en-US"/>
+          </a:p>
+        </p:txBody>
+      </p:sp>
+      <p:pic>
+        <p:nvPicPr>
+          <p:cNvPr id="6" name="Picture 5">
+            <a:extLst>
+              <a:ext uri="{FF2B5EF4-FFF2-40B4-BE49-F238E27FC236}">
+                <a16:creationId xmlns:a16="http://schemas.microsoft.com/office/drawing/2014/main" id="{01C108F2-7BA1-EC4C-A94F-6BEAABBBE8F6}"/>
+              </a:ext>
+            </a:extLst>
+          </p:cNvPr>
+          <p:cNvPicPr>
+            <a:picLocks noChangeAspect="1"/>
+          </p:cNvPicPr>
+          <p:nvPr/>
+        </p:nvPicPr>
+        <p:blipFill>
+          <a:blip r:embed="rId3"/>
+          <a:stretch>
+            <a:fillRect/>
+          </a:stretch>
+        </p:blipFill>
+        <p:spPr>
+          <a:xfrm>
+            <a:off x="6647935" y="1690688"/>
+            <a:ext cx="5066269" cy="3799702"/>
+          </a:xfrm>
+          <a:prstGeom prst="rect">
+            <a:avLst/>
+          </a:prstGeom>
+        </p:spPr>
+      </p:pic>
+    </p:spTree>
+    <p:extLst>
+      <p:ext uri="{BB962C8B-B14F-4D97-AF65-F5344CB8AC3E}">
+        <p14:creationId xmlns:p14="http://schemas.microsoft.com/office/powerpoint/2010/main" val="2650572086"/>
+      </p:ext>
+    </p:extLst>
+  </p:cSld>
+  <p:clrMapOvr>
+    <a:masterClrMapping/>
+  </p:clrMapOvr>
+</p:sld>
+</file>
+
+<file path=ppt/slides/slide3.xml><?xml version="1.0" encoding="utf-8"?>
+<p:sld xmlns:a="http://schemas.openxmlformats.org/drawingml/2006/main" xmlns:r="http://schemas.openxmlformats.org/officeDocument/2006/relationships" xmlns:p="http://schemas.openxmlformats.org/presentationml/2006/main">
+  <p:cSld>
+    <p:spTree>
+      <p:nvGrpSpPr>
+        <p:cNvPr id="1" name=""/>
+        <p:cNvGrpSpPr/>
+        <p:nvPr/>
+      </p:nvGrpSpPr>
+      <p:grpSpPr>
+        <a:xfrm>
+          <a:off x="0" y="0"/>
+          <a:ext cx="0" cy="0"/>
+          <a:chOff x="0" y="0"/>
+          <a:chExt cx="0" cy="0"/>
+        </a:xfrm>
+      </p:grpSpPr>
+      <p:sp>
+        <p:nvSpPr>
+          <p:cNvPr id="2" name="Title 1">
+            <a:extLst>
+              <a:ext uri="{FF2B5EF4-FFF2-40B4-BE49-F238E27FC236}">
+                <a16:creationId xmlns:a16="http://schemas.microsoft.com/office/drawing/2014/main" id="{24B7DF4A-1926-FD4C-94CA-990D4B267C66}"/>
+              </a:ext>
+            </a:extLst>
+          </p:cNvPr>
+          <p:cNvSpPr>
+            <a:spLocks noGrp="1"/>
+          </p:cNvSpPr>
+          <p:nvPr>
+            <p:ph type="title"/>
+          </p:nvPr>
+        </p:nvSpPr>
+        <p:spPr/>
+        <p:txBody>
+          <a:bodyPr/>
+          <a:lstStyle/>
+          <a:p>
+            <a:r>
+              <a:rPr lang="en-US" dirty="0"/>
+              <a:t>Charge Creation in Solids </a:t>
+            </a:r>
+          </a:p>
+        </p:txBody>
+      </p:sp>
+      <p:pic>
+        <p:nvPicPr>
+          <p:cNvPr id="5" name="Content Placeholder 4">
+            <a:extLst>
+              <a:ext uri="{FF2B5EF4-FFF2-40B4-BE49-F238E27FC236}">
+                <a16:creationId xmlns:a16="http://schemas.microsoft.com/office/drawing/2014/main" id="{F18A38AD-7C3D-B848-A538-698A9F7D610A}"/>
+              </a:ext>
+            </a:extLst>
+          </p:cNvPr>
+          <p:cNvPicPr>
+            <a:picLocks noGrp="1" noChangeAspect="1"/>
+          </p:cNvPicPr>
+          <p:nvPr>
+            <p:ph idx="1"/>
+          </p:nvPr>
+        </p:nvPicPr>
+        <p:blipFill>
+          <a:blip r:embed="rId3"/>
+          <a:stretch>
+            <a:fillRect/>
+          </a:stretch>
+        </p:blipFill>
+        <p:spPr>
+          <a:xfrm>
+            <a:off x="6634777" y="1174891"/>
+            <a:ext cx="5529191" cy="3382382"/>
+          </a:xfrm>
+        </p:spPr>
+      </p:pic>
+      <p:sp>
+        <p:nvSpPr>
+          <p:cNvPr id="3" name="Slide Number Placeholder 2">
+            <a:extLst>
+              <a:ext uri="{FF2B5EF4-FFF2-40B4-BE49-F238E27FC236}">
+                <a16:creationId xmlns:a16="http://schemas.microsoft.com/office/drawing/2014/main" id="{3EE1539B-7753-2A46-99F3-9F1D56504805}"/>
+              </a:ext>
+            </a:extLst>
+          </p:cNvPr>
+          <p:cNvSpPr>
+            <a:spLocks noGrp="1"/>
+          </p:cNvSpPr>
+          <p:nvPr>
+            <p:ph type="sldNum" sz="quarter" idx="12"/>
+          </p:nvPr>
+        </p:nvSpPr>
+        <p:spPr/>
+        <p:txBody>
+          <a:bodyPr/>
+          <a:lstStyle/>
+          <a:p>
+            <a:fld id="{035DBD62-E6E0-484E-AB64-E286A6B85B65}" type="slidenum">
+              <a:rPr lang="en-US" smtClean="0"/>
+              <a:t>3</a:t>
+            </a:fld>
+            <a:endParaRPr lang="en-US"/>
+          </a:p>
+        </p:txBody>
+      </p:sp>
+      <p:sp>
+        <p:nvSpPr>
+          <p:cNvPr id="4" name="TextBox 3">
+            <a:extLst>
+              <a:ext uri="{FF2B5EF4-FFF2-40B4-BE49-F238E27FC236}">
+                <a16:creationId xmlns:a16="http://schemas.microsoft.com/office/drawing/2014/main" id="{F7891556-283B-394C-AF9F-1957E51B2D4B}"/>
+              </a:ext>
+            </a:extLst>
+          </p:cNvPr>
+          <p:cNvSpPr txBox="1"/>
+          <p:nvPr/>
+        </p:nvSpPr>
+        <p:spPr>
+          <a:xfrm>
+            <a:off x="2792627" y="2681416"/>
+            <a:ext cx="184731" cy="369332"/>
+          </a:xfrm>
+          <a:prstGeom prst="rect">
+            <a:avLst/>
+          </a:prstGeom>
+          <a:noFill/>
+        </p:spPr>
+        <p:txBody>
+          <a:bodyPr wrap="none" rtlCol="0">
+            <a:spAutoFit/>
+          </a:bodyPr>
+          <a:lstStyle/>
+          <a:p>
+            <a:endParaRPr lang="en-US" dirty="0"/>
+          </a:p>
+        </p:txBody>
+      </p:sp>
+      <p:sp>
+        <p:nvSpPr>
+          <p:cNvPr id="6" name="TextBox 5">
+            <a:extLst>
+              <a:ext uri="{FF2B5EF4-FFF2-40B4-BE49-F238E27FC236}">
+                <a16:creationId xmlns:a16="http://schemas.microsoft.com/office/drawing/2014/main" id="{48197547-3408-3D43-843B-FBD677241214}"/>
+              </a:ext>
+            </a:extLst>
+          </p:cNvPr>
+          <p:cNvSpPr txBox="1"/>
+          <p:nvPr/>
+        </p:nvSpPr>
+        <p:spPr>
+          <a:xfrm>
+            <a:off x="825843" y="1649978"/>
+            <a:ext cx="4930346" cy="6740307"/>
+          </a:xfrm>
+          <a:prstGeom prst="rect">
+            <a:avLst/>
+          </a:prstGeom>
+          <a:noFill/>
+        </p:spPr>
+        <p:txBody>
+          <a:bodyPr wrap="square" rtlCol="0">
+            <a:spAutoFit/>
+          </a:bodyPr>
+          <a:lstStyle/>
+          <a:p>
+            <a:pPr marL="285750" indent="-285750">
+              <a:buFont typeface="Arial" panose="020B0604020202020204" pitchFamily="34" charset="0"/>
+              <a:buChar char="•"/>
+            </a:pPr>
+            <a:r>
+              <a:rPr lang="en-US" dirty="0"/>
+              <a:t>When a WIMP hits nuclei initial phonons are produced and charge is liberated. </a:t>
+            </a:r>
+          </a:p>
+          <a:p>
+            <a:pPr marL="285750" indent="-285750">
+              <a:buFont typeface="Arial" panose="020B0604020202020204" pitchFamily="34" charset="0"/>
+              <a:buChar char="•"/>
+            </a:pPr>
+            <a:endParaRPr lang="en-US" dirty="0"/>
+          </a:p>
+          <a:p>
+            <a:pPr marL="285750" indent="-285750">
+              <a:buFont typeface="Arial" panose="020B0604020202020204" pitchFamily="34" charset="0"/>
+              <a:buChar char="•"/>
+            </a:pPr>
+            <a:r>
+              <a:rPr lang="en-US" dirty="0"/>
+              <a:t>Current generation of low threshold detectors only count number of charge carriers produced. </a:t>
+            </a:r>
+          </a:p>
+          <a:p>
+            <a:pPr marL="285750" indent="-285750">
+              <a:buFont typeface="Arial" panose="020B0604020202020204" pitchFamily="34" charset="0"/>
+              <a:buChar char="•"/>
+            </a:pPr>
+            <a:endParaRPr lang="en-US" dirty="0"/>
+          </a:p>
+          <a:p>
+            <a:pPr marL="285750" indent="-285750">
+              <a:buFont typeface="Arial" panose="020B0604020202020204" pitchFamily="34" charset="0"/>
+              <a:buChar char="•"/>
+            </a:pPr>
+            <a:r>
+              <a:rPr lang="en-US" dirty="0"/>
+              <a:t>There is no good nuclear recoil calibration standard.</a:t>
+            </a:r>
+          </a:p>
+          <a:p>
+            <a:pPr marL="285750" indent="-285750">
+              <a:buFont typeface="Arial" panose="020B0604020202020204" pitchFamily="34" charset="0"/>
+              <a:buChar char="•"/>
+            </a:pPr>
+            <a:endParaRPr lang="en-US" dirty="0"/>
+          </a:p>
+          <a:p>
+            <a:pPr marL="285750" indent="-285750">
+              <a:buFont typeface="Arial" panose="020B0604020202020204" pitchFamily="34" charset="0"/>
+              <a:buChar char="•"/>
+            </a:pPr>
+            <a:r>
+              <a:rPr lang="en-US" dirty="0"/>
+              <a:t>Need to know ratio of energy that goes into the electronic system and its variation.</a:t>
+            </a:r>
+          </a:p>
+          <a:p>
+            <a:pPr marL="285750" indent="-285750">
+              <a:buFont typeface="Arial" panose="020B0604020202020204" pitchFamily="34" charset="0"/>
+              <a:buChar char="•"/>
+            </a:pPr>
+            <a:endParaRPr lang="en-US" dirty="0"/>
+          </a:p>
+          <a:p>
+            <a:pPr marL="285750" indent="-285750">
+              <a:buFont typeface="Arial" panose="020B0604020202020204" pitchFamily="34" charset="0"/>
+              <a:buChar char="•"/>
+            </a:pPr>
+            <a:r>
+              <a:rPr lang="en-US" dirty="0"/>
+              <a:t>Or the best we could hope for is a distribution of the number of electron hole pairs for a given </a:t>
+            </a:r>
+            <a:r>
+              <a:rPr lang="en-US" dirty="0" err="1"/>
+              <a:t>E</a:t>
+            </a:r>
+            <a:r>
+              <a:rPr lang="en-US" baseline="-25000" dirty="0" err="1"/>
+              <a:t>r</a:t>
+            </a:r>
+            <a:endParaRPr lang="en-US" dirty="0"/>
+          </a:p>
+          <a:p>
+            <a:pPr marL="285750" indent="-285750">
+              <a:buFont typeface="Arial" panose="020B0604020202020204" pitchFamily="34" charset="0"/>
+              <a:buChar char="•"/>
+            </a:pPr>
+            <a:endParaRPr lang="en-US" dirty="0"/>
+          </a:p>
+          <a:p>
+            <a:endParaRPr lang="en-US" dirty="0"/>
+          </a:p>
+          <a:p>
+            <a:pPr marL="285750" indent="-285750">
+              <a:buFont typeface="Arial" panose="020B0604020202020204" pitchFamily="34" charset="0"/>
+              <a:buChar char="•"/>
+            </a:pPr>
+            <a:endParaRPr lang="en-US" dirty="0"/>
+          </a:p>
+          <a:p>
+            <a:pPr marL="285750" indent="-285750">
+              <a:buFont typeface="Arial" panose="020B0604020202020204" pitchFamily="34" charset="0"/>
+              <a:buChar char="•"/>
+            </a:pPr>
+            <a:endParaRPr lang="en-US" dirty="0"/>
+          </a:p>
+          <a:p>
+            <a:pPr marL="285750" indent="-285750">
+              <a:buFont typeface="Arial" panose="020B0604020202020204" pitchFamily="34" charset="0"/>
+              <a:buChar char="•"/>
+            </a:pPr>
+            <a:endParaRPr lang="en-US" dirty="0"/>
+          </a:p>
+          <a:p>
+            <a:pPr marL="285750" indent="-285750">
+              <a:buFont typeface="Arial" panose="020B0604020202020204" pitchFamily="34" charset="0"/>
+              <a:buChar char="•"/>
+            </a:pPr>
+            <a:endParaRPr lang="en-US" dirty="0"/>
+          </a:p>
+          <a:p>
+            <a:pPr marL="285750" indent="-285750">
+              <a:buFont typeface="Arial" panose="020B0604020202020204" pitchFamily="34" charset="0"/>
+              <a:buChar char="•"/>
+            </a:pPr>
+            <a:endParaRPr lang="en-US" dirty="0"/>
+          </a:p>
+          <a:p>
+            <a:pPr marL="285750" indent="-285750">
+              <a:buFont typeface="Arial" panose="020B0604020202020204" pitchFamily="34" charset="0"/>
+              <a:buChar char="•"/>
+            </a:pPr>
+            <a:endParaRPr lang="en-US" dirty="0"/>
+          </a:p>
+          <a:p>
+            <a:pPr marL="285750" indent="-285750">
+              <a:buFont typeface="Arial" panose="020B0604020202020204" pitchFamily="34" charset="0"/>
+              <a:buChar char="•"/>
+            </a:pPr>
+            <a:endParaRPr lang="en-US" dirty="0"/>
+          </a:p>
+        </p:txBody>
+      </p:sp>
+      <p:pic>
+        <p:nvPicPr>
+          <p:cNvPr id="8" name="Picture 7">
+            <a:extLst>
+              <a:ext uri="{FF2B5EF4-FFF2-40B4-BE49-F238E27FC236}">
+                <a16:creationId xmlns:a16="http://schemas.microsoft.com/office/drawing/2014/main" id="{7F50AC3F-6268-5A40-AB27-4322058C2874}"/>
+              </a:ext>
+            </a:extLst>
+          </p:cNvPr>
+          <p:cNvPicPr>
+            <a:picLocks noChangeAspect="1"/>
+          </p:cNvPicPr>
+          <p:nvPr/>
+        </p:nvPicPr>
+        <p:blipFill>
+          <a:blip r:embed="rId4"/>
+          <a:stretch>
+            <a:fillRect/>
+          </a:stretch>
+        </p:blipFill>
+        <p:spPr>
+          <a:xfrm>
+            <a:off x="7030957" y="4557273"/>
+            <a:ext cx="2833888" cy="526051"/>
+          </a:xfrm>
+          <a:prstGeom prst="rect">
+            <a:avLst/>
+          </a:prstGeom>
+        </p:spPr>
+      </p:pic>
+    </p:spTree>
+    <p:extLst>
+      <p:ext uri="{BB962C8B-B14F-4D97-AF65-F5344CB8AC3E}">
+        <p14:creationId xmlns:p14="http://schemas.microsoft.com/office/powerpoint/2010/main" val="1339083836"/>
+      </p:ext>
+    </p:extLst>
+  </p:cSld>
+  <p:clrMapOvr>
+    <a:masterClrMapping/>
+  </p:clrMapOvr>
+</p:sld>
+</file>
+
+<file path=ppt/slides/slide4.xml><?xml version="1.0" encoding="utf-8"?>
+<p:sld xmlns:a="http://schemas.openxmlformats.org/drawingml/2006/main" xmlns:r="http://schemas.openxmlformats.org/officeDocument/2006/relationships" xmlns:p="http://schemas.openxmlformats.org/presentationml/2006/main">
+  <p:cSld>
+    <p:spTree>
+      <p:nvGrpSpPr>
+        <p:cNvPr id="1" name=""/>
+        <p:cNvGrpSpPr/>
+        <p:nvPr/>
+      </p:nvGrpSpPr>
+      <p:grpSpPr>
+        <a:xfrm>
+          <a:off x="0" y="0"/>
+          <a:ext cx="0" cy="0"/>
+          <a:chOff x="0" y="0"/>
+          <a:chExt cx="0" cy="0"/>
+        </a:xfrm>
+      </p:grpSpPr>
+      <p:sp>
+        <p:nvSpPr>
+          <p:cNvPr id="2" name="Title 1">
+            <a:extLst>
+              <a:ext uri="{FF2B5EF4-FFF2-40B4-BE49-F238E27FC236}">
+                <a16:creationId xmlns:a16="http://schemas.microsoft.com/office/drawing/2014/main" id="{029CC9B3-EA40-584D-92A7-B27B260E40EE}"/>
+              </a:ext>
+            </a:extLst>
+          </p:cNvPr>
+          <p:cNvSpPr>
+            <a:spLocks noGrp="1"/>
+          </p:cNvSpPr>
+          <p:nvPr>
+            <p:ph type="title"/>
+          </p:nvPr>
+        </p:nvSpPr>
+        <p:spPr/>
+        <p:txBody>
+          <a:bodyPr/>
+          <a:lstStyle/>
+          <a:p>
+            <a:r>
+              <a:rPr lang="en-US" dirty="0" err="1"/>
+              <a:t>HVeV</a:t>
+            </a:r>
+            <a:r>
+              <a:rPr lang="en-US" dirty="0"/>
+              <a:t> Detector.  </a:t>
+            </a:r>
+          </a:p>
+        </p:txBody>
+      </p:sp>
+      <p:sp>
+        <p:nvSpPr>
+          <p:cNvPr id="3" name="Content Placeholder 2">
+            <a:extLst>
+              <a:ext uri="{FF2B5EF4-FFF2-40B4-BE49-F238E27FC236}">
+                <a16:creationId xmlns:a16="http://schemas.microsoft.com/office/drawing/2014/main" id="{A77EA2EC-99CB-9B40-8A81-6546C1A4CAF8}"/>
+              </a:ext>
+            </a:extLst>
+          </p:cNvPr>
+          <p:cNvSpPr>
+            <a:spLocks noGrp="1"/>
+          </p:cNvSpPr>
+          <p:nvPr>
+            <p:ph idx="1"/>
+          </p:nvPr>
+        </p:nvSpPr>
+        <p:spPr>
+          <a:xfrm>
+            <a:off x="838200" y="1825625"/>
+            <a:ext cx="5257800" cy="4351338"/>
+          </a:xfrm>
+        </p:spPr>
+        <p:txBody>
+          <a:bodyPr/>
+          <a:lstStyle/>
+          <a:p>
+            <a:endParaRPr lang="en-US" sz="1800" dirty="0"/>
+          </a:p>
+          <a:p>
+            <a:r>
+              <a:rPr lang="en-US" sz="1800" dirty="0"/>
+              <a:t>Spectrum </a:t>
+            </a:r>
+          </a:p>
+          <a:p>
+            <a:endParaRPr lang="en-US" sz="1800" dirty="0"/>
+          </a:p>
+          <a:p>
+            <a:r>
+              <a:rPr lang="en-US" sz="1800" dirty="0"/>
+              <a:t>(Non-overlapping) ?  </a:t>
+            </a:r>
+          </a:p>
+          <a:p>
+            <a:endParaRPr lang="en-US" sz="1800" dirty="0"/>
+          </a:p>
+          <a:p>
+            <a:pPr marL="0" indent="0">
+              <a:buNone/>
+            </a:pPr>
+            <a:endParaRPr lang="en-US" sz="1800" dirty="0"/>
+          </a:p>
+          <a:p>
+            <a:pPr marL="0" indent="0">
+              <a:buNone/>
+            </a:pPr>
+            <a:r>
+              <a:rPr lang="en-US" dirty="0"/>
+              <a:t> </a:t>
+            </a:r>
+          </a:p>
+        </p:txBody>
+      </p:sp>
+      <p:sp>
+        <p:nvSpPr>
+          <p:cNvPr id="11" name="Slide Number Placeholder 10">
+            <a:extLst>
+              <a:ext uri="{FF2B5EF4-FFF2-40B4-BE49-F238E27FC236}">
+                <a16:creationId xmlns:a16="http://schemas.microsoft.com/office/drawing/2014/main" id="{3FBA8E98-A6A6-3D4F-B067-37DDB143ACCC}"/>
+              </a:ext>
+            </a:extLst>
+          </p:cNvPr>
+          <p:cNvSpPr>
+            <a:spLocks noGrp="1"/>
+          </p:cNvSpPr>
+          <p:nvPr>
+            <p:ph type="sldNum" sz="quarter" idx="12"/>
+          </p:nvPr>
+        </p:nvSpPr>
+        <p:spPr/>
+        <p:txBody>
+          <a:bodyPr/>
+          <a:lstStyle/>
+          <a:p>
+            <a:fld id="{035DBD62-E6E0-484E-AB64-E286A6B85B65}" type="slidenum">
+              <a:rPr lang="en-US" smtClean="0"/>
+              <a:t>4</a:t>
+            </a:fld>
+            <a:endParaRPr lang="en-US"/>
+          </a:p>
+        </p:txBody>
+      </p:sp>
+    </p:spTree>
+    <p:extLst>
+      <p:ext uri="{BB962C8B-B14F-4D97-AF65-F5344CB8AC3E}">
+        <p14:creationId xmlns:p14="http://schemas.microsoft.com/office/powerpoint/2010/main" val="2422676951"/>
+      </p:ext>
+    </p:extLst>
+  </p:cSld>
+  <p:clrMapOvr>
+    <a:masterClrMapping/>
+  </p:clrMapOvr>
+</p:sld>
+</file>
+
+<file path=ppt/slides/slide5.xml><?xml version="1.0" encoding="utf-8"?>
+<p:sld xmlns:a="http://schemas.openxmlformats.org/drawingml/2006/main" xmlns:r="http://schemas.openxmlformats.org/officeDocument/2006/relationships" xmlns:p="http://schemas.openxmlformats.org/presentationml/2006/main">
+  <p:cSld>
+    <p:spTree>
+      <p:nvGrpSpPr>
+        <p:cNvPr id="1" name=""/>
+        <p:cNvGrpSpPr/>
+        <p:nvPr/>
+      </p:nvGrpSpPr>
+      <p:grpSpPr>
+        <a:xfrm>
+          <a:off x="0" y="0"/>
+          <a:ext cx="0" cy="0"/>
+          <a:chOff x="0" y="0"/>
+          <a:chExt cx="0" cy="0"/>
+        </a:xfrm>
+      </p:grpSpPr>
+      <p:sp>
+        <p:nvSpPr>
+          <p:cNvPr id="2" name="Title 1">
+            <a:extLst>
+              <a:ext uri="{FF2B5EF4-FFF2-40B4-BE49-F238E27FC236}">
+                <a16:creationId xmlns:a16="http://schemas.microsoft.com/office/drawing/2014/main" id="{24B7DF4A-1926-FD4C-94CA-990D4B267C66}"/>
+              </a:ext>
+            </a:extLst>
+          </p:cNvPr>
+          <p:cNvSpPr>
+            <a:spLocks noGrp="1"/>
+          </p:cNvSpPr>
+          <p:nvPr>
+            <p:ph type="title"/>
+          </p:nvPr>
+        </p:nvSpPr>
+        <p:spPr/>
+        <p:txBody>
+          <a:bodyPr/>
+          <a:lstStyle/>
+          <a:p>
+            <a:r>
+              <a:rPr lang="en-US" dirty="0"/>
+              <a:t>Ionization Yield </a:t>
+            </a:r>
+          </a:p>
+        </p:txBody>
+      </p:sp>
+      <p:sp>
+        <p:nvSpPr>
+          <p:cNvPr id="3" name="Slide Number Placeholder 2">
+            <a:extLst>
+              <a:ext uri="{FF2B5EF4-FFF2-40B4-BE49-F238E27FC236}">
+                <a16:creationId xmlns:a16="http://schemas.microsoft.com/office/drawing/2014/main" id="{3EE1539B-7753-2A46-99F3-9F1D56504805}"/>
+              </a:ext>
+            </a:extLst>
+          </p:cNvPr>
+          <p:cNvSpPr>
+            <a:spLocks noGrp="1"/>
+          </p:cNvSpPr>
+          <p:nvPr>
+            <p:ph type="sldNum" sz="quarter" idx="12"/>
+          </p:nvPr>
+        </p:nvSpPr>
+        <p:spPr/>
+        <p:txBody>
+          <a:bodyPr/>
+          <a:lstStyle/>
+          <a:p>
+            <a:fld id="{035DBD62-E6E0-484E-AB64-E286A6B85B65}" type="slidenum">
+              <a:rPr lang="en-US" smtClean="0"/>
+              <a:t>5</a:t>
+            </a:fld>
+            <a:endParaRPr lang="en-US" dirty="0"/>
+          </a:p>
+        </p:txBody>
+      </p:sp>
+      <p:sp>
+        <p:nvSpPr>
+          <p:cNvPr id="4" name="TextBox 3">
+            <a:extLst>
+              <a:ext uri="{FF2B5EF4-FFF2-40B4-BE49-F238E27FC236}">
+                <a16:creationId xmlns:a16="http://schemas.microsoft.com/office/drawing/2014/main" id="{F7891556-283B-394C-AF9F-1957E51B2D4B}"/>
+              </a:ext>
+            </a:extLst>
+          </p:cNvPr>
+          <p:cNvSpPr txBox="1"/>
+          <p:nvPr/>
+        </p:nvSpPr>
+        <p:spPr>
+          <a:xfrm>
+            <a:off x="2792627" y="2681416"/>
+            <a:ext cx="184731" cy="369332"/>
+          </a:xfrm>
+          <a:prstGeom prst="rect">
+            <a:avLst/>
+          </a:prstGeom>
+          <a:noFill/>
+        </p:spPr>
+        <p:txBody>
+          <a:bodyPr wrap="none" rtlCol="0">
+            <a:spAutoFit/>
+          </a:bodyPr>
+          <a:lstStyle/>
+          <a:p>
+            <a:endParaRPr lang="en-US" dirty="0"/>
+          </a:p>
+        </p:txBody>
+      </p:sp>
+      <p:sp>
+        <p:nvSpPr>
+          <p:cNvPr id="6" name="TextBox 5">
+            <a:extLst>
+              <a:ext uri="{FF2B5EF4-FFF2-40B4-BE49-F238E27FC236}">
+                <a16:creationId xmlns:a16="http://schemas.microsoft.com/office/drawing/2014/main" id="{48197547-3408-3D43-843B-FBD677241214}"/>
+              </a:ext>
+            </a:extLst>
+          </p:cNvPr>
+          <p:cNvSpPr txBox="1"/>
+          <p:nvPr/>
+        </p:nvSpPr>
+        <p:spPr>
+          <a:xfrm>
+            <a:off x="825843" y="1649978"/>
+            <a:ext cx="4930346" cy="6740307"/>
+          </a:xfrm>
+          <a:prstGeom prst="rect">
+            <a:avLst/>
+          </a:prstGeom>
+          <a:noFill/>
+        </p:spPr>
+        <p:txBody>
+          <a:bodyPr wrap="square" rtlCol="0">
+            <a:spAutoFit/>
+          </a:bodyPr>
+          <a:lstStyle/>
+          <a:p>
+            <a:pPr marL="285750" indent="-285750">
+              <a:buFont typeface="Arial" panose="020B0604020202020204" pitchFamily="34" charset="0"/>
+              <a:buChar char="•"/>
+            </a:pPr>
+            <a:r>
+              <a:rPr lang="en-US" dirty="0"/>
+              <a:t>When a WIMP hits nuclei initial phonons are produced and charge is liberated. </a:t>
+            </a:r>
+          </a:p>
+          <a:p>
+            <a:pPr marL="285750" indent="-285750">
+              <a:buFont typeface="Arial" panose="020B0604020202020204" pitchFamily="34" charset="0"/>
+              <a:buChar char="•"/>
+            </a:pPr>
+            <a:endParaRPr lang="en-US" dirty="0"/>
+          </a:p>
+          <a:p>
+            <a:pPr marL="285750" indent="-285750">
+              <a:buFont typeface="Arial" panose="020B0604020202020204" pitchFamily="34" charset="0"/>
+              <a:buChar char="•"/>
+            </a:pPr>
+            <a:r>
+              <a:rPr lang="en-US" dirty="0"/>
+              <a:t>Current generation of low threshold detectors only count number of charge carriers produced. </a:t>
+            </a:r>
+          </a:p>
+          <a:p>
+            <a:pPr marL="285750" indent="-285750">
+              <a:buFont typeface="Arial" panose="020B0604020202020204" pitchFamily="34" charset="0"/>
+              <a:buChar char="•"/>
+            </a:pPr>
+            <a:endParaRPr lang="en-US" dirty="0"/>
+          </a:p>
+          <a:p>
+            <a:pPr marL="285750" indent="-285750">
+              <a:buFont typeface="Arial" panose="020B0604020202020204" pitchFamily="34" charset="0"/>
+              <a:buChar char="•"/>
+            </a:pPr>
+            <a:r>
+              <a:rPr lang="en-US" dirty="0"/>
+              <a:t>There is no good nuclear recoil calibration standard.</a:t>
+            </a:r>
+          </a:p>
+          <a:p>
+            <a:pPr marL="285750" indent="-285750">
+              <a:buFont typeface="Arial" panose="020B0604020202020204" pitchFamily="34" charset="0"/>
+              <a:buChar char="•"/>
+            </a:pPr>
+            <a:endParaRPr lang="en-US" dirty="0"/>
+          </a:p>
+          <a:p>
+            <a:pPr marL="285750" indent="-285750">
+              <a:buFont typeface="Arial" panose="020B0604020202020204" pitchFamily="34" charset="0"/>
+              <a:buChar char="•"/>
+            </a:pPr>
+            <a:r>
+              <a:rPr lang="en-US" dirty="0">
+                <a:highlight>
+                  <a:srgbClr val="FFFF00"/>
+                </a:highlight>
+              </a:rPr>
+              <a:t>Need to know ratio of energy that goes into the electronic system and its variation.</a:t>
+            </a:r>
+          </a:p>
+          <a:p>
+            <a:pPr marL="285750" indent="-285750">
+              <a:buFont typeface="Arial" panose="020B0604020202020204" pitchFamily="34" charset="0"/>
+              <a:buChar char="•"/>
+            </a:pPr>
+            <a:endParaRPr lang="en-US" dirty="0"/>
+          </a:p>
+          <a:p>
+            <a:pPr marL="285750" indent="-285750">
+              <a:buFont typeface="Arial" panose="020B0604020202020204" pitchFamily="34" charset="0"/>
+              <a:buChar char="•"/>
+            </a:pPr>
+            <a:r>
+              <a:rPr lang="en-US" dirty="0"/>
+              <a:t>Or the best we could hope for is a distribution of the number of electron hole pairs for a given </a:t>
+            </a:r>
+            <a:r>
+              <a:rPr lang="en-US" dirty="0" err="1"/>
+              <a:t>E</a:t>
+            </a:r>
+            <a:r>
+              <a:rPr lang="en-US" baseline="-25000" dirty="0" err="1"/>
+              <a:t>r</a:t>
+            </a:r>
+            <a:endParaRPr lang="en-US" dirty="0"/>
+          </a:p>
+          <a:p>
+            <a:pPr marL="285750" indent="-285750">
+              <a:buFont typeface="Arial" panose="020B0604020202020204" pitchFamily="34" charset="0"/>
+              <a:buChar char="•"/>
+            </a:pPr>
+            <a:endParaRPr lang="en-US" dirty="0"/>
+          </a:p>
+          <a:p>
+            <a:endParaRPr lang="en-US" dirty="0"/>
+          </a:p>
+          <a:p>
+            <a:endParaRPr lang="en-US" dirty="0"/>
+          </a:p>
+          <a:p>
+            <a:endParaRPr lang="en-US" dirty="0"/>
+          </a:p>
+          <a:p>
+            <a:pPr marL="285750" indent="-285750">
+              <a:buFont typeface="Arial" panose="020B0604020202020204" pitchFamily="34" charset="0"/>
+              <a:buChar char="•"/>
+            </a:pPr>
+            <a:endParaRPr lang="en-US" dirty="0"/>
+          </a:p>
+          <a:p>
+            <a:pPr marL="285750" indent="-285750">
+              <a:buFont typeface="Arial" panose="020B0604020202020204" pitchFamily="34" charset="0"/>
+              <a:buChar char="•"/>
+            </a:pPr>
+            <a:endParaRPr lang="en-US" dirty="0"/>
+          </a:p>
+          <a:p>
+            <a:pPr marL="285750" indent="-285750">
+              <a:buFont typeface="Arial" panose="020B0604020202020204" pitchFamily="34" charset="0"/>
+              <a:buChar char="•"/>
+            </a:pPr>
+            <a:endParaRPr lang="en-US" dirty="0"/>
+          </a:p>
+          <a:p>
+            <a:pPr marL="285750" indent="-285750">
+              <a:buFont typeface="Arial" panose="020B0604020202020204" pitchFamily="34" charset="0"/>
+              <a:buChar char="•"/>
+            </a:pPr>
+            <a:endParaRPr lang="en-US" dirty="0"/>
+          </a:p>
+          <a:p>
+            <a:pPr marL="285750" indent="-285750">
+              <a:buFont typeface="Arial" panose="020B0604020202020204" pitchFamily="34" charset="0"/>
+              <a:buChar char="•"/>
+            </a:pPr>
+            <a:endParaRPr lang="en-US" dirty="0"/>
+          </a:p>
+        </p:txBody>
+      </p:sp>
+      <p:pic>
+        <p:nvPicPr>
+          <p:cNvPr id="12" name="Picture 11">
+            <a:extLst>
+              <a:ext uri="{FF2B5EF4-FFF2-40B4-BE49-F238E27FC236}">
+                <a16:creationId xmlns:a16="http://schemas.microsoft.com/office/drawing/2014/main" id="{779EE5C9-A9BC-A147-8E03-1E7C53D9CB2F}"/>
+              </a:ext>
+            </a:extLst>
+          </p:cNvPr>
+          <p:cNvPicPr>
+            <a:picLocks noChangeAspect="1"/>
+          </p:cNvPicPr>
+          <p:nvPr/>
+        </p:nvPicPr>
+        <p:blipFill>
+          <a:blip r:embed="rId3"/>
+          <a:stretch>
+            <a:fillRect/>
+          </a:stretch>
+        </p:blipFill>
+        <p:spPr>
+          <a:xfrm>
+            <a:off x="7076482" y="1649978"/>
+            <a:ext cx="2957025" cy="1325563"/>
+          </a:xfrm>
+          <a:prstGeom prst="rect">
+            <a:avLst/>
+          </a:prstGeom>
+        </p:spPr>
+      </p:pic>
+      <p:pic>
+        <p:nvPicPr>
+          <p:cNvPr id="14" name="Picture 13">
+            <a:extLst>
+              <a:ext uri="{FF2B5EF4-FFF2-40B4-BE49-F238E27FC236}">
+                <a16:creationId xmlns:a16="http://schemas.microsoft.com/office/drawing/2014/main" id="{DA36B9B5-C651-054C-907F-D0D076CE3416}"/>
+              </a:ext>
+            </a:extLst>
+          </p:cNvPr>
+          <p:cNvPicPr>
+            <a:picLocks noChangeAspect="1"/>
+          </p:cNvPicPr>
+          <p:nvPr/>
+        </p:nvPicPr>
+        <p:blipFill>
+          <a:blip r:embed="rId4"/>
+          <a:stretch>
+            <a:fillRect/>
+          </a:stretch>
+        </p:blipFill>
+        <p:spPr>
+          <a:xfrm>
+            <a:off x="7076482" y="3429000"/>
+            <a:ext cx="4145852" cy="1447758"/>
+          </a:xfrm>
+          <a:prstGeom prst="rect">
+            <a:avLst/>
+          </a:prstGeom>
+        </p:spPr>
+      </p:pic>
+      <p:sp>
+        <p:nvSpPr>
+          <p:cNvPr id="15" name="TextBox 14">
+            <a:extLst>
+              <a:ext uri="{FF2B5EF4-FFF2-40B4-BE49-F238E27FC236}">
+                <a16:creationId xmlns:a16="http://schemas.microsoft.com/office/drawing/2014/main" id="{99D16253-3686-624B-8260-EABEC28458A3}"/>
+              </a:ext>
+            </a:extLst>
+          </p:cNvPr>
+          <p:cNvSpPr txBox="1"/>
+          <p:nvPr/>
+        </p:nvSpPr>
+        <p:spPr>
+          <a:xfrm>
+            <a:off x="7760043" y="1297459"/>
+            <a:ext cx="1715470" cy="369332"/>
+          </a:xfrm>
+          <a:prstGeom prst="rect">
+            <a:avLst/>
+          </a:prstGeom>
+          <a:noFill/>
+        </p:spPr>
+        <p:txBody>
+          <a:bodyPr wrap="none" rtlCol="0">
+            <a:spAutoFit/>
+          </a:bodyPr>
+          <a:lstStyle/>
+          <a:p>
+            <a:r>
+              <a:rPr lang="en-US" u="sng" dirty="0"/>
+              <a:t>Electron Recoils </a:t>
+            </a:r>
+          </a:p>
+        </p:txBody>
+      </p:sp>
+      <p:sp>
+        <p:nvSpPr>
+          <p:cNvPr id="16" name="TextBox 15">
+            <a:extLst>
+              <a:ext uri="{FF2B5EF4-FFF2-40B4-BE49-F238E27FC236}">
+                <a16:creationId xmlns:a16="http://schemas.microsoft.com/office/drawing/2014/main" id="{B7FA9A01-1822-8E42-AB0B-B9C582331989}"/>
+              </a:ext>
+            </a:extLst>
+          </p:cNvPr>
+          <p:cNvSpPr txBox="1"/>
+          <p:nvPr/>
+        </p:nvSpPr>
+        <p:spPr>
+          <a:xfrm>
+            <a:off x="7726242" y="3059668"/>
+            <a:ext cx="1667892" cy="369332"/>
+          </a:xfrm>
+          <a:prstGeom prst="rect">
+            <a:avLst/>
+          </a:prstGeom>
+          <a:noFill/>
+        </p:spPr>
+        <p:txBody>
+          <a:bodyPr wrap="none" rtlCol="0">
+            <a:spAutoFit/>
+          </a:bodyPr>
+          <a:lstStyle/>
+          <a:p>
+            <a:r>
+              <a:rPr lang="en-US" u="sng" dirty="0"/>
+              <a:t>Nuclear Recoils </a:t>
+            </a:r>
+          </a:p>
+        </p:txBody>
+      </p:sp>
+      <p:sp>
+        <p:nvSpPr>
+          <p:cNvPr id="17" name="TextBox 16">
+            <a:extLst>
+              <a:ext uri="{FF2B5EF4-FFF2-40B4-BE49-F238E27FC236}">
+                <a16:creationId xmlns:a16="http://schemas.microsoft.com/office/drawing/2014/main" id="{4AF3D352-2684-D049-94CF-88052F779D55}"/>
+              </a:ext>
+            </a:extLst>
+          </p:cNvPr>
+          <p:cNvSpPr txBox="1"/>
+          <p:nvPr/>
+        </p:nvSpPr>
+        <p:spPr>
+          <a:xfrm>
+            <a:off x="7076482" y="5449329"/>
+            <a:ext cx="3918317" cy="646331"/>
+          </a:xfrm>
+          <a:prstGeom prst="rect">
+            <a:avLst/>
+          </a:prstGeom>
+          <a:noFill/>
+        </p:spPr>
+        <p:txBody>
+          <a:bodyPr wrap="none" rtlCol="0">
+            <a:spAutoFit/>
+          </a:bodyPr>
+          <a:lstStyle/>
+          <a:p>
+            <a:r>
+              <a:rPr lang="en-US" dirty="0"/>
+              <a:t>This makes the energy scale for nuclear </a:t>
+            </a:r>
+          </a:p>
+          <a:p>
+            <a:r>
+              <a:rPr lang="en-US" dirty="0"/>
+              <a:t>recoils nonlinear. </a:t>
+            </a:r>
+          </a:p>
+        </p:txBody>
+      </p:sp>
+    </p:spTree>
+    <p:extLst>
+      <p:ext uri="{BB962C8B-B14F-4D97-AF65-F5344CB8AC3E}">
+        <p14:creationId xmlns:p14="http://schemas.microsoft.com/office/powerpoint/2010/main" val="2576961688"/>
+      </p:ext>
+    </p:extLst>
+  </p:cSld>
+  <p:clrMapOvr>
+    <a:masterClrMapping/>
+  </p:clrMapOvr>
+</p:sld>
+</file>
+
+<file path=ppt/slides/slide6.xml><?xml version="1.0" encoding="utf-8"?>
+<p:sld xmlns:a="http://schemas.openxmlformats.org/drawingml/2006/main" xmlns:r="http://schemas.openxmlformats.org/officeDocument/2006/relationships" xmlns:p="http://schemas.openxmlformats.org/presentationml/2006/main">
+  <p:cSld>
+    <p:spTree>
+      <p:nvGrpSpPr>
+        <p:cNvPr id="1" name=""/>
+        <p:cNvGrpSpPr/>
+        <p:nvPr/>
+      </p:nvGrpSpPr>
+      <p:grpSpPr>
+        <a:xfrm>
+          <a:off x="0" y="0"/>
+          <a:ext cx="0" cy="0"/>
+          <a:chOff x="0" y="0"/>
+          <a:chExt cx="0" cy="0"/>
+        </a:xfrm>
+      </p:grpSpPr>
+      <p:sp>
+        <p:nvSpPr>
+          <p:cNvPr id="2" name="Title 1">
+            <a:extLst>
+              <a:ext uri="{FF2B5EF4-FFF2-40B4-BE49-F238E27FC236}">
+                <a16:creationId xmlns:a16="http://schemas.microsoft.com/office/drawing/2014/main" id="{19447540-A80A-E148-9B2F-9EFA205801D4}"/>
+              </a:ext>
+            </a:extLst>
+          </p:cNvPr>
+          <p:cNvSpPr>
+            <a:spLocks noGrp="1"/>
+          </p:cNvSpPr>
+          <p:nvPr>
+            <p:ph type="title"/>
+          </p:nvPr>
+        </p:nvSpPr>
+        <p:spPr/>
+        <p:txBody>
+          <a:bodyPr/>
+          <a:lstStyle/>
+          <a:p>
+            <a:r>
+              <a:rPr lang="en-US" dirty="0"/>
+              <a:t>Variation in Electron Hole Pair Creation </a:t>
+            </a:r>
+          </a:p>
+        </p:txBody>
+      </p:sp>
+      <p:sp>
+        <p:nvSpPr>
+          <p:cNvPr id="8" name="Content Placeholder 7">
+            <a:extLst>
+              <a:ext uri="{FF2B5EF4-FFF2-40B4-BE49-F238E27FC236}">
+                <a16:creationId xmlns:a16="http://schemas.microsoft.com/office/drawing/2014/main" id="{1869FB3F-01F0-034B-AA10-572B102AD158}"/>
+              </a:ext>
+            </a:extLst>
+          </p:cNvPr>
+          <p:cNvSpPr>
+            <a:spLocks noGrp="1"/>
+          </p:cNvSpPr>
+          <p:nvPr>
+            <p:ph idx="1"/>
+          </p:nvPr>
+        </p:nvSpPr>
+        <p:spPr>
+          <a:xfrm>
+            <a:off x="838200" y="1825625"/>
+            <a:ext cx="5257800" cy="4351338"/>
+          </a:xfrm>
+        </p:spPr>
+        <p:txBody>
+          <a:bodyPr>
+            <a:normAutofit/>
+          </a:bodyPr>
+          <a:lstStyle/>
+          <a:p>
+            <a:r>
+              <a:rPr lang="en-US" sz="1800" dirty="0"/>
+              <a:t>Ratio of energy used to create electron-hole pairs to the energy used to create phonons.</a:t>
+            </a:r>
+          </a:p>
+          <a:p>
+            <a:endParaRPr lang="en-US" sz="1800" dirty="0"/>
+          </a:p>
+          <a:p>
+            <a:r>
+              <a:rPr lang="en-US" sz="1800" dirty="0"/>
+              <a:t>The number of electron hole pairs produced varies for a single nuclear recoil energy. </a:t>
+            </a:r>
+          </a:p>
+          <a:p>
+            <a:endParaRPr lang="en-US" sz="1800" dirty="0"/>
+          </a:p>
+          <a:p>
+            <a:r>
+              <a:rPr lang="en-US" sz="1800" dirty="0"/>
+              <a:t>This may play an important role with detectors that have single electron hole pair sensitivity .  </a:t>
+            </a:r>
+            <a:br>
+              <a:rPr lang="en-US" sz="1800" dirty="0"/>
+            </a:br>
+            <a:endParaRPr lang="en-US" sz="1800" dirty="0"/>
+          </a:p>
+          <a:p>
+            <a:pPr marL="0" indent="0">
+              <a:buNone/>
+            </a:pPr>
+            <a:endParaRPr lang="en-US" sz="1800" dirty="0"/>
+          </a:p>
+          <a:p>
+            <a:pPr marL="0" indent="0">
+              <a:buNone/>
+            </a:pPr>
+            <a:endParaRPr lang="en-US" sz="2400" dirty="0"/>
+          </a:p>
+        </p:txBody>
+      </p:sp>
+      <p:sp>
+        <p:nvSpPr>
+          <p:cNvPr id="3" name="Slide Number Placeholder 2">
+            <a:extLst>
+              <a:ext uri="{FF2B5EF4-FFF2-40B4-BE49-F238E27FC236}">
+                <a16:creationId xmlns:a16="http://schemas.microsoft.com/office/drawing/2014/main" id="{ECEDB8B7-32B8-2F44-837C-F22A723A9B3A}"/>
+              </a:ext>
+            </a:extLst>
+          </p:cNvPr>
+          <p:cNvSpPr>
+            <a:spLocks noGrp="1"/>
+          </p:cNvSpPr>
+          <p:nvPr>
+            <p:ph type="sldNum" sz="quarter" idx="12"/>
+          </p:nvPr>
+        </p:nvSpPr>
+        <p:spPr/>
+        <p:txBody>
+          <a:bodyPr/>
+          <a:lstStyle/>
+          <a:p>
+            <a:fld id="{035DBD62-E6E0-484E-AB64-E286A6B85B65}" type="slidenum">
+              <a:rPr lang="en-US" smtClean="0"/>
+              <a:t>6</a:t>
+            </a:fld>
+            <a:endParaRPr lang="en-US"/>
+          </a:p>
+        </p:txBody>
+      </p:sp>
+      <p:pic>
+        <p:nvPicPr>
+          <p:cNvPr id="7" name="Picture 6">
+            <a:extLst>
+              <a:ext uri="{FF2B5EF4-FFF2-40B4-BE49-F238E27FC236}">
+                <a16:creationId xmlns:a16="http://schemas.microsoft.com/office/drawing/2014/main" id="{6275CEAC-2301-4342-B25A-E9C979649F55}"/>
+              </a:ext>
+            </a:extLst>
+          </p:cNvPr>
+          <p:cNvPicPr>
+            <a:picLocks noChangeAspect="1"/>
+          </p:cNvPicPr>
+          <p:nvPr/>
+        </p:nvPicPr>
+        <p:blipFill>
+          <a:blip r:embed="rId3"/>
+          <a:stretch>
+            <a:fillRect/>
+          </a:stretch>
+        </p:blipFill>
+        <p:spPr>
+          <a:xfrm>
+            <a:off x="6096000" y="1385269"/>
+            <a:ext cx="5390656" cy="4791694"/>
+          </a:xfrm>
+          <a:prstGeom prst="rect">
+            <a:avLst/>
+          </a:prstGeom>
+        </p:spPr>
+      </p:pic>
+    </p:spTree>
+    <p:extLst>
+      <p:ext uri="{BB962C8B-B14F-4D97-AF65-F5344CB8AC3E}">
+        <p14:creationId xmlns:p14="http://schemas.microsoft.com/office/powerpoint/2010/main" val="2304572820"/>
+      </p:ext>
+    </p:extLst>
+  </p:cSld>
+  <p:clrMapOvr>
+    <a:masterClrMapping/>
+  </p:clrMapOvr>
+</p:sld>
+</file>
+
+<file path=ppt/slides/slide7.xml><?xml version="1.0" encoding="utf-8"?>
+<p:sld xmlns:a="http://schemas.openxmlformats.org/drawingml/2006/main" xmlns:r="http://schemas.openxmlformats.org/officeDocument/2006/relationships" xmlns:p="http://schemas.openxmlformats.org/presentationml/2006/main">
+  <p:cSld>
+    <p:spTree>
+      <p:nvGrpSpPr>
+        <p:cNvPr id="1" name=""/>
+        <p:cNvGrpSpPr/>
+        <p:nvPr/>
+      </p:nvGrpSpPr>
+      <p:grpSpPr>
+        <a:xfrm>
+          <a:off x="0" y="0"/>
+          <a:ext cx="0" cy="0"/>
+          <a:chOff x="0" y="0"/>
+          <a:chExt cx="0" cy="0"/>
+        </a:xfrm>
+      </p:grpSpPr>
+      <p:sp>
+        <p:nvSpPr>
+          <p:cNvPr id="2" name="Title 1">
+            <a:extLst>
+              <a:ext uri="{FF2B5EF4-FFF2-40B4-BE49-F238E27FC236}">
+                <a16:creationId xmlns:a16="http://schemas.microsoft.com/office/drawing/2014/main" id="{029CC9B3-EA40-584D-92A7-B27B260E40EE}"/>
+              </a:ext>
+            </a:extLst>
+          </p:cNvPr>
+          <p:cNvSpPr>
+            <a:spLocks noGrp="1"/>
+          </p:cNvSpPr>
+          <p:nvPr>
+            <p:ph type="title"/>
+          </p:nvPr>
+        </p:nvSpPr>
+        <p:spPr/>
+        <p:txBody>
+          <a:bodyPr/>
+          <a:lstStyle/>
+          <a:p>
+            <a:r>
+              <a:rPr lang="en-US" dirty="0" err="1"/>
+              <a:t>HVeV</a:t>
+            </a:r>
+            <a:r>
+              <a:rPr lang="en-US" dirty="0"/>
+              <a:t> Detector.  </a:t>
+            </a:r>
+          </a:p>
+        </p:txBody>
+      </p:sp>
+      <p:sp>
+        <p:nvSpPr>
+          <p:cNvPr id="3" name="Content Placeholder 2">
+            <a:extLst>
+              <a:ext uri="{FF2B5EF4-FFF2-40B4-BE49-F238E27FC236}">
+                <a16:creationId xmlns:a16="http://schemas.microsoft.com/office/drawing/2014/main" id="{A77EA2EC-99CB-9B40-8A81-6546C1A4CAF8}"/>
+              </a:ext>
+            </a:extLst>
+          </p:cNvPr>
+          <p:cNvSpPr>
+            <a:spLocks noGrp="1"/>
+          </p:cNvSpPr>
+          <p:nvPr>
+            <p:ph idx="1"/>
+          </p:nvPr>
+        </p:nvSpPr>
+        <p:spPr>
+          <a:xfrm>
+            <a:off x="838200" y="1825625"/>
+            <a:ext cx="5257800" cy="4351338"/>
+          </a:xfrm>
+        </p:spPr>
+        <p:txBody>
+          <a:bodyPr/>
+          <a:lstStyle/>
+          <a:p>
+            <a:endParaRPr lang="en-US" sz="1800" dirty="0"/>
+          </a:p>
+          <a:p>
+            <a:r>
+              <a:rPr lang="en-US" sz="1800" dirty="0"/>
+              <a:t>Biased with ~100 V/cm</a:t>
+            </a:r>
+          </a:p>
+          <a:p>
+            <a:r>
+              <a:rPr lang="en-US" sz="1800" dirty="0"/>
+              <a:t>Phonon signal read out with QETs</a:t>
+            </a:r>
+          </a:p>
+          <a:p>
+            <a:r>
+              <a:rPr lang="en-US" sz="1800" dirty="0"/>
+              <a:t>resolution of ∼0.09 e−h+ Biased </a:t>
+            </a:r>
+          </a:p>
+          <a:p>
+            <a:pPr marL="0" indent="0">
+              <a:buNone/>
+            </a:pPr>
+            <a:r>
+              <a:rPr lang="en-US" dirty="0"/>
+              <a:t> </a:t>
+            </a:r>
+          </a:p>
+        </p:txBody>
+      </p:sp>
+      <p:pic>
+        <p:nvPicPr>
+          <p:cNvPr id="10" name="Picture 9">
+            <a:extLst>
+              <a:ext uri="{FF2B5EF4-FFF2-40B4-BE49-F238E27FC236}">
+                <a16:creationId xmlns:a16="http://schemas.microsoft.com/office/drawing/2014/main" id="{E9CA3B1E-B12E-294E-82D2-6A660AF9553D}"/>
+              </a:ext>
+            </a:extLst>
+          </p:cNvPr>
+          <p:cNvPicPr>
+            <a:picLocks noChangeAspect="1"/>
+          </p:cNvPicPr>
+          <p:nvPr/>
+        </p:nvPicPr>
+        <p:blipFill>
+          <a:blip r:embed="rId2"/>
+          <a:stretch>
+            <a:fillRect/>
+          </a:stretch>
+        </p:blipFill>
+        <p:spPr>
+          <a:xfrm>
+            <a:off x="6649539" y="1690688"/>
+            <a:ext cx="4704261" cy="3331610"/>
+          </a:xfrm>
+          <a:prstGeom prst="rect">
+            <a:avLst/>
+          </a:prstGeom>
+        </p:spPr>
+      </p:pic>
+      <p:sp>
+        <p:nvSpPr>
+          <p:cNvPr id="11" name="Slide Number Placeholder 10">
+            <a:extLst>
+              <a:ext uri="{FF2B5EF4-FFF2-40B4-BE49-F238E27FC236}">
+                <a16:creationId xmlns:a16="http://schemas.microsoft.com/office/drawing/2014/main" id="{3FBA8E98-A6A6-3D4F-B067-37DDB143ACCC}"/>
+              </a:ext>
+            </a:extLst>
+          </p:cNvPr>
+          <p:cNvSpPr>
+            <a:spLocks noGrp="1"/>
+          </p:cNvSpPr>
+          <p:nvPr>
+            <p:ph type="sldNum" sz="quarter" idx="12"/>
+          </p:nvPr>
+        </p:nvSpPr>
+        <p:spPr/>
+        <p:txBody>
+          <a:bodyPr/>
+          <a:lstStyle/>
+          <a:p>
+            <a:fld id="{035DBD62-E6E0-484E-AB64-E286A6B85B65}" type="slidenum">
+              <a:rPr lang="en-US" smtClean="0"/>
+              <a:t>7</a:t>
+            </a:fld>
+            <a:endParaRPr lang="en-US"/>
+          </a:p>
+        </p:txBody>
+      </p:sp>
+    </p:spTree>
+    <p:extLst>
+      <p:ext uri="{BB962C8B-B14F-4D97-AF65-F5344CB8AC3E}">
+        <p14:creationId xmlns:p14="http://schemas.microsoft.com/office/powerpoint/2010/main" val="519356041"/>
+      </p:ext>
+    </p:extLst>
+  </p:cSld>
+  <p:clrMapOvr>
+    <a:masterClrMapping/>
+  </p:clrMapOvr>
+</p:sld>
+</file>
+
+<file path=ppt/slides/slide8.xml><?xml version="1.0" encoding="utf-8"?>
+<p:sld xmlns:a="http://schemas.openxmlformats.org/drawingml/2006/main" xmlns:r="http://schemas.openxmlformats.org/officeDocument/2006/relationships" xmlns:p="http://schemas.openxmlformats.org/presentationml/2006/main">
+  <p:cSld>
+    <p:spTree>
+      <p:nvGrpSpPr>
+        <p:cNvPr id="1" name=""/>
+        <p:cNvGrpSpPr/>
+        <p:nvPr/>
+      </p:nvGrpSpPr>
+      <p:grpSpPr>
+        <a:xfrm>
+          <a:off x="0" y="0"/>
+          <a:ext cx="0" cy="0"/>
+          <a:chOff x="0" y="0"/>
+          <a:chExt cx="0" cy="0"/>
+        </a:xfrm>
+      </p:grpSpPr>
+      <p:sp>
+        <p:nvSpPr>
+          <p:cNvPr id="4" name="Slide Number Placeholder 3">
+            <a:extLst>
+              <a:ext uri="{FF2B5EF4-FFF2-40B4-BE49-F238E27FC236}">
+                <a16:creationId xmlns:a16="http://schemas.microsoft.com/office/drawing/2014/main" id="{3BB79DFF-2B30-6C4A-B3BC-8451CDEEBBAD}"/>
+              </a:ext>
+            </a:extLst>
+          </p:cNvPr>
+          <p:cNvSpPr>
+            <a:spLocks noGrp="1"/>
+          </p:cNvSpPr>
+          <p:nvPr>
+            <p:ph type="sldNum" sz="quarter" idx="12"/>
+          </p:nvPr>
+        </p:nvSpPr>
+        <p:spPr/>
+        <p:txBody>
+          <a:bodyPr/>
+          <a:lstStyle/>
+          <a:p>
+            <a:fld id="{035DBD62-E6E0-484E-AB64-E286A6B85B65}" type="slidenum">
+              <a:rPr lang="en-US" smtClean="0"/>
+              <a:t>8</a:t>
+            </a:fld>
+            <a:endParaRPr lang="en-US"/>
+          </a:p>
+        </p:txBody>
+      </p:sp>
+      <p:pic>
+        <p:nvPicPr>
+          <p:cNvPr id="13" name="Picture 12">
+            <a:extLst>
+              <a:ext uri="{FF2B5EF4-FFF2-40B4-BE49-F238E27FC236}">
+                <a16:creationId xmlns:a16="http://schemas.microsoft.com/office/drawing/2014/main" id="{C6CC82BA-8986-654D-9749-C1F34B36D70B}"/>
+              </a:ext>
+            </a:extLst>
+          </p:cNvPr>
+          <p:cNvPicPr>
+            <a:picLocks noChangeAspect="1"/>
+          </p:cNvPicPr>
+          <p:nvPr/>
+        </p:nvPicPr>
+        <p:blipFill>
+          <a:blip r:embed="rId3"/>
+          <a:stretch>
+            <a:fillRect/>
+          </a:stretch>
+        </p:blipFill>
+        <p:spPr>
+          <a:xfrm>
+            <a:off x="6303171" y="1146778"/>
+            <a:ext cx="4768484" cy="4790767"/>
+          </a:xfrm>
+          <a:prstGeom prst="rect">
+            <a:avLst/>
+          </a:prstGeom>
+        </p:spPr>
+      </p:pic>
+    </p:spTree>
+    <p:extLst>
+      <p:ext uri="{BB962C8B-B14F-4D97-AF65-F5344CB8AC3E}">
+        <p14:creationId xmlns:p14="http://schemas.microsoft.com/office/powerpoint/2010/main" val="2707373952"/>
+      </p:ext>
+    </p:extLst>
+  </p:cSld>
+  <p:clrMapOvr>
+    <a:masterClrMapping/>
+  </p:clrMapOvr>
+</p:sld>
+</file>
+
+<file path=ppt/slides/slide9.xml><?xml version="1.0" encoding="utf-8"?>
+<p:sld xmlns:a="http://schemas.openxmlformats.org/drawingml/2006/main" xmlns:r="http://schemas.openxmlformats.org/officeDocument/2006/relationships" xmlns:p="http://schemas.openxmlformats.org/presentationml/2006/main">
+  <p:cSld>
+    <p:spTree>
+      <p:nvGrpSpPr>
+        <p:cNvPr id="1" name=""/>
+        <p:cNvGrpSpPr/>
+        <p:nvPr/>
+      </p:nvGrpSpPr>
+      <p:grpSpPr>
+        <a:xfrm>
+          <a:off x="0" y="0"/>
+          <a:ext cx="0" cy="0"/>
+          <a:chOff x="0" y="0"/>
+          <a:chExt cx="0" cy="0"/>
+        </a:xfrm>
+      </p:grpSpPr>
+      <p:sp>
+        <p:nvSpPr>
+          <p:cNvPr id="4" name="Slide Number Placeholder 3">
+            <a:extLst>
+              <a:ext uri="{FF2B5EF4-FFF2-40B4-BE49-F238E27FC236}">
+                <a16:creationId xmlns:a16="http://schemas.microsoft.com/office/drawing/2014/main" id="{3BB79DFF-2B30-6C4A-B3BC-8451CDEEBBAD}"/>
+              </a:ext>
+            </a:extLst>
+          </p:cNvPr>
+          <p:cNvSpPr>
+            <a:spLocks noGrp="1"/>
+          </p:cNvSpPr>
+          <p:nvPr>
+            <p:ph type="sldNum" sz="quarter" idx="12"/>
+          </p:nvPr>
+        </p:nvSpPr>
+        <p:spPr/>
+        <p:txBody>
+          <a:bodyPr/>
+          <a:lstStyle/>
+          <a:p>
+            <a:fld id="{035DBD62-E6E0-484E-AB64-E286A6B85B65}" type="slidenum">
+              <a:rPr lang="en-US" smtClean="0"/>
+              <a:t>9</a:t>
+            </a:fld>
+            <a:endParaRPr lang="en-US"/>
+          </a:p>
+        </p:txBody>
+      </p:sp>
+      <p:pic>
+        <p:nvPicPr>
+          <p:cNvPr id="13" name="Picture 12">
+            <a:extLst>
+              <a:ext uri="{FF2B5EF4-FFF2-40B4-BE49-F238E27FC236}">
+                <a16:creationId xmlns:a16="http://schemas.microsoft.com/office/drawing/2014/main" id="{C6CC82BA-8986-654D-9749-C1F34B36D70B}"/>
+              </a:ext>
+            </a:extLst>
+          </p:cNvPr>
+          <p:cNvPicPr>
+            <a:picLocks noChangeAspect="1"/>
+          </p:cNvPicPr>
+          <p:nvPr/>
+        </p:nvPicPr>
+        <p:blipFill>
+          <a:blip r:embed="rId3"/>
+          <a:stretch>
+            <a:fillRect/>
+          </a:stretch>
+        </p:blipFill>
+        <p:spPr>
+          <a:xfrm>
+            <a:off x="6303171" y="1146778"/>
+            <a:ext cx="4768484" cy="4790767"/>
+          </a:xfrm>
+          <a:prstGeom prst="rect">
+            <a:avLst/>
+          </a:prstGeom>
+        </p:spPr>
+      </p:pic>
+      <p:pic>
+        <p:nvPicPr>
+          <p:cNvPr id="6" name="Picture 5">
+            <a:extLst>
+              <a:ext uri="{FF2B5EF4-FFF2-40B4-BE49-F238E27FC236}">
+                <a16:creationId xmlns:a16="http://schemas.microsoft.com/office/drawing/2014/main" id="{F823E7A8-4F3E-4242-ABAE-6767D9FFA6F9}"/>
+              </a:ext>
+            </a:extLst>
+          </p:cNvPr>
+          <p:cNvPicPr>
+            <a:picLocks noChangeAspect="1"/>
+          </p:cNvPicPr>
+          <p:nvPr/>
+        </p:nvPicPr>
+        <p:blipFill>
+          <a:blip r:embed="rId4"/>
+          <a:stretch>
+            <a:fillRect/>
+          </a:stretch>
+        </p:blipFill>
+        <p:spPr>
+          <a:xfrm>
+            <a:off x="454722" y="964127"/>
+            <a:ext cx="5764010" cy="4929745"/>
+          </a:xfrm>
+          <a:prstGeom prst="rect">
+            <a:avLst/>
+          </a:prstGeom>
+        </p:spPr>
+      </p:pic>
+    </p:spTree>
+    <p:extLst>
+      <p:ext uri="{BB962C8B-B14F-4D97-AF65-F5344CB8AC3E}">
+        <p14:creationId xmlns:p14="http://schemas.microsoft.com/office/powerpoint/2010/main" val="1603061029"/>
       </p:ext>
     </p:extLst>
   </p:cSld>

--- a/Mitch_Hawaii_talk. .pptx
+++ b/Mitch_Hawaii_talk. .pptx
@@ -5,7 +5,7 @@
     <p:sldMasterId id="2147483648" r:id="rId1"/>
   </p:sldMasterIdLst>
   <p:notesMasterIdLst>
-    <p:notesMasterId r:id="rId18"/>
+    <p:notesMasterId r:id="rId15"/>
   </p:notesMasterIdLst>
   <p:sldIdLst>
     <p:sldId id="256" r:id="rId2"/>
@@ -15,15 +15,12 @@
     <p:sldId id="270" r:id="rId6"/>
     <p:sldId id="257" r:id="rId7"/>
     <p:sldId id="271" r:id="rId8"/>
-    <p:sldId id="272" r:id="rId9"/>
-    <p:sldId id="273" r:id="rId10"/>
-    <p:sldId id="260" r:id="rId11"/>
+    <p:sldId id="274" r:id="rId9"/>
+    <p:sldId id="276" r:id="rId10"/>
+    <p:sldId id="275" r:id="rId11"/>
     <p:sldId id="269" r:id="rId12"/>
-    <p:sldId id="259" r:id="rId13"/>
-    <p:sldId id="265" r:id="rId14"/>
-    <p:sldId id="258" r:id="rId15"/>
-    <p:sldId id="261" r:id="rId16"/>
-    <p:sldId id="262" r:id="rId17"/>
+    <p:sldId id="265" r:id="rId13"/>
+    <p:sldId id="258" r:id="rId14"/>
   </p:sldIdLst>
   <p:sldSz cx="12192000" cy="6858000"/>
   <p:notesSz cx="6858000" cy="9144000"/>
@@ -212,7 +209,7 @@
           <a:p>
             <a:fld id="{A66BF76A-CB69-344A-AA05-A4A0C5F81F1B}" type="datetimeFigureOut">
               <a:rPr lang="en-US" smtClean="0"/>
-              <a:t>10/20/18</a:t>
+              <a:t>10/21/18</a:t>
             </a:fld>
             <a:endParaRPr lang="en-US"/>
           </a:p>
@@ -1028,7 +1025,7 @@
     </p:spTree>
     <p:extLst>
       <p:ext uri="{BB962C8B-B14F-4D97-AF65-F5344CB8AC3E}">
-        <p14:creationId xmlns:p14="http://schemas.microsoft.com/office/powerpoint/2010/main" val="4050759554"/>
+        <p14:creationId xmlns:p14="http://schemas.microsoft.com/office/powerpoint/2010/main" val="2530409236"/>
       </p:ext>
     </p:extLst>
   </p:cSld>
@@ -1084,8 +1081,14 @@
           <a:p>
             <a:r>
               <a:rPr lang="en-US" dirty="0"/>
-              <a:t>Simulating the bands Just using the charge and phono resolution gives us an under estimate. </a:t>
-            </a:r>
+              <a:t>They can measure charge and phonons separately, this gives them a direct measure of the yield. </a:t>
+            </a:r>
+          </a:p>
+          <a:p>
+            <a:endParaRPr lang="en-US" dirty="0"/>
+          </a:p>
+          <a:p>
+            <a:endParaRPr lang="en-US" dirty="0"/>
           </a:p>
         </p:txBody>
       </p:sp>
@@ -1115,7 +1118,7 @@
     </p:spTree>
     <p:extLst>
       <p:ext uri="{BB962C8B-B14F-4D97-AF65-F5344CB8AC3E}">
-        <p14:creationId xmlns:p14="http://schemas.microsoft.com/office/powerpoint/2010/main" val="718684980"/>
+        <p14:creationId xmlns:p14="http://schemas.microsoft.com/office/powerpoint/2010/main" val="286871158"/>
       </p:ext>
     </p:extLst>
   </p:cSld>
@@ -1171,8 +1174,14 @@
           <a:p>
             <a:r>
               <a:rPr lang="en-US" dirty="0"/>
-              <a:t>Bands from data -&gt; simulated bands. Side by side. </a:t>
-            </a:r>
+              <a:t>They can measure charge and phonons separately, this gives them a direct measure of the yield. </a:t>
+            </a:r>
+          </a:p>
+          <a:p>
+            <a:endParaRPr lang="en-US" dirty="0"/>
+          </a:p>
+          <a:p>
+            <a:endParaRPr lang="en-US" dirty="0"/>
           </a:p>
         </p:txBody>
       </p:sp>
@@ -1202,7 +1211,7 @@
     </p:spTree>
     <p:extLst>
       <p:ext uri="{BB962C8B-B14F-4D97-AF65-F5344CB8AC3E}">
-        <p14:creationId xmlns:p14="http://schemas.microsoft.com/office/powerpoint/2010/main" val="501190566"/>
+        <p14:creationId xmlns:p14="http://schemas.microsoft.com/office/powerpoint/2010/main" val="3607152850"/>
       </p:ext>
     </p:extLst>
   </p:cSld>
@@ -1290,102 +1299,6 @@
     <p:extLst>
       <p:ext uri="{BB962C8B-B14F-4D97-AF65-F5344CB8AC3E}">
         <p14:creationId xmlns:p14="http://schemas.microsoft.com/office/powerpoint/2010/main" val="2868716704"/>
-      </p:ext>
-    </p:extLst>
-  </p:cSld>
-  <p:clrMapOvr>
-    <a:masterClrMapping/>
-  </p:clrMapOvr>
-</p:notes>
-</file>
-
-<file path=ppt/notesSlides/notesSlide9.xml><?xml version="1.0" encoding="utf-8"?>
-<p:notes xmlns:a="http://schemas.openxmlformats.org/drawingml/2006/main" xmlns:r="http://schemas.openxmlformats.org/officeDocument/2006/relationships" xmlns:p="http://schemas.openxmlformats.org/presentationml/2006/main">
-  <p:cSld>
-    <p:spTree>
-      <p:nvGrpSpPr>
-        <p:cNvPr id="1" name=""/>
-        <p:cNvGrpSpPr/>
-        <p:nvPr/>
-      </p:nvGrpSpPr>
-      <p:grpSpPr>
-        <a:xfrm>
-          <a:off x="0" y="0"/>
-          <a:ext cx="0" cy="0"/>
-          <a:chOff x="0" y="0"/>
-          <a:chExt cx="0" cy="0"/>
-        </a:xfrm>
-      </p:grpSpPr>
-      <p:sp>
-        <p:nvSpPr>
-          <p:cNvPr id="2" name="Slide Image Placeholder 1"/>
-          <p:cNvSpPr>
-            <a:spLocks noGrp="1" noRot="1" noChangeAspect="1"/>
-          </p:cNvSpPr>
-          <p:nvPr>
-            <p:ph type="sldImg"/>
-          </p:nvPr>
-        </p:nvSpPr>
-        <p:spPr/>
-      </p:sp>
-      <p:sp>
-        <p:nvSpPr>
-          <p:cNvPr id="3" name="Notes Placeholder 2"/>
-          <p:cNvSpPr>
-            <a:spLocks noGrp="1"/>
-          </p:cNvSpPr>
-          <p:nvPr>
-            <p:ph type="body" idx="1"/>
-          </p:nvPr>
-        </p:nvSpPr>
-        <p:spPr/>
-        <p:txBody>
-          <a:bodyPr/>
-          <a:lstStyle/>
-          <a:p>
-            <a:r>
-              <a:rPr lang="en-US" dirty="0"/>
-              <a:t>A WIMP comes in a hits the nuclei, initial phonons are produced and charge is liberated in some ratio. Current generation of lowest threshold detectors only count the number of produced electron hole pairs. We do not have a good nuclear recoil calibration standard. Therefore to extract the nuclear recoil energy we have to know the ratio of recoil energy that goes into the electronic system.  </a:t>
-            </a:r>
-          </a:p>
-          <a:p>
-            <a:endParaRPr lang="en-US" dirty="0"/>
-          </a:p>
-          <a:p>
-            <a:r>
-              <a:rPr lang="en-US" dirty="0"/>
-              <a:t>An important class </a:t>
-            </a:r>
-          </a:p>
-        </p:txBody>
-      </p:sp>
-      <p:sp>
-        <p:nvSpPr>
-          <p:cNvPr id="4" name="Slide Number Placeholder 3"/>
-          <p:cNvSpPr>
-            <a:spLocks noGrp="1"/>
-          </p:cNvSpPr>
-          <p:nvPr>
-            <p:ph type="sldNum" sz="quarter" idx="5"/>
-          </p:nvPr>
-        </p:nvSpPr>
-        <p:spPr/>
-        <p:txBody>
-          <a:bodyPr/>
-          <a:lstStyle/>
-          <a:p>
-            <a:fld id="{C6AEA146-89B5-4A42-BEB6-D6A5BB50F046}" type="slidenum">
-              <a:rPr lang="en-US" smtClean="0"/>
-              <a:t>12</a:t>
-            </a:fld>
-            <a:endParaRPr lang="en-US"/>
-          </a:p>
-        </p:txBody>
-      </p:sp>
-    </p:spTree>
-    <p:extLst>
-      <p:ext uri="{BB962C8B-B14F-4D97-AF65-F5344CB8AC3E}">
-        <p14:creationId xmlns:p14="http://schemas.microsoft.com/office/powerpoint/2010/main" val="3572427815"/>
       </p:ext>
     </p:extLst>
   </p:cSld>
@@ -1542,7 +1455,7 @@
           <a:p>
             <a:fld id="{4C4FE5A6-B042-234F-87BB-EE608B65FD71}" type="datetime1">
               <a:rPr lang="en-US" smtClean="0"/>
-              <a:t>10/20/18</a:t>
+              <a:t>10/21/18</a:t>
             </a:fld>
             <a:endParaRPr lang="en-US"/>
           </a:p>
@@ -1740,7 +1653,7 @@
           <a:p>
             <a:fld id="{896964B4-7059-1241-B7F7-CC759A8715E3}" type="datetime1">
               <a:rPr lang="en-US" smtClean="0"/>
-              <a:t>10/20/18</a:t>
+              <a:t>10/21/18</a:t>
             </a:fld>
             <a:endParaRPr lang="en-US"/>
           </a:p>
@@ -1948,7 +1861,7 @@
           <a:p>
             <a:fld id="{2BB15EFC-989A-504F-A26D-C47609D34B5F}" type="datetime1">
               <a:rPr lang="en-US" smtClean="0"/>
-              <a:t>10/20/18</a:t>
+              <a:t>10/21/18</a:t>
             </a:fld>
             <a:endParaRPr lang="en-US"/>
           </a:p>
@@ -2146,7 +2059,7 @@
           <a:p>
             <a:fld id="{878B0B07-2815-5A40-BA13-144E9203A1A1}" type="datetime1">
               <a:rPr lang="en-US" smtClean="0"/>
-              <a:t>10/20/18</a:t>
+              <a:t>10/21/18</a:t>
             </a:fld>
             <a:endParaRPr lang="en-US"/>
           </a:p>
@@ -2421,7 +2334,7 @@
           <a:p>
             <a:fld id="{BEFA5980-D336-5242-9389-BFB74FFD9D7A}" type="datetime1">
               <a:rPr lang="en-US" smtClean="0"/>
-              <a:t>10/20/18</a:t>
+              <a:t>10/21/18</a:t>
             </a:fld>
             <a:endParaRPr lang="en-US"/>
           </a:p>
@@ -2686,7 +2599,7 @@
           <a:p>
             <a:fld id="{9A639845-AF02-6444-8914-745C5B843963}" type="datetime1">
               <a:rPr lang="en-US" smtClean="0"/>
-              <a:t>10/20/18</a:t>
+              <a:t>10/21/18</a:t>
             </a:fld>
             <a:endParaRPr lang="en-US"/>
           </a:p>
@@ -3098,7 +3011,7 @@
           <a:p>
             <a:fld id="{0F2F0F5A-6752-E241-B405-243254C949FE}" type="datetime1">
               <a:rPr lang="en-US" smtClean="0"/>
-              <a:t>10/20/18</a:t>
+              <a:t>10/21/18</a:t>
             </a:fld>
             <a:endParaRPr lang="en-US"/>
           </a:p>
@@ -3239,7 +3152,7 @@
           <a:p>
             <a:fld id="{B83D80F1-84FB-C64D-897C-E07C36349253}" type="datetime1">
               <a:rPr lang="en-US" smtClean="0"/>
-              <a:t>10/20/18</a:t>
+              <a:t>10/21/18</a:t>
             </a:fld>
             <a:endParaRPr lang="en-US"/>
           </a:p>
@@ -3352,7 +3265,7 @@
           <a:p>
             <a:fld id="{31D310E7-727F-F848-8E1F-A84AE0965461}" type="datetime1">
               <a:rPr lang="en-US" smtClean="0"/>
-              <a:t>10/20/18</a:t>
+              <a:t>10/21/18</a:t>
             </a:fld>
             <a:endParaRPr lang="en-US"/>
           </a:p>
@@ -3663,7 +3576,7 @@
           <a:p>
             <a:fld id="{3DEAACE5-D900-B941-9691-B5A70076832D}" type="datetime1">
               <a:rPr lang="en-US" smtClean="0"/>
-              <a:t>10/20/18</a:t>
+              <a:t>10/21/18</a:t>
             </a:fld>
             <a:endParaRPr lang="en-US"/>
           </a:p>
@@ -3951,7 +3864,7 @@
           <a:p>
             <a:fld id="{3B5943A7-FE33-B04F-95DA-1C0FFE2A1D14}" type="datetime1">
               <a:rPr lang="en-US" smtClean="0"/>
-              <a:t>10/20/18</a:t>
+              <a:t>10/21/18</a:t>
             </a:fld>
             <a:endParaRPr lang="en-US"/>
           </a:p>
@@ -4192,7 +4105,7 @@
           <a:p>
             <a:fld id="{DDEB6CB8-30E9-7642-9D44-7B1E342777B2}" type="datetime1">
               <a:rPr lang="en-US" smtClean="0"/>
-              <a:t>10/20/18</a:t>
+              <a:t>10/21/18</a:t>
             </a:fld>
             <a:endParaRPr lang="en-US"/>
           </a:p>
@@ -4747,6 +4660,47 @@
       </p:grpSpPr>
       <p:sp>
         <p:nvSpPr>
+          <p:cNvPr id="3" name="Title 2">
+            <a:extLst>
+              <a:ext uri="{FF2B5EF4-FFF2-40B4-BE49-F238E27FC236}">
+                <a16:creationId xmlns:a16="http://schemas.microsoft.com/office/drawing/2014/main" id="{7B230F94-B493-CE43-929A-2A41F3FEB4EF}"/>
+              </a:ext>
+            </a:extLst>
+          </p:cNvPr>
+          <p:cNvSpPr>
+            <a:spLocks noGrp="1"/>
+          </p:cNvSpPr>
+          <p:nvPr>
+            <p:ph type="title"/>
+          </p:nvPr>
+        </p:nvSpPr>
+        <p:spPr/>
+        <p:txBody>
+          <a:bodyPr>
+            <a:normAutofit fontScale="90000"/>
+          </a:bodyPr>
+          <a:lstStyle/>
+          <a:p>
+            <a:br>
+              <a:rPr lang="en-US" dirty="0"/>
+            </a:br>
+            <a:r>
+              <a:rPr lang="en-US" sz="4900" dirty="0"/>
+              <a:t>Quantifying</a:t>
+            </a:r>
+            <a:r>
+              <a:rPr lang="en-US" dirty="0"/>
+              <a:t> Ionization Variance </a:t>
+            </a:r>
+            <a:br>
+              <a:rPr lang="en-US" dirty="0"/>
+            </a:br>
+            <a:endParaRPr lang="en-US" dirty="0"/>
+          </a:p>
+        </p:txBody>
+      </p:sp>
+      <p:sp>
+        <p:nvSpPr>
           <p:cNvPr id="4" name="Slide Number Placeholder 3">
             <a:extLst>
               <a:ext uri="{FF2B5EF4-FFF2-40B4-BE49-F238E27FC236}">
@@ -4776,10 +4730,10 @@
       </p:sp>
       <p:pic>
         <p:nvPicPr>
-          <p:cNvPr id="3" name="Picture 2">
-            <a:extLst>
-              <a:ext uri="{FF2B5EF4-FFF2-40B4-BE49-F238E27FC236}">
-                <a16:creationId xmlns:a16="http://schemas.microsoft.com/office/drawing/2014/main" id="{D992F9DE-262E-4D4E-B134-9081EC967D62}"/>
+          <p:cNvPr id="13" name="Picture 12">
+            <a:extLst>
+              <a:ext uri="{FF2B5EF4-FFF2-40B4-BE49-F238E27FC236}">
+                <a16:creationId xmlns:a16="http://schemas.microsoft.com/office/drawing/2014/main" id="{C6CC82BA-8986-654D-9749-C1F34B36D70B}"/>
               </a:ext>
             </a:extLst>
           </p:cNvPr>
@@ -4796,8 +4750,8 @@
         </p:blipFill>
         <p:spPr>
           <a:xfrm>
-            <a:off x="439618" y="1026746"/>
-            <a:ext cx="5751118" cy="4936761"/>
+            <a:off x="6456296" y="1806670"/>
+            <a:ext cx="4897504" cy="4920390"/>
           </a:xfrm>
           <a:prstGeom prst="rect">
             <a:avLst/>
@@ -4806,10 +4760,10 @@
       </p:pic>
       <p:pic>
         <p:nvPicPr>
-          <p:cNvPr id="10" name="Picture 9">
-            <a:extLst>
-              <a:ext uri="{FF2B5EF4-FFF2-40B4-BE49-F238E27FC236}">
-                <a16:creationId xmlns:a16="http://schemas.microsoft.com/office/drawing/2014/main" id="{F45815B0-B8A5-754E-9B9B-6FDE8E333571}"/>
+          <p:cNvPr id="5" name="Picture 4">
+            <a:extLst>
+              <a:ext uri="{FF2B5EF4-FFF2-40B4-BE49-F238E27FC236}">
+                <a16:creationId xmlns:a16="http://schemas.microsoft.com/office/drawing/2014/main" id="{2E602350-D9B4-834C-B424-463D28837A54}"/>
               </a:ext>
             </a:extLst>
           </p:cNvPr>
@@ -4826,8 +4780,8 @@
         </p:blipFill>
         <p:spPr>
           <a:xfrm>
-            <a:off x="6585316" y="1058943"/>
-            <a:ext cx="4881754" cy="4904566"/>
+            <a:off x="12357" y="1288307"/>
+            <a:ext cx="6265905" cy="5569693"/>
           </a:xfrm>
           <a:prstGeom prst="rect">
             <a:avLst/>
@@ -4837,7 +4791,7 @@
     </p:spTree>
     <p:extLst>
       <p:ext uri="{BB962C8B-B14F-4D97-AF65-F5344CB8AC3E}">
-        <p14:creationId xmlns:p14="http://schemas.microsoft.com/office/powerpoint/2010/main" val="2282746327"/>
+        <p14:creationId xmlns:p14="http://schemas.microsoft.com/office/powerpoint/2010/main" val="1341497285"/>
       </p:ext>
     </p:extLst>
   </p:cSld>
@@ -4967,256 +4921,6 @@
 </file>
 
 <file path=ppt/slides/slide12.xml><?xml version="1.0" encoding="utf-8"?>
-<p:sld xmlns:a="http://schemas.openxmlformats.org/drawingml/2006/main" xmlns:r="http://schemas.openxmlformats.org/officeDocument/2006/relationships" xmlns:p="http://schemas.openxmlformats.org/presentationml/2006/main">
-  <p:cSld>
-    <p:spTree>
-      <p:nvGrpSpPr>
-        <p:cNvPr id="1" name=""/>
-        <p:cNvGrpSpPr/>
-        <p:nvPr/>
-      </p:nvGrpSpPr>
-      <p:grpSpPr>
-        <a:xfrm>
-          <a:off x="0" y="0"/>
-          <a:ext cx="0" cy="0"/>
-          <a:chOff x="0" y="0"/>
-          <a:chExt cx="0" cy="0"/>
-        </a:xfrm>
-      </p:grpSpPr>
-      <p:sp>
-        <p:nvSpPr>
-          <p:cNvPr id="2" name="Title 1">
-            <a:extLst>
-              <a:ext uri="{FF2B5EF4-FFF2-40B4-BE49-F238E27FC236}">
-                <a16:creationId xmlns:a16="http://schemas.microsoft.com/office/drawing/2014/main" id="{24B7DF4A-1926-FD4C-94CA-990D4B267C66}"/>
-              </a:ext>
-            </a:extLst>
-          </p:cNvPr>
-          <p:cNvSpPr>
-            <a:spLocks noGrp="1"/>
-          </p:cNvSpPr>
-          <p:nvPr>
-            <p:ph type="title"/>
-          </p:nvPr>
-        </p:nvSpPr>
-        <p:spPr/>
-        <p:txBody>
-          <a:bodyPr/>
-          <a:lstStyle/>
-          <a:p>
-            <a:r>
-              <a:rPr lang="en-US" dirty="0" err="1"/>
-              <a:t>CDMSlite</a:t>
-            </a:r>
-            <a:r>
-              <a:rPr lang="en-US" dirty="0"/>
-              <a:t> Detector </a:t>
-            </a:r>
-          </a:p>
-        </p:txBody>
-      </p:sp>
-      <p:pic>
-        <p:nvPicPr>
-          <p:cNvPr id="5" name="Content Placeholder 4">
-            <a:extLst>
-              <a:ext uri="{FF2B5EF4-FFF2-40B4-BE49-F238E27FC236}">
-                <a16:creationId xmlns:a16="http://schemas.microsoft.com/office/drawing/2014/main" id="{F18A38AD-7C3D-B848-A538-698A9F7D610A}"/>
-              </a:ext>
-            </a:extLst>
-          </p:cNvPr>
-          <p:cNvPicPr>
-            <a:picLocks noGrp="1" noChangeAspect="1"/>
-          </p:cNvPicPr>
-          <p:nvPr>
-            <p:ph idx="1"/>
-          </p:nvPr>
-        </p:nvPicPr>
-        <p:blipFill>
-          <a:blip r:embed="rId3"/>
-          <a:stretch>
-            <a:fillRect/>
-          </a:stretch>
-        </p:blipFill>
-        <p:spPr>
-          <a:xfrm>
-            <a:off x="6662809" y="1793766"/>
-            <a:ext cx="5529191" cy="3382382"/>
-          </a:xfrm>
-        </p:spPr>
-      </p:pic>
-      <p:sp>
-        <p:nvSpPr>
-          <p:cNvPr id="7" name="TextBox 6">
-            <a:extLst>
-              <a:ext uri="{FF2B5EF4-FFF2-40B4-BE49-F238E27FC236}">
-                <a16:creationId xmlns:a16="http://schemas.microsoft.com/office/drawing/2014/main" id="{F18FCBF2-57F0-F643-8469-7DAD13900BC9}"/>
-              </a:ext>
-            </a:extLst>
-          </p:cNvPr>
-          <p:cNvSpPr txBox="1"/>
-          <p:nvPr/>
-        </p:nvSpPr>
-        <p:spPr>
-          <a:xfrm>
-            <a:off x="1062681" y="1915297"/>
-            <a:ext cx="5033319" cy="3139321"/>
-          </a:xfrm>
-          <a:prstGeom prst="rect">
-            <a:avLst/>
-          </a:prstGeom>
-          <a:noFill/>
-        </p:spPr>
-        <p:txBody>
-          <a:bodyPr wrap="square" rtlCol="0">
-            <a:spAutoFit/>
-          </a:bodyPr>
-          <a:lstStyle/>
-          <a:p>
-            <a:pPr marL="285750" indent="-285750">
-              <a:buFont typeface="Arial" panose="020B0604020202020204" pitchFamily="34" charset="0"/>
-              <a:buChar char="•"/>
-            </a:pPr>
-            <a:r>
-              <a:rPr lang="en-US" dirty="0"/>
-              <a:t>Low threshold ionization experiment </a:t>
-            </a:r>
-          </a:p>
-          <a:p>
-            <a:pPr marL="285750" indent="-285750">
-              <a:buFont typeface="Arial" panose="020B0604020202020204" pitchFamily="34" charset="0"/>
-              <a:buChar char="•"/>
-            </a:pPr>
-            <a:endParaRPr lang="en-US" dirty="0"/>
-          </a:p>
-          <a:p>
-            <a:pPr marL="285750" indent="-285750">
-              <a:buFont typeface="Arial" panose="020B0604020202020204" pitchFamily="34" charset="0"/>
-              <a:buChar char="•"/>
-            </a:pPr>
-            <a:r>
-              <a:rPr lang="en-US" dirty="0"/>
-              <a:t>Applied Voltage ~50-80 V/cm </a:t>
-            </a:r>
-          </a:p>
-          <a:p>
-            <a:pPr marL="285750" indent="-285750">
-              <a:buFont typeface="Arial" panose="020B0604020202020204" pitchFamily="34" charset="0"/>
-              <a:buChar char="•"/>
-            </a:pPr>
-            <a:endParaRPr lang="en-US" dirty="0"/>
-          </a:p>
-          <a:p>
-            <a:pPr marL="285750" indent="-285750">
-              <a:buFont typeface="Arial" panose="020B0604020202020204" pitchFamily="34" charset="0"/>
-              <a:buChar char="•"/>
-            </a:pPr>
-            <a:r>
-              <a:rPr lang="en-US" dirty="0"/>
-              <a:t>Ionization energy resolution of 170 </a:t>
-            </a:r>
-            <a:r>
-              <a:rPr lang="en-US" dirty="0" err="1"/>
-              <a:t>eVee</a:t>
-            </a:r>
-            <a:r>
-              <a:rPr lang="en-US" dirty="0"/>
-              <a:t> </a:t>
-            </a:r>
-          </a:p>
-          <a:p>
-            <a:endParaRPr lang="en-US" dirty="0"/>
-          </a:p>
-          <a:p>
-            <a:pPr marL="285750" indent="-285750">
-              <a:buFont typeface="Arial" panose="020B0604020202020204" pitchFamily="34" charset="0"/>
-              <a:buChar char="•"/>
-            </a:pPr>
-            <a:r>
-              <a:rPr lang="en-US" dirty="0"/>
-              <a:t>Detects phonons only. </a:t>
-            </a:r>
-          </a:p>
-          <a:p>
-            <a:endParaRPr lang="en-US" dirty="0"/>
-          </a:p>
-          <a:p>
-            <a:pPr marL="285750" indent="-285750">
-              <a:buFont typeface="Arial" panose="020B0604020202020204" pitchFamily="34" charset="0"/>
-              <a:buChar char="•"/>
-            </a:pPr>
-            <a:r>
-              <a:rPr lang="en-US" dirty="0"/>
-              <a:t>Phonon amplification via </a:t>
-            </a:r>
-            <a:r>
-              <a:rPr lang="en-US" dirty="0" err="1"/>
-              <a:t>Neganov</a:t>
-            </a:r>
-            <a:r>
-              <a:rPr lang="en-US" dirty="0"/>
-              <a:t>-</a:t>
-            </a:r>
-            <a:r>
-              <a:rPr lang="en-US" dirty="0" err="1"/>
-              <a:t>Trofimov</a:t>
-            </a:r>
-            <a:r>
-              <a:rPr lang="en-US" dirty="0"/>
-              <a:t>-Luke (NTL) effect </a:t>
-            </a:r>
-          </a:p>
-          <a:p>
-            <a:pPr marL="285750" indent="-285750">
-              <a:buFont typeface="Arial" panose="020B0604020202020204" pitchFamily="34" charset="0"/>
-              <a:buChar char="•"/>
-            </a:pPr>
-            <a:endParaRPr lang="en-US" dirty="0"/>
-          </a:p>
-        </p:txBody>
-      </p:sp>
-      <p:sp>
-        <p:nvSpPr>
-          <p:cNvPr id="3" name="Slide Number Placeholder 2">
-            <a:extLst>
-              <a:ext uri="{FF2B5EF4-FFF2-40B4-BE49-F238E27FC236}">
-                <a16:creationId xmlns:a16="http://schemas.microsoft.com/office/drawing/2014/main" id="{3EE1539B-7753-2A46-99F3-9F1D56504805}"/>
-              </a:ext>
-            </a:extLst>
-          </p:cNvPr>
-          <p:cNvSpPr>
-            <a:spLocks noGrp="1"/>
-          </p:cNvSpPr>
-          <p:nvPr>
-            <p:ph type="sldNum" sz="quarter" idx="12"/>
-          </p:nvPr>
-        </p:nvSpPr>
-        <p:spPr/>
-        <p:txBody>
-          <a:bodyPr/>
-          <a:lstStyle/>
-          <a:p>
-            <a:fld id="{035DBD62-E6E0-484E-AB64-E286A6B85B65}" type="slidenum">
-              <a:rPr lang="en-US" smtClean="0"/>
-              <a:t>12</a:t>
-            </a:fld>
-            <a:endParaRPr lang="en-US"/>
-          </a:p>
-        </p:txBody>
-      </p:sp>
-    </p:spTree>
-    <p:extLst>
-      <p:ext uri="{BB962C8B-B14F-4D97-AF65-F5344CB8AC3E}">
-        <p14:creationId xmlns:p14="http://schemas.microsoft.com/office/powerpoint/2010/main" val="3174342802"/>
-      </p:ext>
-    </p:extLst>
-  </p:cSld>
-  <p:clrMapOvr>
-    <a:masterClrMapping/>
-  </p:clrMapOvr>
-</p:sld>
-</file>
-
-<file path=ppt/slides/slide13.xml><?xml version="1.0" encoding="utf-8"?>
 <p:sld xmlns:a="http://schemas.openxmlformats.org/drawingml/2006/main" xmlns:r="http://schemas.openxmlformats.org/officeDocument/2006/relationships" xmlns:p="http://schemas.openxmlformats.org/presentationml/2006/main">
   <p:cSld>
     <p:spTree>
@@ -5555,7 +5259,7 @@
           <a:p>
             <a:fld id="{035DBD62-E6E0-484E-AB64-E286A6B85B65}" type="slidenum">
               <a:rPr lang="en-US" smtClean="0"/>
-              <a:t>13</a:t>
+              <a:t>12</a:t>
             </a:fld>
             <a:endParaRPr lang="en-US"/>
           </a:p>
@@ -5604,7 +5308,7 @@
 </p:sld>
 </file>
 
-<file path=ppt/slides/slide14.xml><?xml version="1.0" encoding="utf-8"?>
+<file path=ppt/slides/slide13.xml><?xml version="1.0" encoding="utf-8"?>
 <p:sld xmlns:a="http://schemas.openxmlformats.org/drawingml/2006/main" xmlns:r="http://schemas.openxmlformats.org/officeDocument/2006/relationships" xmlns:p="http://schemas.openxmlformats.org/presentationml/2006/main">
   <p:cSld>
     <p:spTree>
@@ -5779,7 +5483,7 @@
           <a:p>
             <a:fld id="{035DBD62-E6E0-484E-AB64-E286A6B85B65}" type="slidenum">
               <a:rPr lang="en-US" smtClean="0"/>
-              <a:t>14</a:t>
+              <a:t>13</a:t>
             </a:fld>
             <a:endParaRPr lang="en-US"/>
           </a:p>
@@ -5789,241 +5493,6 @@
     <p:extLst>
       <p:ext uri="{BB962C8B-B14F-4D97-AF65-F5344CB8AC3E}">
         <p14:creationId xmlns:p14="http://schemas.microsoft.com/office/powerpoint/2010/main" val="2196642784"/>
-      </p:ext>
-    </p:extLst>
-  </p:cSld>
-  <p:clrMapOvr>
-    <a:masterClrMapping/>
-  </p:clrMapOvr>
-</p:sld>
-</file>
-
-<file path=ppt/slides/slide15.xml><?xml version="1.0" encoding="utf-8"?>
-<p:sld xmlns:a="http://schemas.openxmlformats.org/drawingml/2006/main" xmlns:r="http://schemas.openxmlformats.org/officeDocument/2006/relationships" xmlns:p="http://schemas.openxmlformats.org/presentationml/2006/main">
-  <p:cSld>
-    <p:spTree>
-      <p:nvGrpSpPr>
-        <p:cNvPr id="1" name=""/>
-        <p:cNvGrpSpPr/>
-        <p:nvPr/>
-      </p:nvGrpSpPr>
-      <p:grpSpPr>
-        <a:xfrm>
-          <a:off x="0" y="0"/>
-          <a:ext cx="0" cy="0"/>
-          <a:chOff x="0" y="0"/>
-          <a:chExt cx="0" cy="0"/>
-        </a:xfrm>
-      </p:grpSpPr>
-      <p:sp>
-        <p:nvSpPr>
-          <p:cNvPr id="2" name="Title 1">
-            <a:extLst>
-              <a:ext uri="{FF2B5EF4-FFF2-40B4-BE49-F238E27FC236}">
-                <a16:creationId xmlns:a16="http://schemas.microsoft.com/office/drawing/2014/main" id="{5E03494C-AB1C-AC42-8866-CFF471E1A838}"/>
-              </a:ext>
-            </a:extLst>
-          </p:cNvPr>
-          <p:cNvSpPr>
-            <a:spLocks noGrp="1"/>
-          </p:cNvSpPr>
-          <p:nvPr>
-            <p:ph type="title"/>
-          </p:nvPr>
-        </p:nvSpPr>
-        <p:spPr/>
-        <p:txBody>
-          <a:bodyPr/>
-          <a:lstStyle/>
-          <a:p>
-            <a:r>
-              <a:rPr lang="en-US" dirty="0"/>
-              <a:t>Motivation: Single Electron –Hole Resolution </a:t>
-            </a:r>
-          </a:p>
-        </p:txBody>
-      </p:sp>
-      <p:sp>
-        <p:nvSpPr>
-          <p:cNvPr id="3" name="Content Placeholder 2">
-            <a:extLst>
-              <a:ext uri="{FF2B5EF4-FFF2-40B4-BE49-F238E27FC236}">
-                <a16:creationId xmlns:a16="http://schemas.microsoft.com/office/drawing/2014/main" id="{C63F420E-8EB2-ED4F-852C-A1AD316079FE}"/>
-              </a:ext>
-            </a:extLst>
-          </p:cNvPr>
-          <p:cNvSpPr>
-            <a:spLocks noGrp="1"/>
-          </p:cNvSpPr>
-          <p:nvPr>
-            <p:ph idx="1"/>
-          </p:nvPr>
-        </p:nvSpPr>
-        <p:spPr/>
-        <p:txBody>
-          <a:bodyPr/>
-          <a:lstStyle/>
-          <a:p>
-            <a:r>
-              <a:rPr lang="en-US" dirty="0"/>
-              <a:t>PLOT SHOWING PHONON SPECTRUM AND </a:t>
-            </a:r>
-            <a:r>
-              <a:rPr lang="en-US" dirty="0" err="1"/>
-              <a:t>Neh</a:t>
-            </a:r>
-            <a:endParaRPr lang="en-US" dirty="0"/>
-          </a:p>
-        </p:txBody>
-      </p:sp>
-      <p:sp>
-        <p:nvSpPr>
-          <p:cNvPr id="4" name="Slide Number Placeholder 3">
-            <a:extLst>
-              <a:ext uri="{FF2B5EF4-FFF2-40B4-BE49-F238E27FC236}">
-                <a16:creationId xmlns:a16="http://schemas.microsoft.com/office/drawing/2014/main" id="{5FB536DB-DE5A-7E48-A1B9-A06862847DED}"/>
-              </a:ext>
-            </a:extLst>
-          </p:cNvPr>
-          <p:cNvSpPr>
-            <a:spLocks noGrp="1"/>
-          </p:cNvSpPr>
-          <p:nvPr>
-            <p:ph type="sldNum" sz="quarter" idx="12"/>
-          </p:nvPr>
-        </p:nvSpPr>
-        <p:spPr/>
-        <p:txBody>
-          <a:bodyPr/>
-          <a:lstStyle/>
-          <a:p>
-            <a:fld id="{035DBD62-E6E0-484E-AB64-E286A6B85B65}" type="slidenum">
-              <a:rPr lang="en-US" smtClean="0"/>
-              <a:t>15</a:t>
-            </a:fld>
-            <a:endParaRPr lang="en-US"/>
-          </a:p>
-        </p:txBody>
-      </p:sp>
-    </p:spTree>
-    <p:extLst>
-      <p:ext uri="{BB962C8B-B14F-4D97-AF65-F5344CB8AC3E}">
-        <p14:creationId xmlns:p14="http://schemas.microsoft.com/office/powerpoint/2010/main" val="3207931489"/>
-      </p:ext>
-    </p:extLst>
-  </p:cSld>
-  <p:clrMapOvr>
-    <a:masterClrMapping/>
-  </p:clrMapOvr>
-</p:sld>
-</file>
-
-<file path=ppt/slides/slide16.xml><?xml version="1.0" encoding="utf-8"?>
-<p:sld xmlns:a="http://schemas.openxmlformats.org/drawingml/2006/main" xmlns:r="http://schemas.openxmlformats.org/officeDocument/2006/relationships" xmlns:p="http://schemas.openxmlformats.org/presentationml/2006/main">
-  <p:cSld>
-    <p:spTree>
-      <p:nvGrpSpPr>
-        <p:cNvPr id="1" name=""/>
-        <p:cNvGrpSpPr/>
-        <p:nvPr/>
-      </p:nvGrpSpPr>
-      <p:grpSpPr>
-        <a:xfrm>
-          <a:off x="0" y="0"/>
-          <a:ext cx="0" cy="0"/>
-          <a:chOff x="0" y="0"/>
-          <a:chExt cx="0" cy="0"/>
-        </a:xfrm>
-      </p:grpSpPr>
-      <p:sp>
-        <p:nvSpPr>
-          <p:cNvPr id="2" name="Title 1">
-            <a:extLst>
-              <a:ext uri="{FF2B5EF4-FFF2-40B4-BE49-F238E27FC236}">
-                <a16:creationId xmlns:a16="http://schemas.microsoft.com/office/drawing/2014/main" id="{1CAB6AD5-C431-6040-BFB0-BE9BAA9FBFB8}"/>
-              </a:ext>
-            </a:extLst>
-          </p:cNvPr>
-          <p:cNvSpPr>
-            <a:spLocks noGrp="1"/>
-          </p:cNvSpPr>
-          <p:nvPr>
-            <p:ph type="title"/>
-          </p:nvPr>
-        </p:nvSpPr>
-        <p:spPr/>
-        <p:txBody>
-          <a:bodyPr/>
-          <a:lstStyle/>
-          <a:p>
-            <a:r>
-              <a:rPr lang="en-US" dirty="0"/>
-              <a:t>Current Work </a:t>
-            </a:r>
-          </a:p>
-        </p:txBody>
-      </p:sp>
-      <p:sp>
-        <p:nvSpPr>
-          <p:cNvPr id="3" name="Content Placeholder 2">
-            <a:extLst>
-              <a:ext uri="{FF2B5EF4-FFF2-40B4-BE49-F238E27FC236}">
-                <a16:creationId xmlns:a16="http://schemas.microsoft.com/office/drawing/2014/main" id="{25B2A58C-BDE1-F142-8AB1-B8A860A866AC}"/>
-              </a:ext>
-            </a:extLst>
-          </p:cNvPr>
-          <p:cNvSpPr>
-            <a:spLocks noGrp="1"/>
-          </p:cNvSpPr>
-          <p:nvPr>
-            <p:ph idx="1"/>
-          </p:nvPr>
-        </p:nvSpPr>
-        <p:spPr/>
-        <p:txBody>
-          <a:bodyPr/>
-          <a:lstStyle/>
-          <a:p>
-            <a:r>
-              <a:rPr lang="en-US" dirty="0"/>
-              <a:t>Four plots showing difference between simulated bands with and without added variance. .. And data.</a:t>
-            </a:r>
-          </a:p>
-        </p:txBody>
-      </p:sp>
-      <p:sp>
-        <p:nvSpPr>
-          <p:cNvPr id="4" name="Slide Number Placeholder 3">
-            <a:extLst>
-              <a:ext uri="{FF2B5EF4-FFF2-40B4-BE49-F238E27FC236}">
-                <a16:creationId xmlns:a16="http://schemas.microsoft.com/office/drawing/2014/main" id="{4B416502-E80B-3A41-8F85-4BDE5B343F0E}"/>
-              </a:ext>
-            </a:extLst>
-          </p:cNvPr>
-          <p:cNvSpPr>
-            <a:spLocks noGrp="1"/>
-          </p:cNvSpPr>
-          <p:nvPr>
-            <p:ph type="sldNum" sz="quarter" idx="12"/>
-          </p:nvPr>
-        </p:nvSpPr>
-        <p:spPr/>
-        <p:txBody>
-          <a:bodyPr/>
-          <a:lstStyle/>
-          <a:p>
-            <a:fld id="{035DBD62-E6E0-484E-AB64-E286A6B85B65}" type="slidenum">
-              <a:rPr lang="en-US" smtClean="0"/>
-              <a:t>16</a:t>
-            </a:fld>
-            <a:endParaRPr lang="en-US"/>
-          </a:p>
-        </p:txBody>
-      </p:sp>
-    </p:spTree>
-    <p:extLst>
-      <p:ext uri="{BB962C8B-B14F-4D97-AF65-F5344CB8AC3E}">
-        <p14:creationId xmlns:p14="http://schemas.microsoft.com/office/powerpoint/2010/main" val="3889502558"/>
       </p:ext>
     </p:extLst>
   </p:cSld>
@@ -6568,8 +6037,38 @@
         </p:blipFill>
         <p:spPr>
           <a:xfrm>
-            <a:off x="7030957" y="4557273"/>
+            <a:off x="6634777" y="5250230"/>
             <a:ext cx="2833888" cy="526051"/>
+          </a:xfrm>
+          <a:prstGeom prst="rect">
+            <a:avLst/>
+          </a:prstGeom>
+        </p:spPr>
+      </p:pic>
+      <p:pic>
+        <p:nvPicPr>
+          <p:cNvPr id="9" name="Picture 8">
+            <a:extLst>
+              <a:ext uri="{FF2B5EF4-FFF2-40B4-BE49-F238E27FC236}">
+                <a16:creationId xmlns:a16="http://schemas.microsoft.com/office/drawing/2014/main" id="{75070251-F571-524F-A5E6-DDBB08E1F35D}"/>
+              </a:ext>
+            </a:extLst>
+          </p:cNvPr>
+          <p:cNvPicPr>
+            <a:picLocks noChangeAspect="1"/>
+          </p:cNvPicPr>
+          <p:nvPr/>
+        </p:nvPicPr>
+        <p:blipFill>
+          <a:blip r:embed="rId5"/>
+          <a:stretch>
+            <a:fillRect/>
+          </a:stretch>
+        </p:blipFill>
+        <p:spPr>
+          <a:xfrm>
+            <a:off x="6634777" y="4844048"/>
+            <a:ext cx="2565781" cy="352166"/>
           </a:xfrm>
           <a:prstGeom prst="rect">
             <a:avLst/>
@@ -6864,7 +6363,7 @@
         <p:spPr>
           <a:xfrm>
             <a:off x="825843" y="1649978"/>
-            <a:ext cx="4930346" cy="6740307"/>
+            <a:ext cx="4930346" cy="7017306"/>
           </a:xfrm>
           <a:prstGeom prst="rect">
             <a:avLst/>
@@ -6938,7 +6437,7 @@
                   <a:srgbClr val="FFFF00"/>
                 </a:highlight>
               </a:rPr>
-              <a:t>Need to know ratio of energy that goes into the electronic system and its variation.</a:t>
+              <a:t>Knowing the number of e-h pairs produced, we can use the ionization efficiency to back out the recoil energy.</a:t>
             </a:r>
           </a:p>
           <a:p>
@@ -7587,6 +7086,100 @@
       </p:grpSpPr>
       <p:sp>
         <p:nvSpPr>
+          <p:cNvPr id="3" name="Title 2">
+            <a:extLst>
+              <a:ext uri="{FF2B5EF4-FFF2-40B4-BE49-F238E27FC236}">
+                <a16:creationId xmlns:a16="http://schemas.microsoft.com/office/drawing/2014/main" id="{7B230F94-B493-CE43-929A-2A41F3FEB4EF}"/>
+              </a:ext>
+            </a:extLst>
+          </p:cNvPr>
+          <p:cNvSpPr>
+            <a:spLocks noGrp="1"/>
+          </p:cNvSpPr>
+          <p:nvPr>
+            <p:ph type="title"/>
+          </p:nvPr>
+        </p:nvSpPr>
+        <p:spPr/>
+        <p:txBody>
+          <a:bodyPr>
+            <a:normAutofit fontScale="90000"/>
+          </a:bodyPr>
+          <a:lstStyle/>
+          <a:p>
+            <a:br>
+              <a:rPr lang="en-US" dirty="0"/>
+            </a:br>
+            <a:r>
+              <a:rPr lang="en-US" sz="4900" dirty="0"/>
+              <a:t>Quantifying</a:t>
+            </a:r>
+            <a:r>
+              <a:rPr lang="en-US" dirty="0"/>
+              <a:t> Ionization Variance </a:t>
+            </a:r>
+            <a:br>
+              <a:rPr lang="en-US" dirty="0"/>
+            </a:br>
+            <a:endParaRPr lang="en-US" dirty="0"/>
+          </a:p>
+        </p:txBody>
+      </p:sp>
+      <p:sp>
+        <p:nvSpPr>
+          <p:cNvPr id="9" name="Content Placeholder 8">
+            <a:extLst>
+              <a:ext uri="{FF2B5EF4-FFF2-40B4-BE49-F238E27FC236}">
+                <a16:creationId xmlns:a16="http://schemas.microsoft.com/office/drawing/2014/main" id="{64E94FD4-7193-134C-8BE7-18D70D086E45}"/>
+              </a:ext>
+            </a:extLst>
+          </p:cNvPr>
+          <p:cNvSpPr>
+            <a:spLocks noGrp="1"/>
+          </p:cNvSpPr>
+          <p:nvPr>
+            <p:ph idx="1"/>
+          </p:nvPr>
+        </p:nvSpPr>
+        <p:spPr>
+          <a:xfrm>
+            <a:off x="838200" y="1825625"/>
+            <a:ext cx="5618096" cy="4351338"/>
+          </a:xfrm>
+        </p:spPr>
+        <p:txBody>
+          <a:bodyPr>
+            <a:normAutofit/>
+          </a:bodyPr>
+          <a:lstStyle/>
+          <a:p>
+            <a:r>
+              <a:rPr lang="en-US" sz="1800" dirty="0"/>
+              <a:t>Ability to directly to measure charge and phonons separately. Allowing for a direct measurement of the ionization efficiency. </a:t>
+            </a:r>
+          </a:p>
+          <a:p>
+            <a:endParaRPr lang="en-US" sz="1800" dirty="0"/>
+          </a:p>
+          <a:p>
+            <a:r>
+              <a:rPr lang="en-US" sz="1800" dirty="0"/>
+              <a:t>Should be able to extract the width of the nuclear recoil band.</a:t>
+            </a:r>
+          </a:p>
+          <a:p>
+            <a:endParaRPr lang="en-US" sz="1800" dirty="0"/>
+          </a:p>
+          <a:p>
+            <a:r>
+              <a:rPr lang="en-US" sz="1800" dirty="0"/>
+              <a:t>Allows quantify the variation in electron hole pair production. </a:t>
+            </a:r>
+          </a:p>
+        </p:txBody>
+      </p:sp>
+      <p:sp>
+        <p:nvSpPr>
           <p:cNvPr id="4" name="Slide Number Placeholder 3">
             <a:extLst>
               <a:ext uri="{FF2B5EF4-FFF2-40B4-BE49-F238E27FC236}">
@@ -7636,8 +7229,8 @@
         </p:blipFill>
         <p:spPr>
           <a:xfrm>
-            <a:off x="6303171" y="1146778"/>
-            <a:ext cx="4768484" cy="4790767"/>
+            <a:off x="6456296" y="1806670"/>
+            <a:ext cx="4897504" cy="4920390"/>
           </a:xfrm>
           <a:prstGeom prst="rect">
             <a:avLst/>
@@ -7647,7 +7240,7 @@
     </p:spTree>
     <p:extLst>
       <p:ext uri="{BB962C8B-B14F-4D97-AF65-F5344CB8AC3E}">
-        <p14:creationId xmlns:p14="http://schemas.microsoft.com/office/powerpoint/2010/main" val="2707373952"/>
+        <p14:creationId xmlns:p14="http://schemas.microsoft.com/office/powerpoint/2010/main" val="4115652011"/>
       </p:ext>
     </p:extLst>
   </p:cSld>
@@ -7676,6 +7269,47 @@
       </p:grpSpPr>
       <p:sp>
         <p:nvSpPr>
+          <p:cNvPr id="3" name="Title 2">
+            <a:extLst>
+              <a:ext uri="{FF2B5EF4-FFF2-40B4-BE49-F238E27FC236}">
+                <a16:creationId xmlns:a16="http://schemas.microsoft.com/office/drawing/2014/main" id="{7B230F94-B493-CE43-929A-2A41F3FEB4EF}"/>
+              </a:ext>
+            </a:extLst>
+          </p:cNvPr>
+          <p:cNvSpPr>
+            <a:spLocks noGrp="1"/>
+          </p:cNvSpPr>
+          <p:nvPr>
+            <p:ph type="title"/>
+          </p:nvPr>
+        </p:nvSpPr>
+        <p:spPr/>
+        <p:txBody>
+          <a:bodyPr>
+            <a:normAutofit fontScale="90000"/>
+          </a:bodyPr>
+          <a:lstStyle/>
+          <a:p>
+            <a:br>
+              <a:rPr lang="en-US" dirty="0"/>
+            </a:br>
+            <a:r>
+              <a:rPr lang="en-US" sz="4900" dirty="0"/>
+              <a:t>Quantifying</a:t>
+            </a:r>
+            <a:r>
+              <a:rPr lang="en-US" dirty="0"/>
+              <a:t> Ionization Variance </a:t>
+            </a:r>
+            <a:br>
+              <a:rPr lang="en-US" dirty="0"/>
+            </a:br>
+            <a:endParaRPr lang="en-US" dirty="0"/>
+          </a:p>
+        </p:txBody>
+      </p:sp>
+      <p:sp>
+        <p:nvSpPr>
           <p:cNvPr id="4" name="Slide Number Placeholder 3">
             <a:extLst>
               <a:ext uri="{FF2B5EF4-FFF2-40B4-BE49-F238E27FC236}">
@@ -7725,8 +7359,8 @@
         </p:blipFill>
         <p:spPr>
           <a:xfrm>
-            <a:off x="6303171" y="1146778"/>
-            <a:ext cx="4768484" cy="4790767"/>
+            <a:off x="6456296" y="1806670"/>
+            <a:ext cx="4897504" cy="4920390"/>
           </a:xfrm>
           <a:prstGeom prst="rect">
             <a:avLst/>
@@ -7735,10 +7369,10 @@
       </p:pic>
       <p:pic>
         <p:nvPicPr>
-          <p:cNvPr id="6" name="Picture 5">
-            <a:extLst>
-              <a:ext uri="{FF2B5EF4-FFF2-40B4-BE49-F238E27FC236}">
-                <a16:creationId xmlns:a16="http://schemas.microsoft.com/office/drawing/2014/main" id="{F823E7A8-4F3E-4242-ABAE-6767D9FFA6F9}"/>
+          <p:cNvPr id="5" name="Picture 4">
+            <a:extLst>
+              <a:ext uri="{FF2B5EF4-FFF2-40B4-BE49-F238E27FC236}">
+                <a16:creationId xmlns:a16="http://schemas.microsoft.com/office/drawing/2014/main" id="{2E602350-D9B4-834C-B424-463D28837A54}"/>
               </a:ext>
             </a:extLst>
           </p:cNvPr>
@@ -7755,8 +7389,38 @@
         </p:blipFill>
         <p:spPr>
           <a:xfrm>
-            <a:off x="454722" y="964127"/>
-            <a:ext cx="5764010" cy="4929745"/>
+            <a:off x="9079" y="1288307"/>
+            <a:ext cx="6265905" cy="5569693"/>
+          </a:xfrm>
+          <a:prstGeom prst="rect">
+            <a:avLst/>
+          </a:prstGeom>
+        </p:spPr>
+      </p:pic>
+      <p:pic>
+        <p:nvPicPr>
+          <p:cNvPr id="7" name="Picture 6">
+            <a:extLst>
+              <a:ext uri="{FF2B5EF4-FFF2-40B4-BE49-F238E27FC236}">
+                <a16:creationId xmlns:a16="http://schemas.microsoft.com/office/drawing/2014/main" id="{0A8E753D-A38B-DF42-AFF9-88E7105B09BB}"/>
+              </a:ext>
+            </a:extLst>
+          </p:cNvPr>
+          <p:cNvPicPr>
+            <a:picLocks noChangeAspect="1"/>
+          </p:cNvPicPr>
+          <p:nvPr/>
+        </p:nvPicPr>
+        <p:blipFill>
+          <a:blip r:embed="rId5"/>
+          <a:stretch>
+            <a:fillRect/>
+          </a:stretch>
+        </p:blipFill>
+        <p:spPr>
+          <a:xfrm>
+            <a:off x="17393" y="1288306"/>
+            <a:ext cx="6265905" cy="5569693"/>
           </a:xfrm>
           <a:prstGeom prst="rect">
             <a:avLst/>
@@ -7766,7 +7430,7 @@
     </p:spTree>
     <p:extLst>
       <p:ext uri="{BB962C8B-B14F-4D97-AF65-F5344CB8AC3E}">
-        <p14:creationId xmlns:p14="http://schemas.microsoft.com/office/powerpoint/2010/main" val="1603061029"/>
+        <p14:creationId xmlns:p14="http://schemas.microsoft.com/office/powerpoint/2010/main" val="3140351148"/>
       </p:ext>
     </p:extLst>
   </p:cSld>

--- a/Mitch_Hawaii_talk. .pptx
+++ b/Mitch_Hawaii_talk. .pptx
@@ -12,7 +12,7 @@
     <p:sldId id="263" r:id="rId3"/>
     <p:sldId id="267" r:id="rId4"/>
     <p:sldId id="264" r:id="rId5"/>
-    <p:sldId id="270" r:id="rId6"/>
+    <p:sldId id="277" r:id="rId6"/>
     <p:sldId id="257" r:id="rId7"/>
     <p:sldId id="271" r:id="rId8"/>
     <p:sldId id="274" r:id="rId9"/>
@@ -789,25 +789,13 @@
           <a:p>
             <a:r>
               <a:rPr lang="en-US" dirty="0"/>
-              <a:t>A WIMP comes in a hits the nuclei, initial phonons are produced and charge is liberated in some ratio. Current generation of lowest threshold detectors only count the number of produced electron hole pairs. We do not have a good nuclear recoil calibration standard. Therefore to extract the nuclear recoil energy we have to know the ratio of recoil energy that goes into the electronic system.  </a:t>
-            </a:r>
-          </a:p>
-          <a:p>
+              <a:t>Citation for </a:t>
+            </a:r>
+            <a:r>
+              <a:rPr lang="en-US" dirty="0" err="1"/>
+              <a:t>HVeV</a:t>
+            </a:r>
             <a:endParaRPr lang="en-US" dirty="0"/>
-          </a:p>
-          <a:p>
-            <a:r>
-              <a:rPr lang="en-US" dirty="0"/>
-              <a:t>Variation in energy given to the electronic system exists because a single </a:t>
-            </a:r>
-            <a:r>
-              <a:rPr lang="en-US" dirty="0" err="1"/>
-              <a:t>E_r</a:t>
-            </a:r>
-            <a:r>
-              <a:rPr lang="en-US" dirty="0"/>
-              <a:t> can create a spectrum of a possible number of  electron hole pairs </a:t>
-            </a:r>
           </a:p>
         </p:txBody>
       </p:sp>
@@ -828,7 +816,7 @@
           <a:p>
             <a:fld id="{C6AEA146-89B5-4A42-BEB6-D6A5BB50F046}" type="slidenum">
               <a:rPr lang="en-US" smtClean="0"/>
-              <a:t>5</a:t>
+              <a:t>4</a:t>
             </a:fld>
             <a:endParaRPr lang="en-US"/>
           </a:p>
@@ -837,7 +825,7 @@
     </p:spTree>
     <p:extLst>
       <p:ext uri="{BB962C8B-B14F-4D97-AF65-F5344CB8AC3E}">
-        <p14:creationId xmlns:p14="http://schemas.microsoft.com/office/powerpoint/2010/main" val="2290391898"/>
+        <p14:creationId xmlns:p14="http://schemas.microsoft.com/office/powerpoint/2010/main" val="3501706498"/>
       </p:ext>
     </p:extLst>
   </p:cSld>
@@ -893,15 +881,24 @@
           <a:p>
             <a:r>
               <a:rPr lang="en-US" dirty="0"/>
-              <a:t>There is a variant number of electron hole pairs exists for a given </a:t>
+              <a:t>A WIMP comes in a hits the nuclei, initial phonons are produced and charge is liberated in some ratio. Current generation of lowest threshold detectors only count the number of produced electron hole pairs. We do not have a good nuclear recoil calibration standard. Therefore to extract the nuclear recoil energy we have to know the ratio of recoil energy that goes into the electronic system.  </a:t>
+            </a:r>
+          </a:p>
+          <a:p>
+            <a:endParaRPr lang="en-US" dirty="0"/>
+          </a:p>
+          <a:p>
+            <a:r>
+              <a:rPr lang="en-US" dirty="0"/>
+              <a:t>Variation in energy given to the electronic system exists because a single </a:t>
             </a:r>
             <a:r>
               <a:rPr lang="en-US" dirty="0" err="1"/>
-              <a:t>Er</a:t>
+              <a:t>E_r</a:t>
             </a:r>
             <a:r>
               <a:rPr lang="en-US" dirty="0"/>
-              <a:t> for both electron recoils and nuclear recoils. </a:t>
+              <a:t> can create a spectrum of a possible number of  electron hole pairs </a:t>
             </a:r>
           </a:p>
         </p:txBody>
@@ -923,7 +920,7 @@
           <a:p>
             <a:fld id="{C6AEA146-89B5-4A42-BEB6-D6A5BB50F046}" type="slidenum">
               <a:rPr lang="en-US" smtClean="0"/>
-              <a:t>6</a:t>
+              <a:t>5</a:t>
             </a:fld>
             <a:endParaRPr lang="en-US"/>
           </a:p>
@@ -932,7 +929,7 @@
     </p:spTree>
     <p:extLst>
       <p:ext uri="{BB962C8B-B14F-4D97-AF65-F5344CB8AC3E}">
-        <p14:creationId xmlns:p14="http://schemas.microsoft.com/office/powerpoint/2010/main" val="2674662709"/>
+        <p14:creationId xmlns:p14="http://schemas.microsoft.com/office/powerpoint/2010/main" val="1474361992"/>
       </p:ext>
     </p:extLst>
   </p:cSld>
@@ -988,14 +985,16 @@
           <a:p>
             <a:r>
               <a:rPr lang="en-US" dirty="0"/>
-              <a:t>They can measure charge and phonons separately, this gives them a direct measure of the yield. </a:t>
-            </a:r>
-          </a:p>
-          <a:p>
-            <a:endParaRPr lang="en-US" dirty="0"/>
-          </a:p>
-          <a:p>
-            <a:endParaRPr lang="en-US" dirty="0"/>
+              <a:t>There is a variant number of electron hole pairs exists for a given </a:t>
+            </a:r>
+            <a:r>
+              <a:rPr lang="en-US" dirty="0" err="1"/>
+              <a:t>Er</a:t>
+            </a:r>
+            <a:r>
+              <a:rPr lang="en-US" dirty="0"/>
+              <a:t> for both electron recoils and nuclear recoils. </a:t>
+            </a:r>
           </a:p>
         </p:txBody>
       </p:sp>
@@ -1016,7 +1015,7 @@
           <a:p>
             <a:fld id="{C6AEA146-89B5-4A42-BEB6-D6A5BB50F046}" type="slidenum">
               <a:rPr lang="en-US" smtClean="0"/>
-              <a:t>8</a:t>
+              <a:t>6</a:t>
             </a:fld>
             <a:endParaRPr lang="en-US"/>
           </a:p>
@@ -1025,7 +1024,7 @@
     </p:spTree>
     <p:extLst>
       <p:ext uri="{BB962C8B-B14F-4D97-AF65-F5344CB8AC3E}">
-        <p14:creationId xmlns:p14="http://schemas.microsoft.com/office/powerpoint/2010/main" val="2530409236"/>
+        <p14:creationId xmlns:p14="http://schemas.microsoft.com/office/powerpoint/2010/main" val="2674662709"/>
       </p:ext>
     </p:extLst>
   </p:cSld>
@@ -1109,7 +1108,7 @@
           <a:p>
             <a:fld id="{C6AEA146-89B5-4A42-BEB6-D6A5BB50F046}" type="slidenum">
               <a:rPr lang="en-US" smtClean="0"/>
-              <a:t>9</a:t>
+              <a:t>8</a:t>
             </a:fld>
             <a:endParaRPr lang="en-US"/>
           </a:p>
@@ -1118,7 +1117,7 @@
     </p:spTree>
     <p:extLst>
       <p:ext uri="{BB962C8B-B14F-4D97-AF65-F5344CB8AC3E}">
-        <p14:creationId xmlns:p14="http://schemas.microsoft.com/office/powerpoint/2010/main" val="286871158"/>
+        <p14:creationId xmlns:p14="http://schemas.microsoft.com/office/powerpoint/2010/main" val="2530409236"/>
       </p:ext>
     </p:extLst>
   </p:cSld>
@@ -1202,6 +1201,99 @@
           <a:p>
             <a:fld id="{C6AEA146-89B5-4A42-BEB6-D6A5BB50F046}" type="slidenum">
               <a:rPr lang="en-US" smtClean="0"/>
+              <a:t>9</a:t>
+            </a:fld>
+            <a:endParaRPr lang="en-US"/>
+          </a:p>
+        </p:txBody>
+      </p:sp>
+    </p:spTree>
+    <p:extLst>
+      <p:ext uri="{BB962C8B-B14F-4D97-AF65-F5344CB8AC3E}">
+        <p14:creationId xmlns:p14="http://schemas.microsoft.com/office/powerpoint/2010/main" val="286871158"/>
+      </p:ext>
+    </p:extLst>
+  </p:cSld>
+  <p:clrMapOvr>
+    <a:masterClrMapping/>
+  </p:clrMapOvr>
+</p:notes>
+</file>
+
+<file path=ppt/notesSlides/notesSlide8.xml><?xml version="1.0" encoding="utf-8"?>
+<p:notes xmlns:a="http://schemas.openxmlformats.org/drawingml/2006/main" xmlns:r="http://schemas.openxmlformats.org/officeDocument/2006/relationships" xmlns:p="http://schemas.openxmlformats.org/presentationml/2006/main">
+  <p:cSld>
+    <p:spTree>
+      <p:nvGrpSpPr>
+        <p:cNvPr id="1" name=""/>
+        <p:cNvGrpSpPr/>
+        <p:nvPr/>
+      </p:nvGrpSpPr>
+      <p:grpSpPr>
+        <a:xfrm>
+          <a:off x="0" y="0"/>
+          <a:ext cx="0" cy="0"/>
+          <a:chOff x="0" y="0"/>
+          <a:chExt cx="0" cy="0"/>
+        </a:xfrm>
+      </p:grpSpPr>
+      <p:sp>
+        <p:nvSpPr>
+          <p:cNvPr id="2" name="Slide Image Placeholder 1"/>
+          <p:cNvSpPr>
+            <a:spLocks noGrp="1" noRot="1" noChangeAspect="1"/>
+          </p:cNvSpPr>
+          <p:nvPr>
+            <p:ph type="sldImg"/>
+          </p:nvPr>
+        </p:nvSpPr>
+        <p:spPr/>
+      </p:sp>
+      <p:sp>
+        <p:nvSpPr>
+          <p:cNvPr id="3" name="Notes Placeholder 2"/>
+          <p:cNvSpPr>
+            <a:spLocks noGrp="1"/>
+          </p:cNvSpPr>
+          <p:nvPr>
+            <p:ph type="body" idx="1"/>
+          </p:nvPr>
+        </p:nvSpPr>
+        <p:spPr/>
+        <p:txBody>
+          <a:bodyPr/>
+          <a:lstStyle/>
+          <a:p>
+            <a:r>
+              <a:rPr lang="en-US" dirty="0"/>
+              <a:t>They can measure charge and phonons separately, this gives them a direct measure of the yield. </a:t>
+            </a:r>
+          </a:p>
+          <a:p>
+            <a:endParaRPr lang="en-US" dirty="0"/>
+          </a:p>
+          <a:p>
+            <a:endParaRPr lang="en-US" dirty="0"/>
+          </a:p>
+        </p:txBody>
+      </p:sp>
+      <p:sp>
+        <p:nvSpPr>
+          <p:cNvPr id="4" name="Slide Number Placeholder 3"/>
+          <p:cNvSpPr>
+            <a:spLocks noGrp="1"/>
+          </p:cNvSpPr>
+          <p:nvPr>
+            <p:ph type="sldNum" sz="quarter" idx="5"/>
+          </p:nvPr>
+        </p:nvSpPr>
+        <p:spPr/>
+        <p:txBody>
+          <a:bodyPr/>
+          <a:lstStyle/>
+          <a:p>
+            <a:fld id="{C6AEA146-89B5-4A42-BEB6-D6A5BB50F046}" type="slidenum">
+              <a:rPr lang="en-US" smtClean="0"/>
               <a:t>10</a:t>
             </a:fld>
             <a:endParaRPr lang="en-US"/>
@@ -1221,7 +1313,7 @@
 </p:notes>
 </file>
 
-<file path=ppt/notesSlides/notesSlide8.xml><?xml version="1.0" encoding="utf-8"?>
+<file path=ppt/notesSlides/notesSlide9.xml><?xml version="1.0" encoding="utf-8"?>
 <p:notes xmlns:a="http://schemas.openxmlformats.org/drawingml/2006/main" xmlns:r="http://schemas.openxmlformats.org/officeDocument/2006/relationships" xmlns:p="http://schemas.openxmlformats.org/presentationml/2006/main">
   <p:cSld>
     <p:spTree>
@@ -6363,7 +6455,7 @@
         <p:spPr>
           <a:xfrm>
             <a:off x="825843" y="1649978"/>
-            <a:ext cx="4930346" cy="7017306"/>
+            <a:ext cx="4930346" cy="3970318"/>
           </a:xfrm>
           <a:prstGeom prst="rect">
             <a:avLst/>
@@ -6382,7 +6474,15 @@
             </a:pPr>
             <a:r>
               <a:rPr lang="en-US" dirty="0"/>
-              <a:t>When a WIMP hits nuclei initial phonons are produced and charge is liberated. </a:t>
+              <a:t>For a single </a:t>
+            </a:r>
+            <a:r>
+              <a:rPr lang="en-US" dirty="0" err="1"/>
+              <a:t>Er</a:t>
+            </a:r>
+            <a:r>
+              <a:rPr lang="en-US" dirty="0"/>
+              <a:t>, there is some variation in the number of e-h pairs created. </a:t>
             </a:r>
           </a:p>
           <a:p>
@@ -6397,10 +6497,7 @@
               <a:buFont typeface="Arial" panose="020B0604020202020204" pitchFamily="34" charset="0"/>
               <a:buChar char="•"/>
             </a:pPr>
-            <a:r>
-              <a:rPr lang="en-US" dirty="0"/>
-              <a:t>Current generation of low threshold detectors only count number of charge carriers produced. </a:t>
-            </a:r>
+            <a:endParaRPr lang="en-US" dirty="0"/>
           </a:p>
           <a:p>
             <a:pPr marL="285750" indent="-285750">
@@ -6416,7 +6513,7 @@
             </a:pPr>
             <a:r>
               <a:rPr lang="en-US" dirty="0"/>
-              <a:t>There is no good nuclear recoil calibration standard.</a:t>
+              <a:t>Here is average </a:t>
             </a:r>
           </a:p>
           <a:p>
@@ -6431,69 +6528,19 @@
               <a:buFont typeface="Arial" panose="020B0604020202020204" pitchFamily="34" charset="0"/>
               <a:buChar char="•"/>
             </a:pPr>
-            <a:r>
-              <a:rPr lang="en-US" dirty="0">
-                <a:highlight>
-                  <a:srgbClr val="FFFF00"/>
-                </a:highlight>
-              </a:rPr>
-              <a:t>Knowing the number of e-h pairs produced, we can use the ionization efficiency to back out the recoil energy.</a:t>
-            </a:r>
+            <a:endParaRPr lang="en-US" dirty="0"/>
           </a:p>
           <a:p>
             <a:pPr marL="285750" indent="-285750">
               <a:buFont typeface="Arial" panose="020B0604020202020204" pitchFamily="34" charset="0"/>
               <a:buChar char="•"/>
             </a:pPr>
-            <a:endParaRPr lang="en-US" dirty="0"/>
-          </a:p>
-          <a:p>
-            <a:pPr marL="285750" indent="-285750">
-              <a:buFont typeface="Arial" panose="020B0604020202020204" pitchFamily="34" charset="0"/>
-              <a:buChar char="•"/>
-            </a:pPr>
             <a:r>
               <a:rPr lang="en-US" dirty="0"/>
-              <a:t>Or the best we could hope for is a distribution of the number of electron hole pairs for a given </a:t>
-            </a:r>
-            <a:r>
-              <a:rPr lang="en-US" dirty="0" err="1"/>
-              <a:t>E</a:t>
-            </a:r>
-            <a:r>
-              <a:rPr lang="en-US" baseline="-25000" dirty="0" err="1"/>
-              <a:t>r</a:t>
-            </a:r>
-            <a:endParaRPr lang="en-US" dirty="0"/>
-          </a:p>
-          <a:p>
-            <a:pPr marL="285750" indent="-285750">
-              <a:buFont typeface="Arial" panose="020B0604020202020204" pitchFamily="34" charset="0"/>
-              <a:buChar char="•"/>
-            </a:pPr>
-            <a:endParaRPr lang="en-US" dirty="0"/>
-          </a:p>
-          <a:p>
-            <a:endParaRPr lang="en-US" dirty="0"/>
-          </a:p>
-          <a:p>
-            <a:endParaRPr lang="en-US" dirty="0"/>
-          </a:p>
-          <a:p>
-            <a:endParaRPr lang="en-US" dirty="0"/>
-          </a:p>
-          <a:p>
-            <a:pPr marL="285750" indent="-285750">
-              <a:buFont typeface="Arial" panose="020B0604020202020204" pitchFamily="34" charset="0"/>
-              <a:buChar char="•"/>
-            </a:pPr>
-            <a:endParaRPr lang="en-US" dirty="0"/>
-          </a:p>
-          <a:p>
-            <a:pPr marL="285750" indent="-285750">
-              <a:buFont typeface="Arial" panose="020B0604020202020204" pitchFamily="34" charset="0"/>
-              <a:buChar char="•"/>
-            </a:pPr>
+              <a:t>There is variation in this average that needs to be accounted for. </a:t>
+            </a:r>
+          </a:p>
+          <a:p>
             <a:endParaRPr lang="en-US" dirty="0"/>
           </a:p>
           <a:p>
@@ -6693,7 +6740,7 @@
     </p:spTree>
     <p:extLst>
       <p:ext uri="{BB962C8B-B14F-4D97-AF65-F5344CB8AC3E}">
-        <p14:creationId xmlns:p14="http://schemas.microsoft.com/office/powerpoint/2010/main" val="2576961688"/>
+        <p14:creationId xmlns:p14="http://schemas.microsoft.com/office/powerpoint/2010/main" val="4234354266"/>
       </p:ext>
     </p:extLst>
   </p:cSld>
@@ -6940,67 +6987,39 @@
       </p:sp>
       <p:sp>
         <p:nvSpPr>
-          <p:cNvPr id="3" name="Content Placeholder 2">
-            <a:extLst>
-              <a:ext uri="{FF2B5EF4-FFF2-40B4-BE49-F238E27FC236}">
-                <a16:creationId xmlns:a16="http://schemas.microsoft.com/office/drawing/2014/main" id="{A77EA2EC-99CB-9B40-8A81-6546C1A4CAF8}"/>
-              </a:ext>
-            </a:extLst>
-          </p:cNvPr>
-          <p:cNvSpPr>
-            <a:spLocks noGrp="1"/>
-          </p:cNvSpPr>
-          <p:nvPr>
-            <p:ph idx="1"/>
-          </p:nvPr>
-        </p:nvSpPr>
-        <p:spPr>
-          <a:xfrm>
-            <a:off x="838200" y="1825625"/>
-            <a:ext cx="5257800" cy="4351338"/>
-          </a:xfrm>
-        </p:spPr>
-        <p:txBody>
-          <a:bodyPr/>
-          <a:lstStyle/>
-          <a:p>
-            <a:endParaRPr lang="en-US" sz="1800" dirty="0"/>
-          </a:p>
-          <a:p>
-            <a:r>
-              <a:rPr lang="en-US" sz="1800" dirty="0"/>
-              <a:t>Biased with ~100 V/cm</a:t>
-            </a:r>
-          </a:p>
-          <a:p>
-            <a:r>
-              <a:rPr lang="en-US" sz="1800" dirty="0"/>
-              <a:t>Phonon signal read out with QETs</a:t>
-            </a:r>
-          </a:p>
-          <a:p>
-            <a:r>
-              <a:rPr lang="en-US" sz="1800" dirty="0"/>
-              <a:t>resolution of ∼0.09 e−h+ Biased </a:t>
-            </a:r>
-          </a:p>
-          <a:p>
-            <a:pPr marL="0" indent="0">
-              <a:buNone/>
-            </a:pPr>
-            <a:r>
-              <a:rPr lang="en-US" dirty="0"/>
-              <a:t> </a:t>
-            </a:r>
+          <p:cNvPr id="11" name="Slide Number Placeholder 10">
+            <a:extLst>
+              <a:ext uri="{FF2B5EF4-FFF2-40B4-BE49-F238E27FC236}">
+                <a16:creationId xmlns:a16="http://schemas.microsoft.com/office/drawing/2014/main" id="{3FBA8E98-A6A6-3D4F-B067-37DDB143ACCC}"/>
+              </a:ext>
+            </a:extLst>
+          </p:cNvPr>
+          <p:cNvSpPr>
+            <a:spLocks noGrp="1"/>
+          </p:cNvSpPr>
+          <p:nvPr>
+            <p:ph type="sldNum" sz="quarter" idx="12"/>
+          </p:nvPr>
+        </p:nvSpPr>
+        <p:spPr/>
+        <p:txBody>
+          <a:bodyPr/>
+          <a:lstStyle/>
+          <a:p>
+            <a:fld id="{035DBD62-E6E0-484E-AB64-E286A6B85B65}" type="slidenum">
+              <a:rPr lang="en-US" smtClean="0"/>
+              <a:t>7</a:t>
+            </a:fld>
+            <a:endParaRPr lang="en-US"/>
           </a:p>
         </p:txBody>
       </p:sp>
       <p:pic>
         <p:nvPicPr>
-          <p:cNvPr id="10" name="Picture 9">
-            <a:extLst>
-              <a:ext uri="{FF2B5EF4-FFF2-40B4-BE49-F238E27FC236}">
-                <a16:creationId xmlns:a16="http://schemas.microsoft.com/office/drawing/2014/main" id="{E9CA3B1E-B12E-294E-82D2-6A660AF9553D}"/>
+          <p:cNvPr id="5" name="Picture 4">
+            <a:extLst>
+              <a:ext uri="{FF2B5EF4-FFF2-40B4-BE49-F238E27FC236}">
+                <a16:creationId xmlns:a16="http://schemas.microsoft.com/office/drawing/2014/main" id="{14D90338-0603-6246-BC36-08012C296C62}"/>
               </a:ext>
             </a:extLst>
           </p:cNvPr>
@@ -7017,43 +7036,14 @@
         </p:blipFill>
         <p:spPr>
           <a:xfrm>
-            <a:off x="6649539" y="1690688"/>
-            <a:ext cx="4704261" cy="3331610"/>
+            <a:off x="3059777" y="1324655"/>
+            <a:ext cx="6072445" cy="5397729"/>
           </a:xfrm>
           <a:prstGeom prst="rect">
             <a:avLst/>
           </a:prstGeom>
         </p:spPr>
       </p:pic>
-      <p:sp>
-        <p:nvSpPr>
-          <p:cNvPr id="11" name="Slide Number Placeholder 10">
-            <a:extLst>
-              <a:ext uri="{FF2B5EF4-FFF2-40B4-BE49-F238E27FC236}">
-                <a16:creationId xmlns:a16="http://schemas.microsoft.com/office/drawing/2014/main" id="{3FBA8E98-A6A6-3D4F-B067-37DDB143ACCC}"/>
-              </a:ext>
-            </a:extLst>
-          </p:cNvPr>
-          <p:cNvSpPr>
-            <a:spLocks noGrp="1"/>
-          </p:cNvSpPr>
-          <p:nvPr>
-            <p:ph type="sldNum" sz="quarter" idx="12"/>
-          </p:nvPr>
-        </p:nvSpPr>
-        <p:spPr/>
-        <p:txBody>
-          <a:bodyPr/>
-          <a:lstStyle/>
-          <a:p>
-            <a:fld id="{035DBD62-E6E0-484E-AB64-E286A6B85B65}" type="slidenum">
-              <a:rPr lang="en-US" smtClean="0"/>
-              <a:t>7</a:t>
-            </a:fld>
-            <a:endParaRPr lang="en-US"/>
-          </a:p>
-        </p:txBody>
-      </p:sp>
     </p:spTree>
     <p:extLst>
       <p:ext uri="{BB962C8B-B14F-4D97-AF65-F5344CB8AC3E}">

--- a/Mitch_Hawaii_talk. .pptx
+++ b/Mitch_Hawaii_talk. .pptx
@@ -209,7 +209,7 @@
           <a:p>
             <a:fld id="{A66BF76A-CB69-344A-AA05-A4A0C5F81F1B}" type="datetimeFigureOut">
               <a:rPr lang="en-US" smtClean="0"/>
-              <a:t>10/21/18</a:t>
+              <a:t>10/23/18</a:t>
             </a:fld>
             <a:endParaRPr lang="en-US"/>
           </a:p>
@@ -1547,7 +1547,7 @@
           <a:p>
             <a:fld id="{4C4FE5A6-B042-234F-87BB-EE608B65FD71}" type="datetime1">
               <a:rPr lang="en-US" smtClean="0"/>
-              <a:t>10/21/18</a:t>
+              <a:t>10/23/18</a:t>
             </a:fld>
             <a:endParaRPr lang="en-US"/>
           </a:p>
@@ -1745,7 +1745,7 @@
           <a:p>
             <a:fld id="{896964B4-7059-1241-B7F7-CC759A8715E3}" type="datetime1">
               <a:rPr lang="en-US" smtClean="0"/>
-              <a:t>10/21/18</a:t>
+              <a:t>10/23/18</a:t>
             </a:fld>
             <a:endParaRPr lang="en-US"/>
           </a:p>
@@ -1953,7 +1953,7 @@
           <a:p>
             <a:fld id="{2BB15EFC-989A-504F-A26D-C47609D34B5F}" type="datetime1">
               <a:rPr lang="en-US" smtClean="0"/>
-              <a:t>10/21/18</a:t>
+              <a:t>10/23/18</a:t>
             </a:fld>
             <a:endParaRPr lang="en-US"/>
           </a:p>
@@ -2151,7 +2151,7 @@
           <a:p>
             <a:fld id="{878B0B07-2815-5A40-BA13-144E9203A1A1}" type="datetime1">
               <a:rPr lang="en-US" smtClean="0"/>
-              <a:t>10/21/18</a:t>
+              <a:t>10/23/18</a:t>
             </a:fld>
             <a:endParaRPr lang="en-US"/>
           </a:p>
@@ -2426,7 +2426,7 @@
           <a:p>
             <a:fld id="{BEFA5980-D336-5242-9389-BFB74FFD9D7A}" type="datetime1">
               <a:rPr lang="en-US" smtClean="0"/>
-              <a:t>10/21/18</a:t>
+              <a:t>10/23/18</a:t>
             </a:fld>
             <a:endParaRPr lang="en-US"/>
           </a:p>
@@ -2691,7 +2691,7 @@
           <a:p>
             <a:fld id="{9A639845-AF02-6444-8914-745C5B843963}" type="datetime1">
               <a:rPr lang="en-US" smtClean="0"/>
-              <a:t>10/21/18</a:t>
+              <a:t>10/23/18</a:t>
             </a:fld>
             <a:endParaRPr lang="en-US"/>
           </a:p>
@@ -3103,7 +3103,7 @@
           <a:p>
             <a:fld id="{0F2F0F5A-6752-E241-B405-243254C949FE}" type="datetime1">
               <a:rPr lang="en-US" smtClean="0"/>
-              <a:t>10/21/18</a:t>
+              <a:t>10/23/18</a:t>
             </a:fld>
             <a:endParaRPr lang="en-US"/>
           </a:p>
@@ -3244,7 +3244,7 @@
           <a:p>
             <a:fld id="{B83D80F1-84FB-C64D-897C-E07C36349253}" type="datetime1">
               <a:rPr lang="en-US" smtClean="0"/>
-              <a:t>10/21/18</a:t>
+              <a:t>10/23/18</a:t>
             </a:fld>
             <a:endParaRPr lang="en-US"/>
           </a:p>
@@ -3357,7 +3357,7 @@
           <a:p>
             <a:fld id="{31D310E7-727F-F848-8E1F-A84AE0965461}" type="datetime1">
               <a:rPr lang="en-US" smtClean="0"/>
-              <a:t>10/21/18</a:t>
+              <a:t>10/23/18</a:t>
             </a:fld>
             <a:endParaRPr lang="en-US"/>
           </a:p>
@@ -3668,7 +3668,7 @@
           <a:p>
             <a:fld id="{3DEAACE5-D900-B941-9691-B5A70076832D}" type="datetime1">
               <a:rPr lang="en-US" smtClean="0"/>
-              <a:t>10/21/18</a:t>
+              <a:t>10/23/18</a:t>
             </a:fld>
             <a:endParaRPr lang="en-US"/>
           </a:p>
@@ -3956,7 +3956,7 @@
           <a:p>
             <a:fld id="{3B5943A7-FE33-B04F-95DA-1C0FFE2A1D14}" type="datetime1">
               <a:rPr lang="en-US" smtClean="0"/>
-              <a:t>10/21/18</a:t>
+              <a:t>10/23/18</a:t>
             </a:fld>
             <a:endParaRPr lang="en-US"/>
           </a:p>
@@ -4197,7 +4197,7 @@
           <a:p>
             <a:fld id="{DDEB6CB8-30E9-7642-9D44-7B1E342777B2}" type="datetime1">
               <a:rPr lang="en-US" smtClean="0"/>
-              <a:t>10/21/18</a:t>
+              <a:t>10/23/18</a:t>
             </a:fld>
             <a:endParaRPr lang="en-US"/>
           </a:p>
@@ -6321,6 +6321,36 @@
           </a:p>
         </p:txBody>
       </p:sp>
+      <p:pic>
+        <p:nvPicPr>
+          <p:cNvPr id="5" name="Picture 4">
+            <a:extLst>
+              <a:ext uri="{FF2B5EF4-FFF2-40B4-BE49-F238E27FC236}">
+                <a16:creationId xmlns:a16="http://schemas.microsoft.com/office/drawing/2014/main" id="{690ABEEB-C9C6-A64A-A849-B0529B592C4F}"/>
+              </a:ext>
+            </a:extLst>
+          </p:cNvPr>
+          <p:cNvPicPr>
+            <a:picLocks noChangeAspect="1"/>
+          </p:cNvPicPr>
+          <p:nvPr/>
+        </p:nvPicPr>
+        <p:blipFill>
+          <a:blip r:embed="rId3"/>
+          <a:stretch>
+            <a:fillRect/>
+          </a:stretch>
+        </p:blipFill>
+        <p:spPr>
+          <a:xfrm>
+            <a:off x="5682486" y="1146857"/>
+            <a:ext cx="5856227" cy="5205535"/>
+          </a:xfrm>
+          <a:prstGeom prst="rect">
+            <a:avLst/>
+          </a:prstGeom>
+        </p:spPr>
+      </p:pic>
     </p:spTree>
     <p:extLst>
       <p:ext uri="{BB962C8B-B14F-4D97-AF65-F5344CB8AC3E}">

--- a/Mitch_Hawaii_talk. .pptx
+++ b/Mitch_Hawaii_talk. .pptx
@@ -630,6 +630,93 @@
 </p:notes>
 </file>
 
+<file path=ppt/notesSlides/notesSlide10.xml><?xml version="1.0" encoding="utf-8"?>
+<p:notes xmlns:a="http://schemas.openxmlformats.org/drawingml/2006/main" xmlns:r="http://schemas.openxmlformats.org/officeDocument/2006/relationships" xmlns:p="http://schemas.openxmlformats.org/presentationml/2006/main">
+  <p:cSld>
+    <p:spTree>
+      <p:nvGrpSpPr>
+        <p:cNvPr id="1" name=""/>
+        <p:cNvGrpSpPr/>
+        <p:nvPr/>
+      </p:nvGrpSpPr>
+      <p:grpSpPr>
+        <a:xfrm>
+          <a:off x="0" y="0"/>
+          <a:ext cx="0" cy="0"/>
+          <a:chOff x="0" y="0"/>
+          <a:chExt cx="0" cy="0"/>
+        </a:xfrm>
+      </p:grpSpPr>
+      <p:sp>
+        <p:nvSpPr>
+          <p:cNvPr id="2" name="Slide Image Placeholder 1"/>
+          <p:cNvSpPr>
+            <a:spLocks noGrp="1" noRot="1" noChangeAspect="1"/>
+          </p:cNvSpPr>
+          <p:nvPr>
+            <p:ph type="sldImg"/>
+          </p:nvPr>
+        </p:nvSpPr>
+        <p:spPr/>
+      </p:sp>
+      <p:sp>
+        <p:nvSpPr>
+          <p:cNvPr id="3" name="Notes Placeholder 2"/>
+          <p:cNvSpPr>
+            <a:spLocks noGrp="1"/>
+          </p:cNvSpPr>
+          <p:nvPr>
+            <p:ph type="body" idx="1"/>
+          </p:nvPr>
+        </p:nvSpPr>
+        <p:spPr/>
+        <p:txBody>
+          <a:bodyPr/>
+          <a:lstStyle/>
+          <a:p>
+            <a:r>
+              <a:rPr lang="en-US" dirty="0"/>
+              <a:t>Bands from data -&gt; simulated bands. Side by side. </a:t>
+            </a:r>
+          </a:p>
+        </p:txBody>
+      </p:sp>
+      <p:sp>
+        <p:nvSpPr>
+          <p:cNvPr id="4" name="Slide Number Placeholder 3"/>
+          <p:cNvSpPr>
+            <a:spLocks noGrp="1"/>
+          </p:cNvSpPr>
+          <p:nvPr>
+            <p:ph type="sldNum" sz="quarter" idx="5"/>
+          </p:nvPr>
+        </p:nvSpPr>
+        <p:spPr/>
+        <p:txBody>
+          <a:bodyPr/>
+          <a:lstStyle/>
+          <a:p>
+            <a:fld id="{C6AEA146-89B5-4A42-BEB6-D6A5BB50F046}" type="slidenum">
+              <a:rPr lang="en-US" smtClean="0"/>
+              <a:t>11</a:t>
+            </a:fld>
+            <a:endParaRPr lang="en-US"/>
+          </a:p>
+        </p:txBody>
+      </p:sp>
+    </p:spTree>
+    <p:extLst>
+      <p:ext uri="{BB962C8B-B14F-4D97-AF65-F5344CB8AC3E}">
+        <p14:creationId xmlns:p14="http://schemas.microsoft.com/office/powerpoint/2010/main" val="2868716704"/>
+      </p:ext>
+    </p:extLst>
+  </p:cSld>
+  <p:clrMapOvr>
+    <a:masterClrMapping/>
+  </p:clrMapOvr>
+</p:notes>
+</file>
+
 <file path=ppt/notesSlides/notesSlide2.xml><?xml version="1.0" encoding="utf-8"?>
 <p:notes xmlns:a="http://schemas.openxmlformats.org/drawingml/2006/main" xmlns:r="http://schemas.openxmlformats.org/officeDocument/2006/relationships" xmlns:p="http://schemas.openxmlformats.org/presentationml/2006/main">
   <p:cSld>
@@ -1080,14 +1167,8 @@
           <a:p>
             <a:r>
               <a:rPr lang="en-US" dirty="0"/>
-              <a:t>They can measure charge and phonons separately, this gives them a direct measure of the yield. </a:t>
-            </a:r>
-          </a:p>
-          <a:p>
-            <a:endParaRPr lang="en-US" dirty="0"/>
-          </a:p>
-          <a:p>
-            <a:endParaRPr lang="en-US" dirty="0"/>
+              <a:t>Will talk more about it. Less bullet points. </a:t>
+            </a:r>
           </a:p>
         </p:txBody>
       </p:sp>
@@ -1108,7 +1189,7 @@
           <a:p>
             <a:fld id="{C6AEA146-89B5-4A42-BEB6-D6A5BB50F046}" type="slidenum">
               <a:rPr lang="en-US" smtClean="0"/>
-              <a:t>8</a:t>
+              <a:t>7</a:t>
             </a:fld>
             <a:endParaRPr lang="en-US"/>
           </a:p>
@@ -1117,7 +1198,7 @@
     </p:spTree>
     <p:extLst>
       <p:ext uri="{BB962C8B-B14F-4D97-AF65-F5344CB8AC3E}">
-        <p14:creationId xmlns:p14="http://schemas.microsoft.com/office/powerpoint/2010/main" val="2530409236"/>
+        <p14:creationId xmlns:p14="http://schemas.microsoft.com/office/powerpoint/2010/main" val="1293990840"/>
       </p:ext>
     </p:extLst>
   </p:cSld>
@@ -1201,7 +1282,7 @@
           <a:p>
             <a:fld id="{C6AEA146-89B5-4A42-BEB6-D6A5BB50F046}" type="slidenum">
               <a:rPr lang="en-US" smtClean="0"/>
-              <a:t>9</a:t>
+              <a:t>8</a:t>
             </a:fld>
             <a:endParaRPr lang="en-US"/>
           </a:p>
@@ -1210,7 +1291,7 @@
     </p:spTree>
     <p:extLst>
       <p:ext uri="{BB962C8B-B14F-4D97-AF65-F5344CB8AC3E}">
-        <p14:creationId xmlns:p14="http://schemas.microsoft.com/office/powerpoint/2010/main" val="286871158"/>
+        <p14:creationId xmlns:p14="http://schemas.microsoft.com/office/powerpoint/2010/main" val="2530409236"/>
       </p:ext>
     </p:extLst>
   </p:cSld>
@@ -1294,7 +1375,7 @@
           <a:p>
             <a:fld id="{C6AEA146-89B5-4A42-BEB6-D6A5BB50F046}" type="slidenum">
               <a:rPr lang="en-US" smtClean="0"/>
-              <a:t>10</a:t>
+              <a:t>9</a:t>
             </a:fld>
             <a:endParaRPr lang="en-US"/>
           </a:p>
@@ -1303,7 +1384,7 @@
     </p:spTree>
     <p:extLst>
       <p:ext uri="{BB962C8B-B14F-4D97-AF65-F5344CB8AC3E}">
-        <p14:creationId xmlns:p14="http://schemas.microsoft.com/office/powerpoint/2010/main" val="3607152850"/>
+        <p14:creationId xmlns:p14="http://schemas.microsoft.com/office/powerpoint/2010/main" val="286871158"/>
       </p:ext>
     </p:extLst>
   </p:cSld>
@@ -1359,8 +1440,14 @@
           <a:p>
             <a:r>
               <a:rPr lang="en-US" dirty="0"/>
-              <a:t>Bands from data -&gt; simulated bands. Side by side. </a:t>
-            </a:r>
+              <a:t>They can measure charge and phonons separately, this gives them a direct measure of the yield. </a:t>
+            </a:r>
+          </a:p>
+          <a:p>
+            <a:endParaRPr lang="en-US" dirty="0"/>
+          </a:p>
+          <a:p>
+            <a:endParaRPr lang="en-US" dirty="0"/>
           </a:p>
         </p:txBody>
       </p:sp>
@@ -1381,7 +1468,7 @@
           <a:p>
             <a:fld id="{C6AEA146-89B5-4A42-BEB6-D6A5BB50F046}" type="slidenum">
               <a:rPr lang="en-US" smtClean="0"/>
-              <a:t>11</a:t>
+              <a:t>10</a:t>
             </a:fld>
             <a:endParaRPr lang="en-US"/>
           </a:p>
@@ -1390,7 +1477,7 @@
     </p:spTree>
     <p:extLst>
       <p:ext uri="{BB962C8B-B14F-4D97-AF65-F5344CB8AC3E}">
-        <p14:creationId xmlns:p14="http://schemas.microsoft.com/office/powerpoint/2010/main" val="2868716704"/>
+        <p14:creationId xmlns:p14="http://schemas.microsoft.com/office/powerpoint/2010/main" val="3607152850"/>
       </p:ext>
     </p:extLst>
   </p:cSld>
@@ -5750,7 +5837,7 @@
               <a:rPr lang="en-US" smtClean="0"/>
               <a:t>2</a:t>
             </a:fld>
-            <a:endParaRPr lang="en-US"/>
+            <a:endParaRPr lang="en-US" dirty="0"/>
           </a:p>
         </p:txBody>
       </p:sp>
@@ -5784,6 +5871,351 @@
           </a:prstGeom>
         </p:spPr>
       </p:pic>
+      <p:sp>
+        <p:nvSpPr>
+          <p:cNvPr id="5" name="TextBox 4">
+            <a:extLst>
+              <a:ext uri="{FF2B5EF4-FFF2-40B4-BE49-F238E27FC236}">
+                <a16:creationId xmlns:a16="http://schemas.microsoft.com/office/drawing/2014/main" id="{42E4C1C9-D897-6144-8ADF-63341E5324EB}"/>
+              </a:ext>
+            </a:extLst>
+          </p:cNvPr>
+          <p:cNvSpPr txBox="1"/>
+          <p:nvPr/>
+        </p:nvSpPr>
+        <p:spPr>
+          <a:xfrm>
+            <a:off x="9429007" y="1939002"/>
+            <a:ext cx="1102289" cy="369332"/>
+          </a:xfrm>
+          <a:prstGeom prst="rect">
+            <a:avLst/>
+          </a:prstGeom>
+          <a:noFill/>
+        </p:spPr>
+        <p:txBody>
+          <a:bodyPr wrap="none" rtlCol="0">
+            <a:spAutoFit/>
+          </a:bodyPr>
+          <a:lstStyle/>
+          <a:p>
+            <a:r>
+              <a:rPr lang="en-US" dirty="0" err="1"/>
+              <a:t>CDMSlite</a:t>
+            </a:r>
+            <a:r>
+              <a:rPr lang="en-US" dirty="0"/>
+              <a:t> </a:t>
+            </a:r>
+          </a:p>
+        </p:txBody>
+      </p:sp>
+      <p:cxnSp>
+        <p:nvCxnSpPr>
+          <p:cNvPr id="8" name="Straight Arrow Connector 7">
+            <a:extLst>
+              <a:ext uri="{FF2B5EF4-FFF2-40B4-BE49-F238E27FC236}">
+                <a16:creationId xmlns:a16="http://schemas.microsoft.com/office/drawing/2014/main" id="{BC09A26C-7FDB-794F-BB1E-910BFAD1083D}"/>
+              </a:ext>
+            </a:extLst>
+          </p:cNvPr>
+          <p:cNvCxnSpPr>
+            <a:stCxn id="5" idx="1"/>
+          </p:cNvCxnSpPr>
+          <p:nvPr/>
+        </p:nvCxnSpPr>
+        <p:spPr>
+          <a:xfrm flipH="1">
+            <a:off x="8182098" y="2123668"/>
+            <a:ext cx="1246909" cy="52841"/>
+          </a:xfrm>
+          <a:prstGeom prst="straightConnector1">
+            <a:avLst/>
+          </a:prstGeom>
+          <a:ln>
+            <a:tailEnd type="triangle"/>
+          </a:ln>
+        </p:spPr>
+        <p:style>
+          <a:lnRef idx="1">
+            <a:schemeClr val="accent1"/>
+          </a:lnRef>
+          <a:fillRef idx="0">
+            <a:schemeClr val="accent1"/>
+          </a:fillRef>
+          <a:effectRef idx="0">
+            <a:schemeClr val="accent1"/>
+          </a:effectRef>
+          <a:fontRef idx="minor">
+            <a:schemeClr val="tx1"/>
+          </a:fontRef>
+        </p:style>
+      </p:cxnSp>
+      <p:sp>
+        <p:nvSpPr>
+          <p:cNvPr id="9" name="TextBox 8">
+            <a:extLst>
+              <a:ext uri="{FF2B5EF4-FFF2-40B4-BE49-F238E27FC236}">
+                <a16:creationId xmlns:a16="http://schemas.microsoft.com/office/drawing/2014/main" id="{71A5F053-8419-0A41-BAF2-6097B776BDB3}"/>
+              </a:ext>
+            </a:extLst>
+          </p:cNvPr>
+          <p:cNvSpPr txBox="1"/>
+          <p:nvPr/>
+        </p:nvSpPr>
+        <p:spPr>
+          <a:xfrm>
+            <a:off x="8610600" y="4286992"/>
+            <a:ext cx="865301" cy="369332"/>
+          </a:xfrm>
+          <a:prstGeom prst="rect">
+            <a:avLst/>
+          </a:prstGeom>
+          <a:noFill/>
+        </p:spPr>
+        <p:txBody>
+          <a:bodyPr wrap="none" rtlCol="0">
+            <a:spAutoFit/>
+          </a:bodyPr>
+          <a:lstStyle/>
+          <a:p>
+            <a:r>
+              <a:rPr lang="en-US" dirty="0"/>
+              <a:t>CRESST</a:t>
+            </a:r>
+          </a:p>
+        </p:txBody>
+      </p:sp>
+      <p:cxnSp>
+        <p:nvCxnSpPr>
+          <p:cNvPr id="11" name="Straight Arrow Connector 10">
+            <a:extLst>
+              <a:ext uri="{FF2B5EF4-FFF2-40B4-BE49-F238E27FC236}">
+                <a16:creationId xmlns:a16="http://schemas.microsoft.com/office/drawing/2014/main" id="{F0212805-0856-9643-B036-283EE69E3F30}"/>
+              </a:ext>
+            </a:extLst>
+          </p:cNvPr>
+          <p:cNvCxnSpPr>
+            <a:cxnSpLocks/>
+          </p:cNvCxnSpPr>
+          <p:nvPr/>
+        </p:nvCxnSpPr>
+        <p:spPr>
+          <a:xfrm flipV="1">
+            <a:off x="9429007" y="3633897"/>
+            <a:ext cx="154380" cy="641220"/>
+          </a:xfrm>
+          <a:prstGeom prst="straightConnector1">
+            <a:avLst/>
+          </a:prstGeom>
+          <a:ln>
+            <a:tailEnd type="triangle"/>
+          </a:ln>
+        </p:spPr>
+        <p:style>
+          <a:lnRef idx="1">
+            <a:schemeClr val="accent1"/>
+          </a:lnRef>
+          <a:fillRef idx="0">
+            <a:schemeClr val="accent1"/>
+          </a:fillRef>
+          <a:effectRef idx="0">
+            <a:schemeClr val="accent1"/>
+          </a:effectRef>
+          <a:fontRef idx="minor">
+            <a:schemeClr val="tx1"/>
+          </a:fontRef>
+        </p:style>
+      </p:cxnSp>
+      <p:sp>
+        <p:nvSpPr>
+          <p:cNvPr id="13" name="TextBox 12">
+            <a:extLst>
+              <a:ext uri="{FF2B5EF4-FFF2-40B4-BE49-F238E27FC236}">
+                <a16:creationId xmlns:a16="http://schemas.microsoft.com/office/drawing/2014/main" id="{3614C080-7AA8-5A4D-8216-BA1244D7719C}"/>
+              </a:ext>
+            </a:extLst>
+          </p:cNvPr>
+          <p:cNvSpPr txBox="1"/>
+          <p:nvPr/>
+        </p:nvSpPr>
+        <p:spPr>
+          <a:xfrm>
+            <a:off x="9506197" y="2308334"/>
+            <a:ext cx="1298753" cy="369332"/>
+          </a:xfrm>
+          <a:prstGeom prst="rect">
+            <a:avLst/>
+          </a:prstGeom>
+          <a:noFill/>
+        </p:spPr>
+        <p:txBody>
+          <a:bodyPr wrap="none" rtlCol="0">
+            <a:spAutoFit/>
+          </a:bodyPr>
+          <a:lstStyle/>
+          <a:p>
+            <a:r>
+              <a:rPr lang="en-US" dirty="0" err="1"/>
+              <a:t>SuperCDMS</a:t>
+            </a:r>
+            <a:endParaRPr lang="en-US" dirty="0"/>
+          </a:p>
+        </p:txBody>
+      </p:sp>
+      <p:cxnSp>
+        <p:nvCxnSpPr>
+          <p:cNvPr id="15" name="Straight Arrow Connector 14">
+            <a:extLst>
+              <a:ext uri="{FF2B5EF4-FFF2-40B4-BE49-F238E27FC236}">
+                <a16:creationId xmlns:a16="http://schemas.microsoft.com/office/drawing/2014/main" id="{AB87FB95-D986-154E-8EC4-0329477DB758}"/>
+              </a:ext>
+            </a:extLst>
+          </p:cNvPr>
+          <p:cNvCxnSpPr>
+            <a:cxnSpLocks/>
+            <a:stCxn id="13" idx="1"/>
+          </p:cNvCxnSpPr>
+          <p:nvPr/>
+        </p:nvCxnSpPr>
+        <p:spPr>
+          <a:xfrm flipH="1">
+            <a:off x="9310255" y="2493000"/>
+            <a:ext cx="195942" cy="20915"/>
+          </a:xfrm>
+          <a:prstGeom prst="straightConnector1">
+            <a:avLst/>
+          </a:prstGeom>
+          <a:ln>
+            <a:tailEnd type="triangle"/>
+          </a:ln>
+        </p:spPr>
+        <p:style>
+          <a:lnRef idx="1">
+            <a:schemeClr val="accent1"/>
+          </a:lnRef>
+          <a:fillRef idx="0">
+            <a:schemeClr val="accent1"/>
+          </a:fillRef>
+          <a:effectRef idx="0">
+            <a:schemeClr val="accent1"/>
+          </a:effectRef>
+          <a:fontRef idx="minor">
+            <a:schemeClr val="tx1"/>
+          </a:fontRef>
+        </p:style>
+      </p:cxnSp>
+      <p:sp>
+        <p:nvSpPr>
+          <p:cNvPr id="17" name="TextBox 16">
+            <a:extLst>
+              <a:ext uri="{FF2B5EF4-FFF2-40B4-BE49-F238E27FC236}">
+                <a16:creationId xmlns:a16="http://schemas.microsoft.com/office/drawing/2014/main" id="{F50392BB-9FD4-8349-B4F8-C05A417A61ED}"/>
+              </a:ext>
+            </a:extLst>
+          </p:cNvPr>
+          <p:cNvSpPr txBox="1"/>
+          <p:nvPr/>
+        </p:nvSpPr>
+        <p:spPr>
+          <a:xfrm>
+            <a:off x="9574773" y="4471658"/>
+            <a:ext cx="545214" cy="369332"/>
+          </a:xfrm>
+          <a:prstGeom prst="rect">
+            <a:avLst/>
+          </a:prstGeom>
+          <a:noFill/>
+        </p:spPr>
+        <p:txBody>
+          <a:bodyPr wrap="none" rtlCol="0">
+            <a:spAutoFit/>
+          </a:bodyPr>
+          <a:lstStyle/>
+          <a:p>
+            <a:r>
+              <a:rPr lang="en-US" dirty="0"/>
+              <a:t>LUX</a:t>
+            </a:r>
+          </a:p>
+        </p:txBody>
+      </p:sp>
+      <p:cxnSp>
+        <p:nvCxnSpPr>
+          <p:cNvPr id="19" name="Straight Arrow Connector 18">
+            <a:extLst>
+              <a:ext uri="{FF2B5EF4-FFF2-40B4-BE49-F238E27FC236}">
+                <a16:creationId xmlns:a16="http://schemas.microsoft.com/office/drawing/2014/main" id="{8A5FB1F2-AB6F-6D42-BB04-60355E830876}"/>
+              </a:ext>
+            </a:extLst>
+          </p:cNvPr>
+          <p:cNvCxnSpPr>
+            <a:cxnSpLocks/>
+          </p:cNvCxnSpPr>
+          <p:nvPr/>
+        </p:nvCxnSpPr>
+        <p:spPr>
+          <a:xfrm flipV="1">
+            <a:off x="9847380" y="4001295"/>
+            <a:ext cx="290473" cy="655029"/>
+          </a:xfrm>
+          <a:prstGeom prst="straightConnector1">
+            <a:avLst/>
+          </a:prstGeom>
+          <a:ln>
+            <a:tailEnd type="triangle"/>
+          </a:ln>
+        </p:spPr>
+        <p:style>
+          <a:lnRef idx="1">
+            <a:schemeClr val="accent1"/>
+          </a:lnRef>
+          <a:fillRef idx="0">
+            <a:schemeClr val="accent1"/>
+          </a:fillRef>
+          <a:effectRef idx="0">
+            <a:schemeClr val="accent1"/>
+          </a:effectRef>
+          <a:fontRef idx="minor">
+            <a:schemeClr val="tx1"/>
+          </a:fontRef>
+        </p:style>
+      </p:cxnSp>
+      <p:sp>
+        <p:nvSpPr>
+          <p:cNvPr id="22" name="TextBox 21">
+            <a:extLst>
+              <a:ext uri="{FF2B5EF4-FFF2-40B4-BE49-F238E27FC236}">
+                <a16:creationId xmlns:a16="http://schemas.microsoft.com/office/drawing/2014/main" id="{073E0A56-A830-F847-9EC6-A267EE061E39}"/>
+              </a:ext>
+            </a:extLst>
+          </p:cNvPr>
+          <p:cNvSpPr txBox="1"/>
+          <p:nvPr/>
+        </p:nvSpPr>
+        <p:spPr>
+          <a:xfrm>
+            <a:off x="9762360" y="5551945"/>
+            <a:ext cx="2085179" cy="307777"/>
+          </a:xfrm>
+          <a:prstGeom prst="rect">
+            <a:avLst/>
+          </a:prstGeom>
+          <a:noFill/>
+        </p:spPr>
+        <p:txBody>
+          <a:bodyPr wrap="square" rtlCol="0">
+            <a:spAutoFit/>
+          </a:bodyPr>
+          <a:lstStyle/>
+          <a:p>
+            <a:r>
+              <a:rPr lang="en-US" sz="1400" dirty="0"/>
+              <a:t>R. Agnese, Et al. 2018 </a:t>
+            </a:r>
+          </a:p>
+        </p:txBody>
+      </p:sp>
     </p:spTree>
     <p:extLst>
       <p:ext uri="{BB962C8B-B14F-4D97-AF65-F5344CB8AC3E}">
@@ -6252,7 +6684,9 @@
           </a:xfrm>
         </p:spPr>
         <p:txBody>
-          <a:bodyPr/>
+          <a:bodyPr>
+            <a:normAutofit/>
+          </a:bodyPr>
           <a:lstStyle/>
           <a:p>
             <a:endParaRPr lang="en-US" sz="1800" dirty="0"/>
@@ -6260,7 +6694,15 @@
           <a:p>
             <a:r>
               <a:rPr lang="en-US" sz="1800" dirty="0"/>
-              <a:t>Spectrum </a:t>
+              <a:t>A detector developed at </a:t>
+            </a:r>
+            <a:r>
+              <a:rPr lang="en-US" sz="1800" dirty="0" err="1"/>
+              <a:t>Standford</a:t>
+            </a:r>
+            <a:r>
+              <a:rPr lang="en-US" sz="1800" dirty="0"/>
+              <a:t> has developed   a detector that can support 160V bias and a 14eV resolution. </a:t>
             </a:r>
           </a:p>
           <a:p>
@@ -6269,11 +6711,17 @@
           <a:p>
             <a:r>
               <a:rPr lang="en-US" sz="1800" dirty="0"/>
-              <a:t>(Non-overlapping) ?  </a:t>
+              <a:t>Even with this high sensitivity they are still subject to randomness in electron hole pair production </a:t>
             </a:r>
           </a:p>
           <a:p>
             <a:endParaRPr lang="en-US" sz="1800" dirty="0"/>
+          </a:p>
+          <a:p>
+            <a:r>
+              <a:rPr lang="en-US" sz="1800" dirty="0"/>
+              <a:t>Each peak represents a different number of electron hole pairs produced. </a:t>
+            </a:r>
           </a:p>
           <a:p>
             <a:pPr marL="0" indent="0">
@@ -6343,14 +6791,82 @@
         </p:blipFill>
         <p:spPr>
           <a:xfrm>
-            <a:off x="5682486" y="1146857"/>
-            <a:ext cx="5856227" cy="5205535"/>
+            <a:off x="6096000" y="1146857"/>
+            <a:ext cx="5620841" cy="5205535"/>
           </a:xfrm>
           <a:prstGeom prst="rect">
             <a:avLst/>
           </a:prstGeom>
         </p:spPr>
       </p:pic>
+      <p:pic>
+        <p:nvPicPr>
+          <p:cNvPr id="7" name="Picture 6">
+            <a:extLst>
+              <a:ext uri="{FF2B5EF4-FFF2-40B4-BE49-F238E27FC236}">
+                <a16:creationId xmlns:a16="http://schemas.microsoft.com/office/drawing/2014/main" id="{109F7AE0-4D8B-624C-9494-2DCD824196A7}"/>
+              </a:ext>
+            </a:extLst>
+          </p:cNvPr>
+          <p:cNvPicPr>
+            <a:picLocks noChangeAspect="1"/>
+          </p:cNvPicPr>
+          <p:nvPr/>
+        </p:nvPicPr>
+        <p:blipFill>
+          <a:blip r:embed="rId4"/>
+          <a:stretch>
+            <a:fillRect/>
+          </a:stretch>
+        </p:blipFill>
+        <p:spPr>
+          <a:xfrm>
+            <a:off x="1932463" y="5475601"/>
+            <a:ext cx="2833888" cy="526051"/>
+          </a:xfrm>
+          <a:prstGeom prst="rect">
+            <a:avLst/>
+          </a:prstGeom>
+        </p:spPr>
+      </p:pic>
+      <p:sp>
+        <p:nvSpPr>
+          <p:cNvPr id="4" name="TextBox 3">
+            <a:extLst>
+              <a:ext uri="{FF2B5EF4-FFF2-40B4-BE49-F238E27FC236}">
+                <a16:creationId xmlns:a16="http://schemas.microsoft.com/office/drawing/2014/main" id="{6509065F-62D1-A24E-9F2E-5D10B0D5AB97}"/>
+              </a:ext>
+            </a:extLst>
+          </p:cNvPr>
+          <p:cNvSpPr txBox="1"/>
+          <p:nvPr/>
+        </p:nvSpPr>
+        <p:spPr>
+          <a:xfrm>
+            <a:off x="7825839" y="6418695"/>
+            <a:ext cx="3336967" cy="646331"/>
+          </a:xfrm>
+          <a:prstGeom prst="rect">
+            <a:avLst/>
+          </a:prstGeom>
+          <a:noFill/>
+        </p:spPr>
+        <p:txBody>
+          <a:bodyPr wrap="square" rtlCol="0">
+            <a:spAutoFit/>
+          </a:bodyPr>
+          <a:lstStyle/>
+          <a:p>
+            <a:r>
+              <a:rPr lang="en-US" dirty="0"/>
+              <a:t>R.K. Romani, et al. 2017 </a:t>
+            </a:r>
+          </a:p>
+          <a:p>
+            <a:endParaRPr lang="en-US" dirty="0"/>
+          </a:p>
+        </p:txBody>
+      </p:sp>
     </p:spTree>
     <p:extLst>
       <p:ext uri="{BB962C8B-B14F-4D97-AF65-F5344CB8AC3E}">
@@ -6485,7 +7001,7 @@
         <p:spPr>
           <a:xfrm>
             <a:off x="825843" y="1649978"/>
-            <a:ext cx="4930346" cy="3970318"/>
+            <a:ext cx="4930346" cy="4524315"/>
           </a:xfrm>
           <a:prstGeom prst="rect">
             <a:avLst/>
@@ -6504,15 +7020,7 @@
             </a:pPr>
             <a:r>
               <a:rPr lang="en-US" dirty="0"/>
-              <a:t>For a single </a:t>
-            </a:r>
-            <a:r>
-              <a:rPr lang="en-US" dirty="0" err="1"/>
-              <a:t>Er</a:t>
-            </a:r>
-            <a:r>
-              <a:rPr lang="en-US" dirty="0"/>
-              <a:t>, there is some variation in the number of e-h pairs created. </a:t>
+              <a:t>The mean number of electron hole pairs produced varies greatly for electron recoils and nuclear recoils. </a:t>
             </a:r>
           </a:p>
           <a:p>
@@ -6527,7 +7035,23 @@
               <a:buFont typeface="Arial" panose="020B0604020202020204" pitchFamily="34" charset="0"/>
               <a:buChar char="•"/>
             </a:pPr>
+            <a:r>
+              <a:rPr lang="en-US" dirty="0"/>
+              <a:t>Measurements of charge and phonon would mean great discrimination between the two (far better than PSD and liquid scintillators) </a:t>
+            </a:r>
+          </a:p>
+          <a:p>
             <a:endParaRPr lang="en-US" dirty="0"/>
+          </a:p>
+          <a:p>
+            <a:pPr marL="285750" indent="-285750">
+              <a:buFont typeface="Arial" panose="020B0604020202020204" pitchFamily="34" charset="0"/>
+              <a:buChar char="•"/>
+            </a:pPr>
+            <a:r>
+              <a:rPr lang="en-US" dirty="0"/>
+              <a:t>This becomes difficult at low energy. </a:t>
+            </a:r>
           </a:p>
           <a:p>
             <a:pPr marL="285750" indent="-285750">
@@ -6541,10 +7065,7 @@
               <a:buFont typeface="Arial" panose="020B0604020202020204" pitchFamily="34" charset="0"/>
               <a:buChar char="•"/>
             </a:pPr>
-            <a:r>
-              <a:rPr lang="en-US" dirty="0"/>
-              <a:t>Here is average </a:t>
-            </a:r>
+            <a:endParaRPr lang="en-US" dirty="0"/>
           </a:p>
           <a:p>
             <a:pPr marL="285750" indent="-285750">
@@ -6552,23 +7073,6 @@
               <a:buChar char="•"/>
             </a:pPr>
             <a:endParaRPr lang="en-US" dirty="0"/>
-          </a:p>
-          <a:p>
-            <a:pPr marL="285750" indent="-285750">
-              <a:buFont typeface="Arial" panose="020B0604020202020204" pitchFamily="34" charset="0"/>
-              <a:buChar char="•"/>
-            </a:pPr>
-            <a:endParaRPr lang="en-US" dirty="0"/>
-          </a:p>
-          <a:p>
-            <a:pPr marL="285750" indent="-285750">
-              <a:buFont typeface="Arial" panose="020B0604020202020204" pitchFamily="34" charset="0"/>
-              <a:buChar char="•"/>
-            </a:pPr>
-            <a:r>
-              <a:rPr lang="en-US" dirty="0"/>
-              <a:t>There is variation in this average that needs to be accounted for. </a:t>
-            </a:r>
           </a:p>
           <a:p>
             <a:endParaRPr lang="en-US" dirty="0"/>
@@ -7017,6 +7521,58 @@
       </p:sp>
       <p:sp>
         <p:nvSpPr>
+          <p:cNvPr id="4" name="Content Placeholder 3">
+            <a:extLst>
+              <a:ext uri="{FF2B5EF4-FFF2-40B4-BE49-F238E27FC236}">
+                <a16:creationId xmlns:a16="http://schemas.microsoft.com/office/drawing/2014/main" id="{6F374B33-AC70-2C4A-9EE4-BA7883936DDA}"/>
+              </a:ext>
+            </a:extLst>
+          </p:cNvPr>
+          <p:cNvSpPr>
+            <a:spLocks noGrp="1"/>
+          </p:cNvSpPr>
+          <p:nvPr>
+            <p:ph idx="1"/>
+          </p:nvPr>
+        </p:nvSpPr>
+        <p:spPr>
+          <a:xfrm>
+            <a:off x="838200" y="2728149"/>
+            <a:ext cx="4968834" cy="4351338"/>
+          </a:xfrm>
+        </p:spPr>
+        <p:txBody>
+          <a:bodyPr>
+            <a:normAutofit/>
+          </a:bodyPr>
+          <a:lstStyle/>
+          <a:p>
+            <a:r>
+              <a:rPr lang="en-US" sz="1800" dirty="0"/>
+              <a:t>Using Luke amp type detectors may have dramatic consequences for WIMP search.</a:t>
+            </a:r>
+          </a:p>
+          <a:p>
+            <a:endParaRPr lang="en-US" sz="1800" dirty="0"/>
+          </a:p>
+          <a:p>
+            <a:r>
+              <a:rPr lang="en-US" sz="1800" dirty="0"/>
+              <a:t>Choice of </a:t>
+            </a:r>
+            <a:r>
+              <a:rPr lang="en-US" sz="1800" dirty="0" err="1"/>
+              <a:t>fano</a:t>
+            </a:r>
+            <a:r>
+              <a:rPr lang="en-US" sz="1800" dirty="0"/>
+              <a:t> factor can change limit set on WIMP cross section. </a:t>
+            </a:r>
+          </a:p>
+        </p:txBody>
+      </p:sp>
+      <p:sp>
+        <p:nvSpPr>
           <p:cNvPr id="11" name="Slide Number Placeholder 10">
             <a:extLst>
               <a:ext uri="{FF2B5EF4-FFF2-40B4-BE49-F238E27FC236}">
@@ -7059,15 +7615,15 @@
           <p:nvPr/>
         </p:nvPicPr>
         <p:blipFill>
-          <a:blip r:embed="rId2"/>
+          <a:blip r:embed="rId3"/>
           <a:stretch>
             <a:fillRect/>
           </a:stretch>
         </p:blipFill>
         <p:spPr>
           <a:xfrm>
-            <a:off x="3059777" y="1324655"/>
-            <a:ext cx="6072445" cy="5397729"/>
+            <a:off x="6060571" y="1323746"/>
+            <a:ext cx="5459869" cy="4853217"/>
           </a:xfrm>
           <a:prstGeom prst="rect">
             <a:avLst/>

--- a/Mitch_Hawaii_talk. .pptx
+++ b/Mitch_Hawaii_talk. .pptx
@@ -5,7 +5,7 @@
     <p:sldMasterId id="2147483648" r:id="rId1"/>
   </p:sldMasterIdLst>
   <p:notesMasterIdLst>
-    <p:notesMasterId r:id="rId15"/>
+    <p:notesMasterId r:id="rId14"/>
   </p:notesMasterIdLst>
   <p:sldIdLst>
     <p:sldId id="256" r:id="rId2"/>
@@ -15,12 +15,11 @@
     <p:sldId id="277" r:id="rId6"/>
     <p:sldId id="257" r:id="rId7"/>
     <p:sldId id="271" r:id="rId8"/>
-    <p:sldId id="274" r:id="rId9"/>
-    <p:sldId id="276" r:id="rId10"/>
-    <p:sldId id="275" r:id="rId11"/>
-    <p:sldId id="269" r:id="rId12"/>
-    <p:sldId id="265" r:id="rId13"/>
-    <p:sldId id="258" r:id="rId14"/>
+    <p:sldId id="278" r:id="rId9"/>
+    <p:sldId id="274" r:id="rId10"/>
+    <p:sldId id="276" r:id="rId11"/>
+    <p:sldId id="275" r:id="rId12"/>
+    <p:sldId id="269" r:id="rId13"/>
   </p:sldIdLst>
   <p:sldSz cx="12192000" cy="6858000"/>
   <p:notesSz cx="6858000" cy="9144000"/>
@@ -209,7 +208,7 @@
           <a:p>
             <a:fld id="{A66BF76A-CB69-344A-AA05-A4A0C5F81F1B}" type="datetimeFigureOut">
               <a:rPr lang="en-US" smtClean="0"/>
-              <a:t>10/23/18</a:t>
+              <a:t>10/25/18</a:t>
             </a:fld>
             <a:endParaRPr lang="en-US"/>
           </a:p>
@@ -538,12 +537,8 @@
               <a:defRPr/>
             </a:pPr>
             <a:r>
-              <a:rPr lang="en-US" sz="1200" dirty="0" err="1"/>
-              <a:t>CDMSlite</a:t>
-            </a:r>
-            <a:r>
               <a:rPr lang="en-US" sz="1200" dirty="0"/>
-              <a:t> phonon energy only. </a:t>
+              <a:t>Going to Focus on WIMPS only. </a:t>
             </a:r>
           </a:p>
           <a:p>
@@ -586,11 +581,17 @@
             </a:pPr>
             <a:r>
               <a:rPr lang="en-US" sz="1200" dirty="0"/>
-              <a:t>We only know how to calibrate to Electron equivalent recoils, in order to determine the true nuclear recoil energy we need information about the ionization eff (yield) </a:t>
+              <a:t>Dark Matter experiments such as CDMS and CREST are trying to push down to lower thresholds. </a:t>
             </a:r>
           </a:p>
           <a:p>
             <a:endParaRPr lang="en-US" dirty="0"/>
+          </a:p>
+          <a:p>
+            <a:r>
+              <a:rPr lang="en-US" dirty="0"/>
+              <a:t>The detects that are trying to do this are solid state detectors with some sort of voltage applied to them. They are essentially electron-hole pair counters. </a:t>
+            </a:r>
           </a:p>
         </p:txBody>
       </p:sp>
@@ -676,8 +677,14 @@
           <a:p>
             <a:r>
               <a:rPr lang="en-US" dirty="0"/>
-              <a:t>Bands from data -&gt; simulated bands. Side by side. </a:t>
-            </a:r>
+              <a:t>They can measure charge and phonons separately, this gives them a direct measure of the yield. </a:t>
+            </a:r>
+          </a:p>
+          <a:p>
+            <a:endParaRPr lang="en-US" dirty="0"/>
+          </a:p>
+          <a:p>
+            <a:endParaRPr lang="en-US" dirty="0"/>
           </a:p>
         </p:txBody>
       </p:sp>
@@ -699,6 +706,93 @@
             <a:fld id="{C6AEA146-89B5-4A42-BEB6-D6A5BB50F046}" type="slidenum">
               <a:rPr lang="en-US" smtClean="0"/>
               <a:t>11</a:t>
+            </a:fld>
+            <a:endParaRPr lang="en-US"/>
+          </a:p>
+        </p:txBody>
+      </p:sp>
+    </p:spTree>
+    <p:extLst>
+      <p:ext uri="{BB962C8B-B14F-4D97-AF65-F5344CB8AC3E}">
+        <p14:creationId xmlns:p14="http://schemas.microsoft.com/office/powerpoint/2010/main" val="3607152850"/>
+      </p:ext>
+    </p:extLst>
+  </p:cSld>
+  <p:clrMapOvr>
+    <a:masterClrMapping/>
+  </p:clrMapOvr>
+</p:notes>
+</file>
+
+<file path=ppt/notesSlides/notesSlide11.xml><?xml version="1.0" encoding="utf-8"?>
+<p:notes xmlns:a="http://schemas.openxmlformats.org/drawingml/2006/main" xmlns:r="http://schemas.openxmlformats.org/officeDocument/2006/relationships" xmlns:p="http://schemas.openxmlformats.org/presentationml/2006/main">
+  <p:cSld>
+    <p:spTree>
+      <p:nvGrpSpPr>
+        <p:cNvPr id="1" name=""/>
+        <p:cNvGrpSpPr/>
+        <p:nvPr/>
+      </p:nvGrpSpPr>
+      <p:grpSpPr>
+        <a:xfrm>
+          <a:off x="0" y="0"/>
+          <a:ext cx="0" cy="0"/>
+          <a:chOff x="0" y="0"/>
+          <a:chExt cx="0" cy="0"/>
+        </a:xfrm>
+      </p:grpSpPr>
+      <p:sp>
+        <p:nvSpPr>
+          <p:cNvPr id="2" name="Slide Image Placeholder 1"/>
+          <p:cNvSpPr>
+            <a:spLocks noGrp="1" noRot="1" noChangeAspect="1"/>
+          </p:cNvSpPr>
+          <p:nvPr>
+            <p:ph type="sldImg"/>
+          </p:nvPr>
+        </p:nvSpPr>
+        <p:spPr/>
+      </p:sp>
+      <p:sp>
+        <p:nvSpPr>
+          <p:cNvPr id="3" name="Notes Placeholder 2"/>
+          <p:cNvSpPr>
+            <a:spLocks noGrp="1"/>
+          </p:cNvSpPr>
+          <p:nvPr>
+            <p:ph type="body" idx="1"/>
+          </p:nvPr>
+        </p:nvSpPr>
+        <p:spPr/>
+        <p:txBody>
+          <a:bodyPr/>
+          <a:lstStyle/>
+          <a:p>
+            <a:r>
+              <a:rPr lang="en-US" dirty="0"/>
+              <a:t>Bands from data -&gt; simulated bands. Side by side. </a:t>
+            </a:r>
+          </a:p>
+        </p:txBody>
+      </p:sp>
+      <p:sp>
+        <p:nvSpPr>
+          <p:cNvPr id="4" name="Slide Number Placeholder 3"/>
+          <p:cNvSpPr>
+            <a:spLocks noGrp="1"/>
+          </p:cNvSpPr>
+          <p:nvPr>
+            <p:ph type="sldNum" sz="quarter" idx="5"/>
+          </p:nvPr>
+        </p:nvSpPr>
+        <p:spPr/>
+        <p:txBody>
+          <a:bodyPr/>
+          <a:lstStyle/>
+          <a:p>
+            <a:fld id="{C6AEA146-89B5-4A42-BEB6-D6A5BB50F046}" type="slidenum">
+              <a:rPr lang="en-US" smtClean="0"/>
+              <a:t>12</a:t>
             </a:fld>
             <a:endParaRPr lang="en-US"/>
           </a:p>
@@ -1254,14 +1348,8 @@
           <a:p>
             <a:r>
               <a:rPr lang="en-US" dirty="0"/>
-              <a:t>They can measure charge and phonons separately, this gives them a direct measure of the yield. </a:t>
-            </a:r>
-          </a:p>
-          <a:p>
-            <a:endParaRPr lang="en-US" dirty="0"/>
-          </a:p>
-          <a:p>
-            <a:endParaRPr lang="en-US" dirty="0"/>
+              <a:t>Will talk more about it. Less bullet points. </a:t>
+            </a:r>
           </a:p>
         </p:txBody>
       </p:sp>
@@ -1291,7 +1379,7 @@
     </p:spTree>
     <p:extLst>
       <p:ext uri="{BB962C8B-B14F-4D97-AF65-F5344CB8AC3E}">
-        <p14:creationId xmlns:p14="http://schemas.microsoft.com/office/powerpoint/2010/main" val="2530409236"/>
+        <p14:creationId xmlns:p14="http://schemas.microsoft.com/office/powerpoint/2010/main" val="3702715767"/>
       </p:ext>
     </p:extLst>
   </p:cSld>
@@ -1384,7 +1472,7 @@
     </p:spTree>
     <p:extLst>
       <p:ext uri="{BB962C8B-B14F-4D97-AF65-F5344CB8AC3E}">
-        <p14:creationId xmlns:p14="http://schemas.microsoft.com/office/powerpoint/2010/main" val="286871158"/>
+        <p14:creationId xmlns:p14="http://schemas.microsoft.com/office/powerpoint/2010/main" val="2530409236"/>
       </p:ext>
     </p:extLst>
   </p:cSld>
@@ -1477,7 +1565,7 @@
     </p:spTree>
     <p:extLst>
       <p:ext uri="{BB962C8B-B14F-4D97-AF65-F5344CB8AC3E}">
-        <p14:creationId xmlns:p14="http://schemas.microsoft.com/office/powerpoint/2010/main" val="3607152850"/>
+        <p14:creationId xmlns:p14="http://schemas.microsoft.com/office/powerpoint/2010/main" val="286871158"/>
       </p:ext>
     </p:extLst>
   </p:cSld>
@@ -1634,7 +1722,7 @@
           <a:p>
             <a:fld id="{4C4FE5A6-B042-234F-87BB-EE608B65FD71}" type="datetime1">
               <a:rPr lang="en-US" smtClean="0"/>
-              <a:t>10/23/18</a:t>
+              <a:t>10/25/18</a:t>
             </a:fld>
             <a:endParaRPr lang="en-US"/>
           </a:p>
@@ -1832,7 +1920,7 @@
           <a:p>
             <a:fld id="{896964B4-7059-1241-B7F7-CC759A8715E3}" type="datetime1">
               <a:rPr lang="en-US" smtClean="0"/>
-              <a:t>10/23/18</a:t>
+              <a:t>10/25/18</a:t>
             </a:fld>
             <a:endParaRPr lang="en-US"/>
           </a:p>
@@ -2040,7 +2128,7 @@
           <a:p>
             <a:fld id="{2BB15EFC-989A-504F-A26D-C47609D34B5F}" type="datetime1">
               <a:rPr lang="en-US" smtClean="0"/>
-              <a:t>10/23/18</a:t>
+              <a:t>10/25/18</a:t>
             </a:fld>
             <a:endParaRPr lang="en-US"/>
           </a:p>
@@ -2238,7 +2326,7 @@
           <a:p>
             <a:fld id="{878B0B07-2815-5A40-BA13-144E9203A1A1}" type="datetime1">
               <a:rPr lang="en-US" smtClean="0"/>
-              <a:t>10/23/18</a:t>
+              <a:t>10/25/18</a:t>
             </a:fld>
             <a:endParaRPr lang="en-US"/>
           </a:p>
@@ -2513,7 +2601,7 @@
           <a:p>
             <a:fld id="{BEFA5980-D336-5242-9389-BFB74FFD9D7A}" type="datetime1">
               <a:rPr lang="en-US" smtClean="0"/>
-              <a:t>10/23/18</a:t>
+              <a:t>10/25/18</a:t>
             </a:fld>
             <a:endParaRPr lang="en-US"/>
           </a:p>
@@ -2778,7 +2866,7 @@
           <a:p>
             <a:fld id="{9A639845-AF02-6444-8914-745C5B843963}" type="datetime1">
               <a:rPr lang="en-US" smtClean="0"/>
-              <a:t>10/23/18</a:t>
+              <a:t>10/25/18</a:t>
             </a:fld>
             <a:endParaRPr lang="en-US"/>
           </a:p>
@@ -3190,7 +3278,7 @@
           <a:p>
             <a:fld id="{0F2F0F5A-6752-E241-B405-243254C949FE}" type="datetime1">
               <a:rPr lang="en-US" smtClean="0"/>
-              <a:t>10/23/18</a:t>
+              <a:t>10/25/18</a:t>
             </a:fld>
             <a:endParaRPr lang="en-US"/>
           </a:p>
@@ -3331,7 +3419,7 @@
           <a:p>
             <a:fld id="{B83D80F1-84FB-C64D-897C-E07C36349253}" type="datetime1">
               <a:rPr lang="en-US" smtClean="0"/>
-              <a:t>10/23/18</a:t>
+              <a:t>10/25/18</a:t>
             </a:fld>
             <a:endParaRPr lang="en-US"/>
           </a:p>
@@ -3444,7 +3532,7 @@
           <a:p>
             <a:fld id="{31D310E7-727F-F848-8E1F-A84AE0965461}" type="datetime1">
               <a:rPr lang="en-US" smtClean="0"/>
-              <a:t>10/23/18</a:t>
+              <a:t>10/25/18</a:t>
             </a:fld>
             <a:endParaRPr lang="en-US"/>
           </a:p>
@@ -3755,7 +3843,7 @@
           <a:p>
             <a:fld id="{3DEAACE5-D900-B941-9691-B5A70076832D}" type="datetime1">
               <a:rPr lang="en-US" smtClean="0"/>
-              <a:t>10/23/18</a:t>
+              <a:t>10/25/18</a:t>
             </a:fld>
             <a:endParaRPr lang="en-US"/>
           </a:p>
@@ -4043,7 +4131,7 @@
           <a:p>
             <a:fld id="{3B5943A7-FE33-B04F-95DA-1C0FFE2A1D14}" type="datetime1">
               <a:rPr lang="en-US" smtClean="0"/>
-              <a:t>10/23/18</a:t>
+              <a:t>10/25/18</a:t>
             </a:fld>
             <a:endParaRPr lang="en-US"/>
           </a:p>
@@ -4284,7 +4372,7 @@
           <a:p>
             <a:fld id="{DDEB6CB8-30E9-7642-9D44-7B1E342777B2}" type="datetime1">
               <a:rPr lang="en-US" smtClean="0"/>
-              <a:t>10/23/18</a:t>
+              <a:t>10/25/18</a:t>
             </a:fld>
             <a:endParaRPr lang="en-US"/>
           </a:p>
@@ -4727,7 +4815,7 @@
           <a:p>
             <a:r>
               <a:rPr lang="en-US" sz="4000" b="1" dirty="0"/>
-              <a:t>Understanding Ionization Efficiency from Sub-</a:t>
+              <a:t>Understanding Ionization Variance from Sub-</a:t>
             </a:r>
             <a:r>
               <a:rPr lang="en-US" sz="4000" b="1" dirty="0" err="1"/>
@@ -4939,10 +5027,10 @@
       </p:pic>
       <p:pic>
         <p:nvPicPr>
-          <p:cNvPr id="5" name="Picture 4">
-            <a:extLst>
-              <a:ext uri="{FF2B5EF4-FFF2-40B4-BE49-F238E27FC236}">
-                <a16:creationId xmlns:a16="http://schemas.microsoft.com/office/drawing/2014/main" id="{2E602350-D9B4-834C-B424-463D28837A54}"/>
+          <p:cNvPr id="9" name="Picture 8">
+            <a:extLst>
+              <a:ext uri="{FF2B5EF4-FFF2-40B4-BE49-F238E27FC236}">
+                <a16:creationId xmlns:a16="http://schemas.microsoft.com/office/drawing/2014/main" id="{123F1548-E147-4140-B9EC-E49ACBFA8E7F}"/>
               </a:ext>
             </a:extLst>
           </p:cNvPr>
@@ -4959,18 +5047,57 @@
         </p:blipFill>
         <p:spPr>
           <a:xfrm>
-            <a:off x="12357" y="1288307"/>
-            <a:ext cx="6265905" cy="5569693"/>
+            <a:off x="0" y="1288305"/>
+            <a:ext cx="6265907" cy="5569695"/>
           </a:xfrm>
           <a:prstGeom prst="rect">
             <a:avLst/>
           </a:prstGeom>
         </p:spPr>
       </p:pic>
+      <p:sp>
+        <p:nvSpPr>
+          <p:cNvPr id="10" name="TextBox 9">
+            <a:extLst>
+              <a:ext uri="{FF2B5EF4-FFF2-40B4-BE49-F238E27FC236}">
+                <a16:creationId xmlns:a16="http://schemas.microsoft.com/office/drawing/2014/main" id="{E41053B8-5368-5247-A012-0A750790282C}"/>
+              </a:ext>
+            </a:extLst>
+          </p:cNvPr>
+          <p:cNvSpPr txBox="1"/>
+          <p:nvPr/>
+        </p:nvSpPr>
+        <p:spPr>
+          <a:xfrm>
+            <a:off x="3143250" y="2200275"/>
+            <a:ext cx="1395703" cy="400110"/>
+          </a:xfrm>
+          <a:prstGeom prst="rect">
+            <a:avLst/>
+          </a:prstGeom>
+          <a:noFill/>
+        </p:spPr>
+        <p:txBody>
+          <a:bodyPr wrap="none" rtlCol="0">
+            <a:spAutoFit/>
+          </a:bodyPr>
+          <a:lstStyle/>
+          <a:p>
+            <a:r>
+              <a:rPr lang="en-US" sz="2000" dirty="0">
+                <a:solidFill>
+                  <a:srgbClr val="FF0000"/>
+                </a:solidFill>
+              </a:rPr>
+              <a:t>SIMULATED</a:t>
+            </a:r>
+          </a:p>
+        </p:txBody>
+      </p:sp>
     </p:spTree>
     <p:extLst>
       <p:ext uri="{BB962C8B-B14F-4D97-AF65-F5344CB8AC3E}">
-        <p14:creationId xmlns:p14="http://schemas.microsoft.com/office/powerpoint/2010/main" val="1341497285"/>
+        <p14:creationId xmlns:p14="http://schemas.microsoft.com/office/powerpoint/2010/main" val="3140351148"/>
       </p:ext>
     </p:extLst>
   </p:cSld>
@@ -4999,10 +5126,10 @@
       </p:grpSpPr>
       <p:sp>
         <p:nvSpPr>
-          <p:cNvPr id="2" name="Title 1">
-            <a:extLst>
-              <a:ext uri="{FF2B5EF4-FFF2-40B4-BE49-F238E27FC236}">
-                <a16:creationId xmlns:a16="http://schemas.microsoft.com/office/drawing/2014/main" id="{691D70F6-8CC5-D441-8515-215889708639}"/>
+          <p:cNvPr id="3" name="Title 2">
+            <a:extLst>
+              <a:ext uri="{FF2B5EF4-FFF2-40B4-BE49-F238E27FC236}">
+                <a16:creationId xmlns:a16="http://schemas.microsoft.com/office/drawing/2014/main" id="{7B230F94-B493-CE43-929A-2A41F3FEB4EF}"/>
               </a:ext>
             </a:extLst>
           </p:cNvPr>
@@ -5015,45 +5142,26 @@
         </p:nvSpPr>
         <p:spPr/>
         <p:txBody>
-          <a:bodyPr/>
-          <a:lstStyle/>
-          <a:p>
-            <a:r>
+          <a:bodyPr>
+            <a:normAutofit fontScale="90000"/>
+          </a:bodyPr>
+          <a:lstStyle/>
+          <a:p>
+            <a:br>
               <a:rPr lang="en-US" dirty="0"/>
-              <a:t>END </a:t>
-            </a:r>
-          </a:p>
-        </p:txBody>
-      </p:sp>
-      <p:sp>
-        <p:nvSpPr>
-          <p:cNvPr id="3" name="Content Placeholder 2">
-            <a:extLst>
-              <a:ext uri="{FF2B5EF4-FFF2-40B4-BE49-F238E27FC236}">
-                <a16:creationId xmlns:a16="http://schemas.microsoft.com/office/drawing/2014/main" id="{693482F4-1371-4943-A40A-8DCA9BDB3707}"/>
-              </a:ext>
-            </a:extLst>
-          </p:cNvPr>
-          <p:cNvSpPr>
-            <a:spLocks noGrp="1"/>
-          </p:cNvSpPr>
-          <p:nvPr>
-            <p:ph idx="1"/>
-          </p:nvPr>
-        </p:nvSpPr>
-        <p:spPr>
-          <a:xfrm>
-            <a:off x="838200" y="1825625"/>
-            <a:ext cx="5257800" cy="4351338"/>
-          </a:xfrm>
-        </p:spPr>
-        <p:txBody>
-          <a:bodyPr>
-            <a:normAutofit/>
-          </a:bodyPr>
-          <a:lstStyle/>
-          <a:p>
-            <a:endParaRPr lang="en-US" sz="1800" dirty="0"/>
+            </a:br>
+            <a:r>
+              <a:rPr lang="en-US" sz="4900" dirty="0"/>
+              <a:t>Quantifying</a:t>
+            </a:r>
+            <a:r>
+              <a:rPr lang="en-US" dirty="0"/>
+              <a:t> Ionization Variance </a:t>
+            </a:r>
+            <a:br>
+              <a:rPr lang="en-US" dirty="0"/>
+            </a:br>
+            <a:endParaRPr lang="en-US" dirty="0"/>
           </a:p>
         </p:txBody>
       </p:sp>
@@ -5086,10 +5194,109 @@
           </a:p>
         </p:txBody>
       </p:sp>
+      <p:pic>
+        <p:nvPicPr>
+          <p:cNvPr id="13" name="Picture 12">
+            <a:extLst>
+              <a:ext uri="{FF2B5EF4-FFF2-40B4-BE49-F238E27FC236}">
+                <a16:creationId xmlns:a16="http://schemas.microsoft.com/office/drawing/2014/main" id="{C6CC82BA-8986-654D-9749-C1F34B36D70B}"/>
+              </a:ext>
+            </a:extLst>
+          </p:cNvPr>
+          <p:cNvPicPr>
+            <a:picLocks noChangeAspect="1"/>
+          </p:cNvPicPr>
+          <p:nvPr/>
+        </p:nvPicPr>
+        <p:blipFill>
+          <a:blip r:embed="rId3"/>
+          <a:stretch>
+            <a:fillRect/>
+          </a:stretch>
+        </p:blipFill>
+        <p:spPr>
+          <a:xfrm>
+            <a:off x="6456296" y="1806670"/>
+            <a:ext cx="4897504" cy="4920390"/>
+          </a:xfrm>
+          <a:prstGeom prst="rect">
+            <a:avLst/>
+          </a:prstGeom>
+        </p:spPr>
+      </p:pic>
+      <p:pic>
+        <p:nvPicPr>
+          <p:cNvPr id="6" name="Picture 5">
+            <a:extLst>
+              <a:ext uri="{FF2B5EF4-FFF2-40B4-BE49-F238E27FC236}">
+                <a16:creationId xmlns:a16="http://schemas.microsoft.com/office/drawing/2014/main" id="{30F594F2-BF70-5941-8ECC-F90E0FC385EC}"/>
+              </a:ext>
+            </a:extLst>
+          </p:cNvPr>
+          <p:cNvPicPr>
+            <a:picLocks noChangeAspect="1"/>
+          </p:cNvPicPr>
+          <p:nvPr/>
+        </p:nvPicPr>
+        <p:blipFill>
+          <a:blip r:embed="rId4"/>
+          <a:stretch>
+            <a:fillRect/>
+          </a:stretch>
+        </p:blipFill>
+        <p:spPr>
+          <a:xfrm>
+            <a:off x="0" y="1288306"/>
+            <a:ext cx="6265906" cy="5569694"/>
+          </a:xfrm>
+          <a:prstGeom prst="rect">
+            <a:avLst/>
+          </a:prstGeom>
+        </p:spPr>
+      </p:pic>
+      <p:sp>
+        <p:nvSpPr>
+          <p:cNvPr id="7" name="Rectangle 6">
+            <a:extLst>
+              <a:ext uri="{FF2B5EF4-FFF2-40B4-BE49-F238E27FC236}">
+                <a16:creationId xmlns:a16="http://schemas.microsoft.com/office/drawing/2014/main" id="{75F14CEE-E020-5645-8AB5-379EBEABAB2F}"/>
+              </a:ext>
+            </a:extLst>
+          </p:cNvPr>
+          <p:cNvSpPr/>
+          <p:nvPr/>
+        </p:nvSpPr>
+        <p:spPr>
+          <a:xfrm>
+            <a:off x="3132953" y="2213759"/>
+            <a:ext cx="1395703" cy="400110"/>
+          </a:xfrm>
+          <a:prstGeom prst="rect">
+            <a:avLst/>
+          </a:prstGeom>
+        </p:spPr>
+        <p:txBody>
+          <a:bodyPr wrap="none">
+            <a:spAutoFit/>
+          </a:bodyPr>
+          <a:lstStyle/>
+          <a:p>
+            <a:r>
+              <a:rPr lang="en-US" sz="2000" dirty="0">
+                <a:solidFill>
+                  <a:srgbClr val="FF0000"/>
+                </a:solidFill>
+              </a:rPr>
+              <a:t>SIMULATED</a:t>
+            </a:r>
+            <a:endParaRPr lang="en-US" sz="2000" dirty="0"/>
+          </a:p>
+        </p:txBody>
+      </p:sp>
     </p:spTree>
     <p:extLst>
       <p:ext uri="{BB962C8B-B14F-4D97-AF65-F5344CB8AC3E}">
-        <p14:creationId xmlns:p14="http://schemas.microsoft.com/office/powerpoint/2010/main" val="1769617012"/>
+        <p14:creationId xmlns:p14="http://schemas.microsoft.com/office/powerpoint/2010/main" val="1341497285"/>
       </p:ext>
     </p:extLst>
   </p:cSld>
@@ -5121,7 +5328,7 @@
           <p:cNvPr id="2" name="Title 1">
             <a:extLst>
               <a:ext uri="{FF2B5EF4-FFF2-40B4-BE49-F238E27FC236}">
-                <a16:creationId xmlns:a16="http://schemas.microsoft.com/office/drawing/2014/main" id="{25002E58-A0DA-C849-8270-0C01E431B72E}"/>
+                <a16:creationId xmlns:a16="http://schemas.microsoft.com/office/drawing/2014/main" id="{691D70F6-8CC5-D441-8515-215889708639}"/>
               </a:ext>
             </a:extLst>
           </p:cNvPr>
@@ -5139,15 +5346,7 @@
           <a:p>
             <a:r>
               <a:rPr lang="en-US" dirty="0"/>
-              <a:t>Recoil Energy Reconstruction </a:t>
-            </a:r>
-            <a:r>
-              <a:rPr lang="en-US" dirty="0" err="1"/>
-              <a:t>CDMSlite</a:t>
-            </a:r>
-            <a:r>
-              <a:rPr lang="en-US" dirty="0"/>
-              <a:t> </a:t>
+              <a:t>Summary  </a:t>
             </a:r>
           </a:p>
         </p:txBody>
@@ -5157,7 +5356,7 @@
           <p:cNvPr id="3" name="Content Placeholder 2">
             <a:extLst>
               <a:ext uri="{FF2B5EF4-FFF2-40B4-BE49-F238E27FC236}">
-                <a16:creationId xmlns:a16="http://schemas.microsoft.com/office/drawing/2014/main" id="{F3478639-309B-994D-BED1-7FF7DF3037C7}"/>
+                <a16:creationId xmlns:a16="http://schemas.microsoft.com/office/drawing/2014/main" id="{693482F4-1371-4943-A40A-8DCA9BDB3707}"/>
               </a:ext>
             </a:extLst>
           </p:cNvPr>
@@ -5171,7 +5370,7 @@
         <p:spPr>
           <a:xfrm>
             <a:off x="838200" y="1825625"/>
-            <a:ext cx="5257800" cy="4351338"/>
+            <a:ext cx="7348538" cy="4351338"/>
           </a:xfrm>
         </p:spPr>
         <p:txBody>
@@ -5181,246 +5380,53 @@
           <a:lstStyle/>
           <a:p>
             <a:r>
+              <a:rPr lang="en-US" sz="1800" dirty="0"/>
+              <a:t>Our work is searching literature for constraints for the variance in electron hole pair creation at different energies. </a:t>
+            </a:r>
+          </a:p>
+          <a:p>
+            <a:endParaRPr lang="en-US" sz="1800" dirty="0"/>
+          </a:p>
+          <a:p>
+            <a:r>
+              <a:rPr lang="en-US" sz="1800" dirty="0"/>
+              <a:t>Edelweiss and CDMS give us good information for high recoils energies. </a:t>
+            </a:r>
+          </a:p>
+          <a:p>
+            <a:endParaRPr lang="en-US" sz="1800" dirty="0"/>
+          </a:p>
+          <a:p>
+            <a:r>
+              <a:rPr lang="en-US" sz="1800" dirty="0"/>
+              <a:t>We are going to need to make our own measurements for energies relevant for low mass WIMP searches (@ and below 1 </a:t>
+            </a:r>
+            <a:r>
               <a:rPr lang="en-US" sz="1800" dirty="0" err="1"/>
-              <a:t>CDMSlite</a:t>
+              <a:t>Gev</a:t>
             </a:r>
             <a:r>
               <a:rPr lang="en-US" sz="1800" dirty="0"/>
-              <a:t> measures phonon energy (E</a:t>
-            </a:r>
-            <a:r>
-              <a:rPr lang="en-US" sz="1800" baseline="-25000" dirty="0"/>
-              <a:t>p</a:t>
-            </a:r>
+              <a:t>) </a:t>
+            </a:r>
+          </a:p>
+          <a:p>
+            <a:endParaRPr lang="en-US" sz="1800" dirty="0"/>
+          </a:p>
+          <a:p>
             <a:r>
               <a:rPr lang="en-US" sz="1800" dirty="0"/>
-              <a:t>) only.</a:t>
-            </a:r>
-          </a:p>
-          <a:p>
-            <a:endParaRPr lang="en-US" sz="1800" dirty="0"/>
-          </a:p>
-          <a:p>
-            <a:r>
-              <a:rPr lang="en-US" sz="1800" dirty="0"/>
-              <a:t>Recoil energy is reconstructed using total phonon energy E</a:t>
-            </a:r>
-            <a:r>
-              <a:rPr lang="en-US" sz="1800" baseline="-25000" dirty="0"/>
-              <a:t>p</a:t>
-            </a:r>
-            <a:r>
-              <a:rPr lang="en-US" sz="1800" dirty="0"/>
-              <a:t> and the contribution from Phonon amplification via </a:t>
-            </a:r>
-            <a:r>
-              <a:rPr lang="en-US" sz="1800" dirty="0" err="1"/>
-              <a:t>Neganov</a:t>
-            </a:r>
-            <a:r>
-              <a:rPr lang="en-US" sz="1800" dirty="0"/>
-              <a:t>-</a:t>
-            </a:r>
-            <a:r>
-              <a:rPr lang="en-US" sz="1800" dirty="0" err="1"/>
-              <a:t>Trofimov</a:t>
-            </a:r>
-            <a:r>
-              <a:rPr lang="en-US" sz="1800" dirty="0"/>
-              <a:t>-Luke effect </a:t>
-            </a:r>
-            <a:r>
-              <a:rPr lang="en-US" sz="1800" dirty="0" err="1"/>
-              <a:t>E</a:t>
-            </a:r>
-            <a:r>
-              <a:rPr lang="en-US" sz="1800" baseline="-25000" dirty="0" err="1"/>
-              <a:t>Luke</a:t>
-            </a:r>
-            <a:endParaRPr lang="en-US" sz="1800" dirty="0"/>
-          </a:p>
-          <a:p>
-            <a:endParaRPr lang="en-US" sz="1800" dirty="0"/>
-          </a:p>
-          <a:p>
-            <a:endParaRPr lang="en-US" sz="1800" dirty="0"/>
-          </a:p>
-          <a:p>
-            <a:pPr marL="0" indent="0">
-              <a:buNone/>
-            </a:pPr>
-            <a:endParaRPr lang="en-US" sz="1800" dirty="0"/>
-          </a:p>
-        </p:txBody>
-      </p:sp>
-      <p:grpSp>
-        <p:nvGrpSpPr>
-          <p:cNvPr id="25" name="Group 24">
-            <a:extLst>
-              <a:ext uri="{FF2B5EF4-FFF2-40B4-BE49-F238E27FC236}">
-                <a16:creationId xmlns:a16="http://schemas.microsoft.com/office/drawing/2014/main" id="{5F86791F-B032-B047-951E-8C5A2840F585}"/>
-              </a:ext>
-            </a:extLst>
-          </p:cNvPr>
-          <p:cNvGrpSpPr/>
-          <p:nvPr/>
-        </p:nvGrpSpPr>
-        <p:grpSpPr>
-          <a:xfrm>
-            <a:off x="7299811" y="1825625"/>
-            <a:ext cx="2912432" cy="2657822"/>
-            <a:chOff x="7324525" y="1846174"/>
-            <a:chExt cx="2912432" cy="2657822"/>
-          </a:xfrm>
-        </p:grpSpPr>
-        <p:grpSp>
-          <p:nvGrpSpPr>
-            <p:cNvPr id="19" name="Group 18">
-              <a:extLst>
-                <a:ext uri="{FF2B5EF4-FFF2-40B4-BE49-F238E27FC236}">
-                  <a16:creationId xmlns:a16="http://schemas.microsoft.com/office/drawing/2014/main" id="{C3E2EC55-99C3-EE44-8A56-582E15622636}"/>
-                </a:ext>
-              </a:extLst>
-            </p:cNvPr>
-            <p:cNvGrpSpPr/>
-            <p:nvPr/>
-          </p:nvGrpSpPr>
-          <p:grpSpPr>
-            <a:xfrm>
-              <a:off x="7403069" y="1846174"/>
-              <a:ext cx="2833888" cy="878217"/>
-              <a:chOff x="6456003" y="3027405"/>
-              <a:chExt cx="2833888" cy="878217"/>
-            </a:xfrm>
-          </p:grpSpPr>
-          <p:pic>
-            <p:nvPicPr>
-              <p:cNvPr id="14" name="Picture 13">
-                <a:extLst>
-                  <a:ext uri="{FF2B5EF4-FFF2-40B4-BE49-F238E27FC236}">
-                    <a16:creationId xmlns:a16="http://schemas.microsoft.com/office/drawing/2014/main" id="{57146091-F405-8A4E-9CDB-39C35D886FCA}"/>
-                  </a:ext>
-                </a:extLst>
-              </p:cNvPr>
-              <p:cNvPicPr>
-                <a:picLocks noChangeAspect="1"/>
-              </p:cNvPicPr>
-              <p:nvPr/>
-            </p:nvPicPr>
-            <p:blipFill>
-              <a:blip r:embed="rId2"/>
-              <a:stretch>
-                <a:fillRect/>
-              </a:stretch>
-            </p:blipFill>
-            <p:spPr>
-              <a:xfrm>
-                <a:off x="6456003" y="3379571"/>
-                <a:ext cx="2833888" cy="526051"/>
-              </a:xfrm>
-              <a:prstGeom prst="rect">
-                <a:avLst/>
-              </a:prstGeom>
-            </p:spPr>
-          </p:pic>
-          <p:pic>
-            <p:nvPicPr>
-              <p:cNvPr id="18" name="Picture 17">
-                <a:extLst>
-                  <a:ext uri="{FF2B5EF4-FFF2-40B4-BE49-F238E27FC236}">
-                    <a16:creationId xmlns:a16="http://schemas.microsoft.com/office/drawing/2014/main" id="{7ECAB888-0719-784B-A358-28697D425472}"/>
-                  </a:ext>
-                </a:extLst>
-              </p:cNvPr>
-              <p:cNvPicPr>
-                <a:picLocks noChangeAspect="1"/>
-              </p:cNvPicPr>
-              <p:nvPr/>
-            </p:nvPicPr>
-            <p:blipFill>
-              <a:blip r:embed="rId3"/>
-              <a:stretch>
-                <a:fillRect/>
-              </a:stretch>
-            </p:blipFill>
-            <p:spPr>
-              <a:xfrm>
-                <a:off x="6474442" y="3027405"/>
-                <a:ext cx="2565781" cy="352166"/>
-              </a:xfrm>
-              <a:prstGeom prst="rect">
-                <a:avLst/>
-              </a:prstGeom>
-            </p:spPr>
-          </p:pic>
-        </p:grpSp>
-        <p:pic>
-          <p:nvPicPr>
-            <p:cNvPr id="22" name="Picture 21">
-              <a:extLst>
-                <a:ext uri="{FF2B5EF4-FFF2-40B4-BE49-F238E27FC236}">
-                  <a16:creationId xmlns:a16="http://schemas.microsoft.com/office/drawing/2014/main" id="{2830FAD0-B510-AF47-9321-03723D82B180}"/>
-                </a:ext>
-              </a:extLst>
-            </p:cNvPr>
-            <p:cNvPicPr>
-              <a:picLocks noChangeAspect="1"/>
-            </p:cNvPicPr>
-            <p:nvPr/>
-          </p:nvPicPr>
-          <p:blipFill>
-            <a:blip r:embed="rId4"/>
-            <a:stretch>
-              <a:fillRect/>
-            </a:stretch>
-          </p:blipFill>
-          <p:spPr>
-            <a:xfrm>
-              <a:off x="7421508" y="2779643"/>
-              <a:ext cx="1735873" cy="825804"/>
-            </a:xfrm>
-            <a:prstGeom prst="rect">
-              <a:avLst/>
-            </a:prstGeom>
-          </p:spPr>
-        </p:pic>
-        <p:pic>
-          <p:nvPicPr>
-            <p:cNvPr id="24" name="Picture 23">
-              <a:extLst>
-                <a:ext uri="{FF2B5EF4-FFF2-40B4-BE49-F238E27FC236}">
-                  <a16:creationId xmlns:a16="http://schemas.microsoft.com/office/drawing/2014/main" id="{603BB044-6D76-234B-B7B6-78A39D53BA40}"/>
-                </a:ext>
-              </a:extLst>
-            </p:cNvPr>
-            <p:cNvPicPr>
-              <a:picLocks noChangeAspect="1"/>
-            </p:cNvPicPr>
-            <p:nvPr/>
-          </p:nvPicPr>
-          <p:blipFill>
-            <a:blip r:embed="rId5"/>
-            <a:stretch>
-              <a:fillRect/>
-            </a:stretch>
-          </p:blipFill>
-          <p:spPr>
-            <a:xfrm>
-              <a:off x="7324525" y="3605446"/>
-              <a:ext cx="2833888" cy="898550"/>
-            </a:xfrm>
-            <a:prstGeom prst="rect">
-              <a:avLst/>
-            </a:prstGeom>
-          </p:spPr>
-        </p:pic>
-      </p:grpSp>
-      <p:sp>
-        <p:nvSpPr>
-          <p:cNvPr id="26" name="Slide Number Placeholder 25">
-            <a:extLst>
-              <a:ext uri="{FF2B5EF4-FFF2-40B4-BE49-F238E27FC236}">
-                <a16:creationId xmlns:a16="http://schemas.microsoft.com/office/drawing/2014/main" id="{8C5DDDB1-C222-2540-A6F4-06D3DE38E140}"/>
+              <a:t>Understanding the distribution of the number of electron hole pairs created is crucial to understand these measurements. </a:t>
+            </a:r>
+          </a:p>
+        </p:txBody>
+      </p:sp>
+      <p:sp>
+        <p:nvSpPr>
+          <p:cNvPr id="4" name="Slide Number Placeholder 3">
+            <a:extLst>
+              <a:ext uri="{FF2B5EF4-FFF2-40B4-BE49-F238E27FC236}">
+                <a16:creationId xmlns:a16="http://schemas.microsoft.com/office/drawing/2014/main" id="{3BB79DFF-2B30-6C4A-B3BC-8451CDEEBBAD}"/>
               </a:ext>
             </a:extLst>
           </p:cNvPr>
@@ -5444,234 +5450,10 @@
           </a:p>
         </p:txBody>
       </p:sp>
-      <p:pic>
-        <p:nvPicPr>
-          <p:cNvPr id="28" name="Picture 27">
-            <a:extLst>
-              <a:ext uri="{FF2B5EF4-FFF2-40B4-BE49-F238E27FC236}">
-                <a16:creationId xmlns:a16="http://schemas.microsoft.com/office/drawing/2014/main" id="{96014CD1-9055-E249-8231-4C6A5CFF6C8C}"/>
-              </a:ext>
-            </a:extLst>
-          </p:cNvPr>
-          <p:cNvPicPr>
-            <a:picLocks noChangeAspect="1"/>
-          </p:cNvPicPr>
-          <p:nvPr/>
-        </p:nvPicPr>
-        <p:blipFill>
-          <a:blip r:embed="rId6"/>
-          <a:stretch>
-            <a:fillRect/>
-          </a:stretch>
-        </p:blipFill>
-        <p:spPr>
-          <a:xfrm>
-            <a:off x="7396794" y="4423382"/>
-            <a:ext cx="2278140" cy="1055724"/>
-          </a:xfrm>
-          <a:prstGeom prst="rect">
-            <a:avLst/>
-          </a:prstGeom>
-        </p:spPr>
-      </p:pic>
     </p:spTree>
     <p:extLst>
       <p:ext uri="{BB962C8B-B14F-4D97-AF65-F5344CB8AC3E}">
-        <p14:creationId xmlns:p14="http://schemas.microsoft.com/office/powerpoint/2010/main" val="770711044"/>
-      </p:ext>
-    </p:extLst>
-  </p:cSld>
-  <p:clrMapOvr>
-    <a:masterClrMapping/>
-  </p:clrMapOvr>
-</p:sld>
-</file>
-
-<file path=ppt/slides/slide13.xml><?xml version="1.0" encoding="utf-8"?>
-<p:sld xmlns:a="http://schemas.openxmlformats.org/drawingml/2006/main" xmlns:r="http://schemas.openxmlformats.org/officeDocument/2006/relationships" xmlns:p="http://schemas.openxmlformats.org/presentationml/2006/main">
-  <p:cSld>
-    <p:spTree>
-      <p:nvGrpSpPr>
-        <p:cNvPr id="1" name=""/>
-        <p:cNvGrpSpPr/>
-        <p:nvPr/>
-      </p:nvGrpSpPr>
-      <p:grpSpPr>
-        <a:xfrm>
-          <a:off x="0" y="0"/>
-          <a:ext cx="0" cy="0"/>
-          <a:chOff x="0" y="0"/>
-          <a:chExt cx="0" cy="0"/>
-        </a:xfrm>
-      </p:grpSpPr>
-      <p:sp>
-        <p:nvSpPr>
-          <p:cNvPr id="2" name="Title 1">
-            <a:extLst>
-              <a:ext uri="{FF2B5EF4-FFF2-40B4-BE49-F238E27FC236}">
-                <a16:creationId xmlns:a16="http://schemas.microsoft.com/office/drawing/2014/main" id="{0C491264-71E4-1A41-8589-82E02D1795E8}"/>
-              </a:ext>
-            </a:extLst>
-          </p:cNvPr>
-          <p:cNvSpPr>
-            <a:spLocks noGrp="1"/>
-          </p:cNvSpPr>
-          <p:nvPr>
-            <p:ph type="title"/>
-          </p:nvPr>
-        </p:nvSpPr>
-        <p:spPr/>
-        <p:txBody>
-          <a:bodyPr/>
-          <a:lstStyle/>
-          <a:p>
-            <a:r>
-              <a:rPr lang="en-US" dirty="0"/>
-              <a:t>Yield Variance </a:t>
-            </a:r>
-          </a:p>
-        </p:txBody>
-      </p:sp>
-      <p:sp>
-        <p:nvSpPr>
-          <p:cNvPr id="3" name="Content Placeholder 2">
-            <a:extLst>
-              <a:ext uri="{FF2B5EF4-FFF2-40B4-BE49-F238E27FC236}">
-                <a16:creationId xmlns:a16="http://schemas.microsoft.com/office/drawing/2014/main" id="{6BA18B5C-6B9B-6440-AF77-75F081D80E2B}"/>
-              </a:ext>
-            </a:extLst>
-          </p:cNvPr>
-          <p:cNvSpPr>
-            <a:spLocks noGrp="1"/>
-          </p:cNvSpPr>
-          <p:nvPr>
-            <p:ph idx="1"/>
-          </p:nvPr>
-        </p:nvSpPr>
-        <p:spPr>
-          <a:xfrm>
-            <a:off x="838200" y="1825625"/>
-            <a:ext cx="5257800" cy="4351338"/>
-          </a:xfrm>
-        </p:spPr>
-        <p:txBody>
-          <a:bodyPr>
-            <a:normAutofit/>
-          </a:bodyPr>
-          <a:lstStyle/>
-          <a:p>
-            <a:r>
-              <a:rPr lang="en-US" sz="1800" dirty="0"/>
-              <a:t>The yield variance exists due to fact that for a given energy, nuclear recoils don’t produce the same amount of e-h pairs </a:t>
-            </a:r>
-          </a:p>
-          <a:p>
-            <a:r>
-              <a:rPr lang="en-US" sz="1800" dirty="0"/>
-              <a:t>This is not accounted for in current experiments. </a:t>
-            </a:r>
-          </a:p>
-          <a:p>
-            <a:r>
-              <a:rPr lang="en-US" sz="1800" dirty="0"/>
-              <a:t>This variation may be significant with new experiments with resolutions as low as 1 electron hole pair. </a:t>
-            </a:r>
-          </a:p>
-        </p:txBody>
-      </p:sp>
-      <p:pic>
-        <p:nvPicPr>
-          <p:cNvPr id="7" name="Picture 6">
-            <a:extLst>
-              <a:ext uri="{FF2B5EF4-FFF2-40B4-BE49-F238E27FC236}">
-                <a16:creationId xmlns:a16="http://schemas.microsoft.com/office/drawing/2014/main" id="{E8E47E60-1C83-594A-9C13-0FE2C67B3DFF}"/>
-              </a:ext>
-            </a:extLst>
-          </p:cNvPr>
-          <p:cNvPicPr>
-            <a:picLocks noChangeAspect="1"/>
-          </p:cNvPicPr>
-          <p:nvPr/>
-        </p:nvPicPr>
-        <p:blipFill>
-          <a:blip r:embed="rId2"/>
-          <a:stretch>
-            <a:fillRect/>
-          </a:stretch>
-        </p:blipFill>
-        <p:spPr>
-          <a:xfrm>
-            <a:off x="6096000" y="2734834"/>
-            <a:ext cx="5593492" cy="694166"/>
-          </a:xfrm>
-          <a:prstGeom prst="rect">
-            <a:avLst/>
-          </a:prstGeom>
-        </p:spPr>
-      </p:pic>
-      <p:pic>
-        <p:nvPicPr>
-          <p:cNvPr id="11" name="Picture 10">
-            <a:extLst>
-              <a:ext uri="{FF2B5EF4-FFF2-40B4-BE49-F238E27FC236}">
-                <a16:creationId xmlns:a16="http://schemas.microsoft.com/office/drawing/2014/main" id="{40075487-27DF-A140-AD73-0AD4FE1B21ED}"/>
-              </a:ext>
-            </a:extLst>
-          </p:cNvPr>
-          <p:cNvPicPr>
-            <a:picLocks noChangeAspect="1"/>
-          </p:cNvPicPr>
-          <p:nvPr/>
-        </p:nvPicPr>
-        <p:blipFill>
-          <a:blip r:embed="rId3"/>
-          <a:stretch>
-            <a:fillRect/>
-          </a:stretch>
-        </p:blipFill>
-        <p:spPr>
-          <a:xfrm>
-            <a:off x="7343346" y="1882561"/>
-            <a:ext cx="3098800" cy="660400"/>
-          </a:xfrm>
-          <a:prstGeom prst="rect">
-            <a:avLst/>
-          </a:prstGeom>
-        </p:spPr>
-      </p:pic>
-      <p:sp>
-        <p:nvSpPr>
-          <p:cNvPr id="4" name="Slide Number Placeholder 3">
-            <a:extLst>
-              <a:ext uri="{FF2B5EF4-FFF2-40B4-BE49-F238E27FC236}">
-                <a16:creationId xmlns:a16="http://schemas.microsoft.com/office/drawing/2014/main" id="{BC70045F-D308-8343-A3EB-46696F98874B}"/>
-              </a:ext>
-            </a:extLst>
-          </p:cNvPr>
-          <p:cNvSpPr>
-            <a:spLocks noGrp="1"/>
-          </p:cNvSpPr>
-          <p:nvPr>
-            <p:ph type="sldNum" sz="quarter" idx="12"/>
-          </p:nvPr>
-        </p:nvSpPr>
-        <p:spPr/>
-        <p:txBody>
-          <a:bodyPr/>
-          <a:lstStyle/>
-          <a:p>
-            <a:fld id="{035DBD62-E6E0-484E-AB64-E286A6B85B65}" type="slidenum">
-              <a:rPr lang="en-US" smtClean="0"/>
-              <a:t>13</a:t>
-            </a:fld>
-            <a:endParaRPr lang="en-US"/>
-          </a:p>
-        </p:txBody>
-      </p:sp>
-    </p:spTree>
-    <p:extLst>
-      <p:ext uri="{BB962C8B-B14F-4D97-AF65-F5344CB8AC3E}">
-        <p14:creationId xmlns:p14="http://schemas.microsoft.com/office/powerpoint/2010/main" val="2196642784"/>
+        <p14:creationId xmlns:p14="http://schemas.microsoft.com/office/powerpoint/2010/main" val="1769617012"/>
       </p:ext>
     </p:extLst>
   </p:cSld>
@@ -5795,7 +5577,7 @@
           <a:p>
             <a:r>
               <a:rPr lang="en-US" sz="1800" dirty="0"/>
-              <a:t>Dark matter can still be ”WIMP” like in the way it interacts with nuclei, but can have a very low mass. </a:t>
+              <a:t>Dark matter could still be "WIMP" like in that it could interact with nuclei - but &lt; 70 GeV masses are increasingly of interest.</a:t>
             </a:r>
           </a:p>
           <a:p>
@@ -5807,7 +5589,7 @@
           <a:p>
             <a:r>
               <a:rPr lang="en-US" sz="1800" dirty="0"/>
-              <a:t>Detectors that can measure electron-hole pairs have been moving the DM mass limit plot down. </a:t>
+              <a:t>Currently, detectors that count electron-hole pairs have good sensitivity to low-mass WIMPs</a:t>
             </a:r>
           </a:p>
         </p:txBody>
@@ -6195,8 +5977,8 @@
         </p:nvSpPr>
         <p:spPr>
           <a:xfrm>
-            <a:off x="9762360" y="5551945"/>
-            <a:ext cx="2085179" cy="307777"/>
+            <a:off x="8743950" y="5551945"/>
+            <a:ext cx="3103589" cy="523220"/>
           </a:xfrm>
           <a:prstGeom prst="rect">
             <a:avLst/>
@@ -6211,8 +5993,11 @@
           <a:p>
             <a:r>
               <a:rPr lang="en-US" sz="1400" dirty="0"/>
-              <a:t>R. Agnese, Et al. 2018 </a:t>
-            </a:r>
+              <a:t>DOI: 10.1103/PhysRevLett.116.071301 </a:t>
+            </a:r>
+          </a:p>
+          <a:p>
+            <a:endParaRPr lang="en-US" sz="1400" dirty="0"/>
           </a:p>
         </p:txBody>
       </p:sp>
@@ -6298,7 +6083,7 @@
         </p:blipFill>
         <p:spPr>
           <a:xfrm>
-            <a:off x="6634777" y="1174891"/>
+            <a:off x="6634777" y="2332328"/>
             <a:ext cx="5529191" cy="3382382"/>
           </a:xfrm>
         </p:spPr>
@@ -6378,8 +6163,8 @@
         </p:nvSpPr>
         <p:spPr>
           <a:xfrm>
-            <a:off x="825843" y="1649978"/>
-            <a:ext cx="4930346" cy="6740307"/>
+            <a:off x="838200" y="2480974"/>
+            <a:ext cx="4930346" cy="4524315"/>
           </a:xfrm>
           <a:prstGeom prst="rect">
             <a:avLst/>
@@ -6398,7 +6183,15 @@
             </a:pPr>
             <a:r>
               <a:rPr lang="en-US" dirty="0"/>
-              <a:t>When a WIMP hits nuclei initial phonons are produced and charge is liberated. </a:t>
+              <a:t>When dark matter hits a </a:t>
+            </a:r>
+            <a:r>
+              <a:rPr lang="en-US" dirty="0" err="1"/>
+              <a:t>nucleous</a:t>
+            </a:r>
+            <a:r>
+              <a:rPr lang="en-US" dirty="0"/>
+              <a:t>, charge is liberated. </a:t>
             </a:r>
           </a:p>
           <a:p>
@@ -6415,7 +6208,7 @@
             </a:pPr>
             <a:r>
               <a:rPr lang="en-US" dirty="0"/>
-              <a:t>Current generation of low threshold detectors only count number of charge carriers produced. </a:t>
+              <a:t>Current generation of low threshold detectors  count number of charge carriers produced. </a:t>
             </a:r>
           </a:p>
           <a:p>
@@ -6426,14 +6219,13 @@
             <a:endParaRPr lang="en-US" dirty="0"/>
           </a:p>
           <a:p>
-            <a:pPr marL="285750" indent="-285750">
-              <a:buFont typeface="Arial" panose="020B0604020202020204" pitchFamily="34" charset="0"/>
-              <a:buChar char="•"/>
-            </a:pPr>
-            <a:r>
-              <a:rPr lang="en-US" dirty="0"/>
-              <a:t>There is no good nuclear recoil calibration standard.</a:t>
-            </a:r>
+            <a:endParaRPr lang="en-US" dirty="0"/>
+          </a:p>
+          <a:p>
+            <a:endParaRPr lang="en-US" dirty="0"/>
+          </a:p>
+          <a:p>
+            <a:endParaRPr lang="en-US" dirty="0"/>
           </a:p>
           <a:p>
             <a:pPr marL="285750" indent="-285750">
@@ -6447,10 +6239,7 @@
               <a:buFont typeface="Arial" panose="020B0604020202020204" pitchFamily="34" charset="0"/>
               <a:buChar char="•"/>
             </a:pPr>
-            <a:r>
-              <a:rPr lang="en-US" dirty="0"/>
-              <a:t>Need to know ratio of energy that goes into the electronic system and its variation.</a:t>
-            </a:r>
+            <a:endParaRPr lang="en-US" dirty="0"/>
           </a:p>
           <a:p>
             <a:pPr marL="285750" indent="-285750">
@@ -6464,18 +6253,6 @@
               <a:buFont typeface="Arial" panose="020B0604020202020204" pitchFamily="34" charset="0"/>
               <a:buChar char="•"/>
             </a:pPr>
-            <a:r>
-              <a:rPr lang="en-US" dirty="0"/>
-              <a:t>Or the best we could hope for is a distribution of the number of electron hole pairs for a given </a:t>
-            </a:r>
-            <a:r>
-              <a:rPr lang="en-US" dirty="0" err="1"/>
-              <a:t>E</a:t>
-            </a:r>
-            <a:r>
-              <a:rPr lang="en-US" baseline="-25000" dirty="0" err="1"/>
-              <a:t>r</a:t>
-            </a:r>
             <a:endParaRPr lang="en-US" dirty="0"/>
           </a:p>
           <a:p>
@@ -6486,9 +6263,6 @@
             <a:endParaRPr lang="en-US" dirty="0"/>
           </a:p>
           <a:p>
-            <a:endParaRPr lang="en-US" dirty="0"/>
-          </a:p>
-          <a:p>
             <a:pPr marL="285750" indent="-285750">
               <a:buFont typeface="Arial" panose="020B0604020202020204" pitchFamily="34" charset="0"/>
               <a:buChar char="•"/>
@@ -6502,103 +6276,89 @@
             </a:pPr>
             <a:endParaRPr lang="en-US" dirty="0"/>
           </a:p>
-          <a:p>
-            <a:pPr marL="285750" indent="-285750">
-              <a:buFont typeface="Arial" panose="020B0604020202020204" pitchFamily="34" charset="0"/>
-              <a:buChar char="•"/>
-            </a:pPr>
-            <a:endParaRPr lang="en-US" dirty="0"/>
-          </a:p>
-          <a:p>
-            <a:pPr marL="285750" indent="-285750">
-              <a:buFont typeface="Arial" panose="020B0604020202020204" pitchFamily="34" charset="0"/>
-              <a:buChar char="•"/>
-            </a:pPr>
-            <a:endParaRPr lang="en-US" dirty="0"/>
-          </a:p>
-          <a:p>
-            <a:pPr marL="285750" indent="-285750">
-              <a:buFont typeface="Arial" panose="020B0604020202020204" pitchFamily="34" charset="0"/>
-              <a:buChar char="•"/>
-            </a:pPr>
-            <a:endParaRPr lang="en-US" dirty="0"/>
-          </a:p>
-          <a:p>
-            <a:pPr marL="285750" indent="-285750">
-              <a:buFont typeface="Arial" panose="020B0604020202020204" pitchFamily="34" charset="0"/>
-              <a:buChar char="•"/>
-            </a:pPr>
-            <a:endParaRPr lang="en-US" dirty="0"/>
-          </a:p>
-          <a:p>
-            <a:pPr marL="285750" indent="-285750">
-              <a:buFont typeface="Arial" panose="020B0604020202020204" pitchFamily="34" charset="0"/>
-              <a:buChar char="•"/>
-            </a:pPr>
-            <a:endParaRPr lang="en-US" dirty="0"/>
-          </a:p>
-        </p:txBody>
-      </p:sp>
-      <p:pic>
-        <p:nvPicPr>
-          <p:cNvPr id="8" name="Picture 7">
-            <a:extLst>
-              <a:ext uri="{FF2B5EF4-FFF2-40B4-BE49-F238E27FC236}">
-                <a16:creationId xmlns:a16="http://schemas.microsoft.com/office/drawing/2014/main" id="{7F50AC3F-6268-5A40-AB27-4322058C2874}"/>
-              </a:ext>
-            </a:extLst>
-          </p:cNvPr>
-          <p:cNvPicPr>
-            <a:picLocks noChangeAspect="1"/>
-          </p:cNvPicPr>
+        </p:txBody>
+      </p:sp>
+      <p:grpSp>
+        <p:nvGrpSpPr>
+          <p:cNvPr id="7" name="Group 6">
+            <a:extLst>
+              <a:ext uri="{FF2B5EF4-FFF2-40B4-BE49-F238E27FC236}">
+                <a16:creationId xmlns:a16="http://schemas.microsoft.com/office/drawing/2014/main" id="{6030DAE2-2C31-1B47-A26B-C26E2AF7F560}"/>
+              </a:ext>
+            </a:extLst>
+          </p:cNvPr>
+          <p:cNvGrpSpPr/>
           <p:nvPr/>
-        </p:nvPicPr>
-        <p:blipFill>
-          <a:blip r:embed="rId4"/>
-          <a:stretch>
-            <a:fillRect/>
-          </a:stretch>
-        </p:blipFill>
-        <p:spPr>
+        </p:nvGrpSpPr>
+        <p:grpSpPr>
           <a:xfrm>
-            <a:off x="6634777" y="5250230"/>
-            <a:ext cx="2833888" cy="526051"/>
+            <a:off x="1886429" y="4743131"/>
+            <a:ext cx="2833888" cy="932233"/>
+            <a:chOff x="6634777" y="4844048"/>
+            <a:chExt cx="2833888" cy="932233"/>
           </a:xfrm>
-          <a:prstGeom prst="rect">
-            <a:avLst/>
-          </a:prstGeom>
-        </p:spPr>
-      </p:pic>
-      <p:pic>
-        <p:nvPicPr>
-          <p:cNvPr id="9" name="Picture 8">
-            <a:extLst>
-              <a:ext uri="{FF2B5EF4-FFF2-40B4-BE49-F238E27FC236}">
-                <a16:creationId xmlns:a16="http://schemas.microsoft.com/office/drawing/2014/main" id="{75070251-F571-524F-A5E6-DDBB08E1F35D}"/>
-              </a:ext>
-            </a:extLst>
-          </p:cNvPr>
-          <p:cNvPicPr>
-            <a:picLocks noChangeAspect="1"/>
-          </p:cNvPicPr>
-          <p:nvPr/>
-        </p:nvPicPr>
-        <p:blipFill>
-          <a:blip r:embed="rId5"/>
-          <a:stretch>
-            <a:fillRect/>
-          </a:stretch>
-        </p:blipFill>
-        <p:spPr>
-          <a:xfrm>
-            <a:off x="6634777" y="4844048"/>
-            <a:ext cx="2565781" cy="352166"/>
-          </a:xfrm>
-          <a:prstGeom prst="rect">
-            <a:avLst/>
-          </a:prstGeom>
-        </p:spPr>
-      </p:pic>
+        </p:grpSpPr>
+        <p:pic>
+          <p:nvPicPr>
+            <p:cNvPr id="8" name="Picture 7">
+              <a:extLst>
+                <a:ext uri="{FF2B5EF4-FFF2-40B4-BE49-F238E27FC236}">
+                  <a16:creationId xmlns:a16="http://schemas.microsoft.com/office/drawing/2014/main" id="{7F50AC3F-6268-5A40-AB27-4322058C2874}"/>
+                </a:ext>
+              </a:extLst>
+            </p:cNvPr>
+            <p:cNvPicPr>
+              <a:picLocks noChangeAspect="1"/>
+            </p:cNvPicPr>
+            <p:nvPr/>
+          </p:nvPicPr>
+          <p:blipFill>
+            <a:blip r:embed="rId4"/>
+            <a:stretch>
+              <a:fillRect/>
+            </a:stretch>
+          </p:blipFill>
+          <p:spPr>
+            <a:xfrm>
+              <a:off x="6634777" y="5250230"/>
+              <a:ext cx="2833888" cy="526051"/>
+            </a:xfrm>
+            <a:prstGeom prst="rect">
+              <a:avLst/>
+            </a:prstGeom>
+          </p:spPr>
+        </p:pic>
+        <p:pic>
+          <p:nvPicPr>
+            <p:cNvPr id="9" name="Picture 8">
+              <a:extLst>
+                <a:ext uri="{FF2B5EF4-FFF2-40B4-BE49-F238E27FC236}">
+                  <a16:creationId xmlns:a16="http://schemas.microsoft.com/office/drawing/2014/main" id="{75070251-F571-524F-A5E6-DDBB08E1F35D}"/>
+                </a:ext>
+              </a:extLst>
+            </p:cNvPr>
+            <p:cNvPicPr>
+              <a:picLocks noChangeAspect="1"/>
+            </p:cNvPicPr>
+            <p:nvPr/>
+          </p:nvPicPr>
+          <p:blipFill>
+            <a:blip r:embed="rId5"/>
+            <a:stretch>
+              <a:fillRect/>
+            </a:stretch>
+          </p:blipFill>
+          <p:spPr>
+            <a:xfrm>
+              <a:off x="6634777" y="4844048"/>
+              <a:ext cx="2565781" cy="352166"/>
+            </a:xfrm>
+            <a:prstGeom prst="rect">
+              <a:avLst/>
+            </a:prstGeom>
+          </p:spPr>
+        </p:pic>
+      </p:grpSp>
     </p:spTree>
     <p:extLst>
       <p:ext uri="{BB962C8B-B14F-4D97-AF65-F5344CB8AC3E}">
@@ -6656,7 +6416,19 @@
             </a:r>
             <a:r>
               <a:rPr lang="en-US" dirty="0"/>
-              <a:t> Detector.  </a:t>
+              <a:t> Detector and a Single </a:t>
+            </a:r>
+            <a:r>
+              <a:rPr lang="en-US" dirty="0" err="1"/>
+              <a:t>E</a:t>
+            </a:r>
+            <a:r>
+              <a:rPr lang="en-US" baseline="-25000" dirty="0" err="1"/>
+              <a:t>r</a:t>
+            </a:r>
+            <a:r>
+              <a:rPr lang="en-US" dirty="0"/>
+              <a:t>  </a:t>
             </a:r>
           </a:p>
         </p:txBody>
@@ -6685,7 +6457,7 @@
         </p:spPr>
         <p:txBody>
           <a:bodyPr>
-            <a:normAutofit/>
+            <a:normAutofit fontScale="92500" lnSpcReduction="10000"/>
           </a:bodyPr>
           <a:lstStyle/>
           <a:p>
@@ -6694,28 +6466,42 @@
           <a:p>
             <a:r>
               <a:rPr lang="en-US" sz="1800" dirty="0"/>
-              <a:t>A detector developed at </a:t>
-            </a:r>
-            <a:r>
-              <a:rPr lang="en-US" sz="1800" dirty="0" err="1"/>
-              <a:t>Standford</a:t>
-            </a:r>
-            <a:r>
-              <a:rPr lang="en-US" sz="1800" dirty="0"/>
-              <a:t> has developed   a detector that can support 160V bias and a 14eV resolution. </a:t>
-            </a:r>
-          </a:p>
-          <a:p>
+              <a:t>A detector developed at Stanford has developed   a detector that can support 160V bias and a 14eV resolution. </a:t>
+            </a:r>
+          </a:p>
+          <a:p>
+            <a:pPr lvl="1"/>
+            <a:r>
+              <a:rPr lang="en-US" sz="1400" dirty="0"/>
+              <a:t>DOI 10.1063/1.5010699</a:t>
+            </a:r>
+          </a:p>
+          <a:p>
+            <a:pPr marL="0" indent="0">
+              <a:buNone/>
+            </a:pPr>
             <a:endParaRPr lang="en-US" sz="1800" dirty="0"/>
           </a:p>
           <a:p>
             <a:r>
-              <a:rPr lang="en-US" sz="1800" dirty="0"/>
-              <a:t>Even with this high sensitivity they are still subject to randomness in electron hole pair production </a:t>
-            </a:r>
-          </a:p>
-          <a:p>
-            <a:endParaRPr lang="en-US" sz="1800" dirty="0"/>
+              <a:rPr lang="en-US" sz="1900" dirty="0"/>
+              <a:t>Given this high sensitivity, the spectrum for a single </a:t>
+            </a:r>
+            <a:r>
+              <a:rPr lang="en-US" sz="1900" dirty="0" err="1"/>
+              <a:t>E</a:t>
+            </a:r>
+            <a:r>
+              <a:rPr lang="en-US" sz="1900" baseline="-25000" dirty="0" err="1"/>
+              <a:t>r</a:t>
+            </a:r>
+            <a:r>
+              <a:rPr lang="en-US" sz="1900" dirty="0"/>
+              <a:t> looks different than you might expect - this is due to randomness in electron-hole pair production</a:t>
+            </a:r>
+          </a:p>
+          <a:p>
+            <a:endParaRPr lang="en-US" sz="2100" dirty="0"/>
           </a:p>
           <a:p>
             <a:r>
@@ -6791,8 +6577,8 @@
         </p:blipFill>
         <p:spPr>
           <a:xfrm>
-            <a:off x="6096000" y="1146857"/>
-            <a:ext cx="5620841" cy="5205535"/>
+            <a:off x="6300788" y="1336513"/>
+            <a:ext cx="5416054" cy="5015879"/>
           </a:xfrm>
           <a:prstGeom prst="rect">
             <a:avLst/>
@@ -6829,44 +6615,6 @@
           </a:prstGeom>
         </p:spPr>
       </p:pic>
-      <p:sp>
-        <p:nvSpPr>
-          <p:cNvPr id="4" name="TextBox 3">
-            <a:extLst>
-              <a:ext uri="{FF2B5EF4-FFF2-40B4-BE49-F238E27FC236}">
-                <a16:creationId xmlns:a16="http://schemas.microsoft.com/office/drawing/2014/main" id="{6509065F-62D1-A24E-9F2E-5D10B0D5AB97}"/>
-              </a:ext>
-            </a:extLst>
-          </p:cNvPr>
-          <p:cNvSpPr txBox="1"/>
-          <p:nvPr/>
-        </p:nvSpPr>
-        <p:spPr>
-          <a:xfrm>
-            <a:off x="7825839" y="6418695"/>
-            <a:ext cx="3336967" cy="646331"/>
-          </a:xfrm>
-          <a:prstGeom prst="rect">
-            <a:avLst/>
-          </a:prstGeom>
-          <a:noFill/>
-        </p:spPr>
-        <p:txBody>
-          <a:bodyPr wrap="square" rtlCol="0">
-            <a:spAutoFit/>
-          </a:bodyPr>
-          <a:lstStyle/>
-          <a:p>
-            <a:r>
-              <a:rPr lang="en-US" dirty="0"/>
-              <a:t>R.K. Romani, et al. 2017 </a:t>
-            </a:r>
-          </a:p>
-          <a:p>
-            <a:endParaRPr lang="en-US" dirty="0"/>
-          </a:p>
-        </p:txBody>
-      </p:sp>
     </p:spTree>
     <p:extLst>
       <p:ext uri="{BB962C8B-B14F-4D97-AF65-F5344CB8AC3E}">
@@ -7001,7 +6749,7 @@
         <p:spPr>
           <a:xfrm>
             <a:off x="825843" y="1649978"/>
-            <a:ext cx="4930346" cy="4524315"/>
+            <a:ext cx="4930346" cy="5632311"/>
           </a:xfrm>
           <a:prstGeom prst="rect">
             <a:avLst/>
@@ -7020,7 +6768,23 @@
             </a:pPr>
             <a:r>
               <a:rPr lang="en-US" dirty="0"/>
-              <a:t>The mean number of electron hole pairs produced varies greatly for electron recoils and nuclear recoils. </a:t>
+              <a:t>The ionization yield Y converts from recoil energy </a:t>
+            </a:r>
+            <a:r>
+              <a:rPr lang="en-US" dirty="0" err="1"/>
+              <a:t>Er</a:t>
+            </a:r>
+            <a:r>
+              <a:rPr lang="en-US" dirty="0"/>
+              <a:t> to the average number of electron-hole pairs produced &lt;</a:t>
+            </a:r>
+            <a:r>
+              <a:rPr lang="en-US" dirty="0" err="1"/>
+              <a:t>Neh</a:t>
+            </a:r>
+            <a:r>
+              <a:rPr lang="en-US" dirty="0"/>
+              <a:t>&gt;</a:t>
             </a:r>
           </a:p>
           <a:p>
@@ -7037,27 +6801,34 @@
             </a:pPr>
             <a:r>
               <a:rPr lang="en-US" dirty="0"/>
-              <a:t>Measurements of charge and phonon would mean great discrimination between the two (far better than PSD and liquid scintillators) </a:t>
-            </a:r>
-          </a:p>
-          <a:p>
-            <a:endParaRPr lang="en-US" dirty="0"/>
+              <a:t>The mean number of electron hole pairs produced varies greatly for electron recoils and nuclear recoils. </a:t>
+            </a:r>
           </a:p>
           <a:p>
             <a:pPr marL="285750" indent="-285750">
               <a:buFont typeface="Arial" panose="020B0604020202020204" pitchFamily="34" charset="0"/>
               <a:buChar char="•"/>
             </a:pPr>
-            <a:r>
-              <a:rPr lang="en-US" dirty="0"/>
-              <a:t>This becomes difficult at low energy. </a:t>
-            </a:r>
+            <a:endParaRPr lang="en-US" dirty="0"/>
           </a:p>
           <a:p>
             <a:pPr marL="285750" indent="-285750">
               <a:buFont typeface="Arial" panose="020B0604020202020204" pitchFamily="34" charset="0"/>
               <a:buChar char="•"/>
             </a:pPr>
+            <a:r>
+              <a:rPr lang="en-US" dirty="0"/>
+              <a:t>Measurements of charge and phonon would mean great discrimination between electron and nuclear recoils (far better than PSD and liquid scintillators)</a:t>
+            </a:r>
+          </a:p>
+          <a:p>
+            <a:pPr marL="285750" indent="-285750">
+              <a:buFont typeface="Arial" panose="020B0604020202020204" pitchFamily="34" charset="0"/>
+              <a:buChar char="•"/>
+            </a:pPr>
+            <a:endParaRPr lang="en-US" dirty="0"/>
+          </a:p>
+          <a:p>
             <a:endParaRPr lang="en-US" dirty="0"/>
           </a:p>
           <a:p>
@@ -7359,10 +7130,20 @@
           <a:p>
             <a:r>
               <a:rPr lang="en-US" sz="1800" dirty="0"/>
-              <a:t>Ratio of energy used to create electron-hole pairs to the energy used to create phonons.</a:t>
-            </a:r>
-          </a:p>
-          <a:p>
+              <a:t>A measurement has been made in silicon for this phenomena. </a:t>
+            </a:r>
+          </a:p>
+          <a:p>
+            <a:pPr lvl="1"/>
+            <a:r>
+              <a:rPr lang="en-US" sz="1400" dirty="0"/>
+              <a:t>DOI.  10.1103/PhysRevA.45.2104</a:t>
+            </a:r>
+          </a:p>
+          <a:p>
+            <a:pPr marL="0" indent="0">
+              <a:buNone/>
+            </a:pPr>
             <a:endParaRPr lang="en-US" sz="1800" dirty="0"/>
           </a:p>
           <a:p>
@@ -7372,12 +7153,19 @@
             </a:r>
           </a:p>
           <a:p>
+            <a:pPr lvl="1"/>
+            <a:r>
+              <a:rPr lang="en-US" sz="1400" dirty="0"/>
+              <a:t>It also varies for electron recoils, but much less. </a:t>
+            </a:r>
+          </a:p>
+          <a:p>
             <a:endParaRPr lang="en-US" sz="1800" dirty="0"/>
           </a:p>
           <a:p>
             <a:r>
               <a:rPr lang="en-US" sz="1800" dirty="0"/>
-              <a:t>This may play an important role with detectors that have single electron hole pair sensitivity .  </a:t>
+              <a:t>The variance in eh pairs produced by a nuclear recoil significantly impacts any nuclear-recoil signal spectrum</a:t>
             </a:r>
             <a:br>
               <a:rPr lang="en-US" sz="1800" dirty="0"/>
@@ -7449,7 +7237,7 @@
         </p:blipFill>
         <p:spPr>
           <a:xfrm>
-            <a:off x="6096000" y="1385269"/>
+            <a:off x="6096000" y="1442421"/>
             <a:ext cx="5390656" cy="4791694"/>
           </a:xfrm>
           <a:prstGeom prst="rect">
@@ -7514,7 +7302,7 @@
             </a:r>
             <a:r>
               <a:rPr lang="en-US" dirty="0"/>
-              <a:t> Detector.  </a:t>
+              <a:t> Detector and a Dark Matter Spectrum   </a:t>
             </a:r>
           </a:p>
         </p:txBody>
@@ -7549,24 +7337,35 @@
           <a:p>
             <a:r>
               <a:rPr lang="en-US" sz="1800" dirty="0"/>
-              <a:t>Using Luke amp type detectors may have dramatic consequences for WIMP search.</a:t>
-            </a:r>
-          </a:p>
-          <a:p>
+              <a:t>For detectors that count eh pairs, the variance in </a:t>
+            </a:r>
+            <a:r>
+              <a:rPr lang="en-US" sz="1800" dirty="0" err="1"/>
+              <a:t>Neh</a:t>
+            </a:r>
+            <a:r>
+              <a:rPr lang="en-US" sz="1800" dirty="0"/>
+              <a:t> can dramatically affect low-mass dark matter searches</a:t>
+            </a:r>
+          </a:p>
+          <a:p>
+            <a:pPr marL="0" indent="0">
+              <a:buNone/>
+            </a:pPr>
             <a:endParaRPr lang="en-US" sz="1800" dirty="0"/>
           </a:p>
           <a:p>
             <a:r>
               <a:rPr lang="en-US" sz="1800" dirty="0"/>
-              <a:t>Choice of </a:t>
+              <a:t>Different variation in </a:t>
             </a:r>
             <a:r>
               <a:rPr lang="en-US" sz="1800" dirty="0" err="1"/>
-              <a:t>fano</a:t>
+              <a:t>Neh</a:t>
             </a:r>
             <a:r>
               <a:rPr lang="en-US" sz="1800" dirty="0"/>
-              <a:t> factor can change limit set on WIMP cross section. </a:t>
+              <a:t> changes the interpretation of observed experimental spectra.</a:t>
             </a:r>
           </a:p>
         </p:txBody>
@@ -7622,7 +7421,7 @@
         </p:blipFill>
         <p:spPr>
           <a:xfrm>
-            <a:off x="6060571" y="1323746"/>
+            <a:off x="6060571" y="1380898"/>
             <a:ext cx="5459869" cy="4853217"/>
           </a:xfrm>
           <a:prstGeom prst="rect">
@@ -7662,10 +7461,10 @@
       </p:grpSpPr>
       <p:sp>
         <p:nvSpPr>
-          <p:cNvPr id="3" name="Title 2">
-            <a:extLst>
-              <a:ext uri="{FF2B5EF4-FFF2-40B4-BE49-F238E27FC236}">
-                <a16:creationId xmlns:a16="http://schemas.microsoft.com/office/drawing/2014/main" id="{7B230F94-B493-CE43-929A-2A41F3FEB4EF}"/>
+          <p:cNvPr id="2" name="Title 1">
+            <a:extLst>
+              <a:ext uri="{FF2B5EF4-FFF2-40B4-BE49-F238E27FC236}">
+                <a16:creationId xmlns:a16="http://schemas.microsoft.com/office/drawing/2014/main" id="{029CC9B3-EA40-584D-92A7-B27B260E40EE}"/>
               </a:ext>
             </a:extLst>
           </p:cNvPr>
@@ -7678,88 +7477,26 @@
         </p:nvSpPr>
         <p:spPr/>
         <p:txBody>
-          <a:bodyPr>
-            <a:normAutofit fontScale="90000"/>
-          </a:bodyPr>
-          <a:lstStyle/>
-          <a:p>
-            <a:br>
+          <a:bodyPr/>
+          <a:lstStyle/>
+          <a:p>
+            <a:r>
+              <a:rPr lang="en-US" dirty="0" err="1"/>
+              <a:t>HVeV</a:t>
+            </a:r>
+            <a:r>
               <a:rPr lang="en-US" dirty="0"/>
-            </a:br>
-            <a:r>
-              <a:rPr lang="en-US" sz="4900" dirty="0"/>
-              <a:t>Quantifying</a:t>
-            </a:r>
-            <a:r>
-              <a:rPr lang="en-US" dirty="0"/>
-              <a:t> Ionization Variance </a:t>
-            </a:r>
-            <a:br>
-              <a:rPr lang="en-US" dirty="0"/>
-            </a:br>
-            <a:endParaRPr lang="en-US" dirty="0"/>
-          </a:p>
-        </p:txBody>
-      </p:sp>
-      <p:sp>
-        <p:nvSpPr>
-          <p:cNvPr id="9" name="Content Placeholder 8">
-            <a:extLst>
-              <a:ext uri="{FF2B5EF4-FFF2-40B4-BE49-F238E27FC236}">
-                <a16:creationId xmlns:a16="http://schemas.microsoft.com/office/drawing/2014/main" id="{64E94FD4-7193-134C-8BE7-18D70D086E45}"/>
-              </a:ext>
-            </a:extLst>
-          </p:cNvPr>
-          <p:cNvSpPr>
-            <a:spLocks noGrp="1"/>
-          </p:cNvSpPr>
-          <p:nvPr>
-            <p:ph idx="1"/>
-          </p:nvPr>
-        </p:nvSpPr>
-        <p:spPr>
-          <a:xfrm>
-            <a:off x="838200" y="1825625"/>
-            <a:ext cx="5618096" cy="4351338"/>
-          </a:xfrm>
-        </p:spPr>
-        <p:txBody>
-          <a:bodyPr>
-            <a:normAutofit/>
-          </a:bodyPr>
-          <a:lstStyle/>
-          <a:p>
-            <a:r>
-              <a:rPr lang="en-US" sz="1800" dirty="0"/>
-              <a:t>Ability to directly to measure charge and phonons separately. Allowing for a direct measurement of the ionization efficiency. </a:t>
-            </a:r>
-          </a:p>
-          <a:p>
-            <a:endParaRPr lang="en-US" sz="1800" dirty="0"/>
-          </a:p>
-          <a:p>
-            <a:r>
-              <a:rPr lang="en-US" sz="1800" dirty="0"/>
-              <a:t>Should be able to extract the width of the nuclear recoil band.</a:t>
-            </a:r>
-          </a:p>
-          <a:p>
-            <a:endParaRPr lang="en-US" sz="1800" dirty="0"/>
-          </a:p>
-          <a:p>
-            <a:r>
-              <a:rPr lang="en-US" sz="1800" dirty="0"/>
-              <a:t>Allows quantify the variation in electron hole pair production. </a:t>
-            </a:r>
-          </a:p>
-        </p:txBody>
-      </p:sp>
-      <p:sp>
-        <p:nvSpPr>
-          <p:cNvPr id="4" name="Slide Number Placeholder 3">
-            <a:extLst>
-              <a:ext uri="{FF2B5EF4-FFF2-40B4-BE49-F238E27FC236}">
-                <a16:creationId xmlns:a16="http://schemas.microsoft.com/office/drawing/2014/main" id="{3BB79DFF-2B30-6C4A-B3BC-8451CDEEBBAD}"/>
+              <a:t> Detector and a Dark Matter Spectrum   </a:t>
+            </a:r>
+          </a:p>
+        </p:txBody>
+      </p:sp>
+      <p:sp>
+        <p:nvSpPr>
+          <p:cNvPr id="11" name="Slide Number Placeholder 10">
+            <a:extLst>
+              <a:ext uri="{FF2B5EF4-FFF2-40B4-BE49-F238E27FC236}">
+                <a16:creationId xmlns:a16="http://schemas.microsoft.com/office/drawing/2014/main" id="{3FBA8E98-A6A6-3D4F-B067-37DDB143ACCC}"/>
               </a:ext>
             </a:extLst>
           </p:cNvPr>
@@ -7785,10 +7522,10 @@
       </p:sp>
       <p:pic>
         <p:nvPicPr>
-          <p:cNvPr id="13" name="Picture 12">
-            <a:extLst>
-              <a:ext uri="{FF2B5EF4-FFF2-40B4-BE49-F238E27FC236}">
-                <a16:creationId xmlns:a16="http://schemas.microsoft.com/office/drawing/2014/main" id="{C6CC82BA-8986-654D-9749-C1F34B36D70B}"/>
+          <p:cNvPr id="5" name="Picture 4">
+            <a:extLst>
+              <a:ext uri="{FF2B5EF4-FFF2-40B4-BE49-F238E27FC236}">
+                <a16:creationId xmlns:a16="http://schemas.microsoft.com/office/drawing/2014/main" id="{14D90338-0603-6246-BC36-08012C296C62}"/>
               </a:ext>
             </a:extLst>
           </p:cNvPr>
@@ -7805,18 +7542,154 @@
         </p:blipFill>
         <p:spPr>
           <a:xfrm>
-            <a:off x="6456296" y="1806670"/>
-            <a:ext cx="4897504" cy="4920390"/>
+            <a:off x="2771775" y="1260061"/>
+            <a:ext cx="6200775" cy="5511800"/>
           </a:xfrm>
           <a:prstGeom prst="rect">
             <a:avLst/>
           </a:prstGeom>
         </p:spPr>
       </p:pic>
+      <p:sp>
+        <p:nvSpPr>
+          <p:cNvPr id="12" name="TextBox 11">
+            <a:extLst>
+              <a:ext uri="{FF2B5EF4-FFF2-40B4-BE49-F238E27FC236}">
+                <a16:creationId xmlns:a16="http://schemas.microsoft.com/office/drawing/2014/main" id="{90116CE2-0F6F-874B-9E99-2D425836948D}"/>
+              </a:ext>
+            </a:extLst>
+          </p:cNvPr>
+          <p:cNvSpPr txBox="1"/>
+          <p:nvPr/>
+        </p:nvSpPr>
+        <p:spPr>
+          <a:xfrm>
+            <a:off x="9181218" y="4357688"/>
+            <a:ext cx="2172582" cy="923330"/>
+          </a:xfrm>
+          <a:prstGeom prst="rect">
+            <a:avLst/>
+          </a:prstGeom>
+          <a:noFill/>
+        </p:spPr>
+        <p:txBody>
+          <a:bodyPr wrap="none" rtlCol="0">
+            <a:spAutoFit/>
+          </a:bodyPr>
+          <a:lstStyle/>
+          <a:p>
+            <a:r>
+              <a:rPr lang="en-US" dirty="0"/>
+              <a:t>Event at 3.5 e/h pairs</a:t>
+            </a:r>
+          </a:p>
+          <a:p>
+            <a:r>
+              <a:rPr lang="en-US" dirty="0"/>
+              <a:t>F = 1</a:t>
+            </a:r>
+          </a:p>
+          <a:p>
+            <a:r>
+              <a:rPr lang="en-US" dirty="0"/>
+              <a:t>F = 0.1</a:t>
+            </a:r>
+          </a:p>
+        </p:txBody>
+      </p:sp>
+      <p:cxnSp>
+        <p:nvCxnSpPr>
+          <p:cNvPr id="14" name="Straight Arrow Connector 13">
+            <a:extLst>
+              <a:ext uri="{FF2B5EF4-FFF2-40B4-BE49-F238E27FC236}">
+                <a16:creationId xmlns:a16="http://schemas.microsoft.com/office/drawing/2014/main" id="{C6CA5CEF-A5F8-D945-9A21-65F884D5DF31}"/>
+              </a:ext>
+            </a:extLst>
+          </p:cNvPr>
+          <p:cNvCxnSpPr>
+            <a:cxnSpLocks/>
+          </p:cNvCxnSpPr>
+          <p:nvPr/>
+        </p:nvCxnSpPr>
+        <p:spPr>
+          <a:xfrm flipH="1">
+            <a:off x="7256286" y="5162046"/>
+            <a:ext cx="1944423" cy="924429"/>
+          </a:xfrm>
+          <a:prstGeom prst="straightConnector1">
+            <a:avLst/>
+          </a:prstGeom>
+          <a:ln w="41275">
+            <a:solidFill>
+              <a:schemeClr val="tx1"/>
+            </a:solidFill>
+            <a:tailEnd type="triangle"/>
+          </a:ln>
+        </p:spPr>
+        <p:style>
+          <a:lnRef idx="1">
+            <a:schemeClr val="accent1"/>
+          </a:lnRef>
+          <a:fillRef idx="0">
+            <a:schemeClr val="accent1"/>
+          </a:fillRef>
+          <a:effectRef idx="0">
+            <a:schemeClr val="accent1"/>
+          </a:effectRef>
+          <a:fontRef idx="minor">
+            <a:schemeClr val="tx1"/>
+          </a:fontRef>
+        </p:style>
+      </p:cxnSp>
+      <p:cxnSp>
+        <p:nvCxnSpPr>
+          <p:cNvPr id="16" name="Straight Arrow Connector 15">
+            <a:extLst>
+              <a:ext uri="{FF2B5EF4-FFF2-40B4-BE49-F238E27FC236}">
+                <a16:creationId xmlns:a16="http://schemas.microsoft.com/office/drawing/2014/main" id="{432D9B59-557C-1F47-9564-7AB6CAFE8FA3}"/>
+              </a:ext>
+            </a:extLst>
+          </p:cNvPr>
+          <p:cNvCxnSpPr>
+            <a:cxnSpLocks/>
+            <a:stCxn id="12" idx="1"/>
+          </p:cNvCxnSpPr>
+          <p:nvPr/>
+        </p:nvCxnSpPr>
+        <p:spPr>
+          <a:xfrm flipH="1" flipV="1">
+            <a:off x="7256286" y="3957440"/>
+            <a:ext cx="1924932" cy="861913"/>
+          </a:xfrm>
+          <a:prstGeom prst="straightConnector1">
+            <a:avLst/>
+          </a:prstGeom>
+          <a:ln w="41275">
+            <a:solidFill>
+              <a:schemeClr val="tx1"/>
+            </a:solidFill>
+            <a:tailEnd type="triangle"/>
+          </a:ln>
+        </p:spPr>
+        <p:style>
+          <a:lnRef idx="1">
+            <a:schemeClr val="accent1"/>
+          </a:lnRef>
+          <a:fillRef idx="0">
+            <a:schemeClr val="accent1"/>
+          </a:fillRef>
+          <a:effectRef idx="0">
+            <a:schemeClr val="accent1"/>
+          </a:effectRef>
+          <a:fontRef idx="minor">
+            <a:schemeClr val="tx1"/>
+          </a:fontRef>
+        </p:style>
+      </p:cxnSp>
     </p:spTree>
     <p:extLst>
       <p:ext uri="{BB962C8B-B14F-4D97-AF65-F5344CB8AC3E}">
-        <p14:creationId xmlns:p14="http://schemas.microsoft.com/office/powerpoint/2010/main" val="4115652011"/>
+        <p14:creationId xmlns:p14="http://schemas.microsoft.com/office/powerpoint/2010/main" val="2699634194"/>
       </p:ext>
     </p:extLst>
   </p:cSld>
@@ -7886,6 +7759,59 @@
       </p:sp>
       <p:sp>
         <p:nvSpPr>
+          <p:cNvPr id="9" name="Content Placeholder 8">
+            <a:extLst>
+              <a:ext uri="{FF2B5EF4-FFF2-40B4-BE49-F238E27FC236}">
+                <a16:creationId xmlns:a16="http://schemas.microsoft.com/office/drawing/2014/main" id="{64E94FD4-7193-134C-8BE7-18D70D086E45}"/>
+              </a:ext>
+            </a:extLst>
+          </p:cNvPr>
+          <p:cNvSpPr>
+            <a:spLocks noGrp="1"/>
+          </p:cNvSpPr>
+          <p:nvPr>
+            <p:ph idx="1"/>
+          </p:nvPr>
+        </p:nvSpPr>
+        <p:spPr>
+          <a:xfrm>
+            <a:off x="838200" y="1825625"/>
+            <a:ext cx="5618096" cy="4351338"/>
+          </a:xfrm>
+        </p:spPr>
+        <p:txBody>
+          <a:bodyPr>
+            <a:normAutofit/>
+          </a:bodyPr>
+          <a:lstStyle/>
+          <a:p>
+            <a:r>
+              <a:rPr lang="en-US" sz="1800" dirty="0"/>
+              <a:t>Ability to directly to measure charge and phonons separately. Allowing for a direct measurement of the ionization efficiency. </a:t>
+            </a:r>
+          </a:p>
+          <a:p>
+            <a:endParaRPr lang="en-US" sz="1800" dirty="0"/>
+          </a:p>
+          <a:p>
+            <a:r>
+              <a:rPr lang="en-US" sz="1800" dirty="0"/>
+              <a:t>Should be able to extract the width of the nuclear recoil band.</a:t>
+            </a:r>
+          </a:p>
+          <a:p>
+            <a:endParaRPr lang="en-US" sz="1800" dirty="0"/>
+          </a:p>
+          <a:p>
+            <a:r>
+              <a:rPr lang="en-US" sz="1800" dirty="0"/>
+              <a:t>Allows quantify the variation in electron hole pair production. </a:t>
+            </a:r>
+          </a:p>
+        </p:txBody>
+      </p:sp>
+      <p:sp>
+        <p:nvSpPr>
           <p:cNvPr id="4" name="Slide Number Placeholder 3">
             <a:extLst>
               <a:ext uri="{FF2B5EF4-FFF2-40B4-BE49-F238E27FC236}">
@@ -7943,70 +7869,45 @@
           </a:prstGeom>
         </p:spPr>
       </p:pic>
-      <p:pic>
-        <p:nvPicPr>
-          <p:cNvPr id="5" name="Picture 4">
-            <a:extLst>
-              <a:ext uri="{FF2B5EF4-FFF2-40B4-BE49-F238E27FC236}">
-                <a16:creationId xmlns:a16="http://schemas.microsoft.com/office/drawing/2014/main" id="{2E602350-D9B4-834C-B424-463D28837A54}"/>
-              </a:ext>
-            </a:extLst>
-          </p:cNvPr>
-          <p:cNvPicPr>
-            <a:picLocks noChangeAspect="1"/>
-          </p:cNvPicPr>
+      <p:sp>
+        <p:nvSpPr>
+          <p:cNvPr id="2" name="TextBox 1">
+            <a:extLst>
+              <a:ext uri="{FF2B5EF4-FFF2-40B4-BE49-F238E27FC236}">
+                <a16:creationId xmlns:a16="http://schemas.microsoft.com/office/drawing/2014/main" id="{3A2733A5-9A6F-C04B-B0B4-30BF2F429201}"/>
+              </a:ext>
+            </a:extLst>
+          </p:cNvPr>
+          <p:cNvSpPr txBox="1"/>
           <p:nvPr/>
-        </p:nvPicPr>
-        <p:blipFill>
-          <a:blip r:embed="rId4"/>
-          <a:stretch>
-            <a:fillRect/>
-          </a:stretch>
-        </p:blipFill>
+        </p:nvSpPr>
         <p:spPr>
           <a:xfrm>
-            <a:off x="9079" y="1288307"/>
-            <a:ext cx="6265905" cy="5569693"/>
+            <a:off x="9510818" y="6535265"/>
+            <a:ext cx="2571538" cy="307777"/>
           </a:xfrm>
           <a:prstGeom prst="rect">
             <a:avLst/>
           </a:prstGeom>
+          <a:noFill/>
         </p:spPr>
-      </p:pic>
-      <p:pic>
-        <p:nvPicPr>
-          <p:cNvPr id="7" name="Picture 6">
-            <a:extLst>
-              <a:ext uri="{FF2B5EF4-FFF2-40B4-BE49-F238E27FC236}">
-                <a16:creationId xmlns:a16="http://schemas.microsoft.com/office/drawing/2014/main" id="{0A8E753D-A38B-DF42-AFF9-88E7105B09BB}"/>
-              </a:ext>
-            </a:extLst>
-          </p:cNvPr>
-          <p:cNvPicPr>
-            <a:picLocks noChangeAspect="1"/>
-          </p:cNvPicPr>
-          <p:nvPr/>
-        </p:nvPicPr>
-        <p:blipFill>
-          <a:blip r:embed="rId5"/>
-          <a:stretch>
-            <a:fillRect/>
-          </a:stretch>
-        </p:blipFill>
-        <p:spPr>
-          <a:xfrm>
-            <a:off x="17393" y="1288306"/>
-            <a:ext cx="6265905" cy="5569693"/>
-          </a:xfrm>
-          <a:prstGeom prst="rect">
-            <a:avLst/>
-          </a:prstGeom>
-        </p:spPr>
-      </p:pic>
+        <p:txBody>
+          <a:bodyPr wrap="none" rtlCol="0">
+            <a:spAutoFit/>
+          </a:bodyPr>
+          <a:lstStyle/>
+          <a:p>
+            <a:r>
+              <a:rPr lang="en-US" sz="1400" dirty="0"/>
+              <a:t>DOI 10.1016/j.nima.2004.04.218</a:t>
+            </a:r>
+          </a:p>
+        </p:txBody>
+      </p:sp>
     </p:spTree>
     <p:extLst>
       <p:ext uri="{BB962C8B-B14F-4D97-AF65-F5344CB8AC3E}">
-        <p14:creationId xmlns:p14="http://schemas.microsoft.com/office/powerpoint/2010/main" val="3140351148"/>
+        <p14:creationId xmlns:p14="http://schemas.microsoft.com/office/powerpoint/2010/main" val="4115652011"/>
       </p:ext>
     </p:extLst>
   </p:cSld>

--- a/Mitch_Hawaii_talk. .pptx
+++ b/Mitch_Hawaii_talk. .pptx
@@ -5,21 +5,31 @@
     <p:sldMasterId id="2147483648" r:id="rId1"/>
   </p:sldMasterIdLst>
   <p:notesMasterIdLst>
-    <p:notesMasterId r:id="rId14"/>
+    <p:notesMasterId r:id="rId24"/>
   </p:notesMasterIdLst>
   <p:sldIdLst>
     <p:sldId id="256" r:id="rId2"/>
-    <p:sldId id="263" r:id="rId3"/>
-    <p:sldId id="267" r:id="rId4"/>
-    <p:sldId id="264" r:id="rId5"/>
+    <p:sldId id="282" r:id="rId3"/>
+    <p:sldId id="263" r:id="rId4"/>
+    <p:sldId id="267" r:id="rId5"/>
     <p:sldId id="277" r:id="rId6"/>
-    <p:sldId id="257" r:id="rId7"/>
-    <p:sldId id="271" r:id="rId8"/>
-    <p:sldId id="278" r:id="rId9"/>
-    <p:sldId id="274" r:id="rId10"/>
-    <p:sldId id="276" r:id="rId11"/>
-    <p:sldId id="275" r:id="rId12"/>
-    <p:sldId id="269" r:id="rId13"/>
+    <p:sldId id="264" r:id="rId7"/>
+    <p:sldId id="257" r:id="rId8"/>
+    <p:sldId id="271" r:id="rId9"/>
+    <p:sldId id="278" r:id="rId10"/>
+    <p:sldId id="274" r:id="rId11"/>
+    <p:sldId id="286" r:id="rId12"/>
+    <p:sldId id="275" r:id="rId13"/>
+    <p:sldId id="269" r:id="rId14"/>
+    <p:sldId id="288" r:id="rId15"/>
+    <p:sldId id="289" r:id="rId16"/>
+    <p:sldId id="279" r:id="rId17"/>
+    <p:sldId id="280" r:id="rId18"/>
+    <p:sldId id="281" r:id="rId19"/>
+    <p:sldId id="283" r:id="rId20"/>
+    <p:sldId id="284" r:id="rId21"/>
+    <p:sldId id="290" r:id="rId22"/>
+    <p:sldId id="291" r:id="rId23"/>
   </p:sldIdLst>
   <p:sldSz cx="12192000" cy="6858000"/>
   <p:notesSz cx="6858000" cy="9144000"/>
@@ -208,7 +218,7 @@
           <a:p>
             <a:fld id="{A66BF76A-CB69-344A-AA05-A4A0C5F81F1B}" type="datetimeFigureOut">
               <a:rPr lang="en-US" smtClean="0"/>
-              <a:t>10/25/18</a:t>
+              <a:t>11/23/18</a:t>
             </a:fld>
             <a:endParaRPr lang="en-US"/>
           </a:p>
@@ -519,79 +529,7 @@
           <a:bodyPr/>
           <a:lstStyle/>
           <a:p>
-            <a:pPr marL="0" marR="0" lvl="0" indent="0" algn="l" defTabSz="914400" rtl="0" eaLnBrk="1" fontAlgn="auto" latinLnBrk="0" hangingPunct="1">
-              <a:lnSpc>
-                <a:spcPct val="100000"/>
-              </a:lnSpc>
-              <a:spcBef>
-                <a:spcPts val="0"/>
-              </a:spcBef>
-              <a:spcAft>
-                <a:spcPts val="0"/>
-              </a:spcAft>
-              <a:buClrTx/>
-              <a:buSzTx/>
-              <a:buFontTx/>
-              <a:buNone/>
-              <a:tabLst/>
-              <a:defRPr/>
-            </a:pPr>
-            <a:r>
-              <a:rPr lang="en-US" sz="1200" dirty="0"/>
-              <a:t>Going to Focus on WIMPS only. </a:t>
-            </a:r>
-          </a:p>
-          <a:p>
-            <a:pPr marL="0" marR="0" lvl="0" indent="0" algn="l" defTabSz="914400" rtl="0" eaLnBrk="1" fontAlgn="auto" latinLnBrk="0" hangingPunct="1">
-              <a:lnSpc>
-                <a:spcPct val="100000"/>
-              </a:lnSpc>
-              <a:spcBef>
-                <a:spcPts val="0"/>
-              </a:spcBef>
-              <a:spcAft>
-                <a:spcPts val="0"/>
-              </a:spcAft>
-              <a:buClrTx/>
-              <a:buSzTx/>
-              <a:buFontTx/>
-              <a:buNone/>
-              <a:tabLst/>
-              <a:defRPr/>
-            </a:pPr>
-            <a:endParaRPr lang="en-US" sz="1200" dirty="0"/>
-          </a:p>
-          <a:p>
-            <a:pPr marL="0" marR="0" lvl="0" indent="0" algn="l" defTabSz="914400" rtl="0" eaLnBrk="1" fontAlgn="auto" latinLnBrk="0" hangingPunct="1">
-              <a:lnSpc>
-                <a:spcPct val="100000"/>
-              </a:lnSpc>
-              <a:spcBef>
-                <a:spcPts val="0"/>
-              </a:spcBef>
-              <a:spcAft>
-                <a:spcPts val="0"/>
-              </a:spcAft>
-              <a:buClrTx/>
-              <a:buSzTx/>
-              <a:buFontTx/>
-              <a:buNone/>
-              <a:tabLst/>
-              <a:defRPr/>
-            </a:pPr>
-            <a:r>
-              <a:rPr lang="en-US" sz="1200" dirty="0"/>
-              <a:t>Dark Matter experiments such as CDMS and CREST are trying to push down to lower thresholds. </a:t>
-            </a:r>
-          </a:p>
-          <a:p>
             <a:endParaRPr lang="en-US" dirty="0"/>
-          </a:p>
-          <a:p>
-            <a:r>
-              <a:rPr lang="en-US" dirty="0"/>
-              <a:t>The detects that are trying to do this are solid state detectors with some sort of voltage applied to them. They are essentially electron-hole pair counters. </a:t>
-            </a:r>
           </a:p>
         </p:txBody>
       </p:sp>
@@ -621,7 +559,7 @@
     </p:spTree>
     <p:extLst>
       <p:ext uri="{BB962C8B-B14F-4D97-AF65-F5344CB8AC3E}">
-        <p14:creationId xmlns:p14="http://schemas.microsoft.com/office/powerpoint/2010/main" val="1234004632"/>
+        <p14:creationId xmlns:p14="http://schemas.microsoft.com/office/powerpoint/2010/main" val="2850332984"/>
       </p:ext>
     </p:extLst>
   </p:cSld>
@@ -714,7 +652,7 @@
     </p:spTree>
     <p:extLst>
       <p:ext uri="{BB962C8B-B14F-4D97-AF65-F5344CB8AC3E}">
-        <p14:creationId xmlns:p14="http://schemas.microsoft.com/office/powerpoint/2010/main" val="3607152850"/>
+        <p14:creationId xmlns:p14="http://schemas.microsoft.com/office/powerpoint/2010/main" val="3435237193"/>
       </p:ext>
     </p:extLst>
   </p:cSld>
@@ -770,8 +708,14 @@
           <a:p>
             <a:r>
               <a:rPr lang="en-US" dirty="0"/>
-              <a:t>Bands from data -&gt; simulated bands. Side by side. </a:t>
-            </a:r>
+              <a:t>They can measure charge and phonons separately, this gives them a direct measure of the yield. </a:t>
+            </a:r>
+          </a:p>
+          <a:p>
+            <a:endParaRPr lang="en-US" dirty="0"/>
+          </a:p>
+          <a:p>
+            <a:endParaRPr lang="en-US" dirty="0"/>
           </a:p>
         </p:txBody>
       </p:sp>
@@ -801,7 +745,560 @@
     </p:spTree>
     <p:extLst>
       <p:ext uri="{BB962C8B-B14F-4D97-AF65-F5344CB8AC3E}">
+        <p14:creationId xmlns:p14="http://schemas.microsoft.com/office/powerpoint/2010/main" val="3607152850"/>
+      </p:ext>
+    </p:extLst>
+  </p:cSld>
+  <p:clrMapOvr>
+    <a:masterClrMapping/>
+  </p:clrMapOvr>
+</p:notes>
+</file>
+
+<file path=ppt/notesSlides/notesSlide12.xml><?xml version="1.0" encoding="utf-8"?>
+<p:notes xmlns:a="http://schemas.openxmlformats.org/drawingml/2006/main" xmlns:r="http://schemas.openxmlformats.org/officeDocument/2006/relationships" xmlns:p="http://schemas.openxmlformats.org/presentationml/2006/main">
+  <p:cSld>
+    <p:spTree>
+      <p:nvGrpSpPr>
+        <p:cNvPr id="1" name=""/>
+        <p:cNvGrpSpPr/>
+        <p:nvPr/>
+      </p:nvGrpSpPr>
+      <p:grpSpPr>
+        <a:xfrm>
+          <a:off x="0" y="0"/>
+          <a:ext cx="0" cy="0"/>
+          <a:chOff x="0" y="0"/>
+          <a:chExt cx="0" cy="0"/>
+        </a:xfrm>
+      </p:grpSpPr>
+      <p:sp>
+        <p:nvSpPr>
+          <p:cNvPr id="2" name="Slide Image Placeholder 1"/>
+          <p:cNvSpPr>
+            <a:spLocks noGrp="1" noRot="1" noChangeAspect="1"/>
+          </p:cNvSpPr>
+          <p:nvPr>
+            <p:ph type="sldImg"/>
+          </p:nvPr>
+        </p:nvSpPr>
+        <p:spPr/>
+      </p:sp>
+      <p:sp>
+        <p:nvSpPr>
+          <p:cNvPr id="3" name="Notes Placeholder 2"/>
+          <p:cNvSpPr>
+            <a:spLocks noGrp="1"/>
+          </p:cNvSpPr>
+          <p:nvPr>
+            <p:ph type="body" idx="1"/>
+          </p:nvPr>
+        </p:nvSpPr>
+        <p:spPr/>
+        <p:txBody>
+          <a:bodyPr/>
+          <a:lstStyle/>
+          <a:p>
+            <a:r>
+              <a:rPr lang="en-US" dirty="0"/>
+              <a:t>Bands from data -&gt; simulated bands. Side by side. </a:t>
+            </a:r>
+          </a:p>
+        </p:txBody>
+      </p:sp>
+      <p:sp>
+        <p:nvSpPr>
+          <p:cNvPr id="4" name="Slide Number Placeholder 3"/>
+          <p:cNvSpPr>
+            <a:spLocks noGrp="1"/>
+          </p:cNvSpPr>
+          <p:nvPr>
+            <p:ph type="sldNum" sz="quarter" idx="5"/>
+          </p:nvPr>
+        </p:nvSpPr>
+        <p:spPr/>
+        <p:txBody>
+          <a:bodyPr/>
+          <a:lstStyle/>
+          <a:p>
+            <a:fld id="{C6AEA146-89B5-4A42-BEB6-D6A5BB50F046}" type="slidenum">
+              <a:rPr lang="en-US" smtClean="0"/>
+              <a:t>13</a:t>
+            </a:fld>
+            <a:endParaRPr lang="en-US"/>
+          </a:p>
+        </p:txBody>
+      </p:sp>
+    </p:spTree>
+    <p:extLst>
+      <p:ext uri="{BB962C8B-B14F-4D97-AF65-F5344CB8AC3E}">
         <p14:creationId xmlns:p14="http://schemas.microsoft.com/office/powerpoint/2010/main" val="2868716704"/>
+      </p:ext>
+    </p:extLst>
+  </p:cSld>
+  <p:clrMapOvr>
+    <a:masterClrMapping/>
+  </p:clrMapOvr>
+</p:notes>
+</file>
+
+<file path=ppt/notesSlides/notesSlide13.xml><?xml version="1.0" encoding="utf-8"?>
+<p:notes xmlns:a="http://schemas.openxmlformats.org/drawingml/2006/main" xmlns:r="http://schemas.openxmlformats.org/officeDocument/2006/relationships" xmlns:p="http://schemas.openxmlformats.org/presentationml/2006/main">
+  <p:cSld>
+    <p:spTree>
+      <p:nvGrpSpPr>
+        <p:cNvPr id="1" name=""/>
+        <p:cNvGrpSpPr/>
+        <p:nvPr/>
+      </p:nvGrpSpPr>
+      <p:grpSpPr>
+        <a:xfrm>
+          <a:off x="0" y="0"/>
+          <a:ext cx="0" cy="0"/>
+          <a:chOff x="0" y="0"/>
+          <a:chExt cx="0" cy="0"/>
+        </a:xfrm>
+      </p:grpSpPr>
+      <p:sp>
+        <p:nvSpPr>
+          <p:cNvPr id="2" name="Slide Image Placeholder 1"/>
+          <p:cNvSpPr>
+            <a:spLocks noGrp="1" noRot="1" noChangeAspect="1"/>
+          </p:cNvSpPr>
+          <p:nvPr>
+            <p:ph type="sldImg"/>
+          </p:nvPr>
+        </p:nvSpPr>
+        <p:spPr/>
+      </p:sp>
+      <p:sp>
+        <p:nvSpPr>
+          <p:cNvPr id="3" name="Notes Placeholder 2"/>
+          <p:cNvSpPr>
+            <a:spLocks noGrp="1"/>
+          </p:cNvSpPr>
+          <p:nvPr>
+            <p:ph type="body" idx="1"/>
+          </p:nvPr>
+        </p:nvSpPr>
+        <p:spPr/>
+        <p:txBody>
+          <a:bodyPr/>
+          <a:lstStyle/>
+          <a:p>
+            <a:endParaRPr lang="en-US" dirty="0"/>
+          </a:p>
+        </p:txBody>
+      </p:sp>
+      <p:sp>
+        <p:nvSpPr>
+          <p:cNvPr id="4" name="Slide Number Placeholder 3"/>
+          <p:cNvSpPr>
+            <a:spLocks noGrp="1"/>
+          </p:cNvSpPr>
+          <p:nvPr>
+            <p:ph type="sldNum" sz="quarter" idx="5"/>
+          </p:nvPr>
+        </p:nvSpPr>
+        <p:spPr/>
+        <p:txBody>
+          <a:bodyPr/>
+          <a:lstStyle/>
+          <a:p>
+            <a:fld id="{C6AEA146-89B5-4A42-BEB6-D6A5BB50F046}" type="slidenum">
+              <a:rPr lang="en-US" smtClean="0"/>
+              <a:t>16</a:t>
+            </a:fld>
+            <a:endParaRPr lang="en-US"/>
+          </a:p>
+        </p:txBody>
+      </p:sp>
+    </p:spTree>
+    <p:extLst>
+      <p:ext uri="{BB962C8B-B14F-4D97-AF65-F5344CB8AC3E}">
+        <p14:creationId xmlns:p14="http://schemas.microsoft.com/office/powerpoint/2010/main" val="2799129288"/>
+      </p:ext>
+    </p:extLst>
+  </p:cSld>
+  <p:clrMapOvr>
+    <a:masterClrMapping/>
+  </p:clrMapOvr>
+</p:notes>
+</file>
+
+<file path=ppt/notesSlides/notesSlide14.xml><?xml version="1.0" encoding="utf-8"?>
+<p:notes xmlns:a="http://schemas.openxmlformats.org/drawingml/2006/main" xmlns:r="http://schemas.openxmlformats.org/officeDocument/2006/relationships" xmlns:p="http://schemas.openxmlformats.org/presentationml/2006/main">
+  <p:cSld>
+    <p:spTree>
+      <p:nvGrpSpPr>
+        <p:cNvPr id="1" name=""/>
+        <p:cNvGrpSpPr/>
+        <p:nvPr/>
+      </p:nvGrpSpPr>
+      <p:grpSpPr>
+        <a:xfrm>
+          <a:off x="0" y="0"/>
+          <a:ext cx="0" cy="0"/>
+          <a:chOff x="0" y="0"/>
+          <a:chExt cx="0" cy="0"/>
+        </a:xfrm>
+      </p:grpSpPr>
+      <p:sp>
+        <p:nvSpPr>
+          <p:cNvPr id="2" name="Slide Image Placeholder 1"/>
+          <p:cNvSpPr>
+            <a:spLocks noGrp="1" noRot="1" noChangeAspect="1"/>
+          </p:cNvSpPr>
+          <p:nvPr>
+            <p:ph type="sldImg"/>
+          </p:nvPr>
+        </p:nvSpPr>
+        <p:spPr/>
+      </p:sp>
+      <p:sp>
+        <p:nvSpPr>
+          <p:cNvPr id="3" name="Notes Placeholder 2"/>
+          <p:cNvSpPr>
+            <a:spLocks noGrp="1"/>
+          </p:cNvSpPr>
+          <p:nvPr>
+            <p:ph type="body" idx="1"/>
+          </p:nvPr>
+        </p:nvSpPr>
+        <p:spPr/>
+        <p:txBody>
+          <a:bodyPr/>
+          <a:lstStyle/>
+          <a:p>
+            <a:endParaRPr lang="en-US" dirty="0"/>
+          </a:p>
+        </p:txBody>
+      </p:sp>
+      <p:sp>
+        <p:nvSpPr>
+          <p:cNvPr id="4" name="Slide Number Placeholder 3"/>
+          <p:cNvSpPr>
+            <a:spLocks noGrp="1"/>
+          </p:cNvSpPr>
+          <p:nvPr>
+            <p:ph type="sldNum" sz="quarter" idx="5"/>
+          </p:nvPr>
+        </p:nvSpPr>
+        <p:spPr/>
+        <p:txBody>
+          <a:bodyPr/>
+          <a:lstStyle/>
+          <a:p>
+            <a:fld id="{C6AEA146-89B5-4A42-BEB6-D6A5BB50F046}" type="slidenum">
+              <a:rPr lang="en-US" smtClean="0"/>
+              <a:t>17</a:t>
+            </a:fld>
+            <a:endParaRPr lang="en-US"/>
+          </a:p>
+        </p:txBody>
+      </p:sp>
+    </p:spTree>
+    <p:extLst>
+      <p:ext uri="{BB962C8B-B14F-4D97-AF65-F5344CB8AC3E}">
+        <p14:creationId xmlns:p14="http://schemas.microsoft.com/office/powerpoint/2010/main" val="2532087093"/>
+      </p:ext>
+    </p:extLst>
+  </p:cSld>
+  <p:clrMapOvr>
+    <a:masterClrMapping/>
+  </p:clrMapOvr>
+</p:notes>
+</file>
+
+<file path=ppt/notesSlides/notesSlide15.xml><?xml version="1.0" encoding="utf-8"?>
+<p:notes xmlns:a="http://schemas.openxmlformats.org/drawingml/2006/main" xmlns:r="http://schemas.openxmlformats.org/officeDocument/2006/relationships" xmlns:p="http://schemas.openxmlformats.org/presentationml/2006/main">
+  <p:cSld>
+    <p:spTree>
+      <p:nvGrpSpPr>
+        <p:cNvPr id="1" name=""/>
+        <p:cNvGrpSpPr/>
+        <p:nvPr/>
+      </p:nvGrpSpPr>
+      <p:grpSpPr>
+        <a:xfrm>
+          <a:off x="0" y="0"/>
+          <a:ext cx="0" cy="0"/>
+          <a:chOff x="0" y="0"/>
+          <a:chExt cx="0" cy="0"/>
+        </a:xfrm>
+      </p:grpSpPr>
+      <p:sp>
+        <p:nvSpPr>
+          <p:cNvPr id="2" name="Slide Image Placeholder 1"/>
+          <p:cNvSpPr>
+            <a:spLocks noGrp="1" noRot="1" noChangeAspect="1"/>
+          </p:cNvSpPr>
+          <p:nvPr>
+            <p:ph type="sldImg"/>
+          </p:nvPr>
+        </p:nvSpPr>
+        <p:spPr/>
+      </p:sp>
+      <p:sp>
+        <p:nvSpPr>
+          <p:cNvPr id="3" name="Notes Placeholder 2"/>
+          <p:cNvSpPr>
+            <a:spLocks noGrp="1"/>
+          </p:cNvSpPr>
+          <p:nvPr>
+            <p:ph type="body" idx="1"/>
+          </p:nvPr>
+        </p:nvSpPr>
+        <p:spPr/>
+        <p:txBody>
+          <a:bodyPr/>
+          <a:lstStyle/>
+          <a:p>
+            <a:pPr marL="0" marR="0" lvl="0" indent="0" algn="l" defTabSz="914400" rtl="0" eaLnBrk="1" fontAlgn="auto" latinLnBrk="0" hangingPunct="1">
+              <a:lnSpc>
+                <a:spcPct val="100000"/>
+              </a:lnSpc>
+              <a:spcBef>
+                <a:spcPts val="0"/>
+              </a:spcBef>
+              <a:spcAft>
+                <a:spcPts val="0"/>
+              </a:spcAft>
+              <a:buClrTx/>
+              <a:buSzTx/>
+              <a:buFontTx/>
+              <a:buNone/>
+              <a:tabLst/>
+              <a:defRPr/>
+            </a:pPr>
+            <a:r>
+              <a:rPr lang="en-US" sz="1200" kern="1200" dirty="0">
+                <a:solidFill>
+                  <a:schemeClr val="tx1"/>
+                </a:solidFill>
+                <a:effectLst/>
+                <a:latin typeface="+mn-lt"/>
+                <a:ea typeface="+mn-ea"/>
+                <a:cs typeface="+mn-cs"/>
+              </a:rPr>
+              <a:t>Hypothesis on including the atomic binding energy introduces a kinematic cutoff can be incorporated by adding a constant q to Eq. </a:t>
+            </a:r>
+            <a:endParaRPr lang="en-US" dirty="0"/>
+          </a:p>
+          <a:p>
+            <a:endParaRPr lang="en-US" dirty="0"/>
+          </a:p>
+        </p:txBody>
+      </p:sp>
+      <p:sp>
+        <p:nvSpPr>
+          <p:cNvPr id="4" name="Slide Number Placeholder 3"/>
+          <p:cNvSpPr>
+            <a:spLocks noGrp="1"/>
+          </p:cNvSpPr>
+          <p:nvPr>
+            <p:ph type="sldNum" sz="quarter" idx="5"/>
+          </p:nvPr>
+        </p:nvSpPr>
+        <p:spPr/>
+        <p:txBody>
+          <a:bodyPr/>
+          <a:lstStyle/>
+          <a:p>
+            <a:fld id="{C6AEA146-89B5-4A42-BEB6-D6A5BB50F046}" type="slidenum">
+              <a:rPr lang="en-US" smtClean="0"/>
+              <a:t>18</a:t>
+            </a:fld>
+            <a:endParaRPr lang="en-US"/>
+          </a:p>
+        </p:txBody>
+      </p:sp>
+    </p:spTree>
+    <p:extLst>
+      <p:ext uri="{BB962C8B-B14F-4D97-AF65-F5344CB8AC3E}">
+        <p14:creationId xmlns:p14="http://schemas.microsoft.com/office/powerpoint/2010/main" val="335800786"/>
+      </p:ext>
+    </p:extLst>
+  </p:cSld>
+  <p:clrMapOvr>
+    <a:masterClrMapping/>
+  </p:clrMapOvr>
+</p:notes>
+</file>
+
+<file path=ppt/notesSlides/notesSlide16.xml><?xml version="1.0" encoding="utf-8"?>
+<p:notes xmlns:a="http://schemas.openxmlformats.org/drawingml/2006/main" xmlns:r="http://schemas.openxmlformats.org/officeDocument/2006/relationships" xmlns:p="http://schemas.openxmlformats.org/presentationml/2006/main">
+  <p:cSld>
+    <p:spTree>
+      <p:nvGrpSpPr>
+        <p:cNvPr id="1" name=""/>
+        <p:cNvGrpSpPr/>
+        <p:nvPr/>
+      </p:nvGrpSpPr>
+      <p:grpSpPr>
+        <a:xfrm>
+          <a:off x="0" y="0"/>
+          <a:ext cx="0" cy="0"/>
+          <a:chOff x="0" y="0"/>
+          <a:chExt cx="0" cy="0"/>
+        </a:xfrm>
+      </p:grpSpPr>
+      <p:sp>
+        <p:nvSpPr>
+          <p:cNvPr id="2" name="Slide Image Placeholder 1"/>
+          <p:cNvSpPr>
+            <a:spLocks noGrp="1" noRot="1" noChangeAspect="1"/>
+          </p:cNvSpPr>
+          <p:nvPr>
+            <p:ph type="sldImg"/>
+          </p:nvPr>
+        </p:nvSpPr>
+        <p:spPr/>
+      </p:sp>
+      <p:sp>
+        <p:nvSpPr>
+          <p:cNvPr id="3" name="Notes Placeholder 2"/>
+          <p:cNvSpPr>
+            <a:spLocks noGrp="1"/>
+          </p:cNvSpPr>
+          <p:nvPr>
+            <p:ph type="body" idx="1"/>
+          </p:nvPr>
+        </p:nvSpPr>
+        <p:spPr/>
+        <p:txBody>
+          <a:bodyPr/>
+          <a:lstStyle/>
+          <a:p>
+            <a:pPr lvl="1"/>
+            <a:r>
+              <a:rPr lang="en-US" dirty="0"/>
+              <a:t>This is well understood for electron recoils. </a:t>
+            </a:r>
+          </a:p>
+          <a:p>
+            <a:pPr lvl="2"/>
+            <a:r>
+              <a:rPr lang="en-US" dirty="0"/>
+              <a:t>F(silicon) = 0.13 , F(germanium) = 0.12</a:t>
+            </a:r>
+          </a:p>
+          <a:p>
+            <a:endParaRPr lang="en-US" dirty="0"/>
+          </a:p>
+        </p:txBody>
+      </p:sp>
+      <p:sp>
+        <p:nvSpPr>
+          <p:cNvPr id="4" name="Slide Number Placeholder 3"/>
+          <p:cNvSpPr>
+            <a:spLocks noGrp="1"/>
+          </p:cNvSpPr>
+          <p:nvPr>
+            <p:ph type="sldNum" sz="quarter" idx="5"/>
+          </p:nvPr>
+        </p:nvSpPr>
+        <p:spPr/>
+        <p:txBody>
+          <a:bodyPr/>
+          <a:lstStyle/>
+          <a:p>
+            <a:fld id="{C6AEA146-89B5-4A42-BEB6-D6A5BB50F046}" type="slidenum">
+              <a:rPr lang="en-US" smtClean="0"/>
+              <a:t>19</a:t>
+            </a:fld>
+            <a:endParaRPr lang="en-US"/>
+          </a:p>
+        </p:txBody>
+      </p:sp>
+    </p:spTree>
+    <p:extLst>
+      <p:ext uri="{BB962C8B-B14F-4D97-AF65-F5344CB8AC3E}">
+        <p14:creationId xmlns:p14="http://schemas.microsoft.com/office/powerpoint/2010/main" val="3362845903"/>
+      </p:ext>
+    </p:extLst>
+  </p:cSld>
+  <p:clrMapOvr>
+    <a:masterClrMapping/>
+  </p:clrMapOvr>
+</p:notes>
+</file>
+
+<file path=ppt/notesSlides/notesSlide17.xml><?xml version="1.0" encoding="utf-8"?>
+<p:notes xmlns:a="http://schemas.openxmlformats.org/drawingml/2006/main" xmlns:r="http://schemas.openxmlformats.org/officeDocument/2006/relationships" xmlns:p="http://schemas.openxmlformats.org/presentationml/2006/main">
+  <p:cSld>
+    <p:spTree>
+      <p:nvGrpSpPr>
+        <p:cNvPr id="1" name=""/>
+        <p:cNvGrpSpPr/>
+        <p:nvPr/>
+      </p:nvGrpSpPr>
+      <p:grpSpPr>
+        <a:xfrm>
+          <a:off x="0" y="0"/>
+          <a:ext cx="0" cy="0"/>
+          <a:chOff x="0" y="0"/>
+          <a:chExt cx="0" cy="0"/>
+        </a:xfrm>
+      </p:grpSpPr>
+      <p:sp>
+        <p:nvSpPr>
+          <p:cNvPr id="2" name="Slide Image Placeholder 1"/>
+          <p:cNvSpPr>
+            <a:spLocks noGrp="1" noRot="1" noChangeAspect="1"/>
+          </p:cNvSpPr>
+          <p:nvPr>
+            <p:ph type="sldImg"/>
+          </p:nvPr>
+        </p:nvSpPr>
+        <p:spPr/>
+      </p:sp>
+      <p:sp>
+        <p:nvSpPr>
+          <p:cNvPr id="3" name="Notes Placeholder 2"/>
+          <p:cNvSpPr>
+            <a:spLocks noGrp="1"/>
+          </p:cNvSpPr>
+          <p:nvPr>
+            <p:ph type="body" idx="1"/>
+          </p:nvPr>
+        </p:nvSpPr>
+        <p:spPr/>
+        <p:txBody>
+          <a:bodyPr/>
+          <a:lstStyle/>
+          <a:p>
+            <a:endParaRPr lang="en-US" dirty="0"/>
+          </a:p>
+        </p:txBody>
+      </p:sp>
+      <p:sp>
+        <p:nvSpPr>
+          <p:cNvPr id="4" name="Slide Number Placeholder 3"/>
+          <p:cNvSpPr>
+            <a:spLocks noGrp="1"/>
+          </p:cNvSpPr>
+          <p:nvPr>
+            <p:ph type="sldNum" sz="quarter" idx="5"/>
+          </p:nvPr>
+        </p:nvSpPr>
+        <p:spPr/>
+        <p:txBody>
+          <a:bodyPr/>
+          <a:lstStyle/>
+          <a:p>
+            <a:fld id="{C6AEA146-89B5-4A42-BEB6-D6A5BB50F046}" type="slidenum">
+              <a:rPr lang="en-US" smtClean="0"/>
+              <a:t>21</a:t>
+            </a:fld>
+            <a:endParaRPr lang="en-US"/>
+          </a:p>
+        </p:txBody>
+      </p:sp>
+    </p:spTree>
+    <p:extLst>
+      <p:ext uri="{BB962C8B-B14F-4D97-AF65-F5344CB8AC3E}">
+        <p14:creationId xmlns:p14="http://schemas.microsoft.com/office/powerpoint/2010/main" val="4152562515"/>
       </p:ext>
     </p:extLst>
   </p:cSld>
@@ -855,35 +1352,78 @@
           <a:bodyPr/>
           <a:lstStyle/>
           <a:p>
+            <a:pPr marL="0" marR="0" lvl="0" indent="0" algn="l" defTabSz="914400" rtl="0" eaLnBrk="1" fontAlgn="auto" latinLnBrk="0" hangingPunct="1">
+              <a:lnSpc>
+                <a:spcPct val="100000"/>
+              </a:lnSpc>
+              <a:spcBef>
+                <a:spcPts val="0"/>
+              </a:spcBef>
+              <a:spcAft>
+                <a:spcPts val="0"/>
+              </a:spcAft>
+              <a:buClrTx/>
+              <a:buSzTx/>
+              <a:buFontTx/>
+              <a:buNone/>
+              <a:tabLst/>
+              <a:defRPr/>
+            </a:pPr>
+            <a:r>
+              <a:rPr lang="en-US" sz="1200" dirty="0"/>
+              <a:t>Going to Focus on WIMPS only. </a:t>
+            </a:r>
+          </a:p>
+          <a:p>
+            <a:pPr marL="0" marR="0" lvl="0" indent="0" algn="l" defTabSz="914400" rtl="0" eaLnBrk="1" fontAlgn="auto" latinLnBrk="0" hangingPunct="1">
+              <a:lnSpc>
+                <a:spcPct val="100000"/>
+              </a:lnSpc>
+              <a:spcBef>
+                <a:spcPts val="0"/>
+              </a:spcBef>
+              <a:spcAft>
+                <a:spcPts val="0"/>
+              </a:spcAft>
+              <a:buClrTx/>
+              <a:buSzTx/>
+              <a:buFontTx/>
+              <a:buNone/>
+              <a:tabLst/>
+              <a:defRPr/>
+            </a:pPr>
+            <a:endParaRPr lang="en-US" sz="1200" dirty="0"/>
+          </a:p>
+          <a:p>
+            <a:pPr marL="0" marR="0" lvl="0" indent="0" algn="l" defTabSz="914400" rtl="0" eaLnBrk="1" fontAlgn="auto" latinLnBrk="0" hangingPunct="1">
+              <a:lnSpc>
+                <a:spcPct val="100000"/>
+              </a:lnSpc>
+              <a:spcBef>
+                <a:spcPts val="0"/>
+              </a:spcBef>
+              <a:spcAft>
+                <a:spcPts val="0"/>
+              </a:spcAft>
+              <a:buClrTx/>
+              <a:buSzTx/>
+              <a:buFontTx/>
+              <a:buNone/>
+              <a:tabLst/>
+              <a:defRPr/>
+            </a:pPr>
+            <a:r>
+              <a:rPr lang="en-US" sz="1200" dirty="0"/>
+              <a:t>Dark Matter experiments such as CDMS and CREST are trying to push down to lower thresholds. </a:t>
+            </a:r>
+          </a:p>
+          <a:p>
+            <a:endParaRPr lang="en-US" dirty="0"/>
+          </a:p>
+          <a:p>
             <a:r>
               <a:rPr lang="en-US" dirty="0"/>
-              <a:t>A WIMP comes in a hits the nuclei, initial phonons are produced and charge is liberated in some ratio. Current generation of lowest threshold detectors only count the number of produced electron hole pairs. We do not have a good nuclear recoil calibration standard. Therefore to extract the nuclear recoil energy we have to know the ratio of recoil energy that goes into the electronic system.  </a:t>
-            </a:r>
-          </a:p>
-          <a:p>
-            <a:endParaRPr lang="en-US" dirty="0"/>
-          </a:p>
-          <a:p>
-            <a:r>
-              <a:rPr lang="en-US" dirty="0"/>
-              <a:t>Variation in energy given to the electronic system exists because a single </a:t>
-            </a:r>
-            <a:r>
-              <a:rPr lang="en-US" dirty="0" err="1"/>
-              <a:t>E_r</a:t>
-            </a:r>
-            <a:r>
-              <a:rPr lang="en-US" dirty="0"/>
-              <a:t> can create a spectrum of a possible number of  electron hole pairs </a:t>
-            </a:r>
-          </a:p>
-          <a:p>
-            <a:endParaRPr lang="en-US" dirty="0"/>
-          </a:p>
-          <a:p>
-            <a:r>
-              <a:rPr lang="en-US" dirty="0"/>
-              <a:t>Solid State detector with a voltage across it. For the purpose of this talk. </a:t>
+              <a:t>The detects that are trying to do this are solid state detectors with some sort of voltage applied to them. They are essentially electron-hole pair counters. </a:t>
             </a:r>
           </a:p>
         </p:txBody>
@@ -914,7 +1454,7 @@
     </p:spTree>
     <p:extLst>
       <p:ext uri="{BB962C8B-B14F-4D97-AF65-F5344CB8AC3E}">
-        <p14:creationId xmlns:p14="http://schemas.microsoft.com/office/powerpoint/2010/main" val="1051823211"/>
+        <p14:creationId xmlns:p14="http://schemas.microsoft.com/office/powerpoint/2010/main" val="1234004632"/>
       </p:ext>
     </p:extLst>
   </p:cSld>
@@ -970,13 +1510,34 @@
           <a:p>
             <a:r>
               <a:rPr lang="en-US" dirty="0"/>
-              <a:t>Citation for </a:t>
+              <a:t>A WIMP comes in a hits the nuclei, initial phonons are produced and charge is liberated in some ratio. Current generation of lowest threshold detectors only count the number of produced electron hole pairs. We do not have a good nuclear recoil calibration standard. Therefore to extract the nuclear recoil energy we have to know the ratio of recoil energy that goes into the electronic system.  </a:t>
+            </a:r>
+          </a:p>
+          <a:p>
+            <a:endParaRPr lang="en-US" dirty="0"/>
+          </a:p>
+          <a:p>
+            <a:r>
+              <a:rPr lang="en-US" dirty="0"/>
+              <a:t>Variation in energy given to the electronic system exists because a single </a:t>
             </a:r>
             <a:r>
               <a:rPr lang="en-US" dirty="0" err="1"/>
-              <a:t>HVeV</a:t>
-            </a:r>
+              <a:t>E_r</a:t>
+            </a:r>
+            <a:r>
+              <a:rPr lang="en-US" dirty="0"/>
+              <a:t> can create a spectrum of a possible number of  electron hole pairs </a:t>
+            </a:r>
+          </a:p>
+          <a:p>
             <a:endParaRPr lang="en-US" dirty="0"/>
+          </a:p>
+          <a:p>
+            <a:r>
+              <a:rPr lang="en-US" dirty="0"/>
+              <a:t>Solid State detector with a voltage across it. For the purpose of this talk. </a:t>
+            </a:r>
           </a:p>
         </p:txBody>
       </p:sp>
@@ -1006,7 +1567,7 @@
     </p:spTree>
     <p:extLst>
       <p:ext uri="{BB962C8B-B14F-4D97-AF65-F5344CB8AC3E}">
-        <p14:creationId xmlns:p14="http://schemas.microsoft.com/office/powerpoint/2010/main" val="3501706498"/>
+        <p14:creationId xmlns:p14="http://schemas.microsoft.com/office/powerpoint/2010/main" val="1051823211"/>
       </p:ext>
     </p:extLst>
   </p:cSld>
@@ -1166,16 +1727,13 @@
           <a:p>
             <a:r>
               <a:rPr lang="en-US" dirty="0"/>
-              <a:t>There is a variant number of electron hole pairs exists for a given </a:t>
+              <a:t>Citation for </a:t>
             </a:r>
             <a:r>
               <a:rPr lang="en-US" dirty="0" err="1"/>
-              <a:t>Er</a:t>
-            </a:r>
-            <a:r>
-              <a:rPr lang="en-US" dirty="0"/>
-              <a:t> for both electron recoils and nuclear recoils. </a:t>
-            </a:r>
+              <a:t>HVeV</a:t>
+            </a:r>
+            <a:endParaRPr lang="en-US" dirty="0"/>
           </a:p>
         </p:txBody>
       </p:sp>
@@ -1205,7 +1763,7 @@
     </p:spTree>
     <p:extLst>
       <p:ext uri="{BB962C8B-B14F-4D97-AF65-F5344CB8AC3E}">
-        <p14:creationId xmlns:p14="http://schemas.microsoft.com/office/powerpoint/2010/main" val="2674662709"/>
+        <p14:creationId xmlns:p14="http://schemas.microsoft.com/office/powerpoint/2010/main" val="3501706498"/>
       </p:ext>
     </p:extLst>
   </p:cSld>
@@ -1261,7 +1819,15 @@
           <a:p>
             <a:r>
               <a:rPr lang="en-US" dirty="0"/>
-              <a:t>Will talk more about it. Less bullet points. </a:t>
+              <a:t>There is a variant number of electron hole pairs exists for a given </a:t>
+            </a:r>
+            <a:r>
+              <a:rPr lang="en-US" dirty="0" err="1"/>
+              <a:t>Er</a:t>
+            </a:r>
+            <a:r>
+              <a:rPr lang="en-US" dirty="0"/>
+              <a:t> for both electron recoils and nuclear recoils. </a:t>
             </a:r>
           </a:p>
         </p:txBody>
@@ -1292,7 +1858,7 @@
     </p:spTree>
     <p:extLst>
       <p:ext uri="{BB962C8B-B14F-4D97-AF65-F5344CB8AC3E}">
-        <p14:creationId xmlns:p14="http://schemas.microsoft.com/office/powerpoint/2010/main" val="1293990840"/>
+        <p14:creationId xmlns:p14="http://schemas.microsoft.com/office/powerpoint/2010/main" val="2674662709"/>
       </p:ext>
     </p:extLst>
   </p:cSld>
@@ -1379,7 +1945,7 @@
     </p:spTree>
     <p:extLst>
       <p:ext uri="{BB962C8B-B14F-4D97-AF65-F5344CB8AC3E}">
-        <p14:creationId xmlns:p14="http://schemas.microsoft.com/office/powerpoint/2010/main" val="3702715767"/>
+        <p14:creationId xmlns:p14="http://schemas.microsoft.com/office/powerpoint/2010/main" val="1293990840"/>
       </p:ext>
     </p:extLst>
   </p:cSld>
@@ -1435,14 +2001,8 @@
           <a:p>
             <a:r>
               <a:rPr lang="en-US" dirty="0"/>
-              <a:t>They can measure charge and phonons separately, this gives them a direct measure of the yield. </a:t>
-            </a:r>
-          </a:p>
-          <a:p>
-            <a:endParaRPr lang="en-US" dirty="0"/>
-          </a:p>
-          <a:p>
-            <a:endParaRPr lang="en-US" dirty="0"/>
+              <a:t>Will talk more about it. Less bullet points. </a:t>
+            </a:r>
           </a:p>
         </p:txBody>
       </p:sp>
@@ -1472,7 +2032,7 @@
     </p:spTree>
     <p:extLst>
       <p:ext uri="{BB962C8B-B14F-4D97-AF65-F5344CB8AC3E}">
-        <p14:creationId xmlns:p14="http://schemas.microsoft.com/office/powerpoint/2010/main" val="2530409236"/>
+        <p14:creationId xmlns:p14="http://schemas.microsoft.com/office/powerpoint/2010/main" val="3702715767"/>
       </p:ext>
     </p:extLst>
   </p:cSld>
@@ -1565,7 +2125,7 @@
     </p:spTree>
     <p:extLst>
       <p:ext uri="{BB962C8B-B14F-4D97-AF65-F5344CB8AC3E}">
-        <p14:creationId xmlns:p14="http://schemas.microsoft.com/office/powerpoint/2010/main" val="286871158"/>
+        <p14:creationId xmlns:p14="http://schemas.microsoft.com/office/powerpoint/2010/main" val="2530409236"/>
       </p:ext>
     </p:extLst>
   </p:cSld>
@@ -1722,7 +2282,7 @@
           <a:p>
             <a:fld id="{4C4FE5A6-B042-234F-87BB-EE608B65FD71}" type="datetime1">
               <a:rPr lang="en-US" smtClean="0"/>
-              <a:t>10/25/18</a:t>
+              <a:t>11/23/18</a:t>
             </a:fld>
             <a:endParaRPr lang="en-US"/>
           </a:p>
@@ -1920,7 +2480,7 @@
           <a:p>
             <a:fld id="{896964B4-7059-1241-B7F7-CC759A8715E3}" type="datetime1">
               <a:rPr lang="en-US" smtClean="0"/>
-              <a:t>10/25/18</a:t>
+              <a:t>11/23/18</a:t>
             </a:fld>
             <a:endParaRPr lang="en-US"/>
           </a:p>
@@ -2128,7 +2688,7 @@
           <a:p>
             <a:fld id="{2BB15EFC-989A-504F-A26D-C47609D34B5F}" type="datetime1">
               <a:rPr lang="en-US" smtClean="0"/>
-              <a:t>10/25/18</a:t>
+              <a:t>11/23/18</a:t>
             </a:fld>
             <a:endParaRPr lang="en-US"/>
           </a:p>
@@ -2326,7 +2886,7 @@
           <a:p>
             <a:fld id="{878B0B07-2815-5A40-BA13-144E9203A1A1}" type="datetime1">
               <a:rPr lang="en-US" smtClean="0"/>
-              <a:t>10/25/18</a:t>
+              <a:t>11/23/18</a:t>
             </a:fld>
             <a:endParaRPr lang="en-US"/>
           </a:p>
@@ -2601,7 +3161,7 @@
           <a:p>
             <a:fld id="{BEFA5980-D336-5242-9389-BFB74FFD9D7A}" type="datetime1">
               <a:rPr lang="en-US" smtClean="0"/>
-              <a:t>10/25/18</a:t>
+              <a:t>11/23/18</a:t>
             </a:fld>
             <a:endParaRPr lang="en-US"/>
           </a:p>
@@ -2866,7 +3426,7 @@
           <a:p>
             <a:fld id="{9A639845-AF02-6444-8914-745C5B843963}" type="datetime1">
               <a:rPr lang="en-US" smtClean="0"/>
-              <a:t>10/25/18</a:t>
+              <a:t>11/23/18</a:t>
             </a:fld>
             <a:endParaRPr lang="en-US"/>
           </a:p>
@@ -3278,7 +3838,7 @@
           <a:p>
             <a:fld id="{0F2F0F5A-6752-E241-B405-243254C949FE}" type="datetime1">
               <a:rPr lang="en-US" smtClean="0"/>
-              <a:t>10/25/18</a:t>
+              <a:t>11/23/18</a:t>
             </a:fld>
             <a:endParaRPr lang="en-US"/>
           </a:p>
@@ -3419,7 +3979,7 @@
           <a:p>
             <a:fld id="{B83D80F1-84FB-C64D-897C-E07C36349253}" type="datetime1">
               <a:rPr lang="en-US" smtClean="0"/>
-              <a:t>10/25/18</a:t>
+              <a:t>11/23/18</a:t>
             </a:fld>
             <a:endParaRPr lang="en-US"/>
           </a:p>
@@ -3532,7 +4092,7 @@
           <a:p>
             <a:fld id="{31D310E7-727F-F848-8E1F-A84AE0965461}" type="datetime1">
               <a:rPr lang="en-US" smtClean="0"/>
-              <a:t>10/25/18</a:t>
+              <a:t>11/23/18</a:t>
             </a:fld>
             <a:endParaRPr lang="en-US"/>
           </a:p>
@@ -3843,7 +4403,7 @@
           <a:p>
             <a:fld id="{3DEAACE5-D900-B941-9691-B5A70076832D}" type="datetime1">
               <a:rPr lang="en-US" smtClean="0"/>
-              <a:t>10/25/18</a:t>
+              <a:t>11/23/18</a:t>
             </a:fld>
             <a:endParaRPr lang="en-US"/>
           </a:p>
@@ -4131,7 +4691,7 @@
           <a:p>
             <a:fld id="{3B5943A7-FE33-B04F-95DA-1C0FFE2A1D14}" type="datetime1">
               <a:rPr lang="en-US" smtClean="0"/>
-              <a:t>10/25/18</a:t>
+              <a:t>11/23/18</a:t>
             </a:fld>
             <a:endParaRPr lang="en-US"/>
           </a:p>
@@ -4372,7 +4932,7 @@
           <a:p>
             <a:fld id="{DDEB6CB8-30E9-7642-9D44-7B1E342777B2}" type="datetime1">
               <a:rPr lang="en-US" smtClean="0"/>
-              <a:t>10/25/18</a:t>
+              <a:t>11/23/18</a:t>
             </a:fld>
             <a:endParaRPr lang="en-US"/>
           </a:p>
@@ -4968,6 +5528,59 @@
       </p:sp>
       <p:sp>
         <p:nvSpPr>
+          <p:cNvPr id="9" name="Content Placeholder 8">
+            <a:extLst>
+              <a:ext uri="{FF2B5EF4-FFF2-40B4-BE49-F238E27FC236}">
+                <a16:creationId xmlns:a16="http://schemas.microsoft.com/office/drawing/2014/main" id="{64E94FD4-7193-134C-8BE7-18D70D086E45}"/>
+              </a:ext>
+            </a:extLst>
+          </p:cNvPr>
+          <p:cNvSpPr>
+            <a:spLocks noGrp="1"/>
+          </p:cNvSpPr>
+          <p:nvPr>
+            <p:ph idx="1"/>
+          </p:nvPr>
+        </p:nvSpPr>
+        <p:spPr>
+          <a:xfrm>
+            <a:off x="838200" y="1825625"/>
+            <a:ext cx="5618096" cy="4351338"/>
+          </a:xfrm>
+        </p:spPr>
+        <p:txBody>
+          <a:bodyPr>
+            <a:normAutofit/>
+          </a:bodyPr>
+          <a:lstStyle/>
+          <a:p>
+            <a:r>
+              <a:rPr lang="en-US" sz="1800" dirty="0"/>
+              <a:t>Ability to directly to measure charge and phonons separately. Allowing for a direct measurement of the ionization efficiency. </a:t>
+            </a:r>
+          </a:p>
+          <a:p>
+            <a:endParaRPr lang="en-US" sz="1800" dirty="0"/>
+          </a:p>
+          <a:p>
+            <a:r>
+              <a:rPr lang="en-US" sz="1800" dirty="0"/>
+              <a:t>Should be able to extract the width of the nuclear recoil band.</a:t>
+            </a:r>
+          </a:p>
+          <a:p>
+            <a:endParaRPr lang="en-US" sz="1800" dirty="0"/>
+          </a:p>
+          <a:p>
+            <a:r>
+              <a:rPr lang="en-US" sz="1800" dirty="0"/>
+              <a:t>Allows quantify the variation in electron hole pair production. </a:t>
+            </a:r>
+          </a:p>
+        </p:txBody>
+      </p:sp>
+      <p:sp>
+        <p:nvSpPr>
           <p:cNvPr id="4" name="Slide Number Placeholder 3">
             <a:extLst>
               <a:ext uri="{FF2B5EF4-FFF2-40B4-BE49-F238E27FC236}">
@@ -5025,52 +5638,22 @@
           </a:prstGeom>
         </p:spPr>
       </p:pic>
-      <p:pic>
-        <p:nvPicPr>
-          <p:cNvPr id="9" name="Picture 8">
-            <a:extLst>
-              <a:ext uri="{FF2B5EF4-FFF2-40B4-BE49-F238E27FC236}">
-                <a16:creationId xmlns:a16="http://schemas.microsoft.com/office/drawing/2014/main" id="{123F1548-E147-4140-B9EC-E49ACBFA8E7F}"/>
-              </a:ext>
-            </a:extLst>
-          </p:cNvPr>
-          <p:cNvPicPr>
-            <a:picLocks noChangeAspect="1"/>
-          </p:cNvPicPr>
+      <p:sp>
+        <p:nvSpPr>
+          <p:cNvPr id="2" name="TextBox 1">
+            <a:extLst>
+              <a:ext uri="{FF2B5EF4-FFF2-40B4-BE49-F238E27FC236}">
+                <a16:creationId xmlns:a16="http://schemas.microsoft.com/office/drawing/2014/main" id="{3A2733A5-9A6F-C04B-B0B4-30BF2F429201}"/>
+              </a:ext>
+            </a:extLst>
+          </p:cNvPr>
+          <p:cNvSpPr txBox="1"/>
           <p:nvPr/>
-        </p:nvPicPr>
-        <p:blipFill>
-          <a:blip r:embed="rId4"/>
-          <a:stretch>
-            <a:fillRect/>
-          </a:stretch>
-        </p:blipFill>
+        </p:nvSpPr>
         <p:spPr>
           <a:xfrm>
-            <a:off x="0" y="1288305"/>
-            <a:ext cx="6265907" cy="5569695"/>
-          </a:xfrm>
-          <a:prstGeom prst="rect">
-            <a:avLst/>
-          </a:prstGeom>
-        </p:spPr>
-      </p:pic>
-      <p:sp>
-        <p:nvSpPr>
-          <p:cNvPr id="10" name="TextBox 9">
-            <a:extLst>
-              <a:ext uri="{FF2B5EF4-FFF2-40B4-BE49-F238E27FC236}">
-                <a16:creationId xmlns:a16="http://schemas.microsoft.com/office/drawing/2014/main" id="{E41053B8-5368-5247-A012-0A750790282C}"/>
-              </a:ext>
-            </a:extLst>
-          </p:cNvPr>
-          <p:cNvSpPr txBox="1"/>
-          <p:nvPr/>
-        </p:nvSpPr>
-        <p:spPr>
-          <a:xfrm>
-            <a:off x="3143250" y="2200275"/>
-            <a:ext cx="1395703" cy="400110"/>
+            <a:off x="9510818" y="6535265"/>
+            <a:ext cx="2571538" cy="307777"/>
           </a:xfrm>
           <a:prstGeom prst="rect">
             <a:avLst/>
@@ -5084,12 +5667,8 @@
           <a:lstStyle/>
           <a:p>
             <a:r>
-              <a:rPr lang="en-US" sz="2000" dirty="0">
-                <a:solidFill>
-                  <a:srgbClr val="FF0000"/>
-                </a:solidFill>
-              </a:rPr>
-              <a:t>SIMULATED</a:t>
+              <a:rPr lang="en-US" sz="1400" dirty="0"/>
+              <a:t>DOI 10.1016/j.nima.2004.04.218</a:t>
             </a:r>
           </a:p>
         </p:txBody>
@@ -5097,7 +5676,7 @@
     </p:spTree>
     <p:extLst>
       <p:ext uri="{BB962C8B-B14F-4D97-AF65-F5344CB8AC3E}">
-        <p14:creationId xmlns:p14="http://schemas.microsoft.com/office/powerpoint/2010/main" val="3140351148"/>
+        <p14:creationId xmlns:p14="http://schemas.microsoft.com/office/powerpoint/2010/main" val="4115652011"/>
       </p:ext>
     </p:extLst>
   </p:cSld>
@@ -5124,82 +5703,12 @@
           <a:chExt cx="0" cy="0"/>
         </a:xfrm>
       </p:grpSpPr>
-      <p:sp>
-        <p:nvSpPr>
-          <p:cNvPr id="3" name="Title 2">
-            <a:extLst>
-              <a:ext uri="{FF2B5EF4-FFF2-40B4-BE49-F238E27FC236}">
-                <a16:creationId xmlns:a16="http://schemas.microsoft.com/office/drawing/2014/main" id="{7B230F94-B493-CE43-929A-2A41F3FEB4EF}"/>
-              </a:ext>
-            </a:extLst>
-          </p:cNvPr>
-          <p:cNvSpPr>
-            <a:spLocks noGrp="1"/>
-          </p:cNvSpPr>
-          <p:nvPr>
-            <p:ph type="title"/>
-          </p:nvPr>
-        </p:nvSpPr>
-        <p:spPr/>
-        <p:txBody>
-          <a:bodyPr>
-            <a:normAutofit fontScale="90000"/>
-          </a:bodyPr>
-          <a:lstStyle/>
-          <a:p>
-            <a:br>
-              <a:rPr lang="en-US" dirty="0"/>
-            </a:br>
-            <a:r>
-              <a:rPr lang="en-US" sz="4900" dirty="0"/>
-              <a:t>Quantifying</a:t>
-            </a:r>
-            <a:r>
-              <a:rPr lang="en-US" dirty="0"/>
-              <a:t> Ionization Variance </a:t>
-            </a:r>
-            <a:br>
-              <a:rPr lang="en-US" dirty="0"/>
-            </a:br>
-            <a:endParaRPr lang="en-US" dirty="0"/>
-          </a:p>
-        </p:txBody>
-      </p:sp>
-      <p:sp>
-        <p:nvSpPr>
-          <p:cNvPr id="4" name="Slide Number Placeholder 3">
-            <a:extLst>
-              <a:ext uri="{FF2B5EF4-FFF2-40B4-BE49-F238E27FC236}">
-                <a16:creationId xmlns:a16="http://schemas.microsoft.com/office/drawing/2014/main" id="{3BB79DFF-2B30-6C4A-B3BC-8451CDEEBBAD}"/>
-              </a:ext>
-            </a:extLst>
-          </p:cNvPr>
-          <p:cNvSpPr>
-            <a:spLocks noGrp="1"/>
-          </p:cNvSpPr>
-          <p:nvPr>
-            <p:ph type="sldNum" sz="quarter" idx="12"/>
-          </p:nvPr>
-        </p:nvSpPr>
-        <p:spPr/>
-        <p:txBody>
-          <a:bodyPr/>
-          <a:lstStyle/>
-          <a:p>
-            <a:fld id="{035DBD62-E6E0-484E-AB64-E286A6B85B65}" type="slidenum">
-              <a:rPr lang="en-US" smtClean="0"/>
-              <a:t>11</a:t>
-            </a:fld>
-            <a:endParaRPr lang="en-US"/>
-          </a:p>
-        </p:txBody>
-      </p:sp>
       <p:pic>
         <p:nvPicPr>
-          <p:cNvPr id="13" name="Picture 12">
-            <a:extLst>
-              <a:ext uri="{FF2B5EF4-FFF2-40B4-BE49-F238E27FC236}">
-                <a16:creationId xmlns:a16="http://schemas.microsoft.com/office/drawing/2014/main" id="{C6CC82BA-8986-654D-9749-C1F34B36D70B}"/>
+          <p:cNvPr id="7" name="Picture 6">
+            <a:extLst>
+              <a:ext uri="{FF2B5EF4-FFF2-40B4-BE49-F238E27FC236}">
+                <a16:creationId xmlns:a16="http://schemas.microsoft.com/office/drawing/2014/main" id="{FDB5DC79-EE8E-8B45-8817-8E9CBD6C2756}"/>
               </a:ext>
             </a:extLst>
           </p:cNvPr>
@@ -5210,6 +5719,106 @@
         </p:nvPicPr>
         <p:blipFill>
           <a:blip r:embed="rId3"/>
+          <a:stretch>
+            <a:fillRect/>
+          </a:stretch>
+        </p:blipFill>
+        <p:spPr>
+          <a:xfrm>
+            <a:off x="91215" y="1200150"/>
+            <a:ext cx="6365081" cy="5657850"/>
+          </a:xfrm>
+          <a:prstGeom prst="rect">
+            <a:avLst/>
+          </a:prstGeom>
+        </p:spPr>
+      </p:pic>
+      <p:sp>
+        <p:nvSpPr>
+          <p:cNvPr id="3" name="Title 2">
+            <a:extLst>
+              <a:ext uri="{FF2B5EF4-FFF2-40B4-BE49-F238E27FC236}">
+                <a16:creationId xmlns:a16="http://schemas.microsoft.com/office/drawing/2014/main" id="{7B230F94-B493-CE43-929A-2A41F3FEB4EF}"/>
+              </a:ext>
+            </a:extLst>
+          </p:cNvPr>
+          <p:cNvSpPr>
+            <a:spLocks noGrp="1"/>
+          </p:cNvSpPr>
+          <p:nvPr>
+            <p:ph type="title"/>
+          </p:nvPr>
+        </p:nvSpPr>
+        <p:spPr/>
+        <p:txBody>
+          <a:bodyPr>
+            <a:normAutofit fontScale="90000"/>
+          </a:bodyPr>
+          <a:lstStyle/>
+          <a:p>
+            <a:br>
+              <a:rPr lang="en-US" dirty="0"/>
+            </a:br>
+            <a:r>
+              <a:rPr lang="en-US" sz="4900" dirty="0"/>
+              <a:t>Quantifying</a:t>
+            </a:r>
+            <a:r>
+              <a:rPr lang="en-US" dirty="0"/>
+              <a:t> Ionization Variance </a:t>
+            </a:r>
+            <a:br>
+              <a:rPr lang="en-US" dirty="0"/>
+            </a:br>
+            <a:endParaRPr lang="en-US" dirty="0"/>
+          </a:p>
+        </p:txBody>
+      </p:sp>
+      <p:sp>
+        <p:nvSpPr>
+          <p:cNvPr id="4" name="Slide Number Placeholder 3">
+            <a:extLst>
+              <a:ext uri="{FF2B5EF4-FFF2-40B4-BE49-F238E27FC236}">
+                <a16:creationId xmlns:a16="http://schemas.microsoft.com/office/drawing/2014/main" id="{3BB79DFF-2B30-6C4A-B3BC-8451CDEEBBAD}"/>
+              </a:ext>
+            </a:extLst>
+          </p:cNvPr>
+          <p:cNvSpPr>
+            <a:spLocks noGrp="1"/>
+          </p:cNvSpPr>
+          <p:nvPr>
+            <p:ph type="sldNum" sz="quarter" idx="12"/>
+          </p:nvPr>
+        </p:nvSpPr>
+        <p:spPr/>
+        <p:txBody>
+          <a:bodyPr/>
+          <a:lstStyle/>
+          <a:p>
+            <a:fld id="{035DBD62-E6E0-484E-AB64-E286A6B85B65}" type="slidenum">
+              <a:rPr lang="en-US" smtClean="0"/>
+              <a:t>11</a:t>
+            </a:fld>
+            <a:endParaRPr lang="en-US"/>
+          </a:p>
+        </p:txBody>
+      </p:sp>
+      <p:pic>
+        <p:nvPicPr>
+          <p:cNvPr id="13" name="Picture 12">
+            <a:extLst>
+              <a:ext uri="{FF2B5EF4-FFF2-40B4-BE49-F238E27FC236}">
+                <a16:creationId xmlns:a16="http://schemas.microsoft.com/office/drawing/2014/main" id="{C6CC82BA-8986-654D-9749-C1F34B36D70B}"/>
+              </a:ext>
+            </a:extLst>
+          </p:cNvPr>
+          <p:cNvPicPr>
+            <a:picLocks noChangeAspect="1"/>
+          </p:cNvPicPr>
+          <p:nvPr/>
+        </p:nvPicPr>
+        <p:blipFill>
+          <a:blip r:embed="rId4"/>
           <a:stretch>
             <a:fillRect/>
           </a:stretch>
@@ -5224,59 +5833,30 @@
           </a:prstGeom>
         </p:spPr>
       </p:pic>
-      <p:pic>
-        <p:nvPicPr>
-          <p:cNvPr id="6" name="Picture 5">
-            <a:extLst>
-              <a:ext uri="{FF2B5EF4-FFF2-40B4-BE49-F238E27FC236}">
-                <a16:creationId xmlns:a16="http://schemas.microsoft.com/office/drawing/2014/main" id="{30F594F2-BF70-5941-8ECC-F90E0FC385EC}"/>
-              </a:ext>
-            </a:extLst>
-          </p:cNvPr>
-          <p:cNvPicPr>
-            <a:picLocks noChangeAspect="1"/>
-          </p:cNvPicPr>
+      <p:sp>
+        <p:nvSpPr>
+          <p:cNvPr id="10" name="TextBox 9">
+            <a:extLst>
+              <a:ext uri="{FF2B5EF4-FFF2-40B4-BE49-F238E27FC236}">
+                <a16:creationId xmlns:a16="http://schemas.microsoft.com/office/drawing/2014/main" id="{E41053B8-5368-5247-A012-0A750790282C}"/>
+              </a:ext>
+            </a:extLst>
+          </p:cNvPr>
+          <p:cNvSpPr txBox="1"/>
           <p:nvPr/>
-        </p:nvPicPr>
-        <p:blipFill>
-          <a:blip r:embed="rId4"/>
-          <a:stretch>
-            <a:fillRect/>
-          </a:stretch>
-        </p:blipFill>
+        </p:nvSpPr>
         <p:spPr>
           <a:xfrm>
-            <a:off x="0" y="1288306"/>
-            <a:ext cx="6265906" cy="5569694"/>
-          </a:xfrm>
-          <a:prstGeom prst="rect">
-            <a:avLst/>
-          </a:prstGeom>
-        </p:spPr>
-      </p:pic>
-      <p:sp>
-        <p:nvSpPr>
-          <p:cNvPr id="7" name="Rectangle 6">
-            <a:extLst>
-              <a:ext uri="{FF2B5EF4-FFF2-40B4-BE49-F238E27FC236}">
-                <a16:creationId xmlns:a16="http://schemas.microsoft.com/office/drawing/2014/main" id="{75F14CEE-E020-5645-8AB5-379EBEABAB2F}"/>
-              </a:ext>
-            </a:extLst>
-          </p:cNvPr>
-          <p:cNvSpPr/>
-          <p:nvPr/>
-        </p:nvSpPr>
-        <p:spPr>
-          <a:xfrm>
-            <a:off x="3132953" y="2213759"/>
+            <a:off x="3143250" y="2200275"/>
             <a:ext cx="1395703" cy="400110"/>
           </a:xfrm>
           <a:prstGeom prst="rect">
             <a:avLst/>
           </a:prstGeom>
+          <a:noFill/>
         </p:spPr>
         <p:txBody>
-          <a:bodyPr wrap="none">
+          <a:bodyPr wrap="none" rtlCol="0">
             <a:spAutoFit/>
           </a:bodyPr>
           <a:lstStyle/>
@@ -5289,14 +5869,13 @@
               </a:rPr>
               <a:t>SIMULATED</a:t>
             </a:r>
-            <a:endParaRPr lang="en-US" sz="2000" dirty="0"/>
           </a:p>
         </p:txBody>
       </p:sp>
     </p:spTree>
     <p:extLst>
       <p:ext uri="{BB962C8B-B14F-4D97-AF65-F5344CB8AC3E}">
-        <p14:creationId xmlns:p14="http://schemas.microsoft.com/office/powerpoint/2010/main" val="1341497285"/>
+        <p14:creationId xmlns:p14="http://schemas.microsoft.com/office/powerpoint/2010/main" val="1446514868"/>
       </p:ext>
     </p:extLst>
   </p:cSld>
@@ -5323,6 +5902,205 @@
           <a:chExt cx="0" cy="0"/>
         </a:xfrm>
       </p:grpSpPr>
+      <p:pic>
+        <p:nvPicPr>
+          <p:cNvPr id="11" name="Picture 10">
+            <a:extLst>
+              <a:ext uri="{FF2B5EF4-FFF2-40B4-BE49-F238E27FC236}">
+                <a16:creationId xmlns:a16="http://schemas.microsoft.com/office/drawing/2014/main" id="{DC00B10F-3051-E542-B3A1-DE0A3A981586}"/>
+              </a:ext>
+            </a:extLst>
+          </p:cNvPr>
+          <p:cNvPicPr>
+            <a:picLocks noChangeAspect="1"/>
+          </p:cNvPicPr>
+          <p:nvPr/>
+        </p:nvPicPr>
+        <p:blipFill>
+          <a:blip r:embed="rId3"/>
+          <a:stretch>
+            <a:fillRect/>
+          </a:stretch>
+        </p:blipFill>
+        <p:spPr>
+          <a:xfrm>
+            <a:off x="84072" y="1193801"/>
+            <a:ext cx="6372224" cy="5664199"/>
+          </a:xfrm>
+          <a:prstGeom prst="rect">
+            <a:avLst/>
+          </a:prstGeom>
+        </p:spPr>
+      </p:pic>
+      <p:sp>
+        <p:nvSpPr>
+          <p:cNvPr id="3" name="Title 2">
+            <a:extLst>
+              <a:ext uri="{FF2B5EF4-FFF2-40B4-BE49-F238E27FC236}">
+                <a16:creationId xmlns:a16="http://schemas.microsoft.com/office/drawing/2014/main" id="{7B230F94-B493-CE43-929A-2A41F3FEB4EF}"/>
+              </a:ext>
+            </a:extLst>
+          </p:cNvPr>
+          <p:cNvSpPr>
+            <a:spLocks noGrp="1"/>
+          </p:cNvSpPr>
+          <p:nvPr>
+            <p:ph type="title"/>
+          </p:nvPr>
+        </p:nvSpPr>
+        <p:spPr/>
+        <p:txBody>
+          <a:bodyPr>
+            <a:normAutofit fontScale="90000"/>
+          </a:bodyPr>
+          <a:lstStyle/>
+          <a:p>
+            <a:br>
+              <a:rPr lang="en-US" dirty="0"/>
+            </a:br>
+            <a:r>
+              <a:rPr lang="en-US" sz="4900" dirty="0"/>
+              <a:t>Quantifying</a:t>
+            </a:r>
+            <a:r>
+              <a:rPr lang="en-US" dirty="0"/>
+              <a:t> Ionization Variance </a:t>
+            </a:r>
+            <a:br>
+              <a:rPr lang="en-US" dirty="0"/>
+            </a:br>
+            <a:endParaRPr lang="en-US" dirty="0"/>
+          </a:p>
+        </p:txBody>
+      </p:sp>
+      <p:sp>
+        <p:nvSpPr>
+          <p:cNvPr id="4" name="Slide Number Placeholder 3">
+            <a:extLst>
+              <a:ext uri="{FF2B5EF4-FFF2-40B4-BE49-F238E27FC236}">
+                <a16:creationId xmlns:a16="http://schemas.microsoft.com/office/drawing/2014/main" id="{3BB79DFF-2B30-6C4A-B3BC-8451CDEEBBAD}"/>
+              </a:ext>
+            </a:extLst>
+          </p:cNvPr>
+          <p:cNvSpPr>
+            <a:spLocks noGrp="1"/>
+          </p:cNvSpPr>
+          <p:nvPr>
+            <p:ph type="sldNum" sz="quarter" idx="12"/>
+          </p:nvPr>
+        </p:nvSpPr>
+        <p:spPr/>
+        <p:txBody>
+          <a:bodyPr/>
+          <a:lstStyle/>
+          <a:p>
+            <a:fld id="{035DBD62-E6E0-484E-AB64-E286A6B85B65}" type="slidenum">
+              <a:rPr lang="en-US" smtClean="0"/>
+              <a:t>12</a:t>
+            </a:fld>
+            <a:endParaRPr lang="en-US"/>
+          </a:p>
+        </p:txBody>
+      </p:sp>
+      <p:pic>
+        <p:nvPicPr>
+          <p:cNvPr id="13" name="Picture 12">
+            <a:extLst>
+              <a:ext uri="{FF2B5EF4-FFF2-40B4-BE49-F238E27FC236}">
+                <a16:creationId xmlns:a16="http://schemas.microsoft.com/office/drawing/2014/main" id="{C6CC82BA-8986-654D-9749-C1F34B36D70B}"/>
+              </a:ext>
+            </a:extLst>
+          </p:cNvPr>
+          <p:cNvPicPr>
+            <a:picLocks noChangeAspect="1"/>
+          </p:cNvPicPr>
+          <p:nvPr/>
+        </p:nvPicPr>
+        <p:blipFill>
+          <a:blip r:embed="rId4"/>
+          <a:stretch>
+            <a:fillRect/>
+          </a:stretch>
+        </p:blipFill>
+        <p:spPr>
+          <a:xfrm>
+            <a:off x="6456296" y="1806670"/>
+            <a:ext cx="4897504" cy="4920390"/>
+          </a:xfrm>
+          <a:prstGeom prst="rect">
+            <a:avLst/>
+          </a:prstGeom>
+        </p:spPr>
+      </p:pic>
+      <p:sp>
+        <p:nvSpPr>
+          <p:cNvPr id="7" name="Rectangle 6">
+            <a:extLst>
+              <a:ext uri="{FF2B5EF4-FFF2-40B4-BE49-F238E27FC236}">
+                <a16:creationId xmlns:a16="http://schemas.microsoft.com/office/drawing/2014/main" id="{75F14CEE-E020-5645-8AB5-379EBEABAB2F}"/>
+              </a:ext>
+            </a:extLst>
+          </p:cNvPr>
+          <p:cNvSpPr/>
+          <p:nvPr/>
+        </p:nvSpPr>
+        <p:spPr>
+          <a:xfrm>
+            <a:off x="3132953" y="2199471"/>
+            <a:ext cx="1395703" cy="400110"/>
+          </a:xfrm>
+          <a:prstGeom prst="rect">
+            <a:avLst/>
+          </a:prstGeom>
+        </p:spPr>
+        <p:txBody>
+          <a:bodyPr wrap="none">
+            <a:spAutoFit/>
+          </a:bodyPr>
+          <a:lstStyle/>
+          <a:p>
+            <a:r>
+              <a:rPr lang="en-US" sz="2000" dirty="0">
+                <a:solidFill>
+                  <a:srgbClr val="FF0000"/>
+                </a:solidFill>
+              </a:rPr>
+              <a:t>SIMULATED</a:t>
+            </a:r>
+            <a:endParaRPr lang="en-US" sz="2000" dirty="0"/>
+          </a:p>
+        </p:txBody>
+      </p:sp>
+    </p:spTree>
+    <p:extLst>
+      <p:ext uri="{BB962C8B-B14F-4D97-AF65-F5344CB8AC3E}">
+        <p14:creationId xmlns:p14="http://schemas.microsoft.com/office/powerpoint/2010/main" val="1341497285"/>
+      </p:ext>
+    </p:extLst>
+  </p:cSld>
+  <p:clrMapOvr>
+    <a:masterClrMapping/>
+  </p:clrMapOvr>
+</p:sld>
+</file>
+
+<file path=ppt/slides/slide13.xml><?xml version="1.0" encoding="utf-8"?>
+<p:sld xmlns:a="http://schemas.openxmlformats.org/drawingml/2006/main" xmlns:r="http://schemas.openxmlformats.org/officeDocument/2006/relationships" xmlns:p="http://schemas.openxmlformats.org/presentationml/2006/main">
+  <p:cSld>
+    <p:spTree>
+      <p:nvGrpSpPr>
+        <p:cNvPr id="1" name=""/>
+        <p:cNvGrpSpPr/>
+        <p:nvPr/>
+      </p:nvGrpSpPr>
+      <p:grpSpPr>
+        <a:xfrm>
+          <a:off x="0" y="0"/>
+          <a:ext cx="0" cy="0"/>
+          <a:chOff x="0" y="0"/>
+          <a:chExt cx="0" cy="0"/>
+        </a:xfrm>
+      </p:grpSpPr>
       <p:sp>
         <p:nvSpPr>
           <p:cNvPr id="2" name="Title 1">
@@ -5381,7 +6159,7 @@
           <a:p>
             <a:r>
               <a:rPr lang="en-US" sz="1800" dirty="0"/>
-              <a:t>Our work is searching literature for constraints for the variance in electron hole pair creation at different energies. </a:t>
+              <a:t>There exists a variance in the number of electron hole pairs created for a single nuclear recoil energy. </a:t>
             </a:r>
           </a:p>
           <a:p>
@@ -5390,7 +6168,7 @@
           <a:p>
             <a:r>
               <a:rPr lang="en-US" sz="1800" dirty="0"/>
-              <a:t>Edelweiss and CDMS give us good information for high recoils energies. </a:t>
+              <a:t>This variance is well understood (due to linearity) for the electron recoil band. </a:t>
             </a:r>
           </a:p>
           <a:p>
@@ -5399,25 +6177,38 @@
           <a:p>
             <a:r>
               <a:rPr lang="en-US" sz="1800" dirty="0"/>
-              <a:t>We are going to need to make our own measurements for energies relevant for low mass WIMP searches (@ and below 1 </a:t>
-            </a:r>
-            <a:r>
-              <a:rPr lang="en-US" sz="1800" dirty="0" err="1"/>
-              <a:t>Gev</a:t>
-            </a:r>
+              <a:t>This variance in e-h production for a nuclear recoil can dramatically effect the energy reconstruction of a WIMP (or any other particle) when it interacts with a detector. </a:t>
+            </a:r>
+          </a:p>
+          <a:p>
+            <a:endParaRPr lang="en-US" sz="1800" dirty="0"/>
+          </a:p>
+          <a:p>
             <a:r>
               <a:rPr lang="en-US" sz="1800" dirty="0"/>
-              <a:t>) </a:t>
+              <a:t>Currently working on how to validate the model with data for nuclear recoils. Will then look into other possible explanations for this variance… i.e. multiple scattering, atomic binding energy, etc. </a:t>
             </a:r>
           </a:p>
           <a:p>
             <a:endParaRPr lang="en-US" sz="1800" dirty="0"/>
           </a:p>
           <a:p>
-            <a:r>
-              <a:rPr lang="en-US" sz="1800" dirty="0"/>
-              <a:t>Understanding the distribution of the number of electron hole pairs created is crucial to understand these measurements. </a:t>
-            </a:r>
+            <a:endParaRPr lang="en-US" sz="1800" dirty="0"/>
+          </a:p>
+          <a:p>
+            <a:pPr marL="0" indent="0">
+              <a:buNone/>
+            </a:pPr>
+            <a:endParaRPr lang="en-US" sz="1800" dirty="0"/>
+          </a:p>
+          <a:p>
+            <a:endParaRPr lang="en-US" sz="1800" dirty="0"/>
+          </a:p>
+          <a:p>
+            <a:pPr marL="0" indent="0">
+              <a:buNone/>
+            </a:pPr>
+            <a:endParaRPr lang="en-US" sz="1800" dirty="0"/>
           </a:p>
         </p:txBody>
       </p:sp>
@@ -5444,7 +6235,7 @@
           <a:p>
             <a:fld id="{035DBD62-E6E0-484E-AB64-E286A6B85B65}" type="slidenum">
               <a:rPr lang="en-US" smtClean="0"/>
-              <a:t>12</a:t>
+              <a:t>13</a:t>
             </a:fld>
             <a:endParaRPr lang="en-US"/>
           </a:p>
@@ -5454,6 +6245,1069 @@
     <p:extLst>
       <p:ext uri="{BB962C8B-B14F-4D97-AF65-F5344CB8AC3E}">
         <p14:creationId xmlns:p14="http://schemas.microsoft.com/office/powerpoint/2010/main" val="1769617012"/>
+      </p:ext>
+    </p:extLst>
+  </p:cSld>
+  <p:clrMapOvr>
+    <a:masterClrMapping/>
+  </p:clrMapOvr>
+</p:sld>
+</file>
+
+<file path=ppt/slides/slide14.xml><?xml version="1.0" encoding="utf-8"?>
+<p:sld xmlns:a="http://schemas.openxmlformats.org/drawingml/2006/main" xmlns:r="http://schemas.openxmlformats.org/officeDocument/2006/relationships" xmlns:p="http://schemas.openxmlformats.org/presentationml/2006/main">
+  <p:cSld>
+    <p:spTree>
+      <p:nvGrpSpPr>
+        <p:cNvPr id="1" name=""/>
+        <p:cNvGrpSpPr/>
+        <p:nvPr/>
+      </p:nvGrpSpPr>
+      <p:grpSpPr>
+        <a:xfrm>
+          <a:off x="0" y="0"/>
+          <a:ext cx="0" cy="0"/>
+          <a:chOff x="0" y="0"/>
+          <a:chExt cx="0" cy="0"/>
+        </a:xfrm>
+      </p:grpSpPr>
+      <p:sp>
+        <p:nvSpPr>
+          <p:cNvPr id="2" name="Title 1">
+            <a:extLst>
+              <a:ext uri="{FF2B5EF4-FFF2-40B4-BE49-F238E27FC236}">
+                <a16:creationId xmlns:a16="http://schemas.microsoft.com/office/drawing/2014/main" id="{0394CFAA-C5B1-0A4A-9BF8-42E62BAD6CEB}"/>
+              </a:ext>
+            </a:extLst>
+          </p:cNvPr>
+          <p:cNvSpPr>
+            <a:spLocks noGrp="1"/>
+          </p:cNvSpPr>
+          <p:nvPr>
+            <p:ph type="title"/>
+          </p:nvPr>
+        </p:nvSpPr>
+        <p:spPr/>
+        <p:txBody>
+          <a:bodyPr/>
+          <a:lstStyle/>
+          <a:p>
+            <a:r>
+              <a:rPr lang="en-US" dirty="0"/>
+              <a:t>Back Up Slides </a:t>
+            </a:r>
+          </a:p>
+        </p:txBody>
+      </p:sp>
+      <p:sp>
+        <p:nvSpPr>
+          <p:cNvPr id="3" name="Content Placeholder 2">
+            <a:extLst>
+              <a:ext uri="{FF2B5EF4-FFF2-40B4-BE49-F238E27FC236}">
+                <a16:creationId xmlns:a16="http://schemas.microsoft.com/office/drawing/2014/main" id="{4E35247C-31D1-2B4D-A412-4D370F8942F0}"/>
+              </a:ext>
+            </a:extLst>
+          </p:cNvPr>
+          <p:cNvSpPr>
+            <a:spLocks noGrp="1"/>
+          </p:cNvSpPr>
+          <p:nvPr>
+            <p:ph idx="1"/>
+          </p:nvPr>
+        </p:nvSpPr>
+        <p:spPr/>
+        <p:txBody>
+          <a:bodyPr/>
+          <a:lstStyle/>
+          <a:p>
+            <a:endParaRPr lang="en-US"/>
+          </a:p>
+        </p:txBody>
+      </p:sp>
+      <p:sp>
+        <p:nvSpPr>
+          <p:cNvPr id="4" name="Slide Number Placeholder 3">
+            <a:extLst>
+              <a:ext uri="{FF2B5EF4-FFF2-40B4-BE49-F238E27FC236}">
+                <a16:creationId xmlns:a16="http://schemas.microsoft.com/office/drawing/2014/main" id="{160EB591-4734-5144-A5C0-2FD4AEC238CF}"/>
+              </a:ext>
+            </a:extLst>
+          </p:cNvPr>
+          <p:cNvSpPr>
+            <a:spLocks noGrp="1"/>
+          </p:cNvSpPr>
+          <p:nvPr>
+            <p:ph type="sldNum" sz="quarter" idx="12"/>
+          </p:nvPr>
+        </p:nvSpPr>
+        <p:spPr/>
+        <p:txBody>
+          <a:bodyPr/>
+          <a:lstStyle/>
+          <a:p>
+            <a:fld id="{035DBD62-E6E0-484E-AB64-E286A6B85B65}" type="slidenum">
+              <a:rPr lang="en-US" smtClean="0"/>
+              <a:t>14</a:t>
+            </a:fld>
+            <a:endParaRPr lang="en-US"/>
+          </a:p>
+        </p:txBody>
+      </p:sp>
+    </p:spTree>
+    <p:extLst>
+      <p:ext uri="{BB962C8B-B14F-4D97-AF65-F5344CB8AC3E}">
+        <p14:creationId xmlns:p14="http://schemas.microsoft.com/office/powerpoint/2010/main" val="1102595808"/>
+      </p:ext>
+    </p:extLst>
+  </p:cSld>
+  <p:clrMapOvr>
+    <a:masterClrMapping/>
+  </p:clrMapOvr>
+</p:sld>
+</file>
+
+<file path=ppt/slides/slide15.xml><?xml version="1.0" encoding="utf-8"?>
+<p:sld xmlns:a="http://schemas.openxmlformats.org/drawingml/2006/main" xmlns:r="http://schemas.openxmlformats.org/officeDocument/2006/relationships" xmlns:p="http://schemas.openxmlformats.org/presentationml/2006/main">
+  <p:cSld>
+    <p:spTree>
+      <p:nvGrpSpPr>
+        <p:cNvPr id="1" name=""/>
+        <p:cNvGrpSpPr/>
+        <p:nvPr/>
+      </p:nvGrpSpPr>
+      <p:grpSpPr>
+        <a:xfrm>
+          <a:off x="0" y="0"/>
+          <a:ext cx="0" cy="0"/>
+          <a:chOff x="0" y="0"/>
+          <a:chExt cx="0" cy="0"/>
+        </a:xfrm>
+      </p:grpSpPr>
+      <p:sp>
+        <p:nvSpPr>
+          <p:cNvPr id="2" name="Title 1">
+            <a:extLst>
+              <a:ext uri="{FF2B5EF4-FFF2-40B4-BE49-F238E27FC236}">
+                <a16:creationId xmlns:a16="http://schemas.microsoft.com/office/drawing/2014/main" id="{925E94A2-464A-6945-A11B-246C17609B40}"/>
+              </a:ext>
+            </a:extLst>
+          </p:cNvPr>
+          <p:cNvSpPr>
+            <a:spLocks noGrp="1"/>
+          </p:cNvSpPr>
+          <p:nvPr>
+            <p:ph type="title"/>
+          </p:nvPr>
+        </p:nvSpPr>
+        <p:spPr/>
+        <p:txBody>
+          <a:bodyPr/>
+          <a:lstStyle/>
+          <a:p>
+            <a:r>
+              <a:rPr lang="en-US" dirty="0" err="1"/>
+              <a:t>Lindhard</a:t>
+            </a:r>
+            <a:r>
+              <a:rPr lang="en-US" dirty="0"/>
+              <a:t> Model </a:t>
+            </a:r>
+          </a:p>
+        </p:txBody>
+      </p:sp>
+      <p:pic>
+        <p:nvPicPr>
+          <p:cNvPr id="6" name="Content Placeholder 5">
+            <a:extLst>
+              <a:ext uri="{FF2B5EF4-FFF2-40B4-BE49-F238E27FC236}">
+                <a16:creationId xmlns:a16="http://schemas.microsoft.com/office/drawing/2014/main" id="{E7CF9C6A-D6A7-2141-A58B-B4418E5929C7}"/>
+              </a:ext>
+            </a:extLst>
+          </p:cNvPr>
+          <p:cNvPicPr>
+            <a:picLocks noGrp="1" noChangeAspect="1"/>
+          </p:cNvPicPr>
+          <p:nvPr>
+            <p:ph idx="1"/>
+          </p:nvPr>
+        </p:nvPicPr>
+        <p:blipFill>
+          <a:blip r:embed="rId2"/>
+          <a:stretch>
+            <a:fillRect/>
+          </a:stretch>
+        </p:blipFill>
+        <p:spPr>
+          <a:xfrm>
+            <a:off x="1174486" y="1974056"/>
+            <a:ext cx="9345876" cy="1454944"/>
+          </a:xfrm>
+        </p:spPr>
+      </p:pic>
+      <p:sp>
+        <p:nvSpPr>
+          <p:cNvPr id="4" name="Slide Number Placeholder 3">
+            <a:extLst>
+              <a:ext uri="{FF2B5EF4-FFF2-40B4-BE49-F238E27FC236}">
+                <a16:creationId xmlns:a16="http://schemas.microsoft.com/office/drawing/2014/main" id="{CEB61FAE-F204-3348-9FE5-6006E48E8374}"/>
+              </a:ext>
+            </a:extLst>
+          </p:cNvPr>
+          <p:cNvSpPr>
+            <a:spLocks noGrp="1"/>
+          </p:cNvSpPr>
+          <p:nvPr>
+            <p:ph type="sldNum" sz="quarter" idx="12"/>
+          </p:nvPr>
+        </p:nvSpPr>
+        <p:spPr/>
+        <p:txBody>
+          <a:bodyPr/>
+          <a:lstStyle/>
+          <a:p>
+            <a:fld id="{035DBD62-E6E0-484E-AB64-E286A6B85B65}" type="slidenum">
+              <a:rPr lang="en-US" smtClean="0"/>
+              <a:t>15</a:t>
+            </a:fld>
+            <a:endParaRPr lang="en-US"/>
+          </a:p>
+        </p:txBody>
+      </p:sp>
+      <p:pic>
+        <p:nvPicPr>
+          <p:cNvPr id="8" name="Picture 7">
+            <a:extLst>
+              <a:ext uri="{FF2B5EF4-FFF2-40B4-BE49-F238E27FC236}">
+                <a16:creationId xmlns:a16="http://schemas.microsoft.com/office/drawing/2014/main" id="{B7822440-213F-EA40-85C8-0F75D0B39195}"/>
+              </a:ext>
+            </a:extLst>
+          </p:cNvPr>
+          <p:cNvPicPr>
+            <a:picLocks noChangeAspect="1"/>
+          </p:cNvPicPr>
+          <p:nvPr/>
+        </p:nvPicPr>
+        <p:blipFill>
+          <a:blip r:embed="rId3"/>
+          <a:stretch>
+            <a:fillRect/>
+          </a:stretch>
+        </p:blipFill>
+        <p:spPr>
+          <a:xfrm>
+            <a:off x="974724" y="3860800"/>
+            <a:ext cx="10112375" cy="2390198"/>
+          </a:xfrm>
+          <a:prstGeom prst="rect">
+            <a:avLst/>
+          </a:prstGeom>
+        </p:spPr>
+      </p:pic>
+    </p:spTree>
+    <p:extLst>
+      <p:ext uri="{BB962C8B-B14F-4D97-AF65-F5344CB8AC3E}">
+        <p14:creationId xmlns:p14="http://schemas.microsoft.com/office/powerpoint/2010/main" val="4098237208"/>
+      </p:ext>
+    </p:extLst>
+  </p:cSld>
+  <p:clrMapOvr>
+    <a:masterClrMapping/>
+  </p:clrMapOvr>
+</p:sld>
+</file>
+
+<file path=ppt/slides/slide16.xml><?xml version="1.0" encoding="utf-8"?>
+<p:sld xmlns:a="http://schemas.openxmlformats.org/drawingml/2006/main" xmlns:r="http://schemas.openxmlformats.org/officeDocument/2006/relationships" xmlns:p="http://schemas.openxmlformats.org/presentationml/2006/main">
+  <p:cSld>
+    <p:spTree>
+      <p:nvGrpSpPr>
+        <p:cNvPr id="1" name=""/>
+        <p:cNvGrpSpPr/>
+        <p:nvPr/>
+      </p:nvGrpSpPr>
+      <p:grpSpPr>
+        <a:xfrm>
+          <a:off x="0" y="0"/>
+          <a:ext cx="0" cy="0"/>
+          <a:chOff x="0" y="0"/>
+          <a:chExt cx="0" cy="0"/>
+        </a:xfrm>
+      </p:grpSpPr>
+      <p:sp>
+        <p:nvSpPr>
+          <p:cNvPr id="2" name="Title 1">
+            <a:extLst>
+              <a:ext uri="{FF2B5EF4-FFF2-40B4-BE49-F238E27FC236}">
+                <a16:creationId xmlns:a16="http://schemas.microsoft.com/office/drawing/2014/main" id="{4D345AE9-5EFC-924A-A905-4F6F44C1DF92}"/>
+              </a:ext>
+            </a:extLst>
+          </p:cNvPr>
+          <p:cNvSpPr>
+            <a:spLocks noGrp="1"/>
+          </p:cNvSpPr>
+          <p:nvPr>
+            <p:ph type="title"/>
+          </p:nvPr>
+        </p:nvSpPr>
+        <p:spPr/>
+        <p:txBody>
+          <a:bodyPr/>
+          <a:lstStyle/>
+          <a:p>
+            <a:r>
+              <a:rPr lang="en-US" dirty="0" err="1"/>
+              <a:t>Lindhard</a:t>
+            </a:r>
+            <a:r>
+              <a:rPr lang="en-US" dirty="0"/>
+              <a:t> Model and Ionization Yield </a:t>
+            </a:r>
+          </a:p>
+        </p:txBody>
+      </p:sp>
+      <p:sp>
+        <p:nvSpPr>
+          <p:cNvPr id="4" name="Slide Number Placeholder 3">
+            <a:extLst>
+              <a:ext uri="{FF2B5EF4-FFF2-40B4-BE49-F238E27FC236}">
+                <a16:creationId xmlns:a16="http://schemas.microsoft.com/office/drawing/2014/main" id="{E0A4FEED-526A-B24E-B978-83FE007971A8}"/>
+              </a:ext>
+            </a:extLst>
+          </p:cNvPr>
+          <p:cNvSpPr>
+            <a:spLocks noGrp="1"/>
+          </p:cNvSpPr>
+          <p:nvPr>
+            <p:ph type="sldNum" sz="quarter" idx="12"/>
+          </p:nvPr>
+        </p:nvSpPr>
+        <p:spPr/>
+        <p:txBody>
+          <a:bodyPr/>
+          <a:lstStyle/>
+          <a:p>
+            <a:fld id="{035DBD62-E6E0-484E-AB64-E286A6B85B65}" type="slidenum">
+              <a:rPr lang="en-US" smtClean="0"/>
+              <a:t>16</a:t>
+            </a:fld>
+            <a:endParaRPr lang="en-US"/>
+          </a:p>
+        </p:txBody>
+      </p:sp>
+      <p:pic>
+        <p:nvPicPr>
+          <p:cNvPr id="8" name="Picture 7">
+            <a:extLst>
+              <a:ext uri="{FF2B5EF4-FFF2-40B4-BE49-F238E27FC236}">
+                <a16:creationId xmlns:a16="http://schemas.microsoft.com/office/drawing/2014/main" id="{56FA4C31-D7C4-D644-9CA5-71475E38F220}"/>
+              </a:ext>
+            </a:extLst>
+          </p:cNvPr>
+          <p:cNvPicPr>
+            <a:picLocks noChangeAspect="1"/>
+          </p:cNvPicPr>
+          <p:nvPr/>
+        </p:nvPicPr>
+        <p:blipFill>
+          <a:blip r:embed="rId3"/>
+          <a:stretch>
+            <a:fillRect/>
+          </a:stretch>
+        </p:blipFill>
+        <p:spPr>
+          <a:xfrm>
+            <a:off x="1709747" y="3756819"/>
+            <a:ext cx="2590800" cy="876300"/>
+          </a:xfrm>
+          <a:prstGeom prst="rect">
+            <a:avLst/>
+          </a:prstGeom>
+        </p:spPr>
+      </p:pic>
+      <p:pic>
+        <p:nvPicPr>
+          <p:cNvPr id="10" name="Picture 9">
+            <a:extLst>
+              <a:ext uri="{FF2B5EF4-FFF2-40B4-BE49-F238E27FC236}">
+                <a16:creationId xmlns:a16="http://schemas.microsoft.com/office/drawing/2014/main" id="{0F8E4651-7FEB-1E4A-97D6-0347F61E6607}"/>
+              </a:ext>
+            </a:extLst>
+          </p:cNvPr>
+          <p:cNvPicPr>
+            <a:picLocks noChangeAspect="1"/>
+          </p:cNvPicPr>
+          <p:nvPr/>
+        </p:nvPicPr>
+        <p:blipFill>
+          <a:blip r:embed="rId4"/>
+          <a:stretch>
+            <a:fillRect/>
+          </a:stretch>
+        </p:blipFill>
+        <p:spPr>
+          <a:xfrm>
+            <a:off x="1700222" y="5272087"/>
+            <a:ext cx="1803400" cy="736600"/>
+          </a:xfrm>
+          <a:prstGeom prst="rect">
+            <a:avLst/>
+          </a:prstGeom>
+        </p:spPr>
+      </p:pic>
+      <p:pic>
+        <p:nvPicPr>
+          <p:cNvPr id="12" name="Picture 11">
+            <a:extLst>
+              <a:ext uri="{FF2B5EF4-FFF2-40B4-BE49-F238E27FC236}">
+                <a16:creationId xmlns:a16="http://schemas.microsoft.com/office/drawing/2014/main" id="{B26C1319-1B87-AE46-A368-9CC4B9E279BE}"/>
+              </a:ext>
+            </a:extLst>
+          </p:cNvPr>
+          <p:cNvPicPr>
+            <a:picLocks noChangeAspect="1"/>
+          </p:cNvPicPr>
+          <p:nvPr/>
+        </p:nvPicPr>
+        <p:blipFill>
+          <a:blip r:embed="rId5"/>
+          <a:stretch>
+            <a:fillRect/>
+          </a:stretch>
+        </p:blipFill>
+        <p:spPr>
+          <a:xfrm>
+            <a:off x="1626424" y="4590255"/>
+            <a:ext cx="3733800" cy="723900"/>
+          </a:xfrm>
+          <a:prstGeom prst="rect">
+            <a:avLst/>
+          </a:prstGeom>
+        </p:spPr>
+      </p:pic>
+      <p:pic>
+        <p:nvPicPr>
+          <p:cNvPr id="16" name="Picture 15">
+            <a:extLst>
+              <a:ext uri="{FF2B5EF4-FFF2-40B4-BE49-F238E27FC236}">
+                <a16:creationId xmlns:a16="http://schemas.microsoft.com/office/drawing/2014/main" id="{00B49031-FA7A-4C43-8F19-FF57CFA2EA49}"/>
+              </a:ext>
+            </a:extLst>
+          </p:cNvPr>
+          <p:cNvPicPr>
+            <a:picLocks noChangeAspect="1"/>
+          </p:cNvPicPr>
+          <p:nvPr/>
+        </p:nvPicPr>
+        <p:blipFill>
+          <a:blip r:embed="rId6"/>
+          <a:stretch>
+            <a:fillRect/>
+          </a:stretch>
+        </p:blipFill>
+        <p:spPr>
+          <a:xfrm>
+            <a:off x="5778799" y="1269999"/>
+            <a:ext cx="5750945" cy="5086351"/>
+          </a:xfrm>
+          <a:prstGeom prst="rect">
+            <a:avLst/>
+          </a:prstGeom>
+        </p:spPr>
+      </p:pic>
+      <p:sp>
+        <p:nvSpPr>
+          <p:cNvPr id="17" name="TextBox 16">
+            <a:extLst>
+              <a:ext uri="{FF2B5EF4-FFF2-40B4-BE49-F238E27FC236}">
+                <a16:creationId xmlns:a16="http://schemas.microsoft.com/office/drawing/2014/main" id="{7ADC9AE8-9691-3E41-93C3-772A6ED6AB58}"/>
+              </a:ext>
+            </a:extLst>
+          </p:cNvPr>
+          <p:cNvSpPr txBox="1"/>
+          <p:nvPr/>
+        </p:nvSpPr>
+        <p:spPr>
+          <a:xfrm>
+            <a:off x="823912" y="1839446"/>
+            <a:ext cx="4643437" cy="1754326"/>
+          </a:xfrm>
+          <a:prstGeom prst="rect">
+            <a:avLst/>
+          </a:prstGeom>
+          <a:noFill/>
+        </p:spPr>
+        <p:txBody>
+          <a:bodyPr wrap="square" rtlCol="0">
+            <a:spAutoFit/>
+          </a:bodyPr>
+          <a:lstStyle/>
+          <a:p>
+            <a:pPr marL="285750" indent="-285750">
+              <a:buFont typeface="Arial" panose="020B0604020202020204" pitchFamily="34" charset="0"/>
+              <a:buChar char="•"/>
+            </a:pPr>
+            <a:r>
+              <a:rPr lang="en-US" dirty="0"/>
+              <a:t>The amount of energy given to the electronic system. </a:t>
+            </a:r>
+          </a:p>
+          <a:p>
+            <a:pPr marL="285750" indent="-285750">
+              <a:buFont typeface="Arial" panose="020B0604020202020204" pitchFamily="34" charset="0"/>
+              <a:buChar char="•"/>
+            </a:pPr>
+            <a:endParaRPr lang="en-US" dirty="0"/>
+          </a:p>
+          <a:p>
+            <a:pPr marL="285750" indent="-285750">
+              <a:buFont typeface="Arial" panose="020B0604020202020204" pitchFamily="34" charset="0"/>
+              <a:buChar char="•"/>
+            </a:pPr>
+            <a:r>
+              <a:rPr lang="en-US" dirty="0"/>
+              <a:t>A measurement has been made for silicon and germanium. </a:t>
+            </a:r>
+          </a:p>
+          <a:p>
+            <a:pPr marL="285750" indent="-285750">
+              <a:buFont typeface="Arial" panose="020B0604020202020204" pitchFamily="34" charset="0"/>
+              <a:buChar char="•"/>
+            </a:pPr>
+            <a:endParaRPr lang="en-US" dirty="0"/>
+          </a:p>
+        </p:txBody>
+      </p:sp>
+    </p:spTree>
+    <p:extLst>
+      <p:ext uri="{BB962C8B-B14F-4D97-AF65-F5344CB8AC3E}">
+        <p14:creationId xmlns:p14="http://schemas.microsoft.com/office/powerpoint/2010/main" val="1206624913"/>
+      </p:ext>
+    </p:extLst>
+  </p:cSld>
+  <p:clrMapOvr>
+    <a:masterClrMapping/>
+  </p:clrMapOvr>
+</p:sld>
+</file>
+
+<file path=ppt/slides/slide17.xml><?xml version="1.0" encoding="utf-8"?>
+<p:sld xmlns:a="http://schemas.openxmlformats.org/drawingml/2006/main" xmlns:r="http://schemas.openxmlformats.org/officeDocument/2006/relationships" xmlns:p="http://schemas.openxmlformats.org/presentationml/2006/main">
+  <p:cSld>
+    <p:spTree>
+      <p:nvGrpSpPr>
+        <p:cNvPr id="1" name=""/>
+        <p:cNvGrpSpPr/>
+        <p:nvPr/>
+      </p:nvGrpSpPr>
+      <p:grpSpPr>
+        <a:xfrm>
+          <a:off x="0" y="0"/>
+          <a:ext cx="0" cy="0"/>
+          <a:chOff x="0" y="0"/>
+          <a:chExt cx="0" cy="0"/>
+        </a:xfrm>
+      </p:grpSpPr>
+      <p:sp>
+        <p:nvSpPr>
+          <p:cNvPr id="2" name="Title 1">
+            <a:extLst>
+              <a:ext uri="{FF2B5EF4-FFF2-40B4-BE49-F238E27FC236}">
+                <a16:creationId xmlns:a16="http://schemas.microsoft.com/office/drawing/2014/main" id="{4BA1EC71-1526-1D41-9B10-4113EAB50476}"/>
+              </a:ext>
+            </a:extLst>
+          </p:cNvPr>
+          <p:cNvSpPr>
+            <a:spLocks noGrp="1"/>
+          </p:cNvSpPr>
+          <p:nvPr>
+            <p:ph type="title"/>
+          </p:nvPr>
+        </p:nvSpPr>
+        <p:spPr/>
+        <p:txBody>
+          <a:bodyPr/>
+          <a:lstStyle/>
+          <a:p>
+            <a:r>
+              <a:rPr lang="en-US" dirty="0" err="1"/>
+              <a:t>Whats</a:t>
+            </a:r>
+            <a:r>
+              <a:rPr lang="en-US" dirty="0"/>
+              <a:t> Wrong with </a:t>
+            </a:r>
+            <a:r>
+              <a:rPr lang="en-US" dirty="0" err="1"/>
+              <a:t>Lindhard</a:t>
+            </a:r>
+            <a:r>
+              <a:rPr lang="en-US" dirty="0"/>
+              <a:t>? </a:t>
+            </a:r>
+          </a:p>
+        </p:txBody>
+      </p:sp>
+      <p:sp>
+        <p:nvSpPr>
+          <p:cNvPr id="3" name="Content Placeholder 2">
+            <a:extLst>
+              <a:ext uri="{FF2B5EF4-FFF2-40B4-BE49-F238E27FC236}">
+                <a16:creationId xmlns:a16="http://schemas.microsoft.com/office/drawing/2014/main" id="{B221E5EF-0AD7-8649-BC68-5BD446E44A80}"/>
+              </a:ext>
+            </a:extLst>
+          </p:cNvPr>
+          <p:cNvSpPr>
+            <a:spLocks noGrp="1"/>
+          </p:cNvSpPr>
+          <p:nvPr>
+            <p:ph idx="1"/>
+          </p:nvPr>
+        </p:nvSpPr>
+        <p:spPr>
+          <a:xfrm>
+            <a:off x="838200" y="1575594"/>
+            <a:ext cx="10048875" cy="5282406"/>
+          </a:xfrm>
+        </p:spPr>
+        <p:txBody>
+          <a:bodyPr>
+            <a:noAutofit/>
+          </a:bodyPr>
+          <a:lstStyle/>
+          <a:p>
+            <a:r>
+              <a:rPr lang="en-US" sz="1800" dirty="0" err="1"/>
+              <a:t>Lindhard</a:t>
+            </a:r>
+            <a:r>
+              <a:rPr lang="en-US" sz="1800" dirty="0"/>
+              <a:t> makes a few assumptions in his model:</a:t>
+            </a:r>
+          </a:p>
+          <a:p>
+            <a:pPr lvl="1"/>
+            <a:r>
+              <a:rPr lang="en-US" sz="1800" dirty="0"/>
+              <a:t>Ionized electrons do not produce recoil atoms of appreciable energy</a:t>
+            </a:r>
+          </a:p>
+          <a:p>
+            <a:pPr lvl="1"/>
+            <a:r>
+              <a:rPr lang="en-US" sz="1800" dirty="0"/>
+              <a:t>The energy given to the atomic binding energy is negligible.</a:t>
+            </a:r>
+          </a:p>
+          <a:p>
+            <a:pPr marL="457200" lvl="1" indent="0">
+              <a:buNone/>
+            </a:pPr>
+            <a:endParaRPr lang="en-US" sz="1800" dirty="0"/>
+          </a:p>
+          <a:p>
+            <a:r>
+              <a:rPr lang="en-US" sz="1800" dirty="0"/>
+              <a:t>Variation in the number of electron hole pairs produced is not accounted for. (</a:t>
+            </a:r>
+            <a:r>
+              <a:rPr lang="en-US" sz="1800" b="1" dirty="0"/>
+              <a:t>What I will focus on) </a:t>
+            </a:r>
+            <a:endParaRPr lang="en-US" sz="1800" dirty="0"/>
+          </a:p>
+          <a:p>
+            <a:pPr lvl="1"/>
+            <a:r>
+              <a:rPr lang="en-US" sz="1800" dirty="0"/>
+              <a:t>Could be a constant term, but is more than likely energy dependent. </a:t>
+            </a:r>
+          </a:p>
+          <a:p>
+            <a:pPr marL="0" indent="0">
+              <a:buNone/>
+            </a:pPr>
+            <a:endParaRPr lang="en-US" sz="1800" dirty="0"/>
+          </a:p>
+          <a:p>
+            <a:r>
+              <a:rPr lang="en-US" sz="1800" dirty="0"/>
+              <a:t>Charge trapping (</a:t>
+            </a:r>
+            <a:r>
+              <a:rPr lang="en-US" sz="1800" b="1" dirty="0"/>
+              <a:t>Looking into, really cool E/m problem) </a:t>
+            </a:r>
+            <a:endParaRPr lang="en-US" sz="1800" dirty="0"/>
+          </a:p>
+          <a:p>
+            <a:pPr lvl="1"/>
+            <a:r>
+              <a:rPr lang="en-US" sz="1800" dirty="0"/>
+              <a:t>Low energy nuclear recoils may create a “Cloud” of charge. This effectively cancels out the applied voltage and doesn’t allow the freed charge to traverse the detector and be collected. (</a:t>
+            </a:r>
+            <a:r>
+              <a:rPr lang="en-US" sz="1800" dirty="0" err="1"/>
+              <a:t>i.e</a:t>
+            </a:r>
+            <a:r>
+              <a:rPr lang="en-US" sz="1800" dirty="0"/>
+              <a:t> e-h pairs recombine) </a:t>
+            </a:r>
+          </a:p>
+          <a:p>
+            <a:pPr marL="0" indent="0">
+              <a:buNone/>
+            </a:pPr>
+            <a:endParaRPr lang="en-US" sz="1800" dirty="0"/>
+          </a:p>
+          <a:p>
+            <a:r>
+              <a:rPr lang="en-US" sz="1800" dirty="0"/>
+              <a:t>Effects due to multiple scattering not accounted for. (</a:t>
+            </a:r>
+            <a:r>
+              <a:rPr lang="en-US" sz="1800" b="1" dirty="0"/>
+              <a:t>Beginning to look into) </a:t>
+            </a:r>
+            <a:endParaRPr lang="en-US" sz="1800" dirty="0"/>
+          </a:p>
+          <a:p>
+            <a:pPr lvl="1"/>
+            <a:r>
+              <a:rPr lang="en-US" sz="1800" dirty="0"/>
+              <a:t>WIMP scattering </a:t>
+            </a:r>
+          </a:p>
+          <a:p>
+            <a:pPr lvl="1"/>
+            <a:r>
+              <a:rPr lang="en-US" sz="1800" dirty="0"/>
+              <a:t>Phonon Scattering </a:t>
+            </a:r>
+          </a:p>
+          <a:p>
+            <a:pPr marL="457200" lvl="1" indent="0">
+              <a:buNone/>
+            </a:pPr>
+            <a:endParaRPr lang="en-US" dirty="0"/>
+          </a:p>
+          <a:p>
+            <a:pPr marL="0" indent="0">
+              <a:buNone/>
+            </a:pPr>
+            <a:r>
+              <a:rPr lang="en-US" dirty="0"/>
+              <a:t>	</a:t>
+            </a:r>
+          </a:p>
+        </p:txBody>
+      </p:sp>
+      <p:sp>
+        <p:nvSpPr>
+          <p:cNvPr id="4" name="Slide Number Placeholder 3">
+            <a:extLst>
+              <a:ext uri="{FF2B5EF4-FFF2-40B4-BE49-F238E27FC236}">
+                <a16:creationId xmlns:a16="http://schemas.microsoft.com/office/drawing/2014/main" id="{FB6CF580-6FF5-AE44-A004-818D98404C6B}"/>
+              </a:ext>
+            </a:extLst>
+          </p:cNvPr>
+          <p:cNvSpPr>
+            <a:spLocks noGrp="1"/>
+          </p:cNvSpPr>
+          <p:nvPr>
+            <p:ph type="sldNum" sz="quarter" idx="12"/>
+          </p:nvPr>
+        </p:nvSpPr>
+        <p:spPr/>
+        <p:txBody>
+          <a:bodyPr/>
+          <a:lstStyle/>
+          <a:p>
+            <a:fld id="{035DBD62-E6E0-484E-AB64-E286A6B85B65}" type="slidenum">
+              <a:rPr lang="en-US" smtClean="0"/>
+              <a:t>17</a:t>
+            </a:fld>
+            <a:endParaRPr lang="en-US"/>
+          </a:p>
+        </p:txBody>
+      </p:sp>
+    </p:spTree>
+    <p:extLst>
+      <p:ext uri="{BB962C8B-B14F-4D97-AF65-F5344CB8AC3E}">
+        <p14:creationId xmlns:p14="http://schemas.microsoft.com/office/powerpoint/2010/main" val="3262484198"/>
+      </p:ext>
+    </p:extLst>
+  </p:cSld>
+  <p:clrMapOvr>
+    <a:masterClrMapping/>
+  </p:clrMapOvr>
+</p:sld>
+</file>
+
+<file path=ppt/slides/slide18.xml><?xml version="1.0" encoding="utf-8"?>
+<p:sld xmlns:a="http://schemas.openxmlformats.org/drawingml/2006/main" xmlns:r="http://schemas.openxmlformats.org/officeDocument/2006/relationships" xmlns:p="http://schemas.openxmlformats.org/presentationml/2006/main">
+  <p:cSld>
+    <p:spTree>
+      <p:nvGrpSpPr>
+        <p:cNvPr id="1" name=""/>
+        <p:cNvGrpSpPr/>
+        <p:nvPr/>
+      </p:nvGrpSpPr>
+      <p:grpSpPr>
+        <a:xfrm>
+          <a:off x="0" y="0"/>
+          <a:ext cx="0" cy="0"/>
+          <a:chOff x="0" y="0"/>
+          <a:chExt cx="0" cy="0"/>
+        </a:xfrm>
+      </p:grpSpPr>
+      <p:sp>
+        <p:nvSpPr>
+          <p:cNvPr id="2" name="Title 1">
+            <a:extLst>
+              <a:ext uri="{FF2B5EF4-FFF2-40B4-BE49-F238E27FC236}">
+                <a16:creationId xmlns:a16="http://schemas.microsoft.com/office/drawing/2014/main" id="{1EFC502A-31F1-FD4A-AB69-84FCC8EDD48A}"/>
+              </a:ext>
+            </a:extLst>
+          </p:cNvPr>
+          <p:cNvSpPr>
+            <a:spLocks noGrp="1"/>
+          </p:cNvSpPr>
+          <p:nvPr>
+            <p:ph type="title"/>
+          </p:nvPr>
+        </p:nvSpPr>
+        <p:spPr/>
+        <p:txBody>
+          <a:bodyPr/>
+          <a:lstStyle/>
+          <a:p>
+            <a:r>
+              <a:rPr lang="en-US" dirty="0"/>
+              <a:t>Atomic Binding Energy Correction </a:t>
+            </a:r>
+          </a:p>
+        </p:txBody>
+      </p:sp>
+      <p:sp>
+        <p:nvSpPr>
+          <p:cNvPr id="4" name="Slide Number Placeholder 3">
+            <a:extLst>
+              <a:ext uri="{FF2B5EF4-FFF2-40B4-BE49-F238E27FC236}">
+                <a16:creationId xmlns:a16="http://schemas.microsoft.com/office/drawing/2014/main" id="{1DE06ED9-955E-5D4C-8DD2-6BE4F7B650AE}"/>
+              </a:ext>
+            </a:extLst>
+          </p:cNvPr>
+          <p:cNvSpPr>
+            <a:spLocks noGrp="1"/>
+          </p:cNvSpPr>
+          <p:nvPr>
+            <p:ph type="sldNum" sz="quarter" idx="12"/>
+          </p:nvPr>
+        </p:nvSpPr>
+        <p:spPr/>
+        <p:txBody>
+          <a:bodyPr/>
+          <a:lstStyle/>
+          <a:p>
+            <a:fld id="{035DBD62-E6E0-484E-AB64-E286A6B85B65}" type="slidenum">
+              <a:rPr lang="en-US" smtClean="0"/>
+              <a:t>18</a:t>
+            </a:fld>
+            <a:endParaRPr lang="en-US"/>
+          </a:p>
+        </p:txBody>
+      </p:sp>
+      <p:pic>
+        <p:nvPicPr>
+          <p:cNvPr id="6" name="Picture 5">
+            <a:extLst>
+              <a:ext uri="{FF2B5EF4-FFF2-40B4-BE49-F238E27FC236}">
+                <a16:creationId xmlns:a16="http://schemas.microsoft.com/office/drawing/2014/main" id="{9ACDC115-FB7E-354E-B0A2-B2DD4FF266C1}"/>
+              </a:ext>
+            </a:extLst>
+          </p:cNvPr>
+          <p:cNvPicPr>
+            <a:picLocks noChangeAspect="1"/>
+          </p:cNvPicPr>
+          <p:nvPr/>
+        </p:nvPicPr>
+        <p:blipFill>
+          <a:blip r:embed="rId3"/>
+          <a:stretch>
+            <a:fillRect/>
+          </a:stretch>
+        </p:blipFill>
+        <p:spPr>
+          <a:xfrm>
+            <a:off x="2795826" y="1609329"/>
+            <a:ext cx="6600347" cy="4828381"/>
+          </a:xfrm>
+          <a:prstGeom prst="rect">
+            <a:avLst/>
+          </a:prstGeom>
+        </p:spPr>
+      </p:pic>
+    </p:spTree>
+    <p:extLst>
+      <p:ext uri="{BB962C8B-B14F-4D97-AF65-F5344CB8AC3E}">
+        <p14:creationId xmlns:p14="http://schemas.microsoft.com/office/powerpoint/2010/main" val="1940338238"/>
+      </p:ext>
+    </p:extLst>
+  </p:cSld>
+  <p:clrMapOvr>
+    <a:masterClrMapping/>
+  </p:clrMapOvr>
+</p:sld>
+</file>
+
+<file path=ppt/slides/slide19.xml><?xml version="1.0" encoding="utf-8"?>
+<p:sld xmlns:a="http://schemas.openxmlformats.org/drawingml/2006/main" xmlns:r="http://schemas.openxmlformats.org/officeDocument/2006/relationships" xmlns:p="http://schemas.openxmlformats.org/presentationml/2006/main">
+  <p:cSld>
+    <p:spTree>
+      <p:nvGrpSpPr>
+        <p:cNvPr id="1" name=""/>
+        <p:cNvGrpSpPr/>
+        <p:nvPr/>
+      </p:nvGrpSpPr>
+      <p:grpSpPr>
+        <a:xfrm>
+          <a:off x="0" y="0"/>
+          <a:ext cx="0" cy="0"/>
+          <a:chOff x="0" y="0"/>
+          <a:chExt cx="0" cy="0"/>
+        </a:xfrm>
+      </p:grpSpPr>
+      <p:sp>
+        <p:nvSpPr>
+          <p:cNvPr id="2" name="Title 1">
+            <a:extLst>
+              <a:ext uri="{FF2B5EF4-FFF2-40B4-BE49-F238E27FC236}">
+                <a16:creationId xmlns:a16="http://schemas.microsoft.com/office/drawing/2014/main" id="{F8F764C4-8425-8A4E-B16B-CBFCB9B10F20}"/>
+              </a:ext>
+            </a:extLst>
+          </p:cNvPr>
+          <p:cNvSpPr>
+            <a:spLocks noGrp="1"/>
+          </p:cNvSpPr>
+          <p:nvPr>
+            <p:ph type="title"/>
+          </p:nvPr>
+        </p:nvSpPr>
+        <p:spPr/>
+        <p:txBody>
+          <a:bodyPr/>
+          <a:lstStyle/>
+          <a:p>
+            <a:r>
+              <a:rPr lang="en-US" dirty="0"/>
+              <a:t>Fano Factor </a:t>
+            </a:r>
+          </a:p>
+        </p:txBody>
+      </p:sp>
+      <p:sp>
+        <p:nvSpPr>
+          <p:cNvPr id="3" name="Content Placeholder 2">
+            <a:extLst>
+              <a:ext uri="{FF2B5EF4-FFF2-40B4-BE49-F238E27FC236}">
+                <a16:creationId xmlns:a16="http://schemas.microsoft.com/office/drawing/2014/main" id="{D4A9C9FC-EA4F-174F-8FD7-860D99EFFCC6}"/>
+              </a:ext>
+            </a:extLst>
+          </p:cNvPr>
+          <p:cNvSpPr>
+            <a:spLocks noGrp="1"/>
+          </p:cNvSpPr>
+          <p:nvPr>
+            <p:ph idx="1"/>
+          </p:nvPr>
+        </p:nvSpPr>
+        <p:spPr/>
+        <p:txBody>
+          <a:bodyPr>
+            <a:normAutofit/>
+          </a:bodyPr>
+          <a:lstStyle/>
+          <a:p>
+            <a:r>
+              <a:rPr lang="en-US" sz="1800" dirty="0"/>
+              <a:t>Variation in the number of electron-hold pairs produced given a single recoil energy. </a:t>
+            </a:r>
+          </a:p>
+          <a:p>
+            <a:pPr lvl="1"/>
+            <a:r>
+              <a:rPr lang="en-US" sz="1800" dirty="0"/>
+              <a:t>This is well understood for electron recoils. </a:t>
+            </a:r>
+          </a:p>
+          <a:p>
+            <a:pPr lvl="2"/>
+            <a:r>
+              <a:rPr lang="en-US" sz="1800" dirty="0"/>
+              <a:t>F(silicon) = 0.13 , F(germanium) = 0.12</a:t>
+            </a:r>
+          </a:p>
+          <a:p>
+            <a:pPr marL="457200" lvl="1" indent="0">
+              <a:buNone/>
+            </a:pPr>
+            <a:endParaRPr lang="en-US" sz="1800" dirty="0"/>
+          </a:p>
+          <a:p>
+            <a:r>
+              <a:rPr lang="en-US" sz="1800" dirty="0"/>
+              <a:t>This is not understood for nuclear recoils. </a:t>
+            </a:r>
+          </a:p>
+          <a:p>
+            <a:endParaRPr lang="en-US" sz="1800" dirty="0"/>
+          </a:p>
+          <a:p>
+            <a:r>
+              <a:rPr lang="en-US" sz="1800" dirty="0" err="1"/>
+              <a:t>Lindhard</a:t>
+            </a:r>
+            <a:r>
+              <a:rPr lang="en-US" sz="1800" dirty="0"/>
+              <a:t> does make a prediction for this quantity, but has very little effect for recoil energies above 10keV and therefore has been neglected. </a:t>
+            </a:r>
+          </a:p>
+        </p:txBody>
+      </p:sp>
+      <p:sp>
+        <p:nvSpPr>
+          <p:cNvPr id="4" name="Slide Number Placeholder 3">
+            <a:extLst>
+              <a:ext uri="{FF2B5EF4-FFF2-40B4-BE49-F238E27FC236}">
+                <a16:creationId xmlns:a16="http://schemas.microsoft.com/office/drawing/2014/main" id="{2DF355FA-1BE5-5943-99D7-44C75C98F139}"/>
+              </a:ext>
+            </a:extLst>
+          </p:cNvPr>
+          <p:cNvSpPr>
+            <a:spLocks noGrp="1"/>
+          </p:cNvSpPr>
+          <p:nvPr>
+            <p:ph type="sldNum" sz="quarter" idx="12"/>
+          </p:nvPr>
+        </p:nvSpPr>
+        <p:spPr/>
+        <p:txBody>
+          <a:bodyPr/>
+          <a:lstStyle/>
+          <a:p>
+            <a:fld id="{035DBD62-E6E0-484E-AB64-E286A6B85B65}" type="slidenum">
+              <a:rPr lang="en-US" smtClean="0"/>
+              <a:t>19</a:t>
+            </a:fld>
+            <a:endParaRPr lang="en-US"/>
+          </a:p>
+        </p:txBody>
+      </p:sp>
+    </p:spTree>
+    <p:extLst>
+      <p:ext uri="{BB962C8B-B14F-4D97-AF65-F5344CB8AC3E}">
+        <p14:creationId xmlns:p14="http://schemas.microsoft.com/office/powerpoint/2010/main" val="2584047169"/>
       </p:ext>
     </p:extLst>
   </p:cSld>
@@ -5485,6 +7339,675 @@
           <p:cNvPr id="2" name="Title 1">
             <a:extLst>
               <a:ext uri="{FF2B5EF4-FFF2-40B4-BE49-F238E27FC236}">
+                <a16:creationId xmlns:a16="http://schemas.microsoft.com/office/drawing/2014/main" id="{2E5B07F6-65A4-7E4F-A38A-B969043EC936}"/>
+              </a:ext>
+            </a:extLst>
+          </p:cNvPr>
+          <p:cNvSpPr>
+            <a:spLocks noGrp="1"/>
+          </p:cNvSpPr>
+          <p:nvPr>
+            <p:ph type="title"/>
+          </p:nvPr>
+        </p:nvSpPr>
+        <p:spPr/>
+        <p:txBody>
+          <a:bodyPr/>
+          <a:lstStyle/>
+          <a:p>
+            <a:r>
+              <a:rPr lang="en-US" dirty="0"/>
+              <a:t>Prior Work: Superconducting Electronics Lab</a:t>
+            </a:r>
+          </a:p>
+        </p:txBody>
+      </p:sp>
+      <p:sp>
+        <p:nvSpPr>
+          <p:cNvPr id="3" name="Content Placeholder 2">
+            <a:extLst>
+              <a:ext uri="{FF2B5EF4-FFF2-40B4-BE49-F238E27FC236}">
+                <a16:creationId xmlns:a16="http://schemas.microsoft.com/office/drawing/2014/main" id="{17CAD064-1CBF-B640-A430-3BFE75C65D1A}"/>
+              </a:ext>
+            </a:extLst>
+          </p:cNvPr>
+          <p:cNvSpPr>
+            <a:spLocks noGrp="1"/>
+          </p:cNvSpPr>
+          <p:nvPr>
+            <p:ph idx="1"/>
+          </p:nvPr>
+        </p:nvSpPr>
+        <p:spPr/>
+        <p:txBody>
+          <a:bodyPr>
+            <a:normAutofit/>
+          </a:bodyPr>
+          <a:lstStyle/>
+          <a:p>
+            <a:r>
+              <a:rPr lang="en-US" sz="1800" dirty="0"/>
+              <a:t>Nano-SQUID (Undergrad) </a:t>
+            </a:r>
+          </a:p>
+          <a:p>
+            <a:pPr lvl="1"/>
+            <a:r>
+              <a:rPr lang="en-US" sz="1800" dirty="0"/>
+              <a:t>Systems integration </a:t>
+            </a:r>
+          </a:p>
+          <a:p>
+            <a:pPr lvl="1"/>
+            <a:r>
+              <a:rPr lang="en-US" sz="1800" dirty="0"/>
+              <a:t>Probe design via fusion 360 / CAD</a:t>
+            </a:r>
+          </a:p>
+          <a:p>
+            <a:pPr marL="0" indent="0">
+              <a:buNone/>
+            </a:pPr>
+            <a:endParaRPr lang="en-US" sz="1800" dirty="0"/>
+          </a:p>
+          <a:p>
+            <a:r>
+              <a:rPr lang="en-US" sz="1800" dirty="0"/>
+              <a:t>Cryogenic Dark Matter Survey (CDMS) </a:t>
+            </a:r>
+          </a:p>
+          <a:p>
+            <a:pPr lvl="1"/>
+            <a:r>
+              <a:rPr lang="en-US" sz="1800" dirty="0"/>
+              <a:t>Lab Management </a:t>
+            </a:r>
+          </a:p>
+          <a:p>
+            <a:pPr lvl="1"/>
+            <a:r>
+              <a:rPr lang="en-US" sz="1800" dirty="0"/>
+              <a:t>Testing and characterization of superconducting quantum interference devices. </a:t>
+            </a:r>
+          </a:p>
+          <a:p>
+            <a:pPr lvl="1"/>
+            <a:r>
+              <a:rPr lang="en-US" sz="1800" dirty="0"/>
+              <a:t>Data acquisition system (DAQ) analysis / troubleshooting </a:t>
+            </a:r>
+          </a:p>
+          <a:p>
+            <a:pPr lvl="2"/>
+            <a:r>
+              <a:rPr lang="en-US" sz="1800" dirty="0"/>
+              <a:t>Magnetic field sensitivity measurements. </a:t>
+            </a:r>
+          </a:p>
+          <a:p>
+            <a:pPr marL="457200" lvl="1" indent="0">
+              <a:buNone/>
+            </a:pPr>
+            <a:endParaRPr lang="en-US" dirty="0"/>
+          </a:p>
+          <a:p>
+            <a:pPr lvl="1"/>
+            <a:endParaRPr lang="en-US" dirty="0"/>
+          </a:p>
+          <a:p>
+            <a:pPr lvl="1"/>
+            <a:endParaRPr lang="en-US" dirty="0"/>
+          </a:p>
+        </p:txBody>
+      </p:sp>
+      <p:sp>
+        <p:nvSpPr>
+          <p:cNvPr id="4" name="Slide Number Placeholder 3">
+            <a:extLst>
+              <a:ext uri="{FF2B5EF4-FFF2-40B4-BE49-F238E27FC236}">
+                <a16:creationId xmlns:a16="http://schemas.microsoft.com/office/drawing/2014/main" id="{5C467EA8-A744-134C-BFA7-916450729851}"/>
+              </a:ext>
+            </a:extLst>
+          </p:cNvPr>
+          <p:cNvSpPr>
+            <a:spLocks noGrp="1"/>
+          </p:cNvSpPr>
+          <p:nvPr>
+            <p:ph type="sldNum" sz="quarter" idx="12"/>
+          </p:nvPr>
+        </p:nvSpPr>
+        <p:spPr/>
+        <p:txBody>
+          <a:bodyPr/>
+          <a:lstStyle/>
+          <a:p>
+            <a:fld id="{035DBD62-E6E0-484E-AB64-E286A6B85B65}" type="slidenum">
+              <a:rPr lang="en-US" smtClean="0"/>
+              <a:t>2</a:t>
+            </a:fld>
+            <a:endParaRPr lang="en-US"/>
+          </a:p>
+        </p:txBody>
+      </p:sp>
+    </p:spTree>
+    <p:extLst>
+      <p:ext uri="{BB962C8B-B14F-4D97-AF65-F5344CB8AC3E}">
+        <p14:creationId xmlns:p14="http://schemas.microsoft.com/office/powerpoint/2010/main" val="2316287058"/>
+      </p:ext>
+    </p:extLst>
+  </p:cSld>
+  <p:clrMapOvr>
+    <a:masterClrMapping/>
+  </p:clrMapOvr>
+</p:sld>
+</file>
+
+<file path=ppt/slides/slide20.xml><?xml version="1.0" encoding="utf-8"?>
+<p:sld xmlns:a="http://schemas.openxmlformats.org/drawingml/2006/main" xmlns:r="http://schemas.openxmlformats.org/officeDocument/2006/relationships" xmlns:p="http://schemas.openxmlformats.org/presentationml/2006/main">
+  <p:cSld>
+    <p:spTree>
+      <p:nvGrpSpPr>
+        <p:cNvPr id="1" name=""/>
+        <p:cNvGrpSpPr/>
+        <p:nvPr/>
+      </p:nvGrpSpPr>
+      <p:grpSpPr>
+        <a:xfrm>
+          <a:off x="0" y="0"/>
+          <a:ext cx="0" cy="0"/>
+          <a:chOff x="0" y="0"/>
+          <a:chExt cx="0" cy="0"/>
+        </a:xfrm>
+      </p:grpSpPr>
+      <p:sp>
+        <p:nvSpPr>
+          <p:cNvPr id="2" name="Title 1">
+            <a:extLst>
+              <a:ext uri="{FF2B5EF4-FFF2-40B4-BE49-F238E27FC236}">
+                <a16:creationId xmlns:a16="http://schemas.microsoft.com/office/drawing/2014/main" id="{889980C3-62DE-9846-8E4E-6F65870FB831}"/>
+              </a:ext>
+            </a:extLst>
+          </p:cNvPr>
+          <p:cNvSpPr>
+            <a:spLocks noGrp="1"/>
+          </p:cNvSpPr>
+          <p:nvPr>
+            <p:ph type="title"/>
+          </p:nvPr>
+        </p:nvSpPr>
+        <p:spPr/>
+        <p:txBody>
+          <a:bodyPr/>
+          <a:lstStyle/>
+          <a:p>
+            <a:r>
+              <a:rPr lang="en-US" dirty="0" err="1"/>
+              <a:t>Lindhard</a:t>
+            </a:r>
+            <a:r>
+              <a:rPr lang="en-US" dirty="0"/>
+              <a:t> Fano Factor </a:t>
+            </a:r>
+          </a:p>
+        </p:txBody>
+      </p:sp>
+      <p:sp>
+        <p:nvSpPr>
+          <p:cNvPr id="4" name="Slide Number Placeholder 3">
+            <a:extLst>
+              <a:ext uri="{FF2B5EF4-FFF2-40B4-BE49-F238E27FC236}">
+                <a16:creationId xmlns:a16="http://schemas.microsoft.com/office/drawing/2014/main" id="{AB3BD47F-C63E-9644-B7C5-5AD5CCEB0B9C}"/>
+              </a:ext>
+            </a:extLst>
+          </p:cNvPr>
+          <p:cNvSpPr>
+            <a:spLocks noGrp="1"/>
+          </p:cNvSpPr>
+          <p:nvPr>
+            <p:ph type="sldNum" sz="quarter" idx="12"/>
+          </p:nvPr>
+        </p:nvSpPr>
+        <p:spPr/>
+        <p:txBody>
+          <a:bodyPr/>
+          <a:lstStyle/>
+          <a:p>
+            <a:fld id="{035DBD62-E6E0-484E-AB64-E286A6B85B65}" type="slidenum">
+              <a:rPr lang="en-US" smtClean="0"/>
+              <a:t>20</a:t>
+            </a:fld>
+            <a:endParaRPr lang="en-US"/>
+          </a:p>
+        </p:txBody>
+      </p:sp>
+      <p:pic>
+        <p:nvPicPr>
+          <p:cNvPr id="6" name="Picture 5">
+            <a:extLst>
+              <a:ext uri="{FF2B5EF4-FFF2-40B4-BE49-F238E27FC236}">
+                <a16:creationId xmlns:a16="http://schemas.microsoft.com/office/drawing/2014/main" id="{AE5C6118-3B77-E845-9921-B814449B0ECE}"/>
+              </a:ext>
+            </a:extLst>
+          </p:cNvPr>
+          <p:cNvPicPr>
+            <a:picLocks noChangeAspect="1"/>
+          </p:cNvPicPr>
+          <p:nvPr/>
+        </p:nvPicPr>
+        <p:blipFill>
+          <a:blip r:embed="rId2"/>
+          <a:stretch>
+            <a:fillRect/>
+          </a:stretch>
+        </p:blipFill>
+        <p:spPr>
+          <a:xfrm>
+            <a:off x="2064967" y="1276350"/>
+            <a:ext cx="8062065" cy="5080000"/>
+          </a:xfrm>
+          <a:prstGeom prst="rect">
+            <a:avLst/>
+          </a:prstGeom>
+        </p:spPr>
+      </p:pic>
+    </p:spTree>
+    <p:extLst>
+      <p:ext uri="{BB962C8B-B14F-4D97-AF65-F5344CB8AC3E}">
+        <p14:creationId xmlns:p14="http://schemas.microsoft.com/office/powerpoint/2010/main" val="3808786968"/>
+      </p:ext>
+    </p:extLst>
+  </p:cSld>
+  <p:clrMapOvr>
+    <a:masterClrMapping/>
+  </p:clrMapOvr>
+</p:sld>
+</file>
+
+<file path=ppt/slides/slide21.xml><?xml version="1.0" encoding="utf-8"?>
+<p:sld xmlns:a="http://schemas.openxmlformats.org/drawingml/2006/main" xmlns:r="http://schemas.openxmlformats.org/officeDocument/2006/relationships" xmlns:p="http://schemas.openxmlformats.org/presentationml/2006/main">
+  <p:cSld>
+    <p:spTree>
+      <p:nvGrpSpPr>
+        <p:cNvPr id="1" name=""/>
+        <p:cNvGrpSpPr/>
+        <p:nvPr/>
+      </p:nvGrpSpPr>
+      <p:grpSpPr>
+        <a:xfrm>
+          <a:off x="0" y="0"/>
+          <a:ext cx="0" cy="0"/>
+          <a:chOff x="0" y="0"/>
+          <a:chExt cx="0" cy="0"/>
+        </a:xfrm>
+      </p:grpSpPr>
+      <p:sp>
+        <p:nvSpPr>
+          <p:cNvPr id="2" name="Title 1">
+            <a:extLst>
+              <a:ext uri="{FF2B5EF4-FFF2-40B4-BE49-F238E27FC236}">
+                <a16:creationId xmlns:a16="http://schemas.microsoft.com/office/drawing/2014/main" id="{DFB89DD7-8BBB-CB40-AFC8-9E5F7541CB11}"/>
+              </a:ext>
+            </a:extLst>
+          </p:cNvPr>
+          <p:cNvSpPr>
+            <a:spLocks noGrp="1"/>
+          </p:cNvSpPr>
+          <p:nvPr>
+            <p:ph type="title"/>
+          </p:nvPr>
+        </p:nvSpPr>
+        <p:spPr/>
+        <p:txBody>
+          <a:bodyPr/>
+          <a:lstStyle/>
+          <a:p>
+            <a:r>
+              <a:rPr lang="en-US" dirty="0"/>
+              <a:t>Model Validation (Electron Recoil Band)  </a:t>
+            </a:r>
+          </a:p>
+        </p:txBody>
+      </p:sp>
+      <p:sp>
+        <p:nvSpPr>
+          <p:cNvPr id="3" name="Content Placeholder 2">
+            <a:extLst>
+              <a:ext uri="{FF2B5EF4-FFF2-40B4-BE49-F238E27FC236}">
+                <a16:creationId xmlns:a16="http://schemas.microsoft.com/office/drawing/2014/main" id="{62E353B8-DDA0-E743-8E78-182D56768CC1}"/>
+              </a:ext>
+            </a:extLst>
+          </p:cNvPr>
+          <p:cNvSpPr>
+            <a:spLocks noGrp="1"/>
+          </p:cNvSpPr>
+          <p:nvPr>
+            <p:ph idx="1"/>
+          </p:nvPr>
+        </p:nvSpPr>
+        <p:spPr>
+          <a:xfrm>
+            <a:off x="838200" y="1825625"/>
+            <a:ext cx="10515600" cy="1031875"/>
+          </a:xfrm>
+        </p:spPr>
+        <p:txBody>
+          <a:bodyPr>
+            <a:normAutofit/>
+          </a:bodyPr>
+          <a:lstStyle/>
+          <a:p>
+            <a:r>
+              <a:rPr lang="en-US" sz="1800" dirty="0"/>
+              <a:t>A fitted energy distribution fit exists for calibration data. </a:t>
+            </a:r>
+          </a:p>
+          <a:p>
+            <a:pPr lvl="1"/>
+            <a:r>
+              <a:rPr lang="en-US" sz="1800" dirty="0"/>
+              <a:t>Data is expected to be normally distributed in each energy bin with a slight skew in the higher energy bins. </a:t>
+            </a:r>
+          </a:p>
+        </p:txBody>
+      </p:sp>
+      <p:sp>
+        <p:nvSpPr>
+          <p:cNvPr id="4" name="Slide Number Placeholder 3">
+            <a:extLst>
+              <a:ext uri="{FF2B5EF4-FFF2-40B4-BE49-F238E27FC236}">
+                <a16:creationId xmlns:a16="http://schemas.microsoft.com/office/drawing/2014/main" id="{3E8EB9D6-AECE-8D4B-9119-782D81CD9AEC}"/>
+              </a:ext>
+            </a:extLst>
+          </p:cNvPr>
+          <p:cNvSpPr>
+            <a:spLocks noGrp="1"/>
+          </p:cNvSpPr>
+          <p:nvPr>
+            <p:ph type="sldNum" sz="quarter" idx="12"/>
+          </p:nvPr>
+        </p:nvSpPr>
+        <p:spPr/>
+        <p:txBody>
+          <a:bodyPr/>
+          <a:lstStyle/>
+          <a:p>
+            <a:fld id="{035DBD62-E6E0-484E-AB64-E286A6B85B65}" type="slidenum">
+              <a:rPr lang="en-US" smtClean="0"/>
+              <a:t>21</a:t>
+            </a:fld>
+            <a:endParaRPr lang="en-US"/>
+          </a:p>
+        </p:txBody>
+      </p:sp>
+      <p:pic>
+        <p:nvPicPr>
+          <p:cNvPr id="6" name="Picture 5">
+            <a:extLst>
+              <a:ext uri="{FF2B5EF4-FFF2-40B4-BE49-F238E27FC236}">
+                <a16:creationId xmlns:a16="http://schemas.microsoft.com/office/drawing/2014/main" id="{F766E7F9-E85F-3248-A4E7-EE000CE8EF9B}"/>
+              </a:ext>
+            </a:extLst>
+          </p:cNvPr>
+          <p:cNvPicPr>
+            <a:picLocks noChangeAspect="1"/>
+          </p:cNvPicPr>
+          <p:nvPr/>
+        </p:nvPicPr>
+        <p:blipFill>
+          <a:blip r:embed="rId3"/>
+          <a:stretch>
+            <a:fillRect/>
+          </a:stretch>
+        </p:blipFill>
+        <p:spPr>
+          <a:xfrm>
+            <a:off x="5882311" y="2592387"/>
+            <a:ext cx="5833439" cy="4303813"/>
+          </a:xfrm>
+          <a:prstGeom prst="rect">
+            <a:avLst/>
+          </a:prstGeom>
+        </p:spPr>
+      </p:pic>
+      <p:pic>
+        <p:nvPicPr>
+          <p:cNvPr id="10" name="Picture 9">
+            <a:extLst>
+              <a:ext uri="{FF2B5EF4-FFF2-40B4-BE49-F238E27FC236}">
+                <a16:creationId xmlns:a16="http://schemas.microsoft.com/office/drawing/2014/main" id="{6BBD5595-7D4E-CB4C-BDB2-06DD68F97A4A}"/>
+              </a:ext>
+            </a:extLst>
+          </p:cNvPr>
+          <p:cNvPicPr>
+            <a:picLocks noChangeAspect="1"/>
+          </p:cNvPicPr>
+          <p:nvPr/>
+        </p:nvPicPr>
+        <p:blipFill>
+          <a:blip r:embed="rId4"/>
+          <a:stretch>
+            <a:fillRect/>
+          </a:stretch>
+        </p:blipFill>
+        <p:spPr>
+          <a:xfrm>
+            <a:off x="-35255" y="2720975"/>
+            <a:ext cx="5618152" cy="4000500"/>
+          </a:xfrm>
+          <a:prstGeom prst="rect">
+            <a:avLst/>
+          </a:prstGeom>
+        </p:spPr>
+      </p:pic>
+    </p:spTree>
+    <p:extLst>
+      <p:ext uri="{BB962C8B-B14F-4D97-AF65-F5344CB8AC3E}">
+        <p14:creationId xmlns:p14="http://schemas.microsoft.com/office/powerpoint/2010/main" val="2267119596"/>
+      </p:ext>
+    </p:extLst>
+  </p:cSld>
+  <p:clrMapOvr>
+    <a:masterClrMapping/>
+  </p:clrMapOvr>
+</p:sld>
+</file>
+
+<file path=ppt/slides/slide22.xml><?xml version="1.0" encoding="utf-8"?>
+<p:sld xmlns:a="http://schemas.openxmlformats.org/drawingml/2006/main" xmlns:r="http://schemas.openxmlformats.org/officeDocument/2006/relationships" xmlns:p="http://schemas.openxmlformats.org/presentationml/2006/main">
+  <p:cSld>
+    <p:spTree>
+      <p:nvGrpSpPr>
+        <p:cNvPr id="1" name=""/>
+        <p:cNvGrpSpPr/>
+        <p:nvPr/>
+      </p:nvGrpSpPr>
+      <p:grpSpPr>
+        <a:xfrm>
+          <a:off x="0" y="0"/>
+          <a:ext cx="0" cy="0"/>
+          <a:chOff x="0" y="0"/>
+          <a:chExt cx="0" cy="0"/>
+        </a:xfrm>
+      </p:grpSpPr>
+      <p:sp>
+        <p:nvSpPr>
+          <p:cNvPr id="2" name="Title 1">
+            <a:extLst>
+              <a:ext uri="{FF2B5EF4-FFF2-40B4-BE49-F238E27FC236}">
+                <a16:creationId xmlns:a16="http://schemas.microsoft.com/office/drawing/2014/main" id="{9C82CAA4-E56A-8A43-A8E5-D0F006FE124D}"/>
+              </a:ext>
+            </a:extLst>
+          </p:cNvPr>
+          <p:cNvSpPr>
+            <a:spLocks noGrp="1"/>
+          </p:cNvSpPr>
+          <p:nvPr>
+            <p:ph type="title"/>
+          </p:nvPr>
+        </p:nvSpPr>
+        <p:spPr/>
+        <p:txBody>
+          <a:bodyPr/>
+          <a:lstStyle/>
+          <a:p>
+            <a:r>
+              <a:rPr lang="en-US" dirty="0"/>
+              <a:t>Model Validation (Nuclear Recoil Band) </a:t>
+            </a:r>
+          </a:p>
+        </p:txBody>
+      </p:sp>
+      <p:sp>
+        <p:nvSpPr>
+          <p:cNvPr id="3" name="Content Placeholder 2">
+            <a:extLst>
+              <a:ext uri="{FF2B5EF4-FFF2-40B4-BE49-F238E27FC236}">
+                <a16:creationId xmlns:a16="http://schemas.microsoft.com/office/drawing/2014/main" id="{2D0D12F2-2BBA-DE4D-8A87-DC95236C9EAE}"/>
+              </a:ext>
+            </a:extLst>
+          </p:cNvPr>
+          <p:cNvSpPr>
+            <a:spLocks noGrp="1"/>
+          </p:cNvSpPr>
+          <p:nvPr>
+            <p:ph idx="1"/>
+          </p:nvPr>
+        </p:nvSpPr>
+        <p:spPr>
+          <a:xfrm>
+            <a:off x="838200" y="1825625"/>
+            <a:ext cx="10515600" cy="1603375"/>
+          </a:xfrm>
+        </p:spPr>
+        <p:txBody>
+          <a:bodyPr>
+            <a:normAutofit/>
+          </a:bodyPr>
+          <a:lstStyle/>
+          <a:p>
+            <a:r>
+              <a:rPr lang="en-US" sz="1800" dirty="0"/>
+              <a:t>According to data the nuclear recoil band should be normally distributed through the range of possible recoil energies. </a:t>
+            </a:r>
+          </a:p>
+          <a:p>
+            <a:r>
+              <a:rPr lang="en-US" sz="1800" dirty="0"/>
+              <a:t>This is much harder to show due to the nonlinearity of the </a:t>
+            </a:r>
+            <a:r>
+              <a:rPr lang="en-US" sz="1800" dirty="0" err="1"/>
+              <a:t>fano</a:t>
+            </a:r>
+            <a:r>
+              <a:rPr lang="en-US" sz="1800" dirty="0"/>
+              <a:t> factor. As the initial yield model is not normally distributed. (Cauchy(</a:t>
+            </a:r>
+            <a:r>
+              <a:rPr lang="en-US" sz="1800" dirty="0" err="1"/>
+              <a:t>ish</a:t>
+            </a:r>
+            <a:r>
+              <a:rPr lang="en-US" sz="1800" dirty="0"/>
+              <a:t>)-Distribution)  </a:t>
+            </a:r>
+          </a:p>
+        </p:txBody>
+      </p:sp>
+      <p:sp>
+        <p:nvSpPr>
+          <p:cNvPr id="4" name="Slide Number Placeholder 3">
+            <a:extLst>
+              <a:ext uri="{FF2B5EF4-FFF2-40B4-BE49-F238E27FC236}">
+                <a16:creationId xmlns:a16="http://schemas.microsoft.com/office/drawing/2014/main" id="{0D337697-882B-AC4B-AB79-0A4F0AEC556B}"/>
+              </a:ext>
+            </a:extLst>
+          </p:cNvPr>
+          <p:cNvSpPr>
+            <a:spLocks noGrp="1"/>
+          </p:cNvSpPr>
+          <p:nvPr>
+            <p:ph type="sldNum" sz="quarter" idx="12"/>
+          </p:nvPr>
+        </p:nvSpPr>
+        <p:spPr/>
+        <p:txBody>
+          <a:bodyPr/>
+          <a:lstStyle/>
+          <a:p>
+            <a:fld id="{035DBD62-E6E0-484E-AB64-E286A6B85B65}" type="slidenum">
+              <a:rPr lang="en-US" smtClean="0"/>
+              <a:t>22</a:t>
+            </a:fld>
+            <a:endParaRPr lang="en-US"/>
+          </a:p>
+        </p:txBody>
+      </p:sp>
+      <p:pic>
+        <p:nvPicPr>
+          <p:cNvPr id="6" name="Picture 5">
+            <a:extLst>
+              <a:ext uri="{FF2B5EF4-FFF2-40B4-BE49-F238E27FC236}">
+                <a16:creationId xmlns:a16="http://schemas.microsoft.com/office/drawing/2014/main" id="{240CD69D-4AF8-234C-9840-06CB47D4D1B6}"/>
+              </a:ext>
+            </a:extLst>
+          </p:cNvPr>
+          <p:cNvPicPr>
+            <a:picLocks noChangeAspect="1"/>
+          </p:cNvPicPr>
+          <p:nvPr/>
+        </p:nvPicPr>
+        <p:blipFill>
+          <a:blip r:embed="rId2"/>
+          <a:stretch>
+            <a:fillRect/>
+          </a:stretch>
+        </p:blipFill>
+        <p:spPr>
+          <a:xfrm>
+            <a:off x="2077152" y="3819525"/>
+            <a:ext cx="7489123" cy="1917700"/>
+          </a:xfrm>
+          <a:prstGeom prst="rect">
+            <a:avLst/>
+          </a:prstGeom>
+        </p:spPr>
+      </p:pic>
+    </p:spTree>
+    <p:extLst>
+      <p:ext uri="{BB962C8B-B14F-4D97-AF65-F5344CB8AC3E}">
+        <p14:creationId xmlns:p14="http://schemas.microsoft.com/office/powerpoint/2010/main" val="2923852302"/>
+      </p:ext>
+    </p:extLst>
+  </p:cSld>
+  <p:clrMapOvr>
+    <a:masterClrMapping/>
+  </p:clrMapOvr>
+</p:sld>
+</file>
+
+<file path=ppt/slides/slide3.xml><?xml version="1.0" encoding="utf-8"?>
+<p:sld xmlns:a="http://schemas.openxmlformats.org/drawingml/2006/main" xmlns:r="http://schemas.openxmlformats.org/officeDocument/2006/relationships" xmlns:p="http://schemas.openxmlformats.org/presentationml/2006/main">
+  <p:cSld>
+    <p:spTree>
+      <p:nvGrpSpPr>
+        <p:cNvPr id="1" name=""/>
+        <p:cNvGrpSpPr/>
+        <p:nvPr/>
+      </p:nvGrpSpPr>
+      <p:grpSpPr>
+        <a:xfrm>
+          <a:off x="0" y="0"/>
+          <a:ext cx="0" cy="0"/>
+          <a:chOff x="0" y="0"/>
+          <a:chExt cx="0" cy="0"/>
+        </a:xfrm>
+      </p:grpSpPr>
+      <p:sp>
+        <p:nvSpPr>
+          <p:cNvPr id="2" name="Title 1">
+            <a:extLst>
+              <a:ext uri="{FF2B5EF4-FFF2-40B4-BE49-F238E27FC236}">
                 <a16:creationId xmlns:a16="http://schemas.microsoft.com/office/drawing/2014/main" id="{C5891617-D777-D044-8414-7012C9CF0423}"/>
               </a:ext>
             </a:extLst>
@@ -5587,10 +8110,10 @@
             <a:endParaRPr lang="en-US" sz="1800" dirty="0"/>
           </a:p>
           <a:p>
-            <a:r>
-              <a:rPr lang="en-US" sz="1800" dirty="0"/>
-              <a:t>Currently, detectors that count electron-hole pairs have good sensitivity to low-mass WIMPs</a:t>
-            </a:r>
+            <a:pPr marL="0" indent="0">
+              <a:buNone/>
+            </a:pPr>
+            <a:endParaRPr lang="en-US" sz="1800" dirty="0"/>
           </a:p>
         </p:txBody>
       </p:sp>
@@ -5617,7 +8140,7 @@
           <a:p>
             <a:fld id="{035DBD62-E6E0-484E-AB64-E286A6B85B65}" type="slidenum">
               <a:rPr lang="en-US" smtClean="0"/>
-              <a:t>2</a:t>
+              <a:t>3</a:t>
             </a:fld>
             <a:endParaRPr lang="en-US" dirty="0"/>
           </a:p>
@@ -6014,7 +8537,7 @@
 </p:sld>
 </file>
 
-<file path=ppt/slides/slide3.xml><?xml version="1.0" encoding="utf-8"?>
+<file path=ppt/slides/slide4.xml><?xml version="1.0" encoding="utf-8"?>
 <p:sld xmlns:a="http://schemas.openxmlformats.org/drawingml/2006/main" xmlns:r="http://schemas.openxmlformats.org/officeDocument/2006/relationships" xmlns:p="http://schemas.openxmlformats.org/presentationml/2006/main">
   <p:cSld>
     <p:spTree>
@@ -6054,7 +8577,15 @@
           <a:p>
             <a:r>
               <a:rPr lang="en-US" dirty="0"/>
-              <a:t>Charge Creation in Solids </a:t>
+              <a:t>Charge Creation and Detection in </a:t>
+            </a:r>
+            <a:r>
+              <a:rPr lang="en-US" dirty="0" err="1"/>
+              <a:t>CDMSlite</a:t>
+            </a:r>
+            <a:r>
+              <a:rPr lang="en-US" dirty="0"/>
+              <a:t>  </a:t>
             </a:r>
           </a:p>
         </p:txBody>
@@ -6111,7 +8642,7 @@
           <a:p>
             <a:fld id="{035DBD62-E6E0-484E-AB64-E286A6B85B65}" type="slidenum">
               <a:rPr lang="en-US" smtClean="0"/>
-              <a:t>3</a:t>
+              <a:t>4</a:t>
             </a:fld>
             <a:endParaRPr lang="en-US"/>
           </a:p>
@@ -6163,7 +8694,7 @@
         </p:nvSpPr>
         <p:spPr>
           <a:xfrm>
-            <a:off x="838200" y="2480974"/>
+            <a:off x="838200" y="1737598"/>
             <a:ext cx="4930346" cy="4524315"/>
           </a:xfrm>
           <a:prstGeom prst="rect">
@@ -6183,15 +8714,7 @@
             </a:pPr>
             <a:r>
               <a:rPr lang="en-US" dirty="0"/>
-              <a:t>When dark matter hits a </a:t>
-            </a:r>
-            <a:r>
-              <a:rPr lang="en-US" dirty="0" err="1"/>
-              <a:t>nucleous</a:t>
-            </a:r>
-            <a:r>
-              <a:rPr lang="en-US" dirty="0"/>
-              <a:t>, charge is liberated. </a:t>
+              <a:t>Electron-Hole pairs and Prompt Phonons are liberated when particle interacts with the nuclei in the detector. (Silicon or Germanium) </a:t>
             </a:r>
           </a:p>
           <a:p>
@@ -6208,8 +8731,22 @@
             </a:pPr>
             <a:r>
               <a:rPr lang="en-US" dirty="0"/>
-              <a:t>Current generation of low threshold detectors  count number of charge carriers produced. </a:t>
-            </a:r>
+              <a:t>These detectors measure total phonon energy. Which make them really good electron-hole pair counters due to the Luke-</a:t>
+            </a:r>
+            <a:r>
+              <a:rPr lang="en-US" dirty="0" err="1"/>
+              <a:t>Neganov</a:t>
+            </a:r>
+            <a:r>
+              <a:rPr lang="en-US" dirty="0"/>
+              <a:t> effect.</a:t>
+            </a:r>
+          </a:p>
+          <a:p>
+            <a:endParaRPr lang="en-US" dirty="0"/>
+          </a:p>
+          <a:p>
+            <a:endParaRPr lang="en-US" dirty="0"/>
           </a:p>
           <a:p>
             <a:pPr marL="285750" indent="-285750">
@@ -6219,15 +8756,6 @@
             <a:endParaRPr lang="en-US" dirty="0"/>
           </a:p>
           <a:p>
-            <a:endParaRPr lang="en-US" dirty="0"/>
-          </a:p>
-          <a:p>
-            <a:endParaRPr lang="en-US" dirty="0"/>
-          </a:p>
-          <a:p>
-            <a:endParaRPr lang="en-US" dirty="0"/>
-          </a:p>
-          <a:p>
             <a:pPr marL="285750" indent="-285750">
               <a:buFont typeface="Arial" panose="020B0604020202020204" pitchFamily="34" charset="0"/>
               <a:buChar char="•"/>
@@ -6269,13 +8797,6 @@
             </a:pPr>
             <a:endParaRPr lang="en-US" dirty="0"/>
           </a:p>
-          <a:p>
-            <a:pPr marL="285750" indent="-285750">
-              <a:buFont typeface="Arial" panose="020B0604020202020204" pitchFamily="34" charset="0"/>
-              <a:buChar char="•"/>
-            </a:pPr>
-            <a:endParaRPr lang="en-US" dirty="0"/>
-          </a:p>
         </p:txBody>
       </p:sp>
       <p:grpSp>
@@ -6292,9 +8813,9 @@
         </p:nvGrpSpPr>
         <p:grpSpPr>
           <a:xfrm>
-            <a:off x="1886429" y="4743131"/>
+            <a:off x="1886429" y="4920879"/>
             <a:ext cx="2833888" cy="932233"/>
-            <a:chOff x="6634777" y="4844048"/>
+            <a:chOff x="6606201" y="4844048"/>
             <a:chExt cx="2833888" cy="932233"/>
           </a:xfrm>
         </p:grpSpPr>
@@ -6320,7 +8841,7 @@
           </p:blipFill>
           <p:spPr>
             <a:xfrm>
-              <a:off x="6634777" y="5250230"/>
+              <a:off x="6606201" y="5250230"/>
               <a:ext cx="2833888" cy="526051"/>
             </a:xfrm>
             <a:prstGeom prst="rect">
@@ -6372,7 +8893,7 @@
 </p:sld>
 </file>
 
-<file path=ppt/slides/slide4.xml><?xml version="1.0" encoding="utf-8"?>
+<file path=ppt/slides/slide5.xml><?xml version="1.0" encoding="utf-8"?>
 <p:sld xmlns:a="http://schemas.openxmlformats.org/drawingml/2006/main" xmlns:r="http://schemas.openxmlformats.org/officeDocument/2006/relationships" xmlns:p="http://schemas.openxmlformats.org/presentationml/2006/main">
   <p:cSld>
     <p:spTree>
@@ -6394,6 +8915,433 @@
           <p:cNvPr id="2" name="Title 1">
             <a:extLst>
               <a:ext uri="{FF2B5EF4-FFF2-40B4-BE49-F238E27FC236}">
+                <a16:creationId xmlns:a16="http://schemas.microsoft.com/office/drawing/2014/main" id="{24B7DF4A-1926-FD4C-94CA-990D4B267C66}"/>
+              </a:ext>
+            </a:extLst>
+          </p:cNvPr>
+          <p:cNvSpPr>
+            <a:spLocks noGrp="1"/>
+          </p:cNvSpPr>
+          <p:nvPr>
+            <p:ph type="title"/>
+          </p:nvPr>
+        </p:nvSpPr>
+        <p:spPr/>
+        <p:txBody>
+          <a:bodyPr/>
+          <a:lstStyle/>
+          <a:p>
+            <a:r>
+              <a:rPr lang="en-US" dirty="0"/>
+              <a:t>Electron – Hole Pair Creation </a:t>
+            </a:r>
+          </a:p>
+        </p:txBody>
+      </p:sp>
+      <p:sp>
+        <p:nvSpPr>
+          <p:cNvPr id="3" name="Slide Number Placeholder 2">
+            <a:extLst>
+              <a:ext uri="{FF2B5EF4-FFF2-40B4-BE49-F238E27FC236}">
+                <a16:creationId xmlns:a16="http://schemas.microsoft.com/office/drawing/2014/main" id="{3EE1539B-7753-2A46-99F3-9F1D56504805}"/>
+              </a:ext>
+            </a:extLst>
+          </p:cNvPr>
+          <p:cNvSpPr>
+            <a:spLocks noGrp="1"/>
+          </p:cNvSpPr>
+          <p:nvPr>
+            <p:ph type="sldNum" sz="quarter" idx="12"/>
+          </p:nvPr>
+        </p:nvSpPr>
+        <p:spPr/>
+        <p:txBody>
+          <a:bodyPr/>
+          <a:lstStyle/>
+          <a:p>
+            <a:fld id="{035DBD62-E6E0-484E-AB64-E286A6B85B65}" type="slidenum">
+              <a:rPr lang="en-US" smtClean="0"/>
+              <a:t>5</a:t>
+            </a:fld>
+            <a:endParaRPr lang="en-US" dirty="0"/>
+          </a:p>
+        </p:txBody>
+      </p:sp>
+      <p:sp>
+        <p:nvSpPr>
+          <p:cNvPr id="4" name="TextBox 3">
+            <a:extLst>
+              <a:ext uri="{FF2B5EF4-FFF2-40B4-BE49-F238E27FC236}">
+                <a16:creationId xmlns:a16="http://schemas.microsoft.com/office/drawing/2014/main" id="{F7891556-283B-394C-AF9F-1957E51B2D4B}"/>
+              </a:ext>
+            </a:extLst>
+          </p:cNvPr>
+          <p:cNvSpPr txBox="1"/>
+          <p:nvPr/>
+        </p:nvSpPr>
+        <p:spPr>
+          <a:xfrm>
+            <a:off x="2792627" y="2681416"/>
+            <a:ext cx="184731" cy="369332"/>
+          </a:xfrm>
+          <a:prstGeom prst="rect">
+            <a:avLst/>
+          </a:prstGeom>
+          <a:noFill/>
+        </p:spPr>
+        <p:txBody>
+          <a:bodyPr wrap="none" rtlCol="0">
+            <a:spAutoFit/>
+          </a:bodyPr>
+          <a:lstStyle/>
+          <a:p>
+            <a:endParaRPr lang="en-US" dirty="0"/>
+          </a:p>
+        </p:txBody>
+      </p:sp>
+      <p:sp>
+        <p:nvSpPr>
+          <p:cNvPr id="6" name="TextBox 5">
+            <a:extLst>
+              <a:ext uri="{FF2B5EF4-FFF2-40B4-BE49-F238E27FC236}">
+                <a16:creationId xmlns:a16="http://schemas.microsoft.com/office/drawing/2014/main" id="{48197547-3408-3D43-843B-FBD677241214}"/>
+              </a:ext>
+            </a:extLst>
+          </p:cNvPr>
+          <p:cNvSpPr txBox="1"/>
+          <p:nvPr/>
+        </p:nvSpPr>
+        <p:spPr>
+          <a:xfrm>
+            <a:off x="825843" y="1649978"/>
+            <a:ext cx="4930346" cy="5632311"/>
+          </a:xfrm>
+          <a:prstGeom prst="rect">
+            <a:avLst/>
+          </a:prstGeom>
+          <a:noFill/>
+        </p:spPr>
+        <p:txBody>
+          <a:bodyPr wrap="square" rtlCol="0">
+            <a:spAutoFit/>
+          </a:bodyPr>
+          <a:lstStyle/>
+          <a:p>
+            <a:pPr marL="285750" indent="-285750">
+              <a:buFont typeface="Arial" panose="020B0604020202020204" pitchFamily="34" charset="0"/>
+              <a:buChar char="•"/>
+            </a:pPr>
+            <a:r>
+              <a:rPr lang="en-US" dirty="0"/>
+              <a:t>The ionization yield Y converts from recoil energy </a:t>
+            </a:r>
+            <a:r>
+              <a:rPr lang="en-US" dirty="0" err="1"/>
+              <a:t>Er</a:t>
+            </a:r>
+            <a:r>
+              <a:rPr lang="en-US" dirty="0"/>
+              <a:t> to the average number of electron-hole pairs produced &lt;</a:t>
+            </a:r>
+            <a:r>
+              <a:rPr lang="en-US" dirty="0" err="1"/>
+              <a:t>Neh</a:t>
+            </a:r>
+            <a:r>
+              <a:rPr lang="en-US" dirty="0"/>
+              <a:t>&gt;</a:t>
+            </a:r>
+          </a:p>
+          <a:p>
+            <a:pPr marL="285750" indent="-285750">
+              <a:buFont typeface="Arial" panose="020B0604020202020204" pitchFamily="34" charset="0"/>
+              <a:buChar char="•"/>
+            </a:pPr>
+            <a:endParaRPr lang="en-US" dirty="0"/>
+          </a:p>
+          <a:p>
+            <a:pPr marL="285750" indent="-285750">
+              <a:buFont typeface="Arial" panose="020B0604020202020204" pitchFamily="34" charset="0"/>
+              <a:buChar char="•"/>
+            </a:pPr>
+            <a:r>
+              <a:rPr lang="en-US" dirty="0"/>
+              <a:t>The mean number of electron hole pairs produced varies greatly for electron recoils and nuclear recoils. </a:t>
+            </a:r>
+          </a:p>
+          <a:p>
+            <a:pPr marL="285750" indent="-285750">
+              <a:buFont typeface="Arial" panose="020B0604020202020204" pitchFamily="34" charset="0"/>
+              <a:buChar char="•"/>
+            </a:pPr>
+            <a:endParaRPr lang="en-US" dirty="0"/>
+          </a:p>
+          <a:p>
+            <a:pPr marL="285750" indent="-285750">
+              <a:buFont typeface="Arial" panose="020B0604020202020204" pitchFamily="34" charset="0"/>
+              <a:buChar char="•"/>
+            </a:pPr>
+            <a:r>
+              <a:rPr lang="en-US" dirty="0"/>
+              <a:t>Measurements of charge and phonon would mean great discrimination between electron and nuclear recoils (far better than PSD and liquid scintillators)</a:t>
+            </a:r>
+          </a:p>
+          <a:p>
+            <a:pPr marL="285750" indent="-285750">
+              <a:buFont typeface="Arial" panose="020B0604020202020204" pitchFamily="34" charset="0"/>
+              <a:buChar char="•"/>
+            </a:pPr>
+            <a:endParaRPr lang="en-US" dirty="0"/>
+          </a:p>
+          <a:p>
+            <a:endParaRPr lang="en-US" dirty="0"/>
+          </a:p>
+          <a:p>
+            <a:pPr marL="285750" indent="-285750">
+              <a:buFont typeface="Arial" panose="020B0604020202020204" pitchFamily="34" charset="0"/>
+              <a:buChar char="•"/>
+            </a:pPr>
+            <a:endParaRPr lang="en-US" dirty="0"/>
+          </a:p>
+          <a:p>
+            <a:pPr marL="285750" indent="-285750">
+              <a:buFont typeface="Arial" panose="020B0604020202020204" pitchFamily="34" charset="0"/>
+              <a:buChar char="•"/>
+            </a:pPr>
+            <a:endParaRPr lang="en-US" dirty="0"/>
+          </a:p>
+          <a:p>
+            <a:endParaRPr lang="en-US" dirty="0"/>
+          </a:p>
+          <a:p>
+            <a:pPr marL="285750" indent="-285750">
+              <a:buFont typeface="Arial" panose="020B0604020202020204" pitchFamily="34" charset="0"/>
+              <a:buChar char="•"/>
+            </a:pPr>
+            <a:endParaRPr lang="en-US" dirty="0"/>
+          </a:p>
+          <a:p>
+            <a:pPr marL="285750" indent="-285750">
+              <a:buFont typeface="Arial" panose="020B0604020202020204" pitchFamily="34" charset="0"/>
+              <a:buChar char="•"/>
+            </a:pPr>
+            <a:endParaRPr lang="en-US" dirty="0"/>
+          </a:p>
+          <a:p>
+            <a:pPr marL="285750" indent="-285750">
+              <a:buFont typeface="Arial" panose="020B0604020202020204" pitchFamily="34" charset="0"/>
+              <a:buChar char="•"/>
+            </a:pPr>
+            <a:endParaRPr lang="en-US" dirty="0"/>
+          </a:p>
+        </p:txBody>
+      </p:sp>
+      <p:pic>
+        <p:nvPicPr>
+          <p:cNvPr id="12" name="Picture 11">
+            <a:extLst>
+              <a:ext uri="{FF2B5EF4-FFF2-40B4-BE49-F238E27FC236}">
+                <a16:creationId xmlns:a16="http://schemas.microsoft.com/office/drawing/2014/main" id="{779EE5C9-A9BC-A147-8E03-1E7C53D9CB2F}"/>
+              </a:ext>
+            </a:extLst>
+          </p:cNvPr>
+          <p:cNvPicPr>
+            <a:picLocks noChangeAspect="1"/>
+          </p:cNvPicPr>
+          <p:nvPr/>
+        </p:nvPicPr>
+        <p:blipFill>
+          <a:blip r:embed="rId3"/>
+          <a:stretch>
+            <a:fillRect/>
+          </a:stretch>
+        </p:blipFill>
+        <p:spPr>
+          <a:xfrm>
+            <a:off x="7076482" y="1649978"/>
+            <a:ext cx="2957025" cy="1325563"/>
+          </a:xfrm>
+          <a:prstGeom prst="rect">
+            <a:avLst/>
+          </a:prstGeom>
+        </p:spPr>
+      </p:pic>
+      <p:pic>
+        <p:nvPicPr>
+          <p:cNvPr id="14" name="Picture 13">
+            <a:extLst>
+              <a:ext uri="{FF2B5EF4-FFF2-40B4-BE49-F238E27FC236}">
+                <a16:creationId xmlns:a16="http://schemas.microsoft.com/office/drawing/2014/main" id="{DA36B9B5-C651-054C-907F-D0D076CE3416}"/>
+              </a:ext>
+            </a:extLst>
+          </p:cNvPr>
+          <p:cNvPicPr>
+            <a:picLocks noChangeAspect="1"/>
+          </p:cNvPicPr>
+          <p:nvPr/>
+        </p:nvPicPr>
+        <p:blipFill>
+          <a:blip r:embed="rId4"/>
+          <a:stretch>
+            <a:fillRect/>
+          </a:stretch>
+        </p:blipFill>
+        <p:spPr>
+          <a:xfrm>
+            <a:off x="7076482" y="3429000"/>
+            <a:ext cx="4145852" cy="1447758"/>
+          </a:xfrm>
+          <a:prstGeom prst="rect">
+            <a:avLst/>
+          </a:prstGeom>
+        </p:spPr>
+      </p:pic>
+      <p:sp>
+        <p:nvSpPr>
+          <p:cNvPr id="15" name="TextBox 14">
+            <a:extLst>
+              <a:ext uri="{FF2B5EF4-FFF2-40B4-BE49-F238E27FC236}">
+                <a16:creationId xmlns:a16="http://schemas.microsoft.com/office/drawing/2014/main" id="{99D16253-3686-624B-8260-EABEC28458A3}"/>
+              </a:ext>
+            </a:extLst>
+          </p:cNvPr>
+          <p:cNvSpPr txBox="1"/>
+          <p:nvPr/>
+        </p:nvSpPr>
+        <p:spPr>
+          <a:xfrm>
+            <a:off x="7760043" y="1297459"/>
+            <a:ext cx="1715470" cy="369332"/>
+          </a:xfrm>
+          <a:prstGeom prst="rect">
+            <a:avLst/>
+          </a:prstGeom>
+          <a:noFill/>
+        </p:spPr>
+        <p:txBody>
+          <a:bodyPr wrap="none" rtlCol="0">
+            <a:spAutoFit/>
+          </a:bodyPr>
+          <a:lstStyle/>
+          <a:p>
+            <a:r>
+              <a:rPr lang="en-US" u="sng" dirty="0"/>
+              <a:t>Electron Recoils </a:t>
+            </a:r>
+          </a:p>
+        </p:txBody>
+      </p:sp>
+      <p:sp>
+        <p:nvSpPr>
+          <p:cNvPr id="16" name="TextBox 15">
+            <a:extLst>
+              <a:ext uri="{FF2B5EF4-FFF2-40B4-BE49-F238E27FC236}">
+                <a16:creationId xmlns:a16="http://schemas.microsoft.com/office/drawing/2014/main" id="{B7FA9A01-1822-8E42-AB0B-B9C582331989}"/>
+              </a:ext>
+            </a:extLst>
+          </p:cNvPr>
+          <p:cNvSpPr txBox="1"/>
+          <p:nvPr/>
+        </p:nvSpPr>
+        <p:spPr>
+          <a:xfrm>
+            <a:off x="7726242" y="3059668"/>
+            <a:ext cx="1667892" cy="369332"/>
+          </a:xfrm>
+          <a:prstGeom prst="rect">
+            <a:avLst/>
+          </a:prstGeom>
+          <a:noFill/>
+        </p:spPr>
+        <p:txBody>
+          <a:bodyPr wrap="none" rtlCol="0">
+            <a:spAutoFit/>
+          </a:bodyPr>
+          <a:lstStyle/>
+          <a:p>
+            <a:r>
+              <a:rPr lang="en-US" u="sng" dirty="0"/>
+              <a:t>Nuclear Recoils </a:t>
+            </a:r>
+          </a:p>
+        </p:txBody>
+      </p:sp>
+      <p:sp>
+        <p:nvSpPr>
+          <p:cNvPr id="17" name="TextBox 16">
+            <a:extLst>
+              <a:ext uri="{FF2B5EF4-FFF2-40B4-BE49-F238E27FC236}">
+                <a16:creationId xmlns:a16="http://schemas.microsoft.com/office/drawing/2014/main" id="{4AF3D352-2684-D049-94CF-88052F779D55}"/>
+              </a:ext>
+            </a:extLst>
+          </p:cNvPr>
+          <p:cNvSpPr txBox="1"/>
+          <p:nvPr/>
+        </p:nvSpPr>
+        <p:spPr>
+          <a:xfrm>
+            <a:off x="7076482" y="5449329"/>
+            <a:ext cx="3918317" cy="646331"/>
+          </a:xfrm>
+          <a:prstGeom prst="rect">
+            <a:avLst/>
+          </a:prstGeom>
+          <a:noFill/>
+        </p:spPr>
+        <p:txBody>
+          <a:bodyPr wrap="none" rtlCol="0">
+            <a:spAutoFit/>
+          </a:bodyPr>
+          <a:lstStyle/>
+          <a:p>
+            <a:r>
+              <a:rPr lang="en-US" dirty="0"/>
+              <a:t>This makes the energy scale for nuclear </a:t>
+            </a:r>
+          </a:p>
+          <a:p>
+            <a:r>
+              <a:rPr lang="en-US" dirty="0"/>
+              <a:t>recoils nonlinear. </a:t>
+            </a:r>
+          </a:p>
+        </p:txBody>
+      </p:sp>
+    </p:spTree>
+    <p:extLst>
+      <p:ext uri="{BB962C8B-B14F-4D97-AF65-F5344CB8AC3E}">
+        <p14:creationId xmlns:p14="http://schemas.microsoft.com/office/powerpoint/2010/main" val="4234354266"/>
+      </p:ext>
+    </p:extLst>
+  </p:cSld>
+  <p:clrMapOvr>
+    <a:masterClrMapping/>
+  </p:clrMapOvr>
+</p:sld>
+</file>
+
+<file path=ppt/slides/slide6.xml><?xml version="1.0" encoding="utf-8"?>
+<p:sld xmlns:a="http://schemas.openxmlformats.org/drawingml/2006/main" xmlns:r="http://schemas.openxmlformats.org/officeDocument/2006/relationships" xmlns:p="http://schemas.openxmlformats.org/presentationml/2006/main">
+  <p:cSld>
+    <p:spTree>
+      <p:nvGrpSpPr>
+        <p:cNvPr id="1" name=""/>
+        <p:cNvGrpSpPr/>
+        <p:nvPr/>
+      </p:nvGrpSpPr>
+      <p:grpSpPr>
+        <a:xfrm>
+          <a:off x="0" y="0"/>
+          <a:ext cx="0" cy="0"/>
+          <a:chOff x="0" y="0"/>
+          <a:chExt cx="0" cy="0"/>
+        </a:xfrm>
+      </p:grpSpPr>
+      <p:sp>
+        <p:nvSpPr>
+          <p:cNvPr id="2" name="Title 1">
+            <a:extLst>
+              <a:ext uri="{FF2B5EF4-FFF2-40B4-BE49-F238E27FC236}">
                 <a16:creationId xmlns:a16="http://schemas.microsoft.com/office/drawing/2014/main" id="{029CC9B3-EA40-584D-92A7-B27B260E40EE}"/>
               </a:ext>
             </a:extLst>
@@ -6549,7 +9497,7 @@
           <a:p>
             <a:fld id="{035DBD62-E6E0-484E-AB64-E286A6B85B65}" type="slidenum">
               <a:rPr lang="en-US" smtClean="0"/>
-              <a:t>4</a:t>
+              <a:t>6</a:t>
             </a:fld>
             <a:endParaRPr lang="en-US"/>
           </a:p>
@@ -6628,7 +9576,7 @@
 </p:sld>
 </file>
 
-<file path=ppt/slides/slide5.xml><?xml version="1.0" encoding="utf-8"?>
+<file path=ppt/slides/slide7.xml><?xml version="1.0" encoding="utf-8"?>
 <p:sld xmlns:a="http://schemas.openxmlformats.org/drawingml/2006/main" xmlns:r="http://schemas.openxmlformats.org/officeDocument/2006/relationships" xmlns:p="http://schemas.openxmlformats.org/presentationml/2006/main">
   <p:cSld>
     <p:spTree>
@@ -6650,433 +9598,6 @@
           <p:cNvPr id="2" name="Title 1">
             <a:extLst>
               <a:ext uri="{FF2B5EF4-FFF2-40B4-BE49-F238E27FC236}">
-                <a16:creationId xmlns:a16="http://schemas.microsoft.com/office/drawing/2014/main" id="{24B7DF4A-1926-FD4C-94CA-990D4B267C66}"/>
-              </a:ext>
-            </a:extLst>
-          </p:cNvPr>
-          <p:cNvSpPr>
-            <a:spLocks noGrp="1"/>
-          </p:cNvSpPr>
-          <p:nvPr>
-            <p:ph type="title"/>
-          </p:nvPr>
-        </p:nvSpPr>
-        <p:spPr/>
-        <p:txBody>
-          <a:bodyPr/>
-          <a:lstStyle/>
-          <a:p>
-            <a:r>
-              <a:rPr lang="en-US" dirty="0"/>
-              <a:t>Ionization Yield </a:t>
-            </a:r>
-          </a:p>
-        </p:txBody>
-      </p:sp>
-      <p:sp>
-        <p:nvSpPr>
-          <p:cNvPr id="3" name="Slide Number Placeholder 2">
-            <a:extLst>
-              <a:ext uri="{FF2B5EF4-FFF2-40B4-BE49-F238E27FC236}">
-                <a16:creationId xmlns:a16="http://schemas.microsoft.com/office/drawing/2014/main" id="{3EE1539B-7753-2A46-99F3-9F1D56504805}"/>
-              </a:ext>
-            </a:extLst>
-          </p:cNvPr>
-          <p:cNvSpPr>
-            <a:spLocks noGrp="1"/>
-          </p:cNvSpPr>
-          <p:nvPr>
-            <p:ph type="sldNum" sz="quarter" idx="12"/>
-          </p:nvPr>
-        </p:nvSpPr>
-        <p:spPr/>
-        <p:txBody>
-          <a:bodyPr/>
-          <a:lstStyle/>
-          <a:p>
-            <a:fld id="{035DBD62-E6E0-484E-AB64-E286A6B85B65}" type="slidenum">
-              <a:rPr lang="en-US" smtClean="0"/>
-              <a:t>5</a:t>
-            </a:fld>
-            <a:endParaRPr lang="en-US" dirty="0"/>
-          </a:p>
-        </p:txBody>
-      </p:sp>
-      <p:sp>
-        <p:nvSpPr>
-          <p:cNvPr id="4" name="TextBox 3">
-            <a:extLst>
-              <a:ext uri="{FF2B5EF4-FFF2-40B4-BE49-F238E27FC236}">
-                <a16:creationId xmlns:a16="http://schemas.microsoft.com/office/drawing/2014/main" id="{F7891556-283B-394C-AF9F-1957E51B2D4B}"/>
-              </a:ext>
-            </a:extLst>
-          </p:cNvPr>
-          <p:cNvSpPr txBox="1"/>
-          <p:nvPr/>
-        </p:nvSpPr>
-        <p:spPr>
-          <a:xfrm>
-            <a:off x="2792627" y="2681416"/>
-            <a:ext cx="184731" cy="369332"/>
-          </a:xfrm>
-          <a:prstGeom prst="rect">
-            <a:avLst/>
-          </a:prstGeom>
-          <a:noFill/>
-        </p:spPr>
-        <p:txBody>
-          <a:bodyPr wrap="none" rtlCol="0">
-            <a:spAutoFit/>
-          </a:bodyPr>
-          <a:lstStyle/>
-          <a:p>
-            <a:endParaRPr lang="en-US" dirty="0"/>
-          </a:p>
-        </p:txBody>
-      </p:sp>
-      <p:sp>
-        <p:nvSpPr>
-          <p:cNvPr id="6" name="TextBox 5">
-            <a:extLst>
-              <a:ext uri="{FF2B5EF4-FFF2-40B4-BE49-F238E27FC236}">
-                <a16:creationId xmlns:a16="http://schemas.microsoft.com/office/drawing/2014/main" id="{48197547-3408-3D43-843B-FBD677241214}"/>
-              </a:ext>
-            </a:extLst>
-          </p:cNvPr>
-          <p:cNvSpPr txBox="1"/>
-          <p:nvPr/>
-        </p:nvSpPr>
-        <p:spPr>
-          <a:xfrm>
-            <a:off x="825843" y="1649978"/>
-            <a:ext cx="4930346" cy="5632311"/>
-          </a:xfrm>
-          <a:prstGeom prst="rect">
-            <a:avLst/>
-          </a:prstGeom>
-          <a:noFill/>
-        </p:spPr>
-        <p:txBody>
-          <a:bodyPr wrap="square" rtlCol="0">
-            <a:spAutoFit/>
-          </a:bodyPr>
-          <a:lstStyle/>
-          <a:p>
-            <a:pPr marL="285750" indent="-285750">
-              <a:buFont typeface="Arial" panose="020B0604020202020204" pitchFamily="34" charset="0"/>
-              <a:buChar char="•"/>
-            </a:pPr>
-            <a:r>
-              <a:rPr lang="en-US" dirty="0"/>
-              <a:t>The ionization yield Y converts from recoil energy </a:t>
-            </a:r>
-            <a:r>
-              <a:rPr lang="en-US" dirty="0" err="1"/>
-              <a:t>Er</a:t>
-            </a:r>
-            <a:r>
-              <a:rPr lang="en-US" dirty="0"/>
-              <a:t> to the average number of electron-hole pairs produced &lt;</a:t>
-            </a:r>
-            <a:r>
-              <a:rPr lang="en-US" dirty="0" err="1"/>
-              <a:t>Neh</a:t>
-            </a:r>
-            <a:r>
-              <a:rPr lang="en-US" dirty="0"/>
-              <a:t>&gt;</a:t>
-            </a:r>
-          </a:p>
-          <a:p>
-            <a:pPr marL="285750" indent="-285750">
-              <a:buFont typeface="Arial" panose="020B0604020202020204" pitchFamily="34" charset="0"/>
-              <a:buChar char="•"/>
-            </a:pPr>
-            <a:endParaRPr lang="en-US" dirty="0"/>
-          </a:p>
-          <a:p>
-            <a:pPr marL="285750" indent="-285750">
-              <a:buFont typeface="Arial" panose="020B0604020202020204" pitchFamily="34" charset="0"/>
-              <a:buChar char="•"/>
-            </a:pPr>
-            <a:r>
-              <a:rPr lang="en-US" dirty="0"/>
-              <a:t>The mean number of electron hole pairs produced varies greatly for electron recoils and nuclear recoils. </a:t>
-            </a:r>
-          </a:p>
-          <a:p>
-            <a:pPr marL="285750" indent="-285750">
-              <a:buFont typeface="Arial" panose="020B0604020202020204" pitchFamily="34" charset="0"/>
-              <a:buChar char="•"/>
-            </a:pPr>
-            <a:endParaRPr lang="en-US" dirty="0"/>
-          </a:p>
-          <a:p>
-            <a:pPr marL="285750" indent="-285750">
-              <a:buFont typeface="Arial" panose="020B0604020202020204" pitchFamily="34" charset="0"/>
-              <a:buChar char="•"/>
-            </a:pPr>
-            <a:r>
-              <a:rPr lang="en-US" dirty="0"/>
-              <a:t>Measurements of charge and phonon would mean great discrimination between electron and nuclear recoils (far better than PSD and liquid scintillators)</a:t>
-            </a:r>
-          </a:p>
-          <a:p>
-            <a:pPr marL="285750" indent="-285750">
-              <a:buFont typeface="Arial" panose="020B0604020202020204" pitchFamily="34" charset="0"/>
-              <a:buChar char="•"/>
-            </a:pPr>
-            <a:endParaRPr lang="en-US" dirty="0"/>
-          </a:p>
-          <a:p>
-            <a:endParaRPr lang="en-US" dirty="0"/>
-          </a:p>
-          <a:p>
-            <a:pPr marL="285750" indent="-285750">
-              <a:buFont typeface="Arial" panose="020B0604020202020204" pitchFamily="34" charset="0"/>
-              <a:buChar char="•"/>
-            </a:pPr>
-            <a:endParaRPr lang="en-US" dirty="0"/>
-          </a:p>
-          <a:p>
-            <a:pPr marL="285750" indent="-285750">
-              <a:buFont typeface="Arial" panose="020B0604020202020204" pitchFamily="34" charset="0"/>
-              <a:buChar char="•"/>
-            </a:pPr>
-            <a:endParaRPr lang="en-US" dirty="0"/>
-          </a:p>
-          <a:p>
-            <a:endParaRPr lang="en-US" dirty="0"/>
-          </a:p>
-          <a:p>
-            <a:pPr marL="285750" indent="-285750">
-              <a:buFont typeface="Arial" panose="020B0604020202020204" pitchFamily="34" charset="0"/>
-              <a:buChar char="•"/>
-            </a:pPr>
-            <a:endParaRPr lang="en-US" dirty="0"/>
-          </a:p>
-          <a:p>
-            <a:pPr marL="285750" indent="-285750">
-              <a:buFont typeface="Arial" panose="020B0604020202020204" pitchFamily="34" charset="0"/>
-              <a:buChar char="•"/>
-            </a:pPr>
-            <a:endParaRPr lang="en-US" dirty="0"/>
-          </a:p>
-          <a:p>
-            <a:pPr marL="285750" indent="-285750">
-              <a:buFont typeface="Arial" panose="020B0604020202020204" pitchFamily="34" charset="0"/>
-              <a:buChar char="•"/>
-            </a:pPr>
-            <a:endParaRPr lang="en-US" dirty="0"/>
-          </a:p>
-        </p:txBody>
-      </p:sp>
-      <p:pic>
-        <p:nvPicPr>
-          <p:cNvPr id="12" name="Picture 11">
-            <a:extLst>
-              <a:ext uri="{FF2B5EF4-FFF2-40B4-BE49-F238E27FC236}">
-                <a16:creationId xmlns:a16="http://schemas.microsoft.com/office/drawing/2014/main" id="{779EE5C9-A9BC-A147-8E03-1E7C53D9CB2F}"/>
-              </a:ext>
-            </a:extLst>
-          </p:cNvPr>
-          <p:cNvPicPr>
-            <a:picLocks noChangeAspect="1"/>
-          </p:cNvPicPr>
-          <p:nvPr/>
-        </p:nvPicPr>
-        <p:blipFill>
-          <a:blip r:embed="rId3"/>
-          <a:stretch>
-            <a:fillRect/>
-          </a:stretch>
-        </p:blipFill>
-        <p:spPr>
-          <a:xfrm>
-            <a:off x="7076482" y="1649978"/>
-            <a:ext cx="2957025" cy="1325563"/>
-          </a:xfrm>
-          <a:prstGeom prst="rect">
-            <a:avLst/>
-          </a:prstGeom>
-        </p:spPr>
-      </p:pic>
-      <p:pic>
-        <p:nvPicPr>
-          <p:cNvPr id="14" name="Picture 13">
-            <a:extLst>
-              <a:ext uri="{FF2B5EF4-FFF2-40B4-BE49-F238E27FC236}">
-                <a16:creationId xmlns:a16="http://schemas.microsoft.com/office/drawing/2014/main" id="{DA36B9B5-C651-054C-907F-D0D076CE3416}"/>
-              </a:ext>
-            </a:extLst>
-          </p:cNvPr>
-          <p:cNvPicPr>
-            <a:picLocks noChangeAspect="1"/>
-          </p:cNvPicPr>
-          <p:nvPr/>
-        </p:nvPicPr>
-        <p:blipFill>
-          <a:blip r:embed="rId4"/>
-          <a:stretch>
-            <a:fillRect/>
-          </a:stretch>
-        </p:blipFill>
-        <p:spPr>
-          <a:xfrm>
-            <a:off x="7076482" y="3429000"/>
-            <a:ext cx="4145852" cy="1447758"/>
-          </a:xfrm>
-          <a:prstGeom prst="rect">
-            <a:avLst/>
-          </a:prstGeom>
-        </p:spPr>
-      </p:pic>
-      <p:sp>
-        <p:nvSpPr>
-          <p:cNvPr id="15" name="TextBox 14">
-            <a:extLst>
-              <a:ext uri="{FF2B5EF4-FFF2-40B4-BE49-F238E27FC236}">
-                <a16:creationId xmlns:a16="http://schemas.microsoft.com/office/drawing/2014/main" id="{99D16253-3686-624B-8260-EABEC28458A3}"/>
-              </a:ext>
-            </a:extLst>
-          </p:cNvPr>
-          <p:cNvSpPr txBox="1"/>
-          <p:nvPr/>
-        </p:nvSpPr>
-        <p:spPr>
-          <a:xfrm>
-            <a:off x="7760043" y="1297459"/>
-            <a:ext cx="1715470" cy="369332"/>
-          </a:xfrm>
-          <a:prstGeom prst="rect">
-            <a:avLst/>
-          </a:prstGeom>
-          <a:noFill/>
-        </p:spPr>
-        <p:txBody>
-          <a:bodyPr wrap="none" rtlCol="0">
-            <a:spAutoFit/>
-          </a:bodyPr>
-          <a:lstStyle/>
-          <a:p>
-            <a:r>
-              <a:rPr lang="en-US" u="sng" dirty="0"/>
-              <a:t>Electron Recoils </a:t>
-            </a:r>
-          </a:p>
-        </p:txBody>
-      </p:sp>
-      <p:sp>
-        <p:nvSpPr>
-          <p:cNvPr id="16" name="TextBox 15">
-            <a:extLst>
-              <a:ext uri="{FF2B5EF4-FFF2-40B4-BE49-F238E27FC236}">
-                <a16:creationId xmlns:a16="http://schemas.microsoft.com/office/drawing/2014/main" id="{B7FA9A01-1822-8E42-AB0B-B9C582331989}"/>
-              </a:ext>
-            </a:extLst>
-          </p:cNvPr>
-          <p:cNvSpPr txBox="1"/>
-          <p:nvPr/>
-        </p:nvSpPr>
-        <p:spPr>
-          <a:xfrm>
-            <a:off x="7726242" y="3059668"/>
-            <a:ext cx="1667892" cy="369332"/>
-          </a:xfrm>
-          <a:prstGeom prst="rect">
-            <a:avLst/>
-          </a:prstGeom>
-          <a:noFill/>
-        </p:spPr>
-        <p:txBody>
-          <a:bodyPr wrap="none" rtlCol="0">
-            <a:spAutoFit/>
-          </a:bodyPr>
-          <a:lstStyle/>
-          <a:p>
-            <a:r>
-              <a:rPr lang="en-US" u="sng" dirty="0"/>
-              <a:t>Nuclear Recoils </a:t>
-            </a:r>
-          </a:p>
-        </p:txBody>
-      </p:sp>
-      <p:sp>
-        <p:nvSpPr>
-          <p:cNvPr id="17" name="TextBox 16">
-            <a:extLst>
-              <a:ext uri="{FF2B5EF4-FFF2-40B4-BE49-F238E27FC236}">
-                <a16:creationId xmlns:a16="http://schemas.microsoft.com/office/drawing/2014/main" id="{4AF3D352-2684-D049-94CF-88052F779D55}"/>
-              </a:ext>
-            </a:extLst>
-          </p:cNvPr>
-          <p:cNvSpPr txBox="1"/>
-          <p:nvPr/>
-        </p:nvSpPr>
-        <p:spPr>
-          <a:xfrm>
-            <a:off x="7076482" y="5449329"/>
-            <a:ext cx="3918317" cy="646331"/>
-          </a:xfrm>
-          <a:prstGeom prst="rect">
-            <a:avLst/>
-          </a:prstGeom>
-          <a:noFill/>
-        </p:spPr>
-        <p:txBody>
-          <a:bodyPr wrap="none" rtlCol="0">
-            <a:spAutoFit/>
-          </a:bodyPr>
-          <a:lstStyle/>
-          <a:p>
-            <a:r>
-              <a:rPr lang="en-US" dirty="0"/>
-              <a:t>This makes the energy scale for nuclear </a:t>
-            </a:r>
-          </a:p>
-          <a:p>
-            <a:r>
-              <a:rPr lang="en-US" dirty="0"/>
-              <a:t>recoils nonlinear. </a:t>
-            </a:r>
-          </a:p>
-        </p:txBody>
-      </p:sp>
-    </p:spTree>
-    <p:extLst>
-      <p:ext uri="{BB962C8B-B14F-4D97-AF65-F5344CB8AC3E}">
-        <p14:creationId xmlns:p14="http://schemas.microsoft.com/office/powerpoint/2010/main" val="4234354266"/>
-      </p:ext>
-    </p:extLst>
-  </p:cSld>
-  <p:clrMapOvr>
-    <a:masterClrMapping/>
-  </p:clrMapOvr>
-</p:sld>
-</file>
-
-<file path=ppt/slides/slide6.xml><?xml version="1.0" encoding="utf-8"?>
-<p:sld xmlns:a="http://schemas.openxmlformats.org/drawingml/2006/main" xmlns:r="http://schemas.openxmlformats.org/officeDocument/2006/relationships" xmlns:p="http://schemas.openxmlformats.org/presentationml/2006/main">
-  <p:cSld>
-    <p:spTree>
-      <p:nvGrpSpPr>
-        <p:cNvPr id="1" name=""/>
-        <p:cNvGrpSpPr/>
-        <p:nvPr/>
-      </p:nvGrpSpPr>
-      <p:grpSpPr>
-        <a:xfrm>
-          <a:off x="0" y="0"/>
-          <a:ext cx="0" cy="0"/>
-          <a:chOff x="0" y="0"/>
-          <a:chExt cx="0" cy="0"/>
-        </a:xfrm>
-      </p:grpSpPr>
-      <p:sp>
-        <p:nvSpPr>
-          <p:cNvPr id="2" name="Title 1">
-            <a:extLst>
-              <a:ext uri="{FF2B5EF4-FFF2-40B4-BE49-F238E27FC236}">
                 <a16:creationId xmlns:a16="http://schemas.microsoft.com/office/drawing/2014/main" id="{19447540-A80A-E148-9B2F-9EFA205801D4}"/>
               </a:ext>
             </a:extLst>
@@ -7209,7 +9730,7 @@
           <a:p>
             <a:fld id="{035DBD62-E6E0-484E-AB64-E286A6B85B65}" type="slidenum">
               <a:rPr lang="en-US" smtClean="0"/>
-              <a:t>6</a:t>
+              <a:t>7</a:t>
             </a:fld>
             <a:endParaRPr lang="en-US"/>
           </a:p>
@@ -7258,7 +9779,7 @@
 </p:sld>
 </file>
 
-<file path=ppt/slides/slide7.xml><?xml version="1.0" encoding="utf-8"?>
+<file path=ppt/slides/slide8.xml><?xml version="1.0" encoding="utf-8"?>
 <p:sld xmlns:a="http://schemas.openxmlformats.org/drawingml/2006/main" xmlns:r="http://schemas.openxmlformats.org/officeDocument/2006/relationships" xmlns:p="http://schemas.openxmlformats.org/presentationml/2006/main">
   <p:cSld>
     <p:spTree>
@@ -7393,7 +9914,7 @@
           <a:p>
             <a:fld id="{035DBD62-E6E0-484E-AB64-E286A6B85B65}" type="slidenum">
               <a:rPr lang="en-US" smtClean="0"/>
-              <a:t>7</a:t>
+              <a:t>8</a:t>
             </a:fld>
             <a:endParaRPr lang="en-US"/>
           </a:p>
@@ -7442,7 +9963,7 @@
 </p:sld>
 </file>
 
-<file path=ppt/slides/slide8.xml><?xml version="1.0" encoding="utf-8"?>
+<file path=ppt/slides/slide9.xml><?xml version="1.0" encoding="utf-8"?>
 <p:sld xmlns:a="http://schemas.openxmlformats.org/drawingml/2006/main" xmlns:r="http://schemas.openxmlformats.org/officeDocument/2006/relationships" xmlns:p="http://schemas.openxmlformats.org/presentationml/2006/main">
   <p:cSld>
     <p:spTree>
@@ -7514,7 +10035,7 @@
           <a:p>
             <a:fld id="{035DBD62-E6E0-484E-AB64-E286A6B85B65}" type="slidenum">
               <a:rPr lang="en-US" smtClean="0"/>
-              <a:t>8</a:t>
+              <a:t>9</a:t>
             </a:fld>
             <a:endParaRPr lang="en-US"/>
           </a:p>
@@ -7690,224 +10211,6 @@
     <p:extLst>
       <p:ext uri="{BB962C8B-B14F-4D97-AF65-F5344CB8AC3E}">
         <p14:creationId xmlns:p14="http://schemas.microsoft.com/office/powerpoint/2010/main" val="2699634194"/>
-      </p:ext>
-    </p:extLst>
-  </p:cSld>
-  <p:clrMapOvr>
-    <a:masterClrMapping/>
-  </p:clrMapOvr>
-</p:sld>
-</file>
-
-<file path=ppt/slides/slide9.xml><?xml version="1.0" encoding="utf-8"?>
-<p:sld xmlns:a="http://schemas.openxmlformats.org/drawingml/2006/main" xmlns:r="http://schemas.openxmlformats.org/officeDocument/2006/relationships" xmlns:p="http://schemas.openxmlformats.org/presentationml/2006/main">
-  <p:cSld>
-    <p:spTree>
-      <p:nvGrpSpPr>
-        <p:cNvPr id="1" name=""/>
-        <p:cNvGrpSpPr/>
-        <p:nvPr/>
-      </p:nvGrpSpPr>
-      <p:grpSpPr>
-        <a:xfrm>
-          <a:off x="0" y="0"/>
-          <a:ext cx="0" cy="0"/>
-          <a:chOff x="0" y="0"/>
-          <a:chExt cx="0" cy="0"/>
-        </a:xfrm>
-      </p:grpSpPr>
-      <p:sp>
-        <p:nvSpPr>
-          <p:cNvPr id="3" name="Title 2">
-            <a:extLst>
-              <a:ext uri="{FF2B5EF4-FFF2-40B4-BE49-F238E27FC236}">
-                <a16:creationId xmlns:a16="http://schemas.microsoft.com/office/drawing/2014/main" id="{7B230F94-B493-CE43-929A-2A41F3FEB4EF}"/>
-              </a:ext>
-            </a:extLst>
-          </p:cNvPr>
-          <p:cNvSpPr>
-            <a:spLocks noGrp="1"/>
-          </p:cNvSpPr>
-          <p:nvPr>
-            <p:ph type="title"/>
-          </p:nvPr>
-        </p:nvSpPr>
-        <p:spPr/>
-        <p:txBody>
-          <a:bodyPr>
-            <a:normAutofit fontScale="90000"/>
-          </a:bodyPr>
-          <a:lstStyle/>
-          <a:p>
-            <a:br>
-              <a:rPr lang="en-US" dirty="0"/>
-            </a:br>
-            <a:r>
-              <a:rPr lang="en-US" sz="4900" dirty="0"/>
-              <a:t>Quantifying</a:t>
-            </a:r>
-            <a:r>
-              <a:rPr lang="en-US" dirty="0"/>
-              <a:t> Ionization Variance </a:t>
-            </a:r>
-            <a:br>
-              <a:rPr lang="en-US" dirty="0"/>
-            </a:br>
-            <a:endParaRPr lang="en-US" dirty="0"/>
-          </a:p>
-        </p:txBody>
-      </p:sp>
-      <p:sp>
-        <p:nvSpPr>
-          <p:cNvPr id="9" name="Content Placeholder 8">
-            <a:extLst>
-              <a:ext uri="{FF2B5EF4-FFF2-40B4-BE49-F238E27FC236}">
-                <a16:creationId xmlns:a16="http://schemas.microsoft.com/office/drawing/2014/main" id="{64E94FD4-7193-134C-8BE7-18D70D086E45}"/>
-              </a:ext>
-            </a:extLst>
-          </p:cNvPr>
-          <p:cNvSpPr>
-            <a:spLocks noGrp="1"/>
-          </p:cNvSpPr>
-          <p:nvPr>
-            <p:ph idx="1"/>
-          </p:nvPr>
-        </p:nvSpPr>
-        <p:spPr>
-          <a:xfrm>
-            <a:off x="838200" y="1825625"/>
-            <a:ext cx="5618096" cy="4351338"/>
-          </a:xfrm>
-        </p:spPr>
-        <p:txBody>
-          <a:bodyPr>
-            <a:normAutofit/>
-          </a:bodyPr>
-          <a:lstStyle/>
-          <a:p>
-            <a:r>
-              <a:rPr lang="en-US" sz="1800" dirty="0"/>
-              <a:t>Ability to directly to measure charge and phonons separately. Allowing for a direct measurement of the ionization efficiency. </a:t>
-            </a:r>
-          </a:p>
-          <a:p>
-            <a:endParaRPr lang="en-US" sz="1800" dirty="0"/>
-          </a:p>
-          <a:p>
-            <a:r>
-              <a:rPr lang="en-US" sz="1800" dirty="0"/>
-              <a:t>Should be able to extract the width of the nuclear recoil band.</a:t>
-            </a:r>
-          </a:p>
-          <a:p>
-            <a:endParaRPr lang="en-US" sz="1800" dirty="0"/>
-          </a:p>
-          <a:p>
-            <a:r>
-              <a:rPr lang="en-US" sz="1800" dirty="0"/>
-              <a:t>Allows quantify the variation in electron hole pair production. </a:t>
-            </a:r>
-          </a:p>
-        </p:txBody>
-      </p:sp>
-      <p:sp>
-        <p:nvSpPr>
-          <p:cNvPr id="4" name="Slide Number Placeholder 3">
-            <a:extLst>
-              <a:ext uri="{FF2B5EF4-FFF2-40B4-BE49-F238E27FC236}">
-                <a16:creationId xmlns:a16="http://schemas.microsoft.com/office/drawing/2014/main" id="{3BB79DFF-2B30-6C4A-B3BC-8451CDEEBBAD}"/>
-              </a:ext>
-            </a:extLst>
-          </p:cNvPr>
-          <p:cNvSpPr>
-            <a:spLocks noGrp="1"/>
-          </p:cNvSpPr>
-          <p:nvPr>
-            <p:ph type="sldNum" sz="quarter" idx="12"/>
-          </p:nvPr>
-        </p:nvSpPr>
-        <p:spPr/>
-        <p:txBody>
-          <a:bodyPr/>
-          <a:lstStyle/>
-          <a:p>
-            <a:fld id="{035DBD62-E6E0-484E-AB64-E286A6B85B65}" type="slidenum">
-              <a:rPr lang="en-US" smtClean="0"/>
-              <a:t>9</a:t>
-            </a:fld>
-            <a:endParaRPr lang="en-US"/>
-          </a:p>
-        </p:txBody>
-      </p:sp>
-      <p:pic>
-        <p:nvPicPr>
-          <p:cNvPr id="13" name="Picture 12">
-            <a:extLst>
-              <a:ext uri="{FF2B5EF4-FFF2-40B4-BE49-F238E27FC236}">
-                <a16:creationId xmlns:a16="http://schemas.microsoft.com/office/drawing/2014/main" id="{C6CC82BA-8986-654D-9749-C1F34B36D70B}"/>
-              </a:ext>
-            </a:extLst>
-          </p:cNvPr>
-          <p:cNvPicPr>
-            <a:picLocks noChangeAspect="1"/>
-          </p:cNvPicPr>
-          <p:nvPr/>
-        </p:nvPicPr>
-        <p:blipFill>
-          <a:blip r:embed="rId3"/>
-          <a:stretch>
-            <a:fillRect/>
-          </a:stretch>
-        </p:blipFill>
-        <p:spPr>
-          <a:xfrm>
-            <a:off x="6456296" y="1806670"/>
-            <a:ext cx="4897504" cy="4920390"/>
-          </a:xfrm>
-          <a:prstGeom prst="rect">
-            <a:avLst/>
-          </a:prstGeom>
-        </p:spPr>
-      </p:pic>
-      <p:sp>
-        <p:nvSpPr>
-          <p:cNvPr id="2" name="TextBox 1">
-            <a:extLst>
-              <a:ext uri="{FF2B5EF4-FFF2-40B4-BE49-F238E27FC236}">
-                <a16:creationId xmlns:a16="http://schemas.microsoft.com/office/drawing/2014/main" id="{3A2733A5-9A6F-C04B-B0B4-30BF2F429201}"/>
-              </a:ext>
-            </a:extLst>
-          </p:cNvPr>
-          <p:cNvSpPr txBox="1"/>
-          <p:nvPr/>
-        </p:nvSpPr>
-        <p:spPr>
-          <a:xfrm>
-            <a:off x="9510818" y="6535265"/>
-            <a:ext cx="2571538" cy="307777"/>
-          </a:xfrm>
-          <a:prstGeom prst="rect">
-            <a:avLst/>
-          </a:prstGeom>
-          <a:noFill/>
-        </p:spPr>
-        <p:txBody>
-          <a:bodyPr wrap="none" rtlCol="0">
-            <a:spAutoFit/>
-          </a:bodyPr>
-          <a:lstStyle/>
-          <a:p>
-            <a:r>
-              <a:rPr lang="en-US" sz="1400" dirty="0"/>
-              <a:t>DOI 10.1016/j.nima.2004.04.218</a:t>
-            </a:r>
-          </a:p>
-        </p:txBody>
-      </p:sp>
-    </p:spTree>
-    <p:extLst>
-      <p:ext uri="{BB962C8B-B14F-4D97-AF65-F5344CB8AC3E}">
-        <p14:creationId xmlns:p14="http://schemas.microsoft.com/office/powerpoint/2010/main" val="4115652011"/>
       </p:ext>
     </p:extLst>
   </p:cSld>
